--- a/report/Parallel MCMC.pptx
+++ b/report/Parallel MCMC.pptx
@@ -5,12 +5,28 @@
     <p:sldMasterId id="2147483732" r:id="rId1"/>
   </p:sldMasterIdLst>
   <p:notesMasterIdLst>
-    <p:notesMasterId r:id="rId5"/>
+    <p:notesMasterId r:id="rId21"/>
   </p:notesMasterIdLst>
   <p:sldIdLst>
     <p:sldId id="256" r:id="rId2"/>
     <p:sldId id="257" r:id="rId3"/>
     <p:sldId id="258" r:id="rId4"/>
+    <p:sldId id="262" r:id="rId5"/>
+    <p:sldId id="259" r:id="rId6"/>
+    <p:sldId id="260" r:id="rId7"/>
+    <p:sldId id="261" r:id="rId8"/>
+    <p:sldId id="264" r:id="rId9"/>
+    <p:sldId id="265" r:id="rId10"/>
+    <p:sldId id="263" r:id="rId11"/>
+    <p:sldId id="266" r:id="rId12"/>
+    <p:sldId id="267" r:id="rId13"/>
+    <p:sldId id="268" r:id="rId14"/>
+    <p:sldId id="270" r:id="rId15"/>
+    <p:sldId id="271" r:id="rId16"/>
+    <p:sldId id="273" r:id="rId17"/>
+    <p:sldId id="272" r:id="rId18"/>
+    <p:sldId id="274" r:id="rId19"/>
+    <p:sldId id="275" r:id="rId20"/>
   </p:sldIdLst>
   <p:sldSz cx="12192000" cy="6858000"/>
   <p:notesSz cx="6858000" cy="9144000"/>
@@ -109,6 +125,11 @@
       </a:defRPr>
     </a:lvl9pPr>
   </p:defaultTextStyle>
+  <p:extLst>
+    <p:ext uri="{EFAFB233-063F-42B5-8137-9DF3F51BA10A}">
+      <p15:sldGuideLst xmlns:p15="http://schemas.microsoft.com/office/powerpoint/2012/main"/>
+    </p:ext>
+  </p:extLst>
 </p:presentation>
 </file>
 
@@ -506,7 +527,95 @@
           <a:bodyPr/>
           <a:lstStyle/>
           <a:p>
+            <a:r>
+              <a:rPr lang="en-US" dirty="0" smtClean="0"/>
+              <a:t>30 – 40 slides in total</a:t>
+            </a:r>
+            <a:endParaRPr lang="en-US" dirty="0"/>
+          </a:p>
+        </p:txBody>
+      </p:sp>
+      <p:sp>
+        <p:nvSpPr>
+          <p:cNvPr id="4" name="Slide Number Placeholder 3"/>
+          <p:cNvSpPr>
+            <a:spLocks noGrp="1"/>
+          </p:cNvSpPr>
+          <p:nvPr>
+            <p:ph type="sldNum" sz="quarter" idx="10"/>
+          </p:nvPr>
+        </p:nvSpPr>
+        <p:spPr/>
+        <p:txBody>
+          <a:bodyPr/>
+          <a:lstStyle/>
+          <a:p>
+            <a:fld id="{074FBC58-C3C6-4BB5-B0D0-D44EA5771774}" type="slidenum">
+              <a:rPr lang="en-US" smtClean="0"/>
+              <a:t>1</a:t>
+            </a:fld>
             <a:endParaRPr lang="en-US"/>
+          </a:p>
+        </p:txBody>
+      </p:sp>
+    </p:spTree>
+    <p:extLst>
+      <p:ext uri="{BB962C8B-B14F-4D97-AF65-F5344CB8AC3E}">
+        <p14:creationId xmlns:p14="http://schemas.microsoft.com/office/powerpoint/2010/main" val="3751333607"/>
+      </p:ext>
+    </p:extLst>
+  </p:cSld>
+  <p:clrMapOvr>
+    <a:masterClrMapping/>
+  </p:clrMapOvr>
+</p:notes>
+</file>
+
+<file path=ppt/notesSlides/notesSlide2.xml><?xml version="1.0" encoding="utf-8"?>
+<p:notes xmlns:a="http://schemas.openxmlformats.org/drawingml/2006/main" xmlns:r="http://schemas.openxmlformats.org/officeDocument/2006/relationships" xmlns:p="http://schemas.openxmlformats.org/presentationml/2006/main">
+  <p:cSld>
+    <p:spTree>
+      <p:nvGrpSpPr>
+        <p:cNvPr id="1" name=""/>
+        <p:cNvGrpSpPr/>
+        <p:nvPr/>
+      </p:nvGrpSpPr>
+      <p:grpSpPr>
+        <a:xfrm>
+          <a:off x="0" y="0"/>
+          <a:ext cx="0" cy="0"/>
+          <a:chOff x="0" y="0"/>
+          <a:chExt cx="0" cy="0"/>
+        </a:xfrm>
+      </p:grpSpPr>
+      <p:sp>
+        <p:nvSpPr>
+          <p:cNvPr id="2" name="Slide Image Placeholder 1"/>
+          <p:cNvSpPr>
+            <a:spLocks noGrp="1" noRot="1" noChangeAspect="1"/>
+          </p:cNvSpPr>
+          <p:nvPr>
+            <p:ph type="sldImg"/>
+          </p:nvPr>
+        </p:nvSpPr>
+        <p:spPr/>
+      </p:sp>
+      <p:sp>
+        <p:nvSpPr>
+          <p:cNvPr id="3" name="Notes Placeholder 2"/>
+          <p:cNvSpPr>
+            <a:spLocks noGrp="1"/>
+          </p:cNvSpPr>
+          <p:nvPr>
+            <p:ph type="body" idx="1"/>
+          </p:nvPr>
+        </p:nvSpPr>
+        <p:spPr/>
+        <p:txBody>
+          <a:bodyPr/>
+          <a:lstStyle/>
+          <a:p>
+            <a:endParaRPr lang="en-US" dirty="0"/>
           </a:p>
         </p:txBody>
       </p:sp>
@@ -537,6 +646,274 @@
     <p:extLst>
       <p:ext uri="{BB962C8B-B14F-4D97-AF65-F5344CB8AC3E}">
         <p14:creationId xmlns:p14="http://schemas.microsoft.com/office/powerpoint/2010/main" val="4241158885"/>
+      </p:ext>
+    </p:extLst>
+  </p:cSld>
+  <p:clrMapOvr>
+    <a:masterClrMapping/>
+  </p:clrMapOvr>
+</p:notes>
+</file>
+
+<file path=ppt/notesSlides/notesSlide3.xml><?xml version="1.0" encoding="utf-8"?>
+<p:notes xmlns:a="http://schemas.openxmlformats.org/drawingml/2006/main" xmlns:r="http://schemas.openxmlformats.org/officeDocument/2006/relationships" xmlns:p="http://schemas.openxmlformats.org/presentationml/2006/main">
+  <p:cSld>
+    <p:spTree>
+      <p:nvGrpSpPr>
+        <p:cNvPr id="1" name=""/>
+        <p:cNvGrpSpPr/>
+        <p:nvPr/>
+      </p:nvGrpSpPr>
+      <p:grpSpPr>
+        <a:xfrm>
+          <a:off x="0" y="0"/>
+          <a:ext cx="0" cy="0"/>
+          <a:chOff x="0" y="0"/>
+          <a:chExt cx="0" cy="0"/>
+        </a:xfrm>
+      </p:grpSpPr>
+      <p:sp>
+        <p:nvSpPr>
+          <p:cNvPr id="2" name="Slide Image Placeholder 1"/>
+          <p:cNvSpPr>
+            <a:spLocks noGrp="1" noRot="1" noChangeAspect="1"/>
+          </p:cNvSpPr>
+          <p:nvPr>
+            <p:ph type="sldImg"/>
+          </p:nvPr>
+        </p:nvSpPr>
+        <p:spPr/>
+      </p:sp>
+      <p:sp>
+        <p:nvSpPr>
+          <p:cNvPr id="3" name="Notes Placeholder 2"/>
+          <p:cNvSpPr>
+            <a:spLocks noGrp="1"/>
+          </p:cNvSpPr>
+          <p:nvPr>
+            <p:ph type="body" idx="1"/>
+          </p:nvPr>
+        </p:nvSpPr>
+        <p:spPr/>
+        <p:txBody>
+          <a:bodyPr/>
+          <a:lstStyle/>
+          <a:p>
+            <a:r>
+              <a:rPr lang="en-US" dirty="0" smtClean="0"/>
+              <a:t>1 slides for Monte-Carlo; 1 slides for Markov</a:t>
+            </a:r>
+            <a:r>
+              <a:rPr lang="en-US" baseline="0" dirty="0" smtClean="0"/>
+              <a:t> Chain MC; 1 slides for Object Detection; 1 slide</a:t>
+            </a:r>
+            <a:endParaRPr lang="en-US" dirty="0"/>
+          </a:p>
+        </p:txBody>
+      </p:sp>
+      <p:sp>
+        <p:nvSpPr>
+          <p:cNvPr id="4" name="Slide Number Placeholder 3"/>
+          <p:cNvSpPr>
+            <a:spLocks noGrp="1"/>
+          </p:cNvSpPr>
+          <p:nvPr>
+            <p:ph type="sldNum" sz="quarter" idx="10"/>
+          </p:nvPr>
+        </p:nvSpPr>
+        <p:spPr/>
+        <p:txBody>
+          <a:bodyPr/>
+          <a:lstStyle/>
+          <a:p>
+            <a:fld id="{074FBC58-C3C6-4BB5-B0D0-D44EA5771774}" type="slidenum">
+              <a:rPr lang="en-US" smtClean="0"/>
+              <a:t>3</a:t>
+            </a:fld>
+            <a:endParaRPr lang="en-US"/>
+          </a:p>
+        </p:txBody>
+      </p:sp>
+    </p:spTree>
+    <p:extLst>
+      <p:ext uri="{BB962C8B-B14F-4D97-AF65-F5344CB8AC3E}">
+        <p14:creationId xmlns:p14="http://schemas.microsoft.com/office/powerpoint/2010/main" val="1046854306"/>
+      </p:ext>
+    </p:extLst>
+  </p:cSld>
+  <p:clrMapOvr>
+    <a:masterClrMapping/>
+  </p:clrMapOvr>
+</p:notes>
+</file>
+
+<file path=ppt/notesSlides/notesSlide4.xml><?xml version="1.0" encoding="utf-8"?>
+<p:notes xmlns:a="http://schemas.openxmlformats.org/drawingml/2006/main" xmlns:r="http://schemas.openxmlformats.org/officeDocument/2006/relationships" xmlns:p="http://schemas.openxmlformats.org/presentationml/2006/main">
+  <p:cSld>
+    <p:spTree>
+      <p:nvGrpSpPr>
+        <p:cNvPr id="1" name=""/>
+        <p:cNvGrpSpPr/>
+        <p:nvPr/>
+      </p:nvGrpSpPr>
+      <p:grpSpPr>
+        <a:xfrm>
+          <a:off x="0" y="0"/>
+          <a:ext cx="0" cy="0"/>
+          <a:chOff x="0" y="0"/>
+          <a:chExt cx="0" cy="0"/>
+        </a:xfrm>
+      </p:grpSpPr>
+      <p:sp>
+        <p:nvSpPr>
+          <p:cNvPr id="2" name="Slide Image Placeholder 1"/>
+          <p:cNvSpPr>
+            <a:spLocks noGrp="1" noRot="1" noChangeAspect="1"/>
+          </p:cNvSpPr>
+          <p:nvPr>
+            <p:ph type="sldImg"/>
+          </p:nvPr>
+        </p:nvSpPr>
+        <p:spPr/>
+      </p:sp>
+      <p:sp>
+        <p:nvSpPr>
+          <p:cNvPr id="3" name="Notes Placeholder 2"/>
+          <p:cNvSpPr>
+            <a:spLocks noGrp="1"/>
+          </p:cNvSpPr>
+          <p:nvPr>
+            <p:ph type="body" idx="1"/>
+          </p:nvPr>
+        </p:nvSpPr>
+        <p:spPr/>
+        <p:txBody>
+          <a:bodyPr/>
+          <a:lstStyle/>
+          <a:p>
+            <a:r>
+              <a:rPr lang="en-US" dirty="0" smtClean="0"/>
+              <a:t>1 slides for Monte-Carlo; 1 slides for Markov</a:t>
+            </a:r>
+            <a:r>
+              <a:rPr lang="en-US" baseline="0" dirty="0" smtClean="0"/>
+              <a:t> Chain MC; 1 slides for Object Detection; 1 slide</a:t>
+            </a:r>
+            <a:endParaRPr lang="en-US" dirty="0"/>
+          </a:p>
+        </p:txBody>
+      </p:sp>
+      <p:sp>
+        <p:nvSpPr>
+          <p:cNvPr id="4" name="Slide Number Placeholder 3"/>
+          <p:cNvSpPr>
+            <a:spLocks noGrp="1"/>
+          </p:cNvSpPr>
+          <p:nvPr>
+            <p:ph type="sldNum" sz="quarter" idx="10"/>
+          </p:nvPr>
+        </p:nvSpPr>
+        <p:spPr/>
+        <p:txBody>
+          <a:bodyPr/>
+          <a:lstStyle/>
+          <a:p>
+            <a:fld id="{074FBC58-C3C6-4BB5-B0D0-D44EA5771774}" type="slidenum">
+              <a:rPr lang="en-US" smtClean="0"/>
+              <a:t>4</a:t>
+            </a:fld>
+            <a:endParaRPr lang="en-US"/>
+          </a:p>
+        </p:txBody>
+      </p:sp>
+    </p:spTree>
+    <p:extLst>
+      <p:ext uri="{BB962C8B-B14F-4D97-AF65-F5344CB8AC3E}">
+        <p14:creationId xmlns:p14="http://schemas.microsoft.com/office/powerpoint/2010/main" val="4104377247"/>
+      </p:ext>
+    </p:extLst>
+  </p:cSld>
+  <p:clrMapOvr>
+    <a:masterClrMapping/>
+  </p:clrMapOvr>
+</p:notes>
+</file>
+
+<file path=ppt/notesSlides/notesSlide5.xml><?xml version="1.0" encoding="utf-8"?>
+<p:notes xmlns:a="http://schemas.openxmlformats.org/drawingml/2006/main" xmlns:r="http://schemas.openxmlformats.org/officeDocument/2006/relationships" xmlns:p="http://schemas.openxmlformats.org/presentationml/2006/main">
+  <p:cSld>
+    <p:spTree>
+      <p:nvGrpSpPr>
+        <p:cNvPr id="1" name=""/>
+        <p:cNvGrpSpPr/>
+        <p:nvPr/>
+      </p:nvGrpSpPr>
+      <p:grpSpPr>
+        <a:xfrm>
+          <a:off x="0" y="0"/>
+          <a:ext cx="0" cy="0"/>
+          <a:chOff x="0" y="0"/>
+          <a:chExt cx="0" cy="0"/>
+        </a:xfrm>
+      </p:grpSpPr>
+      <p:sp>
+        <p:nvSpPr>
+          <p:cNvPr id="2" name="Slide Image Placeholder 1"/>
+          <p:cNvSpPr>
+            <a:spLocks noGrp="1" noRot="1" noChangeAspect="1"/>
+          </p:cNvSpPr>
+          <p:nvPr>
+            <p:ph type="sldImg"/>
+          </p:nvPr>
+        </p:nvSpPr>
+        <p:spPr/>
+      </p:sp>
+      <p:sp>
+        <p:nvSpPr>
+          <p:cNvPr id="3" name="Notes Placeholder 2"/>
+          <p:cNvSpPr>
+            <a:spLocks noGrp="1"/>
+          </p:cNvSpPr>
+          <p:nvPr>
+            <p:ph type="body" idx="1"/>
+          </p:nvPr>
+        </p:nvSpPr>
+        <p:spPr/>
+        <p:txBody>
+          <a:bodyPr/>
+          <a:lstStyle/>
+          <a:p>
+            <a:endParaRPr lang="en-US"/>
+          </a:p>
+        </p:txBody>
+      </p:sp>
+      <p:sp>
+        <p:nvSpPr>
+          <p:cNvPr id="4" name="Slide Number Placeholder 3"/>
+          <p:cNvSpPr>
+            <a:spLocks noGrp="1"/>
+          </p:cNvSpPr>
+          <p:nvPr>
+            <p:ph type="sldNum" sz="quarter" idx="10"/>
+          </p:nvPr>
+        </p:nvSpPr>
+        <p:spPr/>
+        <p:txBody>
+          <a:bodyPr/>
+          <a:lstStyle/>
+          <a:p>
+            <a:fld id="{074FBC58-C3C6-4BB5-B0D0-D44EA5771774}" type="slidenum">
+              <a:rPr lang="en-US" smtClean="0"/>
+              <a:t>8</a:t>
+            </a:fld>
+            <a:endParaRPr lang="en-US"/>
+          </a:p>
+        </p:txBody>
+      </p:sp>
+    </p:spTree>
+    <p:extLst>
+      <p:ext uri="{BB962C8B-B14F-4D97-AF65-F5344CB8AC3E}">
+        <p14:creationId xmlns:p14="http://schemas.microsoft.com/office/powerpoint/2010/main" val="2393520626"/>
       </p:ext>
     </p:extLst>
   </p:cSld>
@@ -675,9 +1052,9 @@
           <a:bodyPr/>
           <a:lstStyle/>
           <a:p>
-            <a:fld id="{1E6389CA-2483-48F9-AAF6-3CB0F8CA631D}" type="datetime1">
-              <a:rPr lang="en-US" smtClean="0"/>
-              <a:t>4/25/2015</a:t>
+            <a:fld id="{C471D1CD-2B41-4CD1-991A-D829C0CC7433}" type="datetime1">
+              <a:rPr lang="en-US" smtClean="0"/>
+              <a:t>4/27/2015</a:t>
             </a:fld>
             <a:endParaRPr lang="en-US"/>
           </a:p>
@@ -700,9 +1077,9 @@
           <a:p>
             <a:r>
               <a:rPr lang="en-US" smtClean="0"/>
-              <a:t>Final Project – Spring 2015</a:t>
-            </a:r>
-            <a:endParaRPr lang="en-US"/>
+              <a:t>ECEN 5060 – Final Project – Spring 2015</a:t>
+            </a:r>
+            <a:endParaRPr lang="en-US" dirty="0"/>
           </a:p>
         </p:txBody>
       </p:sp>
@@ -725,7 +1102,7 @@
               <a:rPr lang="en-US" smtClean="0"/>
               <a:t>‹#›</a:t>
             </a:fld>
-            <a:endParaRPr lang="en-US"/>
+            <a:endParaRPr lang="en-US" dirty="0"/>
           </a:p>
         </p:txBody>
       </p:sp>
@@ -739,6 +1116,13 @@
   <p:clrMapOvr>
     <a:masterClrMapping/>
   </p:clrMapOvr>
+  <p:timing>
+    <p:tnLst>
+      <p:par>
+        <p:cTn id="1" dur="indefinite" restart="never" nodeType="tmRoot"/>
+      </p:par>
+    </p:tnLst>
+  </p:timing>
 </p:sldLayout>
 </file>
 
@@ -849,9 +1233,9 @@
           <a:bodyPr/>
           <a:lstStyle/>
           <a:p>
-            <a:fld id="{2B8F80B1-1BA4-4006-8120-D04F777B5E09}" type="datetime1">
-              <a:rPr lang="en-US" smtClean="0"/>
-              <a:t>4/25/2015</a:t>
+            <a:fld id="{0C31AF9D-F438-4E0D-BA77-9E21EAACB660}" type="datetime1">
+              <a:rPr lang="en-US" smtClean="0"/>
+              <a:t>4/27/2015</a:t>
             </a:fld>
             <a:endParaRPr lang="en-US"/>
           </a:p>
@@ -874,7 +1258,7 @@
           <a:p>
             <a:r>
               <a:rPr lang="en-US" smtClean="0"/>
-              <a:t>Final Project – Spring 2015</a:t>
+              <a:t>ECEN 5060 – Final Project – Spring 2015</a:t>
             </a:r>
             <a:endParaRPr lang="en-US"/>
           </a:p>
@@ -1033,9 +1417,9 @@
           <a:bodyPr/>
           <a:lstStyle/>
           <a:p>
-            <a:fld id="{43037E3E-9306-4BFF-B457-1C840AA83601}" type="datetime1">
-              <a:rPr lang="en-US" smtClean="0"/>
-              <a:t>4/25/2015</a:t>
+            <a:fld id="{E94C13B0-BDDA-4FE8-972B-D8DB06A9589A}" type="datetime1">
+              <a:rPr lang="en-US" smtClean="0"/>
+              <a:t>4/27/2015</a:t>
             </a:fld>
             <a:endParaRPr lang="en-US"/>
           </a:p>
@@ -1058,7 +1442,7 @@
           <a:p>
             <a:r>
               <a:rPr lang="en-US" smtClean="0"/>
-              <a:t>Final Project – Spring 2015</a:t>
+              <a:t>ECEN 5060 – Final Project – Spring 2015</a:t>
             </a:r>
             <a:endParaRPr lang="en-US"/>
           </a:p>
@@ -1241,11 +1625,11 @@
             </a:lvl1pPr>
           </a:lstStyle>
           <a:p>
-            <a:fld id="{DC066AC5-40D1-4C56-A4DD-721AE5EC8C9B}" type="datetime1">
-              <a:rPr lang="en-US" smtClean="0"/>
-              <a:t>4/25/2015</a:t>
+            <a:fld id="{1DE46D94-8227-4D2B-8507-54722BD25324}" type="datetime1">
+              <a:rPr lang="en-US" smtClean="0"/>
+              <a:t>4/27/2015</a:t>
             </a:fld>
-            <a:endParaRPr lang="en-US"/>
+            <a:endParaRPr lang="en-US" dirty="0"/>
           </a:p>
         </p:txBody>
       </p:sp>
@@ -1274,7 +1658,7 @@
           <a:p>
             <a:r>
               <a:rPr lang="en-US" smtClean="0"/>
-              <a:t>Final Project – Spring 2015</a:t>
+              <a:t>ECEN 5060 – Final Project – Spring 2015</a:t>
             </a:r>
             <a:endParaRPr lang="en-US" dirty="0"/>
           </a:p>
@@ -1363,6 +1747,13 @@
   <p:clrMapOvr>
     <a:masterClrMapping/>
   </p:clrMapOvr>
+  <p:timing>
+    <p:tnLst>
+      <p:par>
+        <p:cTn id="1" dur="indefinite" restart="never" nodeType="tmRoot"/>
+      </p:par>
+    </p:tnLst>
+  </p:timing>
 </p:sldLayout>
 </file>
 
@@ -1549,9 +1940,9 @@
           <a:bodyPr/>
           <a:lstStyle/>
           <a:p>
-            <a:fld id="{D9FB6075-CB86-4C59-B9EF-B6E026214FDF}" type="datetime1">
-              <a:rPr lang="en-US" smtClean="0"/>
-              <a:t>4/25/2015</a:t>
+            <a:fld id="{CAAC6671-78AE-4647-B439-B89417A2972A}" type="datetime1">
+              <a:rPr lang="en-US" smtClean="0"/>
+              <a:t>4/27/2015</a:t>
             </a:fld>
             <a:endParaRPr lang="en-US"/>
           </a:p>
@@ -1574,7 +1965,7 @@
           <a:p>
             <a:r>
               <a:rPr lang="en-US" smtClean="0"/>
-              <a:t>Final Project – Spring 2015</a:t>
+              <a:t>ECEN 5060 – Final Project – Spring 2015</a:t>
             </a:r>
             <a:endParaRPr lang="en-US"/>
           </a:p>
@@ -1613,6 +2004,13 @@
   <p:clrMapOvr>
     <a:masterClrMapping/>
   </p:clrMapOvr>
+  <p:timing>
+    <p:tnLst>
+      <p:par>
+        <p:cTn id="1" dur="indefinite" restart="never" nodeType="tmRoot"/>
+      </p:par>
+    </p:tnLst>
+  </p:timing>
 </p:sldLayout>
 </file>
 
@@ -1785,9 +2183,9 @@
           <a:bodyPr/>
           <a:lstStyle/>
           <a:p>
-            <a:fld id="{8AAC8DF1-FE61-40D8-ACAD-D09A9D59AF23}" type="datetime1">
-              <a:rPr lang="en-US" smtClean="0"/>
-              <a:t>4/25/2015</a:t>
+            <a:fld id="{9A890633-ECD5-4F28-8302-C230E58CB29F}" type="datetime1">
+              <a:rPr lang="en-US" smtClean="0"/>
+              <a:t>4/27/2015</a:t>
             </a:fld>
             <a:endParaRPr lang="en-US"/>
           </a:p>
@@ -1810,7 +2208,7 @@
           <a:p>
             <a:r>
               <a:rPr lang="en-US" smtClean="0"/>
-              <a:t>Final Project – Spring 2015</a:t>
+              <a:t>ECEN 5060 – Final Project – Spring 2015</a:t>
             </a:r>
             <a:endParaRPr lang="en-US"/>
           </a:p>
@@ -1849,6 +2247,13 @@
   <p:clrMapOvr>
     <a:masterClrMapping/>
   </p:clrMapOvr>
+  <p:timing>
+    <p:tnLst>
+      <p:par>
+        <p:cTn id="1" dur="indefinite" restart="never" nodeType="tmRoot"/>
+      </p:par>
+    </p:tnLst>
+  </p:timing>
 </p:sldLayout>
 </file>
 
@@ -2156,9 +2561,9 @@
           <a:bodyPr/>
           <a:lstStyle/>
           <a:p>
-            <a:fld id="{17DC5062-4618-4D4E-A8BF-7EE892295F81}" type="datetime1">
-              <a:rPr lang="en-US" smtClean="0"/>
-              <a:t>4/25/2015</a:t>
+            <a:fld id="{5675A7C9-3BDE-4846-9977-871D18F87E41}" type="datetime1">
+              <a:rPr lang="en-US" smtClean="0"/>
+              <a:t>4/27/2015</a:t>
             </a:fld>
             <a:endParaRPr lang="en-US"/>
           </a:p>
@@ -2181,7 +2586,7 @@
           <a:p>
             <a:r>
               <a:rPr lang="en-US" smtClean="0"/>
-              <a:t>Final Project – Spring 2015</a:t>
+              <a:t>ECEN 5060 – Final Project – Spring 2015</a:t>
             </a:r>
             <a:endParaRPr lang="en-US"/>
           </a:p>
@@ -2278,9 +2683,9 @@
           <a:bodyPr/>
           <a:lstStyle/>
           <a:p>
-            <a:fld id="{B11E1507-589E-45DD-8087-3D03AE7642D0}" type="datetime1">
-              <a:rPr lang="en-US" smtClean="0"/>
-              <a:t>4/25/2015</a:t>
+            <a:fld id="{EBECF4C8-2F4C-4639-B0A9-383DBFA0E7F1}" type="datetime1">
+              <a:rPr lang="en-US" smtClean="0"/>
+              <a:t>4/27/2015</a:t>
             </a:fld>
             <a:endParaRPr lang="en-US"/>
           </a:p>
@@ -2303,7 +2708,7 @@
           <a:p>
             <a:r>
               <a:rPr lang="en-US" smtClean="0"/>
-              <a:t>Final Project – Spring 2015</a:t>
+              <a:t>ECEN 5060 – Final Project – Spring 2015</a:t>
             </a:r>
             <a:endParaRPr lang="en-US"/>
           </a:p>
@@ -2377,9 +2782,9 @@
           <a:bodyPr/>
           <a:lstStyle/>
           <a:p>
-            <a:fld id="{EC3D3B56-A55E-4B06-8019-EA4F65ABBABD}" type="datetime1">
-              <a:rPr lang="en-US" smtClean="0"/>
-              <a:t>4/25/2015</a:t>
+            <a:fld id="{D66FE7D3-C2C3-4EEA-B064-7AAC12CFE6B9}" type="datetime1">
+              <a:rPr lang="en-US" smtClean="0"/>
+              <a:t>4/27/2015</a:t>
             </a:fld>
             <a:endParaRPr lang="en-US"/>
           </a:p>
@@ -2402,7 +2807,7 @@
           <a:p>
             <a:r>
               <a:rPr lang="en-US" smtClean="0"/>
-              <a:t>Final Project – Spring 2015</a:t>
+              <a:t>ECEN 5060 – Final Project – Spring 2015</a:t>
             </a:r>
             <a:endParaRPr lang="en-US"/>
           </a:p>
@@ -2658,9 +3063,9 @@
           <a:bodyPr/>
           <a:lstStyle/>
           <a:p>
-            <a:fld id="{0FF77298-82C0-4D7E-9F0E-3FC24395CDC2}" type="datetime1">
-              <a:rPr lang="en-US" smtClean="0"/>
-              <a:t>4/25/2015</a:t>
+            <a:fld id="{DA8A8FF5-6E6F-4BE4-AB6D-04763182041D}" type="datetime1">
+              <a:rPr lang="en-US" smtClean="0"/>
+              <a:t>4/27/2015</a:t>
             </a:fld>
             <a:endParaRPr lang="en-US"/>
           </a:p>
@@ -2683,7 +3088,7 @@
           <a:p>
             <a:r>
               <a:rPr lang="en-US" smtClean="0"/>
-              <a:t>Final Project – Spring 2015</a:t>
+              <a:t>ECEN 5060 – Final Project – Spring 2015</a:t>
             </a:r>
             <a:endParaRPr lang="en-US"/>
           </a:p>
@@ -2915,9 +3320,9 @@
           <a:bodyPr/>
           <a:lstStyle/>
           <a:p>
-            <a:fld id="{F2731538-EC9B-4273-B532-933ACC56D585}" type="datetime1">
-              <a:rPr lang="en-US" smtClean="0"/>
-              <a:t>4/25/2015</a:t>
+            <a:fld id="{1AAEBF6A-56A6-4EEE-B0B6-176B8261AF28}" type="datetime1">
+              <a:rPr lang="en-US" smtClean="0"/>
+              <a:t>4/27/2015</a:t>
             </a:fld>
             <a:endParaRPr lang="en-US"/>
           </a:p>
@@ -2940,7 +3345,7 @@
           <a:p>
             <a:r>
               <a:rPr lang="en-US" smtClean="0"/>
-              <a:t>Final Project – Spring 2015</a:t>
+              <a:t>ECEN 5060 – Final Project – Spring 2015</a:t>
             </a:r>
             <a:endParaRPr lang="en-US"/>
           </a:p>
@@ -3132,9 +3537,9 @@
             </a:lvl1pPr>
           </a:lstStyle>
           <a:p>
-            <a:fld id="{6D115D8B-0800-446C-8538-73165B5010DA}" type="datetime1">
-              <a:rPr lang="en-US" smtClean="0"/>
-              <a:t>4/25/2015</a:t>
+            <a:fld id="{F187A1D5-C51B-4F33-90D3-948FE2CE378B}" type="datetime1">
+              <a:rPr lang="en-US" smtClean="0"/>
+              <a:t>4/27/2015</a:t>
             </a:fld>
             <a:endParaRPr lang="en-US"/>
           </a:p>
@@ -3175,7 +3580,7 @@
           <a:p>
             <a:r>
               <a:rPr lang="en-US" smtClean="0"/>
-              <a:t>Final Project – Spring 2015</a:t>
+              <a:t>ECEN 5060 – Final Project – Spring 2015</a:t>
             </a:r>
             <a:endParaRPr lang="en-US"/>
           </a:p>
@@ -3562,13 +3967,21 @@
         </p:spPr>
         <p:txBody>
           <a:bodyPr anchor="ctr">
-            <a:normAutofit/>
+            <a:normAutofit fontScale="90000"/>
           </a:bodyPr>
           <a:lstStyle/>
           <a:p>
             <a:r>
               <a:rPr lang="en-US" sz="7200" dirty="0" smtClean="0"/>
-              <a:t>Parallel Monte Carlo</a:t>
+              <a:t>Parallel </a:t>
+            </a:r>
+            <a:r>
+              <a:rPr lang="en-US" sz="7200" dirty="0" smtClean="0"/>
+              <a:t>Markov Chain </a:t>
+            </a:r>
+            <a:r>
+              <a:rPr lang="en-US" sz="7200" dirty="0" smtClean="0"/>
+              <a:t>Monte Carlo</a:t>
             </a:r>
             <a:endParaRPr lang="en-US" sz="7200" dirty="0"/>
           </a:p>
@@ -3586,7 +3999,7 @@
         </p:nvSpPr>
         <p:spPr>
           <a:xfrm>
-            <a:off x="1755820" y="3421923"/>
+            <a:off x="1755820" y="3694879"/>
             <a:ext cx="9144000" cy="1655762"/>
           </a:xfrm>
         </p:spPr>
@@ -3611,6 +4024,4612 @@
     <p:extLst>
       <p:ext uri="{BB962C8B-B14F-4D97-AF65-F5344CB8AC3E}">
         <p14:creationId xmlns:p14="http://schemas.microsoft.com/office/powerpoint/2010/main" val="174481878"/>
+      </p:ext>
+    </p:extLst>
+  </p:cSld>
+  <p:clrMapOvr>
+    <a:masterClrMapping/>
+  </p:clrMapOvr>
+  <p:timing>
+    <p:tnLst>
+      <p:par>
+        <p:cTn id="1" dur="indefinite" restart="never" nodeType="tmRoot"/>
+      </p:par>
+    </p:tnLst>
+  </p:timing>
+</p:sld>
+</file>
+
+<file path=ppt/slides/slide10.xml><?xml version="1.0" encoding="utf-8"?>
+<p:sld xmlns:a="http://schemas.openxmlformats.org/drawingml/2006/main" xmlns:r="http://schemas.openxmlformats.org/officeDocument/2006/relationships" xmlns:p="http://schemas.openxmlformats.org/presentationml/2006/main">
+  <p:cSld>
+    <p:spTree>
+      <p:nvGrpSpPr>
+        <p:cNvPr id="1" name=""/>
+        <p:cNvGrpSpPr/>
+        <p:nvPr/>
+      </p:nvGrpSpPr>
+      <p:grpSpPr>
+        <a:xfrm>
+          <a:off x="0" y="0"/>
+          <a:ext cx="0" cy="0"/>
+          <a:chOff x="0" y="0"/>
+          <a:chExt cx="0" cy="0"/>
+        </a:xfrm>
+      </p:grpSpPr>
+      <p:sp>
+        <p:nvSpPr>
+          <p:cNvPr id="2" name="Title 1"/>
+          <p:cNvSpPr>
+            <a:spLocks noGrp="1"/>
+          </p:cNvSpPr>
+          <p:nvPr>
+            <p:ph type="title"/>
+          </p:nvPr>
+        </p:nvSpPr>
+        <p:spPr/>
+        <p:txBody>
+          <a:bodyPr/>
+          <a:lstStyle/>
+          <a:p>
+            <a:r>
+              <a:rPr lang="en-US" dirty="0" smtClean="0"/>
+              <a:t>MCMC for Object Detection</a:t>
+            </a:r>
+            <a:endParaRPr lang="en-US" dirty="0"/>
+          </a:p>
+        </p:txBody>
+      </p:sp>
+      <p:sp>
+        <p:nvSpPr>
+          <p:cNvPr id="3" name="Content Placeholder 2"/>
+          <p:cNvSpPr>
+            <a:spLocks noGrp="1"/>
+          </p:cNvSpPr>
+          <p:nvPr>
+            <p:ph idx="1"/>
+          </p:nvPr>
+        </p:nvSpPr>
+        <p:spPr>
+          <a:xfrm>
+            <a:off x="838200" y="1460500"/>
+            <a:ext cx="6952397" cy="4716463"/>
+          </a:xfrm>
+        </p:spPr>
+        <p:txBody>
+          <a:bodyPr/>
+          <a:lstStyle/>
+          <a:p>
+            <a:r>
+              <a:rPr lang="en-US" dirty="0" smtClean="0"/>
+              <a:t>Given an image with K objects </a:t>
+            </a:r>
+            <a:r>
+              <a:rPr lang="en-US" dirty="0" smtClean="0">
+                <a:sym typeface="Wingdings" panose="05000000000000000000" pitchFamily="2" charset="2"/>
+              </a:rPr>
+              <a:t>locate the positions </a:t>
+            </a:r>
+            <a:r>
+              <a:rPr lang="en-US" smtClean="0">
+                <a:sym typeface="Wingdings" panose="05000000000000000000" pitchFamily="2" charset="2"/>
+              </a:rPr>
+              <a:t>of object</a:t>
+            </a:r>
+            <a:endParaRPr lang="en-US" dirty="0" smtClean="0">
+              <a:sym typeface="Wingdings" panose="05000000000000000000" pitchFamily="2" charset="2"/>
+            </a:endParaRPr>
+          </a:p>
+          <a:p>
+            <a:r>
+              <a:rPr lang="en-US" dirty="0" smtClean="0">
+                <a:sym typeface="Wingdings" panose="05000000000000000000" pitchFamily="2" charset="2"/>
+              </a:rPr>
+              <a:t>Basic Ideas:</a:t>
+            </a:r>
+          </a:p>
+          <a:p>
+            <a:pPr lvl="1"/>
+            <a:r>
+              <a:rPr lang="en-US" dirty="0" smtClean="0">
+                <a:sym typeface="Wingdings" panose="05000000000000000000" pitchFamily="2" charset="2"/>
+              </a:rPr>
+              <a:t>Metropolis Sampling for each object</a:t>
+            </a:r>
+          </a:p>
+          <a:p>
+            <a:pPr lvl="1"/>
+            <a:r>
+              <a:rPr lang="en-US" dirty="0" smtClean="0">
+                <a:sym typeface="Wingdings" panose="05000000000000000000" pitchFamily="2" charset="2"/>
+              </a:rPr>
+              <a:t>Use Gibbs Sampling to sample each object individually and sequentially</a:t>
+            </a:r>
+          </a:p>
+          <a:p>
+            <a:pPr lvl="1"/>
+            <a:r>
+              <a:rPr lang="en-US" dirty="0" smtClean="0">
+                <a:sym typeface="Wingdings" panose="05000000000000000000" pitchFamily="2" charset="2"/>
+              </a:rPr>
+              <a:t>Likelihood function (Sum Square Error) to accept/reject moves</a:t>
+            </a:r>
+          </a:p>
+          <a:p>
+            <a:pPr lvl="1"/>
+            <a:endParaRPr lang="en-US" dirty="0" smtClean="0">
+              <a:sym typeface="Wingdings" panose="05000000000000000000" pitchFamily="2" charset="2"/>
+            </a:endParaRPr>
+          </a:p>
+          <a:p>
+            <a:pPr lvl="1"/>
+            <a:endParaRPr lang="en-US" dirty="0"/>
+          </a:p>
+        </p:txBody>
+      </p:sp>
+      <p:sp>
+        <p:nvSpPr>
+          <p:cNvPr id="4" name="Date Placeholder 3"/>
+          <p:cNvSpPr>
+            <a:spLocks noGrp="1"/>
+          </p:cNvSpPr>
+          <p:nvPr>
+            <p:ph type="dt" sz="half" idx="10"/>
+          </p:nvPr>
+        </p:nvSpPr>
+        <p:spPr/>
+        <p:txBody>
+          <a:bodyPr/>
+          <a:lstStyle/>
+          <a:p>
+            <a:fld id="{81A00DAA-9CDF-4800-926A-2A96BD332ED2}" type="datetime1">
+              <a:rPr lang="en-US" smtClean="0"/>
+              <a:t>4/27/2015</a:t>
+            </a:fld>
+            <a:endParaRPr lang="en-US"/>
+          </a:p>
+        </p:txBody>
+      </p:sp>
+      <p:sp>
+        <p:nvSpPr>
+          <p:cNvPr id="5" name="Footer Placeholder 4"/>
+          <p:cNvSpPr>
+            <a:spLocks noGrp="1"/>
+          </p:cNvSpPr>
+          <p:nvPr>
+            <p:ph type="ftr" sz="quarter" idx="11"/>
+          </p:nvPr>
+        </p:nvSpPr>
+        <p:spPr/>
+        <p:txBody>
+          <a:bodyPr/>
+          <a:lstStyle/>
+          <a:p>
+            <a:r>
+              <a:rPr lang="en-US" smtClean="0"/>
+              <a:t>ECEN 5060 – Final Project – Spring 2015</a:t>
+            </a:r>
+            <a:endParaRPr lang="en-US" dirty="0"/>
+          </a:p>
+        </p:txBody>
+      </p:sp>
+      <p:sp>
+        <p:nvSpPr>
+          <p:cNvPr id="6" name="Slide Number Placeholder 5"/>
+          <p:cNvSpPr>
+            <a:spLocks noGrp="1"/>
+          </p:cNvSpPr>
+          <p:nvPr>
+            <p:ph type="sldNum" sz="quarter" idx="12"/>
+          </p:nvPr>
+        </p:nvSpPr>
+        <p:spPr/>
+        <p:txBody>
+          <a:bodyPr/>
+          <a:lstStyle/>
+          <a:p>
+            <a:fld id="{66A79FD7-B063-4613-98C2-47CB42CF0D44}" type="slidenum">
+              <a:rPr lang="en-US" smtClean="0"/>
+              <a:pPr/>
+              <a:t>10</a:t>
+            </a:fld>
+            <a:endParaRPr lang="en-US" dirty="0"/>
+          </a:p>
+        </p:txBody>
+      </p:sp>
+      <p:pic>
+        <p:nvPicPr>
+          <p:cNvPr id="7" name="Picture 6" descr="MCMC3"/>
+          <p:cNvPicPr>
+            <a:picLocks noChangeAspect="1" noChangeArrowheads="1"/>
+          </p:cNvPicPr>
+          <p:nvPr/>
+        </p:nvPicPr>
+        <p:blipFill>
+          <a:blip r:embed="rId2" cstate="print"/>
+          <a:srcRect/>
+          <a:stretch>
+            <a:fillRect/>
+          </a:stretch>
+        </p:blipFill>
+        <p:spPr bwMode="auto">
+          <a:xfrm>
+            <a:off x="8284190" y="1815151"/>
+            <a:ext cx="3656463" cy="3541475"/>
+          </a:xfrm>
+          <a:prstGeom prst="rect">
+            <a:avLst/>
+          </a:prstGeom>
+          <a:noFill/>
+          <a:ln w="9525">
+            <a:noFill/>
+            <a:miter lim="800000"/>
+            <a:headEnd/>
+            <a:tailEnd/>
+          </a:ln>
+        </p:spPr>
+      </p:pic>
+    </p:spTree>
+    <p:extLst>
+      <p:ext uri="{BB962C8B-B14F-4D97-AF65-F5344CB8AC3E}">
+        <p14:creationId xmlns:p14="http://schemas.microsoft.com/office/powerpoint/2010/main" val="1218586641"/>
+      </p:ext>
+    </p:extLst>
+  </p:cSld>
+  <p:clrMapOvr>
+    <a:masterClrMapping/>
+  </p:clrMapOvr>
+  <p:timing>
+    <p:tnLst>
+      <p:par>
+        <p:cTn id="1" dur="indefinite" restart="never" nodeType="tmRoot"/>
+      </p:par>
+    </p:tnLst>
+  </p:timing>
+</p:sld>
+</file>
+
+<file path=ppt/slides/slide11.xml><?xml version="1.0" encoding="utf-8"?>
+<p:sld xmlns:a="http://schemas.openxmlformats.org/drawingml/2006/main" xmlns:r="http://schemas.openxmlformats.org/officeDocument/2006/relationships" xmlns:p="http://schemas.openxmlformats.org/presentationml/2006/main">
+  <p:cSld>
+    <p:spTree>
+      <p:nvGrpSpPr>
+        <p:cNvPr id="1" name=""/>
+        <p:cNvGrpSpPr/>
+        <p:nvPr/>
+      </p:nvGrpSpPr>
+      <p:grpSpPr>
+        <a:xfrm>
+          <a:off x="0" y="0"/>
+          <a:ext cx="0" cy="0"/>
+          <a:chOff x="0" y="0"/>
+          <a:chExt cx="0" cy="0"/>
+        </a:xfrm>
+      </p:grpSpPr>
+      <p:sp>
+        <p:nvSpPr>
+          <p:cNvPr id="4" name="Date Placeholder 3"/>
+          <p:cNvSpPr>
+            <a:spLocks noGrp="1"/>
+          </p:cNvSpPr>
+          <p:nvPr>
+            <p:ph type="dt" sz="half" idx="10"/>
+          </p:nvPr>
+        </p:nvSpPr>
+        <p:spPr/>
+        <p:txBody>
+          <a:bodyPr/>
+          <a:lstStyle/>
+          <a:p>
+            <a:fld id="{ABA13371-AF71-4354-86E6-C911B62ABD12}" type="datetime1">
+              <a:rPr lang="en-US" smtClean="0"/>
+              <a:t>4/27/2015</a:t>
+            </a:fld>
+            <a:endParaRPr lang="en-US"/>
+          </a:p>
+        </p:txBody>
+      </p:sp>
+      <p:sp>
+        <p:nvSpPr>
+          <p:cNvPr id="5" name="Footer Placeholder 4"/>
+          <p:cNvSpPr>
+            <a:spLocks noGrp="1"/>
+          </p:cNvSpPr>
+          <p:nvPr>
+            <p:ph type="ftr" sz="quarter" idx="11"/>
+          </p:nvPr>
+        </p:nvSpPr>
+        <p:spPr/>
+        <p:txBody>
+          <a:bodyPr/>
+          <a:lstStyle/>
+          <a:p>
+            <a:r>
+              <a:rPr lang="en-US" smtClean="0"/>
+              <a:t>ECEN 5060 – Final Project – Spring 2015</a:t>
+            </a:r>
+            <a:endParaRPr lang="en-US" dirty="0"/>
+          </a:p>
+        </p:txBody>
+      </p:sp>
+      <p:sp>
+        <p:nvSpPr>
+          <p:cNvPr id="6" name="Slide Number Placeholder 5"/>
+          <p:cNvSpPr>
+            <a:spLocks noGrp="1"/>
+          </p:cNvSpPr>
+          <p:nvPr>
+            <p:ph type="sldNum" sz="quarter" idx="12"/>
+          </p:nvPr>
+        </p:nvSpPr>
+        <p:spPr/>
+        <p:txBody>
+          <a:bodyPr/>
+          <a:lstStyle/>
+          <a:p>
+            <a:fld id="{66A79FD7-B063-4613-98C2-47CB42CF0D44}" type="slidenum">
+              <a:rPr lang="en-US" smtClean="0"/>
+              <a:pPr/>
+              <a:t>11</a:t>
+            </a:fld>
+            <a:endParaRPr lang="en-US" dirty="0"/>
+          </a:p>
+        </p:txBody>
+      </p:sp>
+      <p:pic>
+        <p:nvPicPr>
+          <p:cNvPr id="9" name="Picture 8" descr="MCMC3"/>
+          <p:cNvPicPr>
+            <a:picLocks noChangeAspect="1" noChangeArrowheads="1"/>
+          </p:cNvPicPr>
+          <p:nvPr/>
+        </p:nvPicPr>
+        <p:blipFill>
+          <a:blip r:embed="rId2" cstate="print"/>
+          <a:srcRect/>
+          <a:stretch>
+            <a:fillRect/>
+          </a:stretch>
+        </p:blipFill>
+        <p:spPr bwMode="auto">
+          <a:xfrm>
+            <a:off x="7041107" y="1583141"/>
+            <a:ext cx="4176215" cy="3930354"/>
+          </a:xfrm>
+          <a:prstGeom prst="rect">
+            <a:avLst/>
+          </a:prstGeom>
+          <a:noFill/>
+          <a:ln w="9525">
+            <a:noFill/>
+            <a:miter lim="800000"/>
+            <a:headEnd/>
+            <a:tailEnd/>
+          </a:ln>
+        </p:spPr>
+      </p:pic>
+      <p:pic>
+        <p:nvPicPr>
+          <p:cNvPr id="10" name="Picture 9"/>
+          <p:cNvPicPr>
+            <a:picLocks noChangeAspect="1"/>
+          </p:cNvPicPr>
+          <p:nvPr/>
+        </p:nvPicPr>
+        <p:blipFill>
+          <a:blip r:embed="rId3"/>
+          <a:stretch>
+            <a:fillRect/>
+          </a:stretch>
+        </p:blipFill>
+        <p:spPr>
+          <a:xfrm>
+            <a:off x="1189965" y="0"/>
+            <a:ext cx="5312054" cy="6858000"/>
+          </a:xfrm>
+          <a:prstGeom prst="rect">
+            <a:avLst/>
+          </a:prstGeom>
+        </p:spPr>
+      </p:pic>
+      <p:sp>
+        <p:nvSpPr>
+          <p:cNvPr id="47" name="TextBox 46"/>
+          <p:cNvSpPr txBox="1"/>
+          <p:nvPr/>
+        </p:nvSpPr>
+        <p:spPr>
+          <a:xfrm>
+            <a:off x="2019869" y="6356350"/>
+            <a:ext cx="2811438" cy="369332"/>
+          </a:xfrm>
+          <a:prstGeom prst="rect">
+            <a:avLst/>
+          </a:prstGeom>
+          <a:noFill/>
+        </p:spPr>
+        <p:txBody>
+          <a:bodyPr wrap="square" rtlCol="0">
+            <a:spAutoFit/>
+          </a:bodyPr>
+          <a:lstStyle/>
+          <a:p>
+            <a:pPr algn="ctr"/>
+            <a:r>
+              <a:rPr lang="en-US" b="1" dirty="0" smtClean="0"/>
+              <a:t>(Current) Serial MCMC</a:t>
+            </a:r>
+            <a:endParaRPr lang="en-US" b="1" dirty="0"/>
+          </a:p>
+        </p:txBody>
+      </p:sp>
+    </p:spTree>
+    <p:extLst>
+      <p:ext uri="{BB962C8B-B14F-4D97-AF65-F5344CB8AC3E}">
+        <p14:creationId xmlns:p14="http://schemas.microsoft.com/office/powerpoint/2010/main" val="1649336781"/>
+      </p:ext>
+    </p:extLst>
+  </p:cSld>
+  <p:clrMapOvr>
+    <a:masterClrMapping/>
+  </p:clrMapOvr>
+  <p:timing>
+    <p:tnLst>
+      <p:par>
+        <p:cTn id="1" dur="indefinite" restart="never" nodeType="tmRoot"/>
+      </p:par>
+    </p:tnLst>
+  </p:timing>
+</p:sld>
+</file>
+
+<file path=ppt/slides/slide12.xml><?xml version="1.0" encoding="utf-8"?>
+<p:sld xmlns:a="http://schemas.openxmlformats.org/drawingml/2006/main" xmlns:r="http://schemas.openxmlformats.org/officeDocument/2006/relationships" xmlns:p="http://schemas.openxmlformats.org/presentationml/2006/main">
+  <p:cSld>
+    <p:spTree>
+      <p:nvGrpSpPr>
+        <p:cNvPr id="1" name=""/>
+        <p:cNvGrpSpPr/>
+        <p:nvPr/>
+      </p:nvGrpSpPr>
+      <p:grpSpPr>
+        <a:xfrm>
+          <a:off x="0" y="0"/>
+          <a:ext cx="0" cy="0"/>
+          <a:chOff x="0" y="0"/>
+          <a:chExt cx="0" cy="0"/>
+        </a:xfrm>
+      </p:grpSpPr>
+      <p:sp>
+        <p:nvSpPr>
+          <p:cNvPr id="2" name="Title 1"/>
+          <p:cNvSpPr>
+            <a:spLocks noGrp="1"/>
+          </p:cNvSpPr>
+          <p:nvPr>
+            <p:ph type="title"/>
+          </p:nvPr>
+        </p:nvSpPr>
+        <p:spPr/>
+        <p:txBody>
+          <a:bodyPr/>
+          <a:lstStyle/>
+          <a:p>
+            <a:r>
+              <a:rPr lang="en-US" dirty="0" smtClean="0"/>
+              <a:t>Motivations/Challenges</a:t>
+            </a:r>
+            <a:endParaRPr lang="en-US" dirty="0"/>
+          </a:p>
+        </p:txBody>
+      </p:sp>
+      <p:sp>
+        <p:nvSpPr>
+          <p:cNvPr id="3" name="Content Placeholder 2"/>
+          <p:cNvSpPr>
+            <a:spLocks noGrp="1"/>
+          </p:cNvSpPr>
+          <p:nvPr>
+            <p:ph idx="1"/>
+          </p:nvPr>
+        </p:nvSpPr>
+        <p:spPr>
+          <a:xfrm>
+            <a:off x="838200" y="1460500"/>
+            <a:ext cx="6872785" cy="4716463"/>
+          </a:xfrm>
+        </p:spPr>
+        <p:txBody>
+          <a:bodyPr>
+            <a:normAutofit fontScale="92500"/>
+          </a:bodyPr>
+          <a:lstStyle/>
+          <a:p>
+            <a:r>
+              <a:rPr lang="en-US" dirty="0" smtClean="0"/>
+              <a:t>Motivation:</a:t>
+            </a:r>
+          </a:p>
+          <a:p>
+            <a:pPr lvl="1"/>
+            <a:r>
+              <a:rPr lang="en-US" dirty="0" smtClean="0"/>
+              <a:t>MCMC family of algorithms is an important problem in statistical computation</a:t>
+            </a:r>
+          </a:p>
+          <a:p>
+            <a:pPr lvl="1"/>
+            <a:r>
+              <a:rPr lang="en-US" dirty="0" smtClean="0"/>
+              <a:t>MCMC is usually very time-consuming (Mx10,000 steps)</a:t>
+            </a:r>
+          </a:p>
+          <a:p>
+            <a:pPr lvl="1"/>
+            <a:r>
+              <a:rPr lang="en-US" dirty="0" smtClean="0"/>
+              <a:t>Most implementations of MCMC is serial MCMC </a:t>
+            </a:r>
+          </a:p>
+          <a:p>
+            <a:r>
+              <a:rPr lang="en-US" dirty="0" smtClean="0"/>
+              <a:t>Challenges:</a:t>
+            </a:r>
+          </a:p>
+          <a:p>
+            <a:pPr lvl="1"/>
+            <a:r>
+              <a:rPr lang="en-US" dirty="0" smtClean="0"/>
+              <a:t>MCMC is serial in its nature</a:t>
+            </a:r>
+          </a:p>
+          <a:p>
+            <a:pPr lvl="1"/>
+            <a:r>
+              <a:rPr lang="en-US" dirty="0"/>
+              <a:t>A lot of randomness involved </a:t>
+            </a:r>
+            <a:r>
+              <a:rPr lang="en-US" dirty="0">
+                <a:sym typeface="Wingdings" panose="05000000000000000000" pitchFamily="2" charset="2"/>
+              </a:rPr>
+              <a:t></a:t>
+            </a:r>
+            <a:r>
+              <a:rPr lang="en-US" dirty="0"/>
+              <a:t> Results vary over </a:t>
+            </a:r>
+            <a:r>
+              <a:rPr lang="en-US" dirty="0" smtClean="0"/>
+              <a:t>simulations</a:t>
+            </a:r>
+            <a:endParaRPr lang="en-US" dirty="0"/>
+          </a:p>
+        </p:txBody>
+      </p:sp>
+      <p:sp>
+        <p:nvSpPr>
+          <p:cNvPr id="4" name="Date Placeholder 3"/>
+          <p:cNvSpPr>
+            <a:spLocks noGrp="1"/>
+          </p:cNvSpPr>
+          <p:nvPr>
+            <p:ph type="dt" sz="half" idx="10"/>
+          </p:nvPr>
+        </p:nvSpPr>
+        <p:spPr/>
+        <p:txBody>
+          <a:bodyPr/>
+          <a:lstStyle/>
+          <a:p>
+            <a:fld id="{C8FA8323-24EA-414E-8974-8108BA5764B2}" type="datetime1">
+              <a:rPr lang="en-US" smtClean="0"/>
+              <a:t>4/27/2015</a:t>
+            </a:fld>
+            <a:endParaRPr lang="en-US"/>
+          </a:p>
+        </p:txBody>
+      </p:sp>
+      <p:sp>
+        <p:nvSpPr>
+          <p:cNvPr id="5" name="Footer Placeholder 4"/>
+          <p:cNvSpPr>
+            <a:spLocks noGrp="1"/>
+          </p:cNvSpPr>
+          <p:nvPr>
+            <p:ph type="ftr" sz="quarter" idx="11"/>
+          </p:nvPr>
+        </p:nvSpPr>
+        <p:spPr/>
+        <p:txBody>
+          <a:bodyPr/>
+          <a:lstStyle/>
+          <a:p>
+            <a:r>
+              <a:rPr lang="en-US" smtClean="0"/>
+              <a:t>ECEN 5060 – Final Project – Spring 2015</a:t>
+            </a:r>
+            <a:endParaRPr lang="en-US" dirty="0"/>
+          </a:p>
+        </p:txBody>
+      </p:sp>
+      <p:sp>
+        <p:nvSpPr>
+          <p:cNvPr id="6" name="Slide Number Placeholder 5"/>
+          <p:cNvSpPr>
+            <a:spLocks noGrp="1"/>
+          </p:cNvSpPr>
+          <p:nvPr>
+            <p:ph type="sldNum" sz="quarter" idx="12"/>
+          </p:nvPr>
+        </p:nvSpPr>
+        <p:spPr/>
+        <p:txBody>
+          <a:bodyPr/>
+          <a:lstStyle/>
+          <a:p>
+            <a:fld id="{66A79FD7-B063-4613-98C2-47CB42CF0D44}" type="slidenum">
+              <a:rPr lang="en-US" smtClean="0"/>
+              <a:pPr/>
+              <a:t>12</a:t>
+            </a:fld>
+            <a:endParaRPr lang="en-US" dirty="0"/>
+          </a:p>
+        </p:txBody>
+      </p:sp>
+      <p:sp>
+        <p:nvSpPr>
+          <p:cNvPr id="7" name="Down Arrow 6"/>
+          <p:cNvSpPr/>
+          <p:nvPr/>
+        </p:nvSpPr>
+        <p:spPr>
+          <a:xfrm>
+            <a:off x="8590411" y="1610625"/>
+            <a:ext cx="294564" cy="791381"/>
+          </a:xfrm>
+          <a:prstGeom prst="downArrow">
+            <a:avLst/>
+          </a:prstGeom>
+        </p:spPr>
+        <p:style>
+          <a:lnRef idx="2">
+            <a:schemeClr val="accent1">
+              <a:shade val="50000"/>
+            </a:schemeClr>
+          </a:lnRef>
+          <a:fillRef idx="1">
+            <a:schemeClr val="accent1"/>
+          </a:fillRef>
+          <a:effectRef idx="0">
+            <a:schemeClr val="accent1"/>
+          </a:effectRef>
+          <a:fontRef idx="minor">
+            <a:schemeClr val="lt1"/>
+          </a:fontRef>
+        </p:style>
+        <p:txBody>
+          <a:bodyPr rtlCol="0" anchor="ctr"/>
+          <a:lstStyle/>
+          <a:p>
+            <a:pPr algn="ctr"/>
+            <a:endParaRPr lang="en-US"/>
+          </a:p>
+        </p:txBody>
+      </p:sp>
+      <p:sp>
+        <p:nvSpPr>
+          <p:cNvPr id="8" name="Down Arrow 7"/>
+          <p:cNvSpPr/>
+          <p:nvPr/>
+        </p:nvSpPr>
+        <p:spPr>
+          <a:xfrm>
+            <a:off x="9327390" y="1610625"/>
+            <a:ext cx="294564" cy="791381"/>
+          </a:xfrm>
+          <a:prstGeom prst="downArrow">
+            <a:avLst/>
+          </a:prstGeom>
+        </p:spPr>
+        <p:style>
+          <a:lnRef idx="2">
+            <a:schemeClr val="accent1">
+              <a:shade val="50000"/>
+            </a:schemeClr>
+          </a:lnRef>
+          <a:fillRef idx="1">
+            <a:schemeClr val="accent1"/>
+          </a:fillRef>
+          <a:effectRef idx="0">
+            <a:schemeClr val="accent1"/>
+          </a:effectRef>
+          <a:fontRef idx="minor">
+            <a:schemeClr val="lt1"/>
+          </a:fontRef>
+        </p:style>
+        <p:txBody>
+          <a:bodyPr rtlCol="0" anchor="ctr"/>
+          <a:lstStyle/>
+          <a:p>
+            <a:pPr algn="ctr"/>
+            <a:endParaRPr lang="en-US"/>
+          </a:p>
+        </p:txBody>
+      </p:sp>
+      <p:sp>
+        <p:nvSpPr>
+          <p:cNvPr id="9" name="Down Arrow 8"/>
+          <p:cNvSpPr/>
+          <p:nvPr/>
+        </p:nvSpPr>
+        <p:spPr>
+          <a:xfrm>
+            <a:off x="10053564" y="1610625"/>
+            <a:ext cx="294564" cy="791381"/>
+          </a:xfrm>
+          <a:prstGeom prst="downArrow">
+            <a:avLst/>
+          </a:prstGeom>
+        </p:spPr>
+        <p:style>
+          <a:lnRef idx="2">
+            <a:schemeClr val="accent1">
+              <a:shade val="50000"/>
+            </a:schemeClr>
+          </a:lnRef>
+          <a:fillRef idx="1">
+            <a:schemeClr val="accent1"/>
+          </a:fillRef>
+          <a:effectRef idx="0">
+            <a:schemeClr val="accent1"/>
+          </a:effectRef>
+          <a:fontRef idx="minor">
+            <a:schemeClr val="lt1"/>
+          </a:fontRef>
+        </p:style>
+        <p:txBody>
+          <a:bodyPr rtlCol="0" anchor="ctr"/>
+          <a:lstStyle/>
+          <a:p>
+            <a:pPr algn="ctr"/>
+            <a:endParaRPr lang="en-US"/>
+          </a:p>
+        </p:txBody>
+      </p:sp>
+      <p:sp>
+        <p:nvSpPr>
+          <p:cNvPr id="10" name="Down Arrow 9"/>
+          <p:cNvSpPr/>
+          <p:nvPr/>
+        </p:nvSpPr>
+        <p:spPr>
+          <a:xfrm>
+            <a:off x="10744480" y="1610625"/>
+            <a:ext cx="294564" cy="791381"/>
+          </a:xfrm>
+          <a:prstGeom prst="downArrow">
+            <a:avLst/>
+          </a:prstGeom>
+        </p:spPr>
+        <p:style>
+          <a:lnRef idx="2">
+            <a:schemeClr val="accent1">
+              <a:shade val="50000"/>
+            </a:schemeClr>
+          </a:lnRef>
+          <a:fillRef idx="1">
+            <a:schemeClr val="accent1"/>
+          </a:fillRef>
+          <a:effectRef idx="0">
+            <a:schemeClr val="accent1"/>
+          </a:effectRef>
+          <a:fontRef idx="minor">
+            <a:schemeClr val="lt1"/>
+          </a:fontRef>
+        </p:style>
+        <p:txBody>
+          <a:bodyPr rtlCol="0" anchor="ctr"/>
+          <a:lstStyle/>
+          <a:p>
+            <a:pPr algn="ctr"/>
+            <a:endParaRPr lang="en-US"/>
+          </a:p>
+        </p:txBody>
+      </p:sp>
+      <p:cxnSp>
+        <p:nvCxnSpPr>
+          <p:cNvPr id="12" name="Straight Connector 11"/>
+          <p:cNvCxnSpPr>
+            <a:stCxn id="7" idx="2"/>
+            <a:endCxn id="8" idx="0"/>
+          </p:cNvCxnSpPr>
+          <p:nvPr/>
+        </p:nvCxnSpPr>
+        <p:spPr>
+          <a:xfrm flipV="1">
+            <a:off x="8737693" y="1610625"/>
+            <a:ext cx="736979" cy="791381"/>
+          </a:xfrm>
+          <a:prstGeom prst="line">
+            <a:avLst/>
+          </a:prstGeom>
+        </p:spPr>
+        <p:style>
+          <a:lnRef idx="1">
+            <a:schemeClr val="accent1"/>
+          </a:lnRef>
+          <a:fillRef idx="0">
+            <a:schemeClr val="accent1"/>
+          </a:fillRef>
+          <a:effectRef idx="0">
+            <a:schemeClr val="accent1"/>
+          </a:effectRef>
+          <a:fontRef idx="minor">
+            <a:schemeClr val="tx1"/>
+          </a:fontRef>
+        </p:style>
+      </p:cxnSp>
+      <p:cxnSp>
+        <p:nvCxnSpPr>
+          <p:cNvPr id="13" name="Straight Connector 12"/>
+          <p:cNvCxnSpPr/>
+          <p:nvPr/>
+        </p:nvCxnSpPr>
+        <p:spPr>
+          <a:xfrm flipV="1">
+            <a:off x="9470974" y="1583424"/>
+            <a:ext cx="736979" cy="791381"/>
+          </a:xfrm>
+          <a:prstGeom prst="line">
+            <a:avLst/>
+          </a:prstGeom>
+        </p:spPr>
+        <p:style>
+          <a:lnRef idx="1">
+            <a:schemeClr val="accent1"/>
+          </a:lnRef>
+          <a:fillRef idx="0">
+            <a:schemeClr val="accent1"/>
+          </a:fillRef>
+          <a:effectRef idx="0">
+            <a:schemeClr val="accent1"/>
+          </a:effectRef>
+          <a:fontRef idx="minor">
+            <a:schemeClr val="tx1"/>
+          </a:fontRef>
+        </p:style>
+      </p:cxnSp>
+      <p:cxnSp>
+        <p:nvCxnSpPr>
+          <p:cNvPr id="14" name="Straight Connector 13"/>
+          <p:cNvCxnSpPr/>
+          <p:nvPr/>
+        </p:nvCxnSpPr>
+        <p:spPr>
+          <a:xfrm flipV="1">
+            <a:off x="10152508" y="1610625"/>
+            <a:ext cx="736979" cy="791381"/>
+          </a:xfrm>
+          <a:prstGeom prst="line">
+            <a:avLst/>
+          </a:prstGeom>
+        </p:spPr>
+        <p:style>
+          <a:lnRef idx="1">
+            <a:schemeClr val="accent1"/>
+          </a:lnRef>
+          <a:fillRef idx="0">
+            <a:schemeClr val="accent1"/>
+          </a:fillRef>
+          <a:effectRef idx="0">
+            <a:schemeClr val="accent1"/>
+          </a:effectRef>
+          <a:fontRef idx="minor">
+            <a:schemeClr val="tx1"/>
+          </a:fontRef>
+        </p:style>
+      </p:cxnSp>
+      <p:sp>
+        <p:nvSpPr>
+          <p:cNvPr id="15" name="Down Arrow 14"/>
+          <p:cNvSpPr/>
+          <p:nvPr/>
+        </p:nvSpPr>
+        <p:spPr>
+          <a:xfrm>
+            <a:off x="8590411" y="2770778"/>
+            <a:ext cx="294564" cy="791381"/>
+          </a:xfrm>
+          <a:prstGeom prst="downArrow">
+            <a:avLst/>
+          </a:prstGeom>
+        </p:spPr>
+        <p:style>
+          <a:lnRef idx="2">
+            <a:schemeClr val="accent1">
+              <a:shade val="50000"/>
+            </a:schemeClr>
+          </a:lnRef>
+          <a:fillRef idx="1">
+            <a:schemeClr val="accent1"/>
+          </a:fillRef>
+          <a:effectRef idx="0">
+            <a:schemeClr val="accent1"/>
+          </a:effectRef>
+          <a:fontRef idx="minor">
+            <a:schemeClr val="lt1"/>
+          </a:fontRef>
+        </p:style>
+        <p:txBody>
+          <a:bodyPr rtlCol="0" anchor="ctr"/>
+          <a:lstStyle/>
+          <a:p>
+            <a:pPr algn="ctr"/>
+            <a:endParaRPr lang="en-US"/>
+          </a:p>
+        </p:txBody>
+      </p:sp>
+      <p:sp>
+        <p:nvSpPr>
+          <p:cNvPr id="16" name="Down Arrow 15"/>
+          <p:cNvSpPr/>
+          <p:nvPr/>
+        </p:nvSpPr>
+        <p:spPr>
+          <a:xfrm>
+            <a:off x="9327390" y="2770778"/>
+            <a:ext cx="294564" cy="791381"/>
+          </a:xfrm>
+          <a:prstGeom prst="downArrow">
+            <a:avLst/>
+          </a:prstGeom>
+        </p:spPr>
+        <p:style>
+          <a:lnRef idx="2">
+            <a:schemeClr val="accent1">
+              <a:shade val="50000"/>
+            </a:schemeClr>
+          </a:lnRef>
+          <a:fillRef idx="1">
+            <a:schemeClr val="accent1"/>
+          </a:fillRef>
+          <a:effectRef idx="0">
+            <a:schemeClr val="accent1"/>
+          </a:effectRef>
+          <a:fontRef idx="minor">
+            <a:schemeClr val="lt1"/>
+          </a:fontRef>
+        </p:style>
+        <p:txBody>
+          <a:bodyPr rtlCol="0" anchor="ctr"/>
+          <a:lstStyle/>
+          <a:p>
+            <a:pPr algn="ctr"/>
+            <a:endParaRPr lang="en-US"/>
+          </a:p>
+        </p:txBody>
+      </p:sp>
+      <p:sp>
+        <p:nvSpPr>
+          <p:cNvPr id="17" name="Down Arrow 16"/>
+          <p:cNvSpPr/>
+          <p:nvPr/>
+        </p:nvSpPr>
+        <p:spPr>
+          <a:xfrm>
+            <a:off x="10053564" y="2770778"/>
+            <a:ext cx="294564" cy="791381"/>
+          </a:xfrm>
+          <a:prstGeom prst="downArrow">
+            <a:avLst/>
+          </a:prstGeom>
+        </p:spPr>
+        <p:style>
+          <a:lnRef idx="2">
+            <a:schemeClr val="accent1">
+              <a:shade val="50000"/>
+            </a:schemeClr>
+          </a:lnRef>
+          <a:fillRef idx="1">
+            <a:schemeClr val="accent1"/>
+          </a:fillRef>
+          <a:effectRef idx="0">
+            <a:schemeClr val="accent1"/>
+          </a:effectRef>
+          <a:fontRef idx="minor">
+            <a:schemeClr val="lt1"/>
+          </a:fontRef>
+        </p:style>
+        <p:txBody>
+          <a:bodyPr rtlCol="0" anchor="ctr"/>
+          <a:lstStyle/>
+          <a:p>
+            <a:pPr algn="ctr"/>
+            <a:endParaRPr lang="en-US"/>
+          </a:p>
+        </p:txBody>
+      </p:sp>
+      <p:sp>
+        <p:nvSpPr>
+          <p:cNvPr id="18" name="Down Arrow 17"/>
+          <p:cNvSpPr/>
+          <p:nvPr/>
+        </p:nvSpPr>
+        <p:spPr>
+          <a:xfrm>
+            <a:off x="10744480" y="2770778"/>
+            <a:ext cx="294564" cy="791381"/>
+          </a:xfrm>
+          <a:prstGeom prst="downArrow">
+            <a:avLst/>
+          </a:prstGeom>
+        </p:spPr>
+        <p:style>
+          <a:lnRef idx="2">
+            <a:schemeClr val="accent1">
+              <a:shade val="50000"/>
+            </a:schemeClr>
+          </a:lnRef>
+          <a:fillRef idx="1">
+            <a:schemeClr val="accent1"/>
+          </a:fillRef>
+          <a:effectRef idx="0">
+            <a:schemeClr val="accent1"/>
+          </a:effectRef>
+          <a:fontRef idx="minor">
+            <a:schemeClr val="lt1"/>
+          </a:fontRef>
+        </p:style>
+        <p:txBody>
+          <a:bodyPr rtlCol="0" anchor="ctr"/>
+          <a:lstStyle/>
+          <a:p>
+            <a:pPr algn="ctr"/>
+            <a:endParaRPr lang="en-US"/>
+          </a:p>
+        </p:txBody>
+      </p:sp>
+      <p:cxnSp>
+        <p:nvCxnSpPr>
+          <p:cNvPr id="19" name="Straight Connector 18"/>
+          <p:cNvCxnSpPr>
+            <a:stCxn id="15" idx="2"/>
+            <a:endCxn id="16" idx="0"/>
+          </p:cNvCxnSpPr>
+          <p:nvPr/>
+        </p:nvCxnSpPr>
+        <p:spPr>
+          <a:xfrm flipV="1">
+            <a:off x="8737693" y="2770778"/>
+            <a:ext cx="736979" cy="791381"/>
+          </a:xfrm>
+          <a:prstGeom prst="line">
+            <a:avLst/>
+          </a:prstGeom>
+        </p:spPr>
+        <p:style>
+          <a:lnRef idx="1">
+            <a:schemeClr val="accent1"/>
+          </a:lnRef>
+          <a:fillRef idx="0">
+            <a:schemeClr val="accent1"/>
+          </a:fillRef>
+          <a:effectRef idx="0">
+            <a:schemeClr val="accent1"/>
+          </a:effectRef>
+          <a:fontRef idx="minor">
+            <a:schemeClr val="tx1"/>
+          </a:fontRef>
+        </p:style>
+      </p:cxnSp>
+      <p:cxnSp>
+        <p:nvCxnSpPr>
+          <p:cNvPr id="20" name="Straight Connector 19"/>
+          <p:cNvCxnSpPr/>
+          <p:nvPr/>
+        </p:nvCxnSpPr>
+        <p:spPr>
+          <a:xfrm flipV="1">
+            <a:off x="9470974" y="2743577"/>
+            <a:ext cx="736979" cy="791381"/>
+          </a:xfrm>
+          <a:prstGeom prst="line">
+            <a:avLst/>
+          </a:prstGeom>
+        </p:spPr>
+        <p:style>
+          <a:lnRef idx="1">
+            <a:schemeClr val="accent1"/>
+          </a:lnRef>
+          <a:fillRef idx="0">
+            <a:schemeClr val="accent1"/>
+          </a:fillRef>
+          <a:effectRef idx="0">
+            <a:schemeClr val="accent1"/>
+          </a:effectRef>
+          <a:fontRef idx="minor">
+            <a:schemeClr val="tx1"/>
+          </a:fontRef>
+        </p:style>
+      </p:cxnSp>
+      <p:cxnSp>
+        <p:nvCxnSpPr>
+          <p:cNvPr id="21" name="Straight Connector 20"/>
+          <p:cNvCxnSpPr/>
+          <p:nvPr/>
+        </p:nvCxnSpPr>
+        <p:spPr>
+          <a:xfrm flipV="1">
+            <a:off x="10152508" y="2770778"/>
+            <a:ext cx="736979" cy="791381"/>
+          </a:xfrm>
+          <a:prstGeom prst="line">
+            <a:avLst/>
+          </a:prstGeom>
+        </p:spPr>
+        <p:style>
+          <a:lnRef idx="1">
+            <a:schemeClr val="accent1"/>
+          </a:lnRef>
+          <a:fillRef idx="0">
+            <a:schemeClr val="accent1"/>
+          </a:fillRef>
+          <a:effectRef idx="0">
+            <a:schemeClr val="accent1"/>
+          </a:effectRef>
+          <a:fontRef idx="minor">
+            <a:schemeClr val="tx1"/>
+          </a:fontRef>
+        </p:style>
+      </p:cxnSp>
+      <p:sp>
+        <p:nvSpPr>
+          <p:cNvPr id="22" name="Down Arrow 21"/>
+          <p:cNvSpPr/>
+          <p:nvPr/>
+        </p:nvSpPr>
+        <p:spPr>
+          <a:xfrm>
+            <a:off x="8586713" y="3958132"/>
+            <a:ext cx="294564" cy="791381"/>
+          </a:xfrm>
+          <a:prstGeom prst="downArrow">
+            <a:avLst/>
+          </a:prstGeom>
+        </p:spPr>
+        <p:style>
+          <a:lnRef idx="2">
+            <a:schemeClr val="accent1">
+              <a:shade val="50000"/>
+            </a:schemeClr>
+          </a:lnRef>
+          <a:fillRef idx="1">
+            <a:schemeClr val="accent1"/>
+          </a:fillRef>
+          <a:effectRef idx="0">
+            <a:schemeClr val="accent1"/>
+          </a:effectRef>
+          <a:fontRef idx="minor">
+            <a:schemeClr val="lt1"/>
+          </a:fontRef>
+        </p:style>
+        <p:txBody>
+          <a:bodyPr rtlCol="0" anchor="ctr"/>
+          <a:lstStyle/>
+          <a:p>
+            <a:pPr algn="ctr"/>
+            <a:endParaRPr lang="en-US"/>
+          </a:p>
+        </p:txBody>
+      </p:sp>
+      <p:sp>
+        <p:nvSpPr>
+          <p:cNvPr id="23" name="Down Arrow 22"/>
+          <p:cNvSpPr/>
+          <p:nvPr/>
+        </p:nvSpPr>
+        <p:spPr>
+          <a:xfrm>
+            <a:off x="9323692" y="3958132"/>
+            <a:ext cx="294564" cy="791381"/>
+          </a:xfrm>
+          <a:prstGeom prst="downArrow">
+            <a:avLst/>
+          </a:prstGeom>
+        </p:spPr>
+        <p:style>
+          <a:lnRef idx="2">
+            <a:schemeClr val="accent1">
+              <a:shade val="50000"/>
+            </a:schemeClr>
+          </a:lnRef>
+          <a:fillRef idx="1">
+            <a:schemeClr val="accent1"/>
+          </a:fillRef>
+          <a:effectRef idx="0">
+            <a:schemeClr val="accent1"/>
+          </a:effectRef>
+          <a:fontRef idx="minor">
+            <a:schemeClr val="lt1"/>
+          </a:fontRef>
+        </p:style>
+        <p:txBody>
+          <a:bodyPr rtlCol="0" anchor="ctr"/>
+          <a:lstStyle/>
+          <a:p>
+            <a:pPr algn="ctr"/>
+            <a:endParaRPr lang="en-US"/>
+          </a:p>
+        </p:txBody>
+      </p:sp>
+      <p:sp>
+        <p:nvSpPr>
+          <p:cNvPr id="24" name="Down Arrow 23"/>
+          <p:cNvSpPr/>
+          <p:nvPr/>
+        </p:nvSpPr>
+        <p:spPr>
+          <a:xfrm>
+            <a:off x="10049866" y="3958132"/>
+            <a:ext cx="294564" cy="791381"/>
+          </a:xfrm>
+          <a:prstGeom prst="downArrow">
+            <a:avLst/>
+          </a:prstGeom>
+        </p:spPr>
+        <p:style>
+          <a:lnRef idx="2">
+            <a:schemeClr val="accent1">
+              <a:shade val="50000"/>
+            </a:schemeClr>
+          </a:lnRef>
+          <a:fillRef idx="1">
+            <a:schemeClr val="accent1"/>
+          </a:fillRef>
+          <a:effectRef idx="0">
+            <a:schemeClr val="accent1"/>
+          </a:effectRef>
+          <a:fontRef idx="minor">
+            <a:schemeClr val="lt1"/>
+          </a:fontRef>
+        </p:style>
+        <p:txBody>
+          <a:bodyPr rtlCol="0" anchor="ctr"/>
+          <a:lstStyle/>
+          <a:p>
+            <a:pPr algn="ctr"/>
+            <a:endParaRPr lang="en-US"/>
+          </a:p>
+        </p:txBody>
+      </p:sp>
+      <p:sp>
+        <p:nvSpPr>
+          <p:cNvPr id="25" name="Down Arrow 24"/>
+          <p:cNvSpPr/>
+          <p:nvPr/>
+        </p:nvSpPr>
+        <p:spPr>
+          <a:xfrm>
+            <a:off x="10740782" y="3958132"/>
+            <a:ext cx="294564" cy="791381"/>
+          </a:xfrm>
+          <a:prstGeom prst="downArrow">
+            <a:avLst/>
+          </a:prstGeom>
+        </p:spPr>
+        <p:style>
+          <a:lnRef idx="2">
+            <a:schemeClr val="accent1">
+              <a:shade val="50000"/>
+            </a:schemeClr>
+          </a:lnRef>
+          <a:fillRef idx="1">
+            <a:schemeClr val="accent1"/>
+          </a:fillRef>
+          <a:effectRef idx="0">
+            <a:schemeClr val="accent1"/>
+          </a:effectRef>
+          <a:fontRef idx="minor">
+            <a:schemeClr val="lt1"/>
+          </a:fontRef>
+        </p:style>
+        <p:txBody>
+          <a:bodyPr rtlCol="0" anchor="ctr"/>
+          <a:lstStyle/>
+          <a:p>
+            <a:pPr algn="ctr"/>
+            <a:endParaRPr lang="en-US"/>
+          </a:p>
+        </p:txBody>
+      </p:sp>
+      <p:cxnSp>
+        <p:nvCxnSpPr>
+          <p:cNvPr id="26" name="Straight Connector 25"/>
+          <p:cNvCxnSpPr>
+            <a:stCxn id="22" idx="2"/>
+            <a:endCxn id="23" idx="0"/>
+          </p:cNvCxnSpPr>
+          <p:nvPr/>
+        </p:nvCxnSpPr>
+        <p:spPr>
+          <a:xfrm flipV="1">
+            <a:off x="8733995" y="3958132"/>
+            <a:ext cx="736979" cy="791381"/>
+          </a:xfrm>
+          <a:prstGeom prst="line">
+            <a:avLst/>
+          </a:prstGeom>
+        </p:spPr>
+        <p:style>
+          <a:lnRef idx="1">
+            <a:schemeClr val="accent1"/>
+          </a:lnRef>
+          <a:fillRef idx="0">
+            <a:schemeClr val="accent1"/>
+          </a:fillRef>
+          <a:effectRef idx="0">
+            <a:schemeClr val="accent1"/>
+          </a:effectRef>
+          <a:fontRef idx="minor">
+            <a:schemeClr val="tx1"/>
+          </a:fontRef>
+        </p:style>
+      </p:cxnSp>
+      <p:cxnSp>
+        <p:nvCxnSpPr>
+          <p:cNvPr id="27" name="Straight Connector 26"/>
+          <p:cNvCxnSpPr/>
+          <p:nvPr/>
+        </p:nvCxnSpPr>
+        <p:spPr>
+          <a:xfrm flipV="1">
+            <a:off x="9467276" y="3930931"/>
+            <a:ext cx="736979" cy="791381"/>
+          </a:xfrm>
+          <a:prstGeom prst="line">
+            <a:avLst/>
+          </a:prstGeom>
+        </p:spPr>
+        <p:style>
+          <a:lnRef idx="1">
+            <a:schemeClr val="accent1"/>
+          </a:lnRef>
+          <a:fillRef idx="0">
+            <a:schemeClr val="accent1"/>
+          </a:fillRef>
+          <a:effectRef idx="0">
+            <a:schemeClr val="accent1"/>
+          </a:effectRef>
+          <a:fontRef idx="minor">
+            <a:schemeClr val="tx1"/>
+          </a:fontRef>
+        </p:style>
+      </p:cxnSp>
+      <p:cxnSp>
+        <p:nvCxnSpPr>
+          <p:cNvPr id="28" name="Straight Connector 27"/>
+          <p:cNvCxnSpPr/>
+          <p:nvPr/>
+        </p:nvCxnSpPr>
+        <p:spPr>
+          <a:xfrm flipV="1">
+            <a:off x="10148810" y="3958132"/>
+            <a:ext cx="736979" cy="791381"/>
+          </a:xfrm>
+          <a:prstGeom prst="line">
+            <a:avLst/>
+          </a:prstGeom>
+        </p:spPr>
+        <p:style>
+          <a:lnRef idx="1">
+            <a:schemeClr val="accent1"/>
+          </a:lnRef>
+          <a:fillRef idx="0">
+            <a:schemeClr val="accent1"/>
+          </a:fillRef>
+          <a:effectRef idx="0">
+            <a:schemeClr val="accent1"/>
+          </a:effectRef>
+          <a:fontRef idx="minor">
+            <a:schemeClr val="tx1"/>
+          </a:fontRef>
+        </p:style>
+      </p:cxnSp>
+      <p:cxnSp>
+        <p:nvCxnSpPr>
+          <p:cNvPr id="30" name="Straight Connector 29"/>
+          <p:cNvCxnSpPr>
+            <a:stCxn id="10" idx="2"/>
+            <a:endCxn id="15" idx="0"/>
+          </p:cNvCxnSpPr>
+          <p:nvPr/>
+        </p:nvCxnSpPr>
+        <p:spPr>
+          <a:xfrm flipH="1">
+            <a:off x="8737693" y="2402006"/>
+            <a:ext cx="2154069" cy="368772"/>
+          </a:xfrm>
+          <a:prstGeom prst="line">
+            <a:avLst/>
+          </a:prstGeom>
+        </p:spPr>
+        <p:style>
+          <a:lnRef idx="1">
+            <a:schemeClr val="accent1"/>
+          </a:lnRef>
+          <a:fillRef idx="0">
+            <a:schemeClr val="accent1"/>
+          </a:fillRef>
+          <a:effectRef idx="0">
+            <a:schemeClr val="accent1"/>
+          </a:effectRef>
+          <a:fontRef idx="minor">
+            <a:schemeClr val="tx1"/>
+          </a:fontRef>
+        </p:style>
+      </p:cxnSp>
+      <p:cxnSp>
+        <p:nvCxnSpPr>
+          <p:cNvPr id="31" name="Straight Connector 30"/>
+          <p:cNvCxnSpPr>
+            <a:stCxn id="18" idx="2"/>
+            <a:endCxn id="22" idx="0"/>
+          </p:cNvCxnSpPr>
+          <p:nvPr/>
+        </p:nvCxnSpPr>
+        <p:spPr>
+          <a:xfrm flipH="1">
+            <a:off x="8733995" y="3562159"/>
+            <a:ext cx="2157767" cy="395973"/>
+          </a:xfrm>
+          <a:prstGeom prst="line">
+            <a:avLst/>
+          </a:prstGeom>
+        </p:spPr>
+        <p:style>
+          <a:lnRef idx="1">
+            <a:schemeClr val="accent1"/>
+          </a:lnRef>
+          <a:fillRef idx="0">
+            <a:schemeClr val="accent1"/>
+          </a:fillRef>
+          <a:effectRef idx="0">
+            <a:schemeClr val="accent1"/>
+          </a:effectRef>
+          <a:fontRef idx="minor">
+            <a:schemeClr val="tx1"/>
+          </a:fontRef>
+        </p:style>
+      </p:cxnSp>
+      <p:cxnSp>
+        <p:nvCxnSpPr>
+          <p:cNvPr id="36" name="Straight Connector 35"/>
+          <p:cNvCxnSpPr/>
+          <p:nvPr/>
+        </p:nvCxnSpPr>
+        <p:spPr>
+          <a:xfrm>
+            <a:off x="8733995" y="5049671"/>
+            <a:ext cx="2151794" cy="0"/>
+          </a:xfrm>
+          <a:prstGeom prst="line">
+            <a:avLst/>
+          </a:prstGeom>
+          <a:ln w="57150">
+            <a:prstDash val="sysDash"/>
+          </a:ln>
+        </p:spPr>
+        <p:style>
+          <a:lnRef idx="1">
+            <a:schemeClr val="accent1"/>
+          </a:lnRef>
+          <a:fillRef idx="0">
+            <a:schemeClr val="accent1"/>
+          </a:fillRef>
+          <a:effectRef idx="0">
+            <a:schemeClr val="accent1"/>
+          </a:effectRef>
+          <a:fontRef idx="minor">
+            <a:schemeClr val="tx1"/>
+          </a:fontRef>
+        </p:style>
+      </p:cxnSp>
+      <p:sp>
+        <p:nvSpPr>
+          <p:cNvPr id="38" name="Down Arrow 37"/>
+          <p:cNvSpPr/>
+          <p:nvPr/>
+        </p:nvSpPr>
+        <p:spPr>
+          <a:xfrm>
+            <a:off x="8599790" y="5483176"/>
+            <a:ext cx="294564" cy="791381"/>
+          </a:xfrm>
+          <a:prstGeom prst="downArrow">
+            <a:avLst/>
+          </a:prstGeom>
+        </p:spPr>
+        <p:style>
+          <a:lnRef idx="2">
+            <a:schemeClr val="accent1">
+              <a:shade val="50000"/>
+            </a:schemeClr>
+          </a:lnRef>
+          <a:fillRef idx="1">
+            <a:schemeClr val="accent1"/>
+          </a:fillRef>
+          <a:effectRef idx="0">
+            <a:schemeClr val="accent1"/>
+          </a:effectRef>
+          <a:fontRef idx="minor">
+            <a:schemeClr val="lt1"/>
+          </a:fontRef>
+        </p:style>
+        <p:txBody>
+          <a:bodyPr rtlCol="0" anchor="ctr"/>
+          <a:lstStyle/>
+          <a:p>
+            <a:pPr algn="ctr"/>
+            <a:endParaRPr lang="en-US"/>
+          </a:p>
+        </p:txBody>
+      </p:sp>
+      <p:sp>
+        <p:nvSpPr>
+          <p:cNvPr id="39" name="Down Arrow 38"/>
+          <p:cNvSpPr/>
+          <p:nvPr/>
+        </p:nvSpPr>
+        <p:spPr>
+          <a:xfrm>
+            <a:off x="9336769" y="5483176"/>
+            <a:ext cx="294564" cy="791381"/>
+          </a:xfrm>
+          <a:prstGeom prst="downArrow">
+            <a:avLst/>
+          </a:prstGeom>
+        </p:spPr>
+        <p:style>
+          <a:lnRef idx="2">
+            <a:schemeClr val="accent1">
+              <a:shade val="50000"/>
+            </a:schemeClr>
+          </a:lnRef>
+          <a:fillRef idx="1">
+            <a:schemeClr val="accent1"/>
+          </a:fillRef>
+          <a:effectRef idx="0">
+            <a:schemeClr val="accent1"/>
+          </a:effectRef>
+          <a:fontRef idx="minor">
+            <a:schemeClr val="lt1"/>
+          </a:fontRef>
+        </p:style>
+        <p:txBody>
+          <a:bodyPr rtlCol="0" anchor="ctr"/>
+          <a:lstStyle/>
+          <a:p>
+            <a:pPr algn="ctr"/>
+            <a:endParaRPr lang="en-US"/>
+          </a:p>
+        </p:txBody>
+      </p:sp>
+      <p:sp>
+        <p:nvSpPr>
+          <p:cNvPr id="40" name="Down Arrow 39"/>
+          <p:cNvSpPr/>
+          <p:nvPr/>
+        </p:nvSpPr>
+        <p:spPr>
+          <a:xfrm>
+            <a:off x="10062943" y="5483176"/>
+            <a:ext cx="294564" cy="791381"/>
+          </a:xfrm>
+          <a:prstGeom prst="downArrow">
+            <a:avLst/>
+          </a:prstGeom>
+        </p:spPr>
+        <p:style>
+          <a:lnRef idx="2">
+            <a:schemeClr val="accent1">
+              <a:shade val="50000"/>
+            </a:schemeClr>
+          </a:lnRef>
+          <a:fillRef idx="1">
+            <a:schemeClr val="accent1"/>
+          </a:fillRef>
+          <a:effectRef idx="0">
+            <a:schemeClr val="accent1"/>
+          </a:effectRef>
+          <a:fontRef idx="minor">
+            <a:schemeClr val="lt1"/>
+          </a:fontRef>
+        </p:style>
+        <p:txBody>
+          <a:bodyPr rtlCol="0" anchor="ctr"/>
+          <a:lstStyle/>
+          <a:p>
+            <a:pPr algn="ctr"/>
+            <a:endParaRPr lang="en-US"/>
+          </a:p>
+        </p:txBody>
+      </p:sp>
+      <p:sp>
+        <p:nvSpPr>
+          <p:cNvPr id="41" name="Down Arrow 40"/>
+          <p:cNvSpPr/>
+          <p:nvPr/>
+        </p:nvSpPr>
+        <p:spPr>
+          <a:xfrm>
+            <a:off x="10753859" y="5483176"/>
+            <a:ext cx="294564" cy="791381"/>
+          </a:xfrm>
+          <a:prstGeom prst="downArrow">
+            <a:avLst/>
+          </a:prstGeom>
+        </p:spPr>
+        <p:style>
+          <a:lnRef idx="2">
+            <a:schemeClr val="accent1">
+              <a:shade val="50000"/>
+            </a:schemeClr>
+          </a:lnRef>
+          <a:fillRef idx="1">
+            <a:schemeClr val="accent1"/>
+          </a:fillRef>
+          <a:effectRef idx="0">
+            <a:schemeClr val="accent1"/>
+          </a:effectRef>
+          <a:fontRef idx="minor">
+            <a:schemeClr val="lt1"/>
+          </a:fontRef>
+        </p:style>
+        <p:txBody>
+          <a:bodyPr rtlCol="0" anchor="ctr"/>
+          <a:lstStyle/>
+          <a:p>
+            <a:pPr algn="ctr"/>
+            <a:endParaRPr lang="en-US"/>
+          </a:p>
+        </p:txBody>
+      </p:sp>
+      <p:cxnSp>
+        <p:nvCxnSpPr>
+          <p:cNvPr id="42" name="Straight Connector 41"/>
+          <p:cNvCxnSpPr>
+            <a:stCxn id="38" idx="2"/>
+            <a:endCxn id="39" idx="0"/>
+          </p:cNvCxnSpPr>
+          <p:nvPr/>
+        </p:nvCxnSpPr>
+        <p:spPr>
+          <a:xfrm flipV="1">
+            <a:off x="8747072" y="5483176"/>
+            <a:ext cx="736979" cy="791381"/>
+          </a:xfrm>
+          <a:prstGeom prst="line">
+            <a:avLst/>
+          </a:prstGeom>
+        </p:spPr>
+        <p:style>
+          <a:lnRef idx="1">
+            <a:schemeClr val="accent1"/>
+          </a:lnRef>
+          <a:fillRef idx="0">
+            <a:schemeClr val="accent1"/>
+          </a:fillRef>
+          <a:effectRef idx="0">
+            <a:schemeClr val="accent1"/>
+          </a:effectRef>
+          <a:fontRef idx="minor">
+            <a:schemeClr val="tx1"/>
+          </a:fontRef>
+        </p:style>
+      </p:cxnSp>
+      <p:cxnSp>
+        <p:nvCxnSpPr>
+          <p:cNvPr id="43" name="Straight Connector 42"/>
+          <p:cNvCxnSpPr/>
+          <p:nvPr/>
+        </p:nvCxnSpPr>
+        <p:spPr>
+          <a:xfrm flipV="1">
+            <a:off x="9480353" y="5455975"/>
+            <a:ext cx="736979" cy="791381"/>
+          </a:xfrm>
+          <a:prstGeom prst="line">
+            <a:avLst/>
+          </a:prstGeom>
+        </p:spPr>
+        <p:style>
+          <a:lnRef idx="1">
+            <a:schemeClr val="accent1"/>
+          </a:lnRef>
+          <a:fillRef idx="0">
+            <a:schemeClr val="accent1"/>
+          </a:fillRef>
+          <a:effectRef idx="0">
+            <a:schemeClr val="accent1"/>
+          </a:effectRef>
+          <a:fontRef idx="minor">
+            <a:schemeClr val="tx1"/>
+          </a:fontRef>
+        </p:style>
+      </p:cxnSp>
+      <p:cxnSp>
+        <p:nvCxnSpPr>
+          <p:cNvPr id="44" name="Straight Connector 43"/>
+          <p:cNvCxnSpPr/>
+          <p:nvPr/>
+        </p:nvCxnSpPr>
+        <p:spPr>
+          <a:xfrm flipV="1">
+            <a:off x="10161887" y="5483176"/>
+            <a:ext cx="736979" cy="791381"/>
+          </a:xfrm>
+          <a:prstGeom prst="line">
+            <a:avLst/>
+          </a:prstGeom>
+        </p:spPr>
+        <p:style>
+          <a:lnRef idx="1">
+            <a:schemeClr val="accent1"/>
+          </a:lnRef>
+          <a:fillRef idx="0">
+            <a:schemeClr val="accent1"/>
+          </a:fillRef>
+          <a:effectRef idx="0">
+            <a:schemeClr val="accent1"/>
+          </a:effectRef>
+          <a:fontRef idx="minor">
+            <a:schemeClr val="tx1"/>
+          </a:fontRef>
+        </p:style>
+      </p:cxnSp>
+      <p:cxnSp>
+        <p:nvCxnSpPr>
+          <p:cNvPr id="45" name="Straight Connector 44"/>
+          <p:cNvCxnSpPr/>
+          <p:nvPr/>
+        </p:nvCxnSpPr>
+        <p:spPr>
+          <a:xfrm flipH="1">
+            <a:off x="8728022" y="5091084"/>
+            <a:ext cx="2157767" cy="395973"/>
+          </a:xfrm>
+          <a:prstGeom prst="line">
+            <a:avLst/>
+          </a:prstGeom>
+        </p:spPr>
+        <p:style>
+          <a:lnRef idx="1">
+            <a:schemeClr val="accent1"/>
+          </a:lnRef>
+          <a:fillRef idx="0">
+            <a:schemeClr val="accent1"/>
+          </a:fillRef>
+          <a:effectRef idx="0">
+            <a:schemeClr val="accent1"/>
+          </a:effectRef>
+          <a:fontRef idx="minor">
+            <a:schemeClr val="tx1"/>
+          </a:fontRef>
+        </p:style>
+      </p:cxnSp>
+      <p:sp>
+        <p:nvSpPr>
+          <p:cNvPr id="46" name="TextBox 45"/>
+          <p:cNvSpPr txBox="1"/>
+          <p:nvPr/>
+        </p:nvSpPr>
+        <p:spPr>
+          <a:xfrm>
+            <a:off x="8599790" y="1231900"/>
+            <a:ext cx="2435556" cy="369332"/>
+          </a:xfrm>
+          <a:prstGeom prst="rect">
+            <a:avLst/>
+          </a:prstGeom>
+          <a:noFill/>
+        </p:spPr>
+        <p:txBody>
+          <a:bodyPr wrap="square" rtlCol="0">
+            <a:spAutoFit/>
+          </a:bodyPr>
+          <a:lstStyle/>
+          <a:p>
+            <a:r>
+              <a:rPr lang="en-US" b="1" dirty="0" smtClean="0"/>
+              <a:t>1           2            3           4</a:t>
+            </a:r>
+            <a:endParaRPr lang="en-US" b="1" dirty="0"/>
+          </a:p>
+        </p:txBody>
+      </p:sp>
+      <p:sp>
+        <p:nvSpPr>
+          <p:cNvPr id="47" name="TextBox 46"/>
+          <p:cNvSpPr txBox="1"/>
+          <p:nvPr/>
+        </p:nvSpPr>
+        <p:spPr>
+          <a:xfrm>
+            <a:off x="11178930" y="2041302"/>
+            <a:ext cx="999132" cy="369332"/>
+          </a:xfrm>
+          <a:prstGeom prst="rect">
+            <a:avLst/>
+          </a:prstGeom>
+          <a:noFill/>
+        </p:spPr>
+        <p:txBody>
+          <a:bodyPr wrap="square" rtlCol="0">
+            <a:spAutoFit/>
+          </a:bodyPr>
+          <a:lstStyle/>
+          <a:p>
+            <a:r>
+              <a:rPr lang="en-US" b="1" dirty="0" smtClean="0"/>
+              <a:t>Step 1</a:t>
+            </a:r>
+            <a:endParaRPr lang="en-US" b="1" dirty="0"/>
+          </a:p>
+        </p:txBody>
+      </p:sp>
+      <p:sp>
+        <p:nvSpPr>
+          <p:cNvPr id="48" name="TextBox 47"/>
+          <p:cNvSpPr txBox="1"/>
+          <p:nvPr/>
+        </p:nvSpPr>
+        <p:spPr>
+          <a:xfrm>
+            <a:off x="11192868" y="3112066"/>
+            <a:ext cx="999132" cy="369332"/>
+          </a:xfrm>
+          <a:prstGeom prst="rect">
+            <a:avLst/>
+          </a:prstGeom>
+          <a:noFill/>
+        </p:spPr>
+        <p:txBody>
+          <a:bodyPr wrap="square" rtlCol="0">
+            <a:spAutoFit/>
+          </a:bodyPr>
+          <a:lstStyle/>
+          <a:p>
+            <a:r>
+              <a:rPr lang="en-US" b="1" dirty="0" smtClean="0"/>
+              <a:t>Step 2</a:t>
+            </a:r>
+            <a:endParaRPr lang="en-US" b="1" dirty="0"/>
+          </a:p>
+        </p:txBody>
+      </p:sp>
+      <p:sp>
+        <p:nvSpPr>
+          <p:cNvPr id="49" name="TextBox 48"/>
+          <p:cNvSpPr txBox="1"/>
+          <p:nvPr/>
+        </p:nvSpPr>
+        <p:spPr>
+          <a:xfrm>
+            <a:off x="11178930" y="4380181"/>
+            <a:ext cx="999132" cy="369332"/>
+          </a:xfrm>
+          <a:prstGeom prst="rect">
+            <a:avLst/>
+          </a:prstGeom>
+          <a:noFill/>
+        </p:spPr>
+        <p:txBody>
+          <a:bodyPr wrap="square" rtlCol="0">
+            <a:spAutoFit/>
+          </a:bodyPr>
+          <a:lstStyle/>
+          <a:p>
+            <a:r>
+              <a:rPr lang="en-US" b="1" dirty="0" smtClean="0"/>
+              <a:t>Step 3</a:t>
+            </a:r>
+            <a:endParaRPr lang="en-US" b="1" dirty="0"/>
+          </a:p>
+        </p:txBody>
+      </p:sp>
+      <p:sp>
+        <p:nvSpPr>
+          <p:cNvPr id="50" name="TextBox 49"/>
+          <p:cNvSpPr txBox="1"/>
+          <p:nvPr/>
+        </p:nvSpPr>
+        <p:spPr>
+          <a:xfrm>
+            <a:off x="11192868" y="5878024"/>
+            <a:ext cx="999132" cy="369332"/>
+          </a:xfrm>
+          <a:prstGeom prst="rect">
+            <a:avLst/>
+          </a:prstGeom>
+          <a:noFill/>
+        </p:spPr>
+        <p:txBody>
+          <a:bodyPr wrap="square" rtlCol="0">
+            <a:spAutoFit/>
+          </a:bodyPr>
+          <a:lstStyle/>
+          <a:p>
+            <a:r>
+              <a:rPr lang="en-US" b="1" dirty="0" smtClean="0"/>
+              <a:t>Step N</a:t>
+            </a:r>
+            <a:endParaRPr lang="en-US" b="1" dirty="0"/>
+          </a:p>
+        </p:txBody>
+      </p:sp>
+      <p:sp>
+        <p:nvSpPr>
+          <p:cNvPr id="53" name="TextBox 52"/>
+          <p:cNvSpPr txBox="1"/>
+          <p:nvPr/>
+        </p:nvSpPr>
+        <p:spPr>
+          <a:xfrm>
+            <a:off x="7697337" y="1218020"/>
+            <a:ext cx="1203274" cy="369332"/>
+          </a:xfrm>
+          <a:prstGeom prst="rect">
+            <a:avLst/>
+          </a:prstGeom>
+          <a:noFill/>
+        </p:spPr>
+        <p:txBody>
+          <a:bodyPr wrap="square" rtlCol="0">
+            <a:spAutoFit/>
+          </a:bodyPr>
+          <a:lstStyle/>
+          <a:p>
+            <a:r>
+              <a:rPr lang="en-US" b="1" dirty="0" smtClean="0"/>
+              <a:t>Variable</a:t>
+            </a:r>
+            <a:endParaRPr lang="en-US" b="1" dirty="0"/>
+          </a:p>
+        </p:txBody>
+      </p:sp>
+    </p:spTree>
+    <p:extLst>
+      <p:ext uri="{BB962C8B-B14F-4D97-AF65-F5344CB8AC3E}">
+        <p14:creationId xmlns:p14="http://schemas.microsoft.com/office/powerpoint/2010/main" val="568407417"/>
+      </p:ext>
+    </p:extLst>
+  </p:cSld>
+  <p:clrMapOvr>
+    <a:masterClrMapping/>
+  </p:clrMapOvr>
+  <p:timing>
+    <p:tnLst>
+      <p:par>
+        <p:cTn id="1" dur="indefinite" restart="never" nodeType="tmRoot"/>
+      </p:par>
+    </p:tnLst>
+  </p:timing>
+</p:sld>
+</file>
+
+<file path=ppt/slides/slide13.xml><?xml version="1.0" encoding="utf-8"?>
+<p:sld xmlns:a="http://schemas.openxmlformats.org/drawingml/2006/main" xmlns:r="http://schemas.openxmlformats.org/officeDocument/2006/relationships" xmlns:p="http://schemas.openxmlformats.org/presentationml/2006/main">
+  <p:cSld>
+    <p:spTree>
+      <p:nvGrpSpPr>
+        <p:cNvPr id="1" name=""/>
+        <p:cNvGrpSpPr/>
+        <p:nvPr/>
+      </p:nvGrpSpPr>
+      <p:grpSpPr>
+        <a:xfrm>
+          <a:off x="0" y="0"/>
+          <a:ext cx="0" cy="0"/>
+          <a:chOff x="0" y="0"/>
+          <a:chExt cx="0" cy="0"/>
+        </a:xfrm>
+      </p:grpSpPr>
+      <p:sp>
+        <p:nvSpPr>
+          <p:cNvPr id="2" name="Title 1"/>
+          <p:cNvSpPr>
+            <a:spLocks noGrp="1"/>
+          </p:cNvSpPr>
+          <p:nvPr>
+            <p:ph type="title"/>
+          </p:nvPr>
+        </p:nvSpPr>
+        <p:spPr/>
+        <p:txBody>
+          <a:bodyPr/>
+          <a:lstStyle/>
+          <a:p>
+            <a:r>
+              <a:rPr lang="en-US" dirty="0" smtClean="0"/>
+              <a:t>Motivations/Challenges</a:t>
+            </a:r>
+            <a:endParaRPr lang="en-US" dirty="0"/>
+          </a:p>
+        </p:txBody>
+      </p:sp>
+      <p:sp>
+        <p:nvSpPr>
+          <p:cNvPr id="3" name="Content Placeholder 2"/>
+          <p:cNvSpPr>
+            <a:spLocks noGrp="1"/>
+          </p:cNvSpPr>
+          <p:nvPr>
+            <p:ph idx="1"/>
+          </p:nvPr>
+        </p:nvSpPr>
+        <p:spPr/>
+        <p:txBody>
+          <a:bodyPr>
+            <a:normAutofit/>
+          </a:bodyPr>
+          <a:lstStyle/>
+          <a:p>
+            <a:pPr marL="0" indent="0">
+              <a:buNone/>
+            </a:pPr>
+            <a:endParaRPr lang="en-US" b="1" u="sng" dirty="0" smtClean="0"/>
+          </a:p>
+          <a:p>
+            <a:pPr marL="0" indent="0">
+              <a:buNone/>
+            </a:pPr>
+            <a:endParaRPr lang="en-US" b="1" u="sng" dirty="0"/>
+          </a:p>
+          <a:p>
+            <a:r>
+              <a:rPr lang="en-US" b="1" u="sng" dirty="0" smtClean="0"/>
+              <a:t>Question</a:t>
+            </a:r>
+            <a:r>
+              <a:rPr lang="en-US" dirty="0" smtClean="0"/>
+              <a:t>: </a:t>
+            </a:r>
+            <a:r>
+              <a:rPr lang="en-US" dirty="0" smtClean="0">
+                <a:sym typeface="Wingdings" panose="05000000000000000000" pitchFamily="2" charset="2"/>
+              </a:rPr>
+              <a:t>How to parallelize MCMC (which is serial in its nature) to speed it up but without altering its behavior?</a:t>
+            </a:r>
+          </a:p>
+          <a:p>
+            <a:pPr marL="0" indent="0">
+              <a:buNone/>
+            </a:pPr>
+            <a:endParaRPr lang="en-US" dirty="0">
+              <a:sym typeface="Wingdings" panose="05000000000000000000" pitchFamily="2" charset="2"/>
+            </a:endParaRPr>
+          </a:p>
+        </p:txBody>
+      </p:sp>
+      <p:sp>
+        <p:nvSpPr>
+          <p:cNvPr id="4" name="Date Placeholder 3"/>
+          <p:cNvSpPr>
+            <a:spLocks noGrp="1"/>
+          </p:cNvSpPr>
+          <p:nvPr>
+            <p:ph type="dt" sz="half" idx="10"/>
+          </p:nvPr>
+        </p:nvSpPr>
+        <p:spPr/>
+        <p:txBody>
+          <a:bodyPr/>
+          <a:lstStyle/>
+          <a:p>
+            <a:fld id="{BF5355A6-59B9-4F26-8F15-CE7BC9B0A160}" type="datetime1">
+              <a:rPr lang="en-US" smtClean="0"/>
+              <a:t>4/27/2015</a:t>
+            </a:fld>
+            <a:endParaRPr lang="en-US"/>
+          </a:p>
+        </p:txBody>
+      </p:sp>
+      <p:sp>
+        <p:nvSpPr>
+          <p:cNvPr id="5" name="Footer Placeholder 4"/>
+          <p:cNvSpPr>
+            <a:spLocks noGrp="1"/>
+          </p:cNvSpPr>
+          <p:nvPr>
+            <p:ph type="ftr" sz="quarter" idx="11"/>
+          </p:nvPr>
+        </p:nvSpPr>
+        <p:spPr/>
+        <p:txBody>
+          <a:bodyPr/>
+          <a:lstStyle/>
+          <a:p>
+            <a:r>
+              <a:rPr lang="en-US" smtClean="0"/>
+              <a:t>ECEN 5060 – Final Project – Spring 2015</a:t>
+            </a:r>
+            <a:endParaRPr lang="en-US" dirty="0"/>
+          </a:p>
+        </p:txBody>
+      </p:sp>
+      <p:sp>
+        <p:nvSpPr>
+          <p:cNvPr id="6" name="Slide Number Placeholder 5"/>
+          <p:cNvSpPr>
+            <a:spLocks noGrp="1"/>
+          </p:cNvSpPr>
+          <p:nvPr>
+            <p:ph type="sldNum" sz="quarter" idx="12"/>
+          </p:nvPr>
+        </p:nvSpPr>
+        <p:spPr/>
+        <p:txBody>
+          <a:bodyPr/>
+          <a:lstStyle/>
+          <a:p>
+            <a:fld id="{66A79FD7-B063-4613-98C2-47CB42CF0D44}" type="slidenum">
+              <a:rPr lang="en-US" smtClean="0"/>
+              <a:pPr/>
+              <a:t>13</a:t>
+            </a:fld>
+            <a:endParaRPr lang="en-US" dirty="0"/>
+          </a:p>
+        </p:txBody>
+      </p:sp>
+      <p:pic>
+        <p:nvPicPr>
+          <p:cNvPr id="4098" name="Picture 2" descr="http://ts3.mm.bing.net/th?id=JN.RR6nwMYo53fo2VM74kFsLA&amp;w=292&amp;h=180&amp;c=7&amp;rs=1&amp;qlt=90&amp;o=4&amp;pid=1.1"/>
+          <p:cNvPicPr>
+            <a:picLocks noChangeAspect="1" noChangeArrowheads="1"/>
+          </p:cNvPicPr>
+          <p:nvPr/>
+        </p:nvPicPr>
+        <p:blipFill>
+          <a:blip r:embed="rId2">
+            <a:extLst>
+              <a:ext uri="{28A0092B-C50C-407E-A947-70E740481C1C}">
+                <a14:useLocalDpi xmlns:a14="http://schemas.microsoft.com/office/drawing/2010/main" val="0"/>
+              </a:ext>
+            </a:extLst>
+          </a:blip>
+          <a:srcRect/>
+          <a:stretch>
+            <a:fillRect/>
+          </a:stretch>
+        </p:blipFill>
+        <p:spPr bwMode="auto">
+          <a:xfrm>
+            <a:off x="3275463" y="3521122"/>
+            <a:ext cx="4877937" cy="2835228"/>
+          </a:xfrm>
+          <a:prstGeom prst="rect">
+            <a:avLst/>
+          </a:prstGeom>
+          <a:noFill/>
+          <a:extLst>
+            <a:ext uri="{909E8E84-426E-40DD-AFC4-6F175D3DCCD1}">
+              <a14:hiddenFill xmlns:a14="http://schemas.microsoft.com/office/drawing/2010/main">
+                <a:solidFill>
+                  <a:srgbClr val="FFFFFF"/>
+                </a:solidFill>
+              </a14:hiddenFill>
+            </a:ext>
+          </a:extLst>
+        </p:spPr>
+      </p:pic>
+    </p:spTree>
+    <p:extLst>
+      <p:ext uri="{BB962C8B-B14F-4D97-AF65-F5344CB8AC3E}">
+        <p14:creationId xmlns:p14="http://schemas.microsoft.com/office/powerpoint/2010/main" val="781396952"/>
+      </p:ext>
+    </p:extLst>
+  </p:cSld>
+  <p:clrMapOvr>
+    <a:masterClrMapping/>
+  </p:clrMapOvr>
+  <p:timing>
+    <p:tnLst>
+      <p:par>
+        <p:cTn id="1" dur="indefinite" restart="never" nodeType="tmRoot"/>
+      </p:par>
+    </p:tnLst>
+  </p:timing>
+</p:sld>
+</file>
+
+<file path=ppt/slides/slide14.xml><?xml version="1.0" encoding="utf-8"?>
+<p:sld xmlns:a="http://schemas.openxmlformats.org/drawingml/2006/main" xmlns:r="http://schemas.openxmlformats.org/officeDocument/2006/relationships" xmlns:p="http://schemas.openxmlformats.org/presentationml/2006/main">
+  <p:cSld>
+    <p:spTree>
+      <p:nvGrpSpPr>
+        <p:cNvPr id="1" name=""/>
+        <p:cNvGrpSpPr/>
+        <p:nvPr/>
+      </p:nvGrpSpPr>
+      <p:grpSpPr>
+        <a:xfrm>
+          <a:off x="0" y="0"/>
+          <a:ext cx="0" cy="0"/>
+          <a:chOff x="0" y="0"/>
+          <a:chExt cx="0" cy="0"/>
+        </a:xfrm>
+      </p:grpSpPr>
+      <p:sp>
+        <p:nvSpPr>
+          <p:cNvPr id="2" name="Title 1"/>
+          <p:cNvSpPr>
+            <a:spLocks noGrp="1"/>
+          </p:cNvSpPr>
+          <p:nvPr>
+            <p:ph type="title"/>
+          </p:nvPr>
+        </p:nvSpPr>
+        <p:spPr/>
+        <p:txBody>
+          <a:bodyPr/>
+          <a:lstStyle/>
+          <a:p>
+            <a:r>
+              <a:rPr lang="en-US" dirty="0" smtClean="0"/>
+              <a:t>Parallelizing </a:t>
+            </a:r>
+            <a:r>
+              <a:rPr lang="en-US" dirty="0"/>
+              <a:t>MCMC using MPI</a:t>
+            </a:r>
+          </a:p>
+        </p:txBody>
+      </p:sp>
+      <p:sp>
+        <p:nvSpPr>
+          <p:cNvPr id="3" name="Content Placeholder 2"/>
+          <p:cNvSpPr>
+            <a:spLocks noGrp="1"/>
+          </p:cNvSpPr>
+          <p:nvPr>
+            <p:ph idx="1"/>
+          </p:nvPr>
+        </p:nvSpPr>
+        <p:spPr>
+          <a:xfrm>
+            <a:off x="838200" y="1460500"/>
+            <a:ext cx="6872785" cy="4716463"/>
+          </a:xfrm>
+        </p:spPr>
+        <p:txBody>
+          <a:bodyPr>
+            <a:normAutofit lnSpcReduction="10000"/>
+          </a:bodyPr>
+          <a:lstStyle/>
+          <a:p>
+            <a:r>
+              <a:rPr lang="en-US" dirty="0" smtClean="0"/>
+              <a:t>Current set-up in </a:t>
+            </a:r>
+            <a:r>
+              <a:rPr lang="en-US" dirty="0" err="1" smtClean="0"/>
+              <a:t>Matlab</a:t>
+            </a:r>
+            <a:r>
+              <a:rPr lang="en-US" dirty="0" smtClean="0"/>
+              <a:t> code:</a:t>
+            </a:r>
+          </a:p>
+          <a:p>
+            <a:pPr lvl="1"/>
+            <a:r>
+              <a:rPr lang="en-US" dirty="0" smtClean="0"/>
+              <a:t>Serial MCMC as described</a:t>
+            </a:r>
+          </a:p>
+          <a:p>
+            <a:pPr lvl="1"/>
+            <a:r>
+              <a:rPr lang="en-US" dirty="0" smtClean="0"/>
+              <a:t>Fixed variance (step length) </a:t>
+            </a:r>
+            <a:r>
+              <a:rPr lang="en-US" dirty="0" smtClean="0">
+                <a:sym typeface="Wingdings" panose="05000000000000000000" pitchFamily="2" charset="2"/>
+              </a:rPr>
+              <a:t> No trade-off at all</a:t>
+            </a:r>
+            <a:endParaRPr lang="en-US" dirty="0" smtClean="0"/>
+          </a:p>
+          <a:p>
+            <a:r>
+              <a:rPr lang="en-US" dirty="0" smtClean="0"/>
+              <a:t>Our proposal:</a:t>
+            </a:r>
+          </a:p>
+          <a:p>
+            <a:pPr lvl="1"/>
+            <a:r>
+              <a:rPr lang="en-US" dirty="0" smtClean="0"/>
+              <a:t>Run several random walks simulation at the same time</a:t>
+            </a:r>
+          </a:p>
+          <a:p>
+            <a:pPr lvl="1"/>
+            <a:r>
+              <a:rPr lang="en-US" dirty="0" smtClean="0"/>
+              <a:t>Each core uses a different variance</a:t>
+            </a:r>
+          </a:p>
+          <a:p>
+            <a:pPr lvl="1"/>
+            <a:r>
+              <a:rPr lang="en-US" dirty="0" smtClean="0"/>
+              <a:t>After K iterations, pick the best results, broadcast to all cores</a:t>
+            </a:r>
+          </a:p>
+          <a:p>
+            <a:pPr lvl="1"/>
+            <a:r>
+              <a:rPr lang="en-US" dirty="0" smtClean="0"/>
+              <a:t>Repeat until convergence</a:t>
+            </a:r>
+          </a:p>
+        </p:txBody>
+      </p:sp>
+      <p:sp>
+        <p:nvSpPr>
+          <p:cNvPr id="4" name="Date Placeholder 3"/>
+          <p:cNvSpPr>
+            <a:spLocks noGrp="1"/>
+          </p:cNvSpPr>
+          <p:nvPr>
+            <p:ph type="dt" sz="half" idx="10"/>
+          </p:nvPr>
+        </p:nvSpPr>
+        <p:spPr/>
+        <p:txBody>
+          <a:bodyPr/>
+          <a:lstStyle/>
+          <a:p>
+            <a:fld id="{B1E02016-1A59-4FAC-B290-A8B2EEE0AE67}" type="datetime1">
+              <a:rPr lang="en-US" smtClean="0"/>
+              <a:t>4/27/2015</a:t>
+            </a:fld>
+            <a:endParaRPr lang="en-US"/>
+          </a:p>
+        </p:txBody>
+      </p:sp>
+      <p:sp>
+        <p:nvSpPr>
+          <p:cNvPr id="5" name="Footer Placeholder 4"/>
+          <p:cNvSpPr>
+            <a:spLocks noGrp="1"/>
+          </p:cNvSpPr>
+          <p:nvPr>
+            <p:ph type="ftr" sz="quarter" idx="11"/>
+          </p:nvPr>
+        </p:nvSpPr>
+        <p:spPr/>
+        <p:txBody>
+          <a:bodyPr/>
+          <a:lstStyle/>
+          <a:p>
+            <a:r>
+              <a:rPr lang="en-US" smtClean="0"/>
+              <a:t>ECEN 5060 – Final Project – Spring 2015</a:t>
+            </a:r>
+            <a:endParaRPr lang="en-US" dirty="0"/>
+          </a:p>
+        </p:txBody>
+      </p:sp>
+      <p:sp>
+        <p:nvSpPr>
+          <p:cNvPr id="6" name="Slide Number Placeholder 5"/>
+          <p:cNvSpPr>
+            <a:spLocks noGrp="1"/>
+          </p:cNvSpPr>
+          <p:nvPr>
+            <p:ph type="sldNum" sz="quarter" idx="12"/>
+          </p:nvPr>
+        </p:nvSpPr>
+        <p:spPr/>
+        <p:txBody>
+          <a:bodyPr/>
+          <a:lstStyle/>
+          <a:p>
+            <a:fld id="{66A79FD7-B063-4613-98C2-47CB42CF0D44}" type="slidenum">
+              <a:rPr lang="en-US" smtClean="0"/>
+              <a:pPr/>
+              <a:t>14</a:t>
+            </a:fld>
+            <a:endParaRPr lang="en-US" dirty="0"/>
+          </a:p>
+        </p:txBody>
+      </p:sp>
+      <p:sp>
+        <p:nvSpPr>
+          <p:cNvPr id="7" name="Down Arrow 6"/>
+          <p:cNvSpPr/>
+          <p:nvPr/>
+        </p:nvSpPr>
+        <p:spPr>
+          <a:xfrm>
+            <a:off x="8590411" y="1610625"/>
+            <a:ext cx="294564" cy="791381"/>
+          </a:xfrm>
+          <a:prstGeom prst="downArrow">
+            <a:avLst/>
+          </a:prstGeom>
+        </p:spPr>
+        <p:style>
+          <a:lnRef idx="2">
+            <a:schemeClr val="accent1">
+              <a:shade val="50000"/>
+            </a:schemeClr>
+          </a:lnRef>
+          <a:fillRef idx="1">
+            <a:schemeClr val="accent1"/>
+          </a:fillRef>
+          <a:effectRef idx="0">
+            <a:schemeClr val="accent1"/>
+          </a:effectRef>
+          <a:fontRef idx="minor">
+            <a:schemeClr val="lt1"/>
+          </a:fontRef>
+        </p:style>
+        <p:txBody>
+          <a:bodyPr rtlCol="0" anchor="ctr"/>
+          <a:lstStyle/>
+          <a:p>
+            <a:pPr algn="ctr"/>
+            <a:endParaRPr lang="en-US"/>
+          </a:p>
+        </p:txBody>
+      </p:sp>
+      <p:sp>
+        <p:nvSpPr>
+          <p:cNvPr id="8" name="Down Arrow 7"/>
+          <p:cNvSpPr/>
+          <p:nvPr/>
+        </p:nvSpPr>
+        <p:spPr>
+          <a:xfrm>
+            <a:off x="9327390" y="1610625"/>
+            <a:ext cx="294564" cy="791381"/>
+          </a:xfrm>
+          <a:prstGeom prst="downArrow">
+            <a:avLst/>
+          </a:prstGeom>
+        </p:spPr>
+        <p:style>
+          <a:lnRef idx="2">
+            <a:schemeClr val="accent1">
+              <a:shade val="50000"/>
+            </a:schemeClr>
+          </a:lnRef>
+          <a:fillRef idx="1">
+            <a:schemeClr val="accent1"/>
+          </a:fillRef>
+          <a:effectRef idx="0">
+            <a:schemeClr val="accent1"/>
+          </a:effectRef>
+          <a:fontRef idx="minor">
+            <a:schemeClr val="lt1"/>
+          </a:fontRef>
+        </p:style>
+        <p:txBody>
+          <a:bodyPr rtlCol="0" anchor="ctr"/>
+          <a:lstStyle/>
+          <a:p>
+            <a:pPr algn="ctr"/>
+            <a:endParaRPr lang="en-US"/>
+          </a:p>
+        </p:txBody>
+      </p:sp>
+      <p:sp>
+        <p:nvSpPr>
+          <p:cNvPr id="9" name="Down Arrow 8"/>
+          <p:cNvSpPr/>
+          <p:nvPr/>
+        </p:nvSpPr>
+        <p:spPr>
+          <a:xfrm>
+            <a:off x="10053564" y="1610625"/>
+            <a:ext cx="294564" cy="791381"/>
+          </a:xfrm>
+          <a:prstGeom prst="downArrow">
+            <a:avLst/>
+          </a:prstGeom>
+        </p:spPr>
+        <p:style>
+          <a:lnRef idx="2">
+            <a:schemeClr val="accent1">
+              <a:shade val="50000"/>
+            </a:schemeClr>
+          </a:lnRef>
+          <a:fillRef idx="1">
+            <a:schemeClr val="accent1"/>
+          </a:fillRef>
+          <a:effectRef idx="0">
+            <a:schemeClr val="accent1"/>
+          </a:effectRef>
+          <a:fontRef idx="minor">
+            <a:schemeClr val="lt1"/>
+          </a:fontRef>
+        </p:style>
+        <p:txBody>
+          <a:bodyPr rtlCol="0" anchor="ctr"/>
+          <a:lstStyle/>
+          <a:p>
+            <a:pPr algn="ctr"/>
+            <a:endParaRPr lang="en-US"/>
+          </a:p>
+        </p:txBody>
+      </p:sp>
+      <p:sp>
+        <p:nvSpPr>
+          <p:cNvPr id="10" name="Down Arrow 9"/>
+          <p:cNvSpPr/>
+          <p:nvPr/>
+        </p:nvSpPr>
+        <p:spPr>
+          <a:xfrm>
+            <a:off x="10744480" y="1610625"/>
+            <a:ext cx="294564" cy="791381"/>
+          </a:xfrm>
+          <a:prstGeom prst="downArrow">
+            <a:avLst/>
+          </a:prstGeom>
+        </p:spPr>
+        <p:style>
+          <a:lnRef idx="2">
+            <a:schemeClr val="accent1">
+              <a:shade val="50000"/>
+            </a:schemeClr>
+          </a:lnRef>
+          <a:fillRef idx="1">
+            <a:schemeClr val="accent1"/>
+          </a:fillRef>
+          <a:effectRef idx="0">
+            <a:schemeClr val="accent1"/>
+          </a:effectRef>
+          <a:fontRef idx="minor">
+            <a:schemeClr val="lt1"/>
+          </a:fontRef>
+        </p:style>
+        <p:txBody>
+          <a:bodyPr rtlCol="0" anchor="ctr"/>
+          <a:lstStyle/>
+          <a:p>
+            <a:pPr algn="ctr"/>
+            <a:endParaRPr lang="en-US"/>
+          </a:p>
+        </p:txBody>
+      </p:sp>
+      <p:cxnSp>
+        <p:nvCxnSpPr>
+          <p:cNvPr id="12" name="Straight Connector 11"/>
+          <p:cNvCxnSpPr>
+            <a:stCxn id="7" idx="2"/>
+            <a:endCxn id="8" idx="0"/>
+          </p:cNvCxnSpPr>
+          <p:nvPr/>
+        </p:nvCxnSpPr>
+        <p:spPr>
+          <a:xfrm flipV="1">
+            <a:off x="8737693" y="1610625"/>
+            <a:ext cx="736979" cy="791381"/>
+          </a:xfrm>
+          <a:prstGeom prst="line">
+            <a:avLst/>
+          </a:prstGeom>
+        </p:spPr>
+        <p:style>
+          <a:lnRef idx="1">
+            <a:schemeClr val="accent1"/>
+          </a:lnRef>
+          <a:fillRef idx="0">
+            <a:schemeClr val="accent1"/>
+          </a:fillRef>
+          <a:effectRef idx="0">
+            <a:schemeClr val="accent1"/>
+          </a:effectRef>
+          <a:fontRef idx="minor">
+            <a:schemeClr val="tx1"/>
+          </a:fontRef>
+        </p:style>
+      </p:cxnSp>
+      <p:cxnSp>
+        <p:nvCxnSpPr>
+          <p:cNvPr id="13" name="Straight Connector 12"/>
+          <p:cNvCxnSpPr/>
+          <p:nvPr/>
+        </p:nvCxnSpPr>
+        <p:spPr>
+          <a:xfrm flipV="1">
+            <a:off x="9470974" y="1583424"/>
+            <a:ext cx="736979" cy="791381"/>
+          </a:xfrm>
+          <a:prstGeom prst="line">
+            <a:avLst/>
+          </a:prstGeom>
+        </p:spPr>
+        <p:style>
+          <a:lnRef idx="1">
+            <a:schemeClr val="accent1"/>
+          </a:lnRef>
+          <a:fillRef idx="0">
+            <a:schemeClr val="accent1"/>
+          </a:fillRef>
+          <a:effectRef idx="0">
+            <a:schemeClr val="accent1"/>
+          </a:effectRef>
+          <a:fontRef idx="minor">
+            <a:schemeClr val="tx1"/>
+          </a:fontRef>
+        </p:style>
+      </p:cxnSp>
+      <p:cxnSp>
+        <p:nvCxnSpPr>
+          <p:cNvPr id="14" name="Straight Connector 13"/>
+          <p:cNvCxnSpPr/>
+          <p:nvPr/>
+        </p:nvCxnSpPr>
+        <p:spPr>
+          <a:xfrm flipV="1">
+            <a:off x="10152508" y="1610625"/>
+            <a:ext cx="736979" cy="791381"/>
+          </a:xfrm>
+          <a:prstGeom prst="line">
+            <a:avLst/>
+          </a:prstGeom>
+        </p:spPr>
+        <p:style>
+          <a:lnRef idx="1">
+            <a:schemeClr val="accent1"/>
+          </a:lnRef>
+          <a:fillRef idx="0">
+            <a:schemeClr val="accent1"/>
+          </a:fillRef>
+          <a:effectRef idx="0">
+            <a:schemeClr val="accent1"/>
+          </a:effectRef>
+          <a:fontRef idx="minor">
+            <a:schemeClr val="tx1"/>
+          </a:fontRef>
+        </p:style>
+      </p:cxnSp>
+      <p:sp>
+        <p:nvSpPr>
+          <p:cNvPr id="15" name="Down Arrow 14"/>
+          <p:cNvSpPr/>
+          <p:nvPr/>
+        </p:nvSpPr>
+        <p:spPr>
+          <a:xfrm>
+            <a:off x="8590411" y="2770778"/>
+            <a:ext cx="294564" cy="791381"/>
+          </a:xfrm>
+          <a:prstGeom prst="downArrow">
+            <a:avLst/>
+          </a:prstGeom>
+        </p:spPr>
+        <p:style>
+          <a:lnRef idx="2">
+            <a:schemeClr val="accent1">
+              <a:shade val="50000"/>
+            </a:schemeClr>
+          </a:lnRef>
+          <a:fillRef idx="1">
+            <a:schemeClr val="accent1"/>
+          </a:fillRef>
+          <a:effectRef idx="0">
+            <a:schemeClr val="accent1"/>
+          </a:effectRef>
+          <a:fontRef idx="minor">
+            <a:schemeClr val="lt1"/>
+          </a:fontRef>
+        </p:style>
+        <p:txBody>
+          <a:bodyPr rtlCol="0" anchor="ctr"/>
+          <a:lstStyle/>
+          <a:p>
+            <a:pPr algn="ctr"/>
+            <a:endParaRPr lang="en-US"/>
+          </a:p>
+        </p:txBody>
+      </p:sp>
+      <p:sp>
+        <p:nvSpPr>
+          <p:cNvPr id="16" name="Down Arrow 15"/>
+          <p:cNvSpPr/>
+          <p:nvPr/>
+        </p:nvSpPr>
+        <p:spPr>
+          <a:xfrm>
+            <a:off x="9327390" y="2770778"/>
+            <a:ext cx="294564" cy="791381"/>
+          </a:xfrm>
+          <a:prstGeom prst="downArrow">
+            <a:avLst/>
+          </a:prstGeom>
+        </p:spPr>
+        <p:style>
+          <a:lnRef idx="2">
+            <a:schemeClr val="accent1">
+              <a:shade val="50000"/>
+            </a:schemeClr>
+          </a:lnRef>
+          <a:fillRef idx="1">
+            <a:schemeClr val="accent1"/>
+          </a:fillRef>
+          <a:effectRef idx="0">
+            <a:schemeClr val="accent1"/>
+          </a:effectRef>
+          <a:fontRef idx="minor">
+            <a:schemeClr val="lt1"/>
+          </a:fontRef>
+        </p:style>
+        <p:txBody>
+          <a:bodyPr rtlCol="0" anchor="ctr"/>
+          <a:lstStyle/>
+          <a:p>
+            <a:pPr algn="ctr"/>
+            <a:endParaRPr lang="en-US"/>
+          </a:p>
+        </p:txBody>
+      </p:sp>
+      <p:sp>
+        <p:nvSpPr>
+          <p:cNvPr id="17" name="Down Arrow 16"/>
+          <p:cNvSpPr/>
+          <p:nvPr/>
+        </p:nvSpPr>
+        <p:spPr>
+          <a:xfrm>
+            <a:off x="10053564" y="2770778"/>
+            <a:ext cx="294564" cy="791381"/>
+          </a:xfrm>
+          <a:prstGeom prst="downArrow">
+            <a:avLst/>
+          </a:prstGeom>
+        </p:spPr>
+        <p:style>
+          <a:lnRef idx="2">
+            <a:schemeClr val="accent1">
+              <a:shade val="50000"/>
+            </a:schemeClr>
+          </a:lnRef>
+          <a:fillRef idx="1">
+            <a:schemeClr val="accent1"/>
+          </a:fillRef>
+          <a:effectRef idx="0">
+            <a:schemeClr val="accent1"/>
+          </a:effectRef>
+          <a:fontRef idx="minor">
+            <a:schemeClr val="lt1"/>
+          </a:fontRef>
+        </p:style>
+        <p:txBody>
+          <a:bodyPr rtlCol="0" anchor="ctr"/>
+          <a:lstStyle/>
+          <a:p>
+            <a:pPr algn="ctr"/>
+            <a:endParaRPr lang="en-US"/>
+          </a:p>
+        </p:txBody>
+      </p:sp>
+      <p:sp>
+        <p:nvSpPr>
+          <p:cNvPr id="18" name="Down Arrow 17"/>
+          <p:cNvSpPr/>
+          <p:nvPr/>
+        </p:nvSpPr>
+        <p:spPr>
+          <a:xfrm>
+            <a:off x="10744480" y="2770778"/>
+            <a:ext cx="294564" cy="791381"/>
+          </a:xfrm>
+          <a:prstGeom prst="downArrow">
+            <a:avLst/>
+          </a:prstGeom>
+        </p:spPr>
+        <p:style>
+          <a:lnRef idx="2">
+            <a:schemeClr val="accent1">
+              <a:shade val="50000"/>
+            </a:schemeClr>
+          </a:lnRef>
+          <a:fillRef idx="1">
+            <a:schemeClr val="accent1"/>
+          </a:fillRef>
+          <a:effectRef idx="0">
+            <a:schemeClr val="accent1"/>
+          </a:effectRef>
+          <a:fontRef idx="minor">
+            <a:schemeClr val="lt1"/>
+          </a:fontRef>
+        </p:style>
+        <p:txBody>
+          <a:bodyPr rtlCol="0" anchor="ctr"/>
+          <a:lstStyle/>
+          <a:p>
+            <a:pPr algn="ctr"/>
+            <a:endParaRPr lang="en-US"/>
+          </a:p>
+        </p:txBody>
+      </p:sp>
+      <p:cxnSp>
+        <p:nvCxnSpPr>
+          <p:cNvPr id="19" name="Straight Connector 18"/>
+          <p:cNvCxnSpPr>
+            <a:stCxn id="15" idx="2"/>
+            <a:endCxn id="16" idx="0"/>
+          </p:cNvCxnSpPr>
+          <p:nvPr/>
+        </p:nvCxnSpPr>
+        <p:spPr>
+          <a:xfrm flipV="1">
+            <a:off x="8737693" y="2770778"/>
+            <a:ext cx="736979" cy="791381"/>
+          </a:xfrm>
+          <a:prstGeom prst="line">
+            <a:avLst/>
+          </a:prstGeom>
+        </p:spPr>
+        <p:style>
+          <a:lnRef idx="1">
+            <a:schemeClr val="accent1"/>
+          </a:lnRef>
+          <a:fillRef idx="0">
+            <a:schemeClr val="accent1"/>
+          </a:fillRef>
+          <a:effectRef idx="0">
+            <a:schemeClr val="accent1"/>
+          </a:effectRef>
+          <a:fontRef idx="minor">
+            <a:schemeClr val="tx1"/>
+          </a:fontRef>
+        </p:style>
+      </p:cxnSp>
+      <p:cxnSp>
+        <p:nvCxnSpPr>
+          <p:cNvPr id="20" name="Straight Connector 19"/>
+          <p:cNvCxnSpPr/>
+          <p:nvPr/>
+        </p:nvCxnSpPr>
+        <p:spPr>
+          <a:xfrm flipV="1">
+            <a:off x="9470974" y="2743577"/>
+            <a:ext cx="736979" cy="791381"/>
+          </a:xfrm>
+          <a:prstGeom prst="line">
+            <a:avLst/>
+          </a:prstGeom>
+        </p:spPr>
+        <p:style>
+          <a:lnRef idx="1">
+            <a:schemeClr val="accent1"/>
+          </a:lnRef>
+          <a:fillRef idx="0">
+            <a:schemeClr val="accent1"/>
+          </a:fillRef>
+          <a:effectRef idx="0">
+            <a:schemeClr val="accent1"/>
+          </a:effectRef>
+          <a:fontRef idx="minor">
+            <a:schemeClr val="tx1"/>
+          </a:fontRef>
+        </p:style>
+      </p:cxnSp>
+      <p:cxnSp>
+        <p:nvCxnSpPr>
+          <p:cNvPr id="21" name="Straight Connector 20"/>
+          <p:cNvCxnSpPr/>
+          <p:nvPr/>
+        </p:nvCxnSpPr>
+        <p:spPr>
+          <a:xfrm flipV="1">
+            <a:off x="10152508" y="2770778"/>
+            <a:ext cx="736979" cy="791381"/>
+          </a:xfrm>
+          <a:prstGeom prst="line">
+            <a:avLst/>
+          </a:prstGeom>
+        </p:spPr>
+        <p:style>
+          <a:lnRef idx="1">
+            <a:schemeClr val="accent1"/>
+          </a:lnRef>
+          <a:fillRef idx="0">
+            <a:schemeClr val="accent1"/>
+          </a:fillRef>
+          <a:effectRef idx="0">
+            <a:schemeClr val="accent1"/>
+          </a:effectRef>
+          <a:fontRef idx="minor">
+            <a:schemeClr val="tx1"/>
+          </a:fontRef>
+        </p:style>
+      </p:cxnSp>
+      <p:sp>
+        <p:nvSpPr>
+          <p:cNvPr id="22" name="Down Arrow 21"/>
+          <p:cNvSpPr/>
+          <p:nvPr/>
+        </p:nvSpPr>
+        <p:spPr>
+          <a:xfrm>
+            <a:off x="8586713" y="3958132"/>
+            <a:ext cx="294564" cy="791381"/>
+          </a:xfrm>
+          <a:prstGeom prst="downArrow">
+            <a:avLst/>
+          </a:prstGeom>
+        </p:spPr>
+        <p:style>
+          <a:lnRef idx="2">
+            <a:schemeClr val="accent1">
+              <a:shade val="50000"/>
+            </a:schemeClr>
+          </a:lnRef>
+          <a:fillRef idx="1">
+            <a:schemeClr val="accent1"/>
+          </a:fillRef>
+          <a:effectRef idx="0">
+            <a:schemeClr val="accent1"/>
+          </a:effectRef>
+          <a:fontRef idx="minor">
+            <a:schemeClr val="lt1"/>
+          </a:fontRef>
+        </p:style>
+        <p:txBody>
+          <a:bodyPr rtlCol="0" anchor="ctr"/>
+          <a:lstStyle/>
+          <a:p>
+            <a:pPr algn="ctr"/>
+            <a:endParaRPr lang="en-US"/>
+          </a:p>
+        </p:txBody>
+      </p:sp>
+      <p:sp>
+        <p:nvSpPr>
+          <p:cNvPr id="23" name="Down Arrow 22"/>
+          <p:cNvSpPr/>
+          <p:nvPr/>
+        </p:nvSpPr>
+        <p:spPr>
+          <a:xfrm>
+            <a:off x="9323692" y="3958132"/>
+            <a:ext cx="294564" cy="791381"/>
+          </a:xfrm>
+          <a:prstGeom prst="downArrow">
+            <a:avLst/>
+          </a:prstGeom>
+        </p:spPr>
+        <p:style>
+          <a:lnRef idx="2">
+            <a:schemeClr val="accent1">
+              <a:shade val="50000"/>
+            </a:schemeClr>
+          </a:lnRef>
+          <a:fillRef idx="1">
+            <a:schemeClr val="accent1"/>
+          </a:fillRef>
+          <a:effectRef idx="0">
+            <a:schemeClr val="accent1"/>
+          </a:effectRef>
+          <a:fontRef idx="minor">
+            <a:schemeClr val="lt1"/>
+          </a:fontRef>
+        </p:style>
+        <p:txBody>
+          <a:bodyPr rtlCol="0" anchor="ctr"/>
+          <a:lstStyle/>
+          <a:p>
+            <a:pPr algn="ctr"/>
+            <a:endParaRPr lang="en-US"/>
+          </a:p>
+        </p:txBody>
+      </p:sp>
+      <p:sp>
+        <p:nvSpPr>
+          <p:cNvPr id="24" name="Down Arrow 23"/>
+          <p:cNvSpPr/>
+          <p:nvPr/>
+        </p:nvSpPr>
+        <p:spPr>
+          <a:xfrm>
+            <a:off x="10049866" y="3958132"/>
+            <a:ext cx="294564" cy="791381"/>
+          </a:xfrm>
+          <a:prstGeom prst="downArrow">
+            <a:avLst/>
+          </a:prstGeom>
+        </p:spPr>
+        <p:style>
+          <a:lnRef idx="2">
+            <a:schemeClr val="accent1">
+              <a:shade val="50000"/>
+            </a:schemeClr>
+          </a:lnRef>
+          <a:fillRef idx="1">
+            <a:schemeClr val="accent1"/>
+          </a:fillRef>
+          <a:effectRef idx="0">
+            <a:schemeClr val="accent1"/>
+          </a:effectRef>
+          <a:fontRef idx="minor">
+            <a:schemeClr val="lt1"/>
+          </a:fontRef>
+        </p:style>
+        <p:txBody>
+          <a:bodyPr rtlCol="0" anchor="ctr"/>
+          <a:lstStyle/>
+          <a:p>
+            <a:pPr algn="ctr"/>
+            <a:endParaRPr lang="en-US"/>
+          </a:p>
+        </p:txBody>
+      </p:sp>
+      <p:sp>
+        <p:nvSpPr>
+          <p:cNvPr id="25" name="Down Arrow 24"/>
+          <p:cNvSpPr/>
+          <p:nvPr/>
+        </p:nvSpPr>
+        <p:spPr>
+          <a:xfrm>
+            <a:off x="10740782" y="3958132"/>
+            <a:ext cx="294564" cy="791381"/>
+          </a:xfrm>
+          <a:prstGeom prst="downArrow">
+            <a:avLst/>
+          </a:prstGeom>
+        </p:spPr>
+        <p:style>
+          <a:lnRef idx="2">
+            <a:schemeClr val="accent1">
+              <a:shade val="50000"/>
+            </a:schemeClr>
+          </a:lnRef>
+          <a:fillRef idx="1">
+            <a:schemeClr val="accent1"/>
+          </a:fillRef>
+          <a:effectRef idx="0">
+            <a:schemeClr val="accent1"/>
+          </a:effectRef>
+          <a:fontRef idx="minor">
+            <a:schemeClr val="lt1"/>
+          </a:fontRef>
+        </p:style>
+        <p:txBody>
+          <a:bodyPr rtlCol="0" anchor="ctr"/>
+          <a:lstStyle/>
+          <a:p>
+            <a:pPr algn="ctr"/>
+            <a:endParaRPr lang="en-US"/>
+          </a:p>
+        </p:txBody>
+      </p:sp>
+      <p:cxnSp>
+        <p:nvCxnSpPr>
+          <p:cNvPr id="26" name="Straight Connector 25"/>
+          <p:cNvCxnSpPr>
+            <a:stCxn id="22" idx="2"/>
+            <a:endCxn id="23" idx="0"/>
+          </p:cNvCxnSpPr>
+          <p:nvPr/>
+        </p:nvCxnSpPr>
+        <p:spPr>
+          <a:xfrm flipV="1">
+            <a:off x="8733995" y="3958132"/>
+            <a:ext cx="736979" cy="791381"/>
+          </a:xfrm>
+          <a:prstGeom prst="line">
+            <a:avLst/>
+          </a:prstGeom>
+        </p:spPr>
+        <p:style>
+          <a:lnRef idx="1">
+            <a:schemeClr val="accent1"/>
+          </a:lnRef>
+          <a:fillRef idx="0">
+            <a:schemeClr val="accent1"/>
+          </a:fillRef>
+          <a:effectRef idx="0">
+            <a:schemeClr val="accent1"/>
+          </a:effectRef>
+          <a:fontRef idx="minor">
+            <a:schemeClr val="tx1"/>
+          </a:fontRef>
+        </p:style>
+      </p:cxnSp>
+      <p:cxnSp>
+        <p:nvCxnSpPr>
+          <p:cNvPr id="27" name="Straight Connector 26"/>
+          <p:cNvCxnSpPr/>
+          <p:nvPr/>
+        </p:nvCxnSpPr>
+        <p:spPr>
+          <a:xfrm flipV="1">
+            <a:off x="9467276" y="3930931"/>
+            <a:ext cx="736979" cy="791381"/>
+          </a:xfrm>
+          <a:prstGeom prst="line">
+            <a:avLst/>
+          </a:prstGeom>
+        </p:spPr>
+        <p:style>
+          <a:lnRef idx="1">
+            <a:schemeClr val="accent1"/>
+          </a:lnRef>
+          <a:fillRef idx="0">
+            <a:schemeClr val="accent1"/>
+          </a:fillRef>
+          <a:effectRef idx="0">
+            <a:schemeClr val="accent1"/>
+          </a:effectRef>
+          <a:fontRef idx="minor">
+            <a:schemeClr val="tx1"/>
+          </a:fontRef>
+        </p:style>
+      </p:cxnSp>
+      <p:cxnSp>
+        <p:nvCxnSpPr>
+          <p:cNvPr id="28" name="Straight Connector 27"/>
+          <p:cNvCxnSpPr/>
+          <p:nvPr/>
+        </p:nvCxnSpPr>
+        <p:spPr>
+          <a:xfrm flipV="1">
+            <a:off x="10148810" y="3958132"/>
+            <a:ext cx="736979" cy="791381"/>
+          </a:xfrm>
+          <a:prstGeom prst="line">
+            <a:avLst/>
+          </a:prstGeom>
+        </p:spPr>
+        <p:style>
+          <a:lnRef idx="1">
+            <a:schemeClr val="accent1"/>
+          </a:lnRef>
+          <a:fillRef idx="0">
+            <a:schemeClr val="accent1"/>
+          </a:fillRef>
+          <a:effectRef idx="0">
+            <a:schemeClr val="accent1"/>
+          </a:effectRef>
+          <a:fontRef idx="minor">
+            <a:schemeClr val="tx1"/>
+          </a:fontRef>
+        </p:style>
+      </p:cxnSp>
+      <p:cxnSp>
+        <p:nvCxnSpPr>
+          <p:cNvPr id="30" name="Straight Connector 29"/>
+          <p:cNvCxnSpPr>
+            <a:stCxn id="10" idx="2"/>
+            <a:endCxn id="15" idx="0"/>
+          </p:cNvCxnSpPr>
+          <p:nvPr/>
+        </p:nvCxnSpPr>
+        <p:spPr>
+          <a:xfrm flipH="1">
+            <a:off x="8737693" y="2402006"/>
+            <a:ext cx="2154069" cy="368772"/>
+          </a:xfrm>
+          <a:prstGeom prst="line">
+            <a:avLst/>
+          </a:prstGeom>
+        </p:spPr>
+        <p:style>
+          <a:lnRef idx="1">
+            <a:schemeClr val="accent1"/>
+          </a:lnRef>
+          <a:fillRef idx="0">
+            <a:schemeClr val="accent1"/>
+          </a:fillRef>
+          <a:effectRef idx="0">
+            <a:schemeClr val="accent1"/>
+          </a:effectRef>
+          <a:fontRef idx="minor">
+            <a:schemeClr val="tx1"/>
+          </a:fontRef>
+        </p:style>
+      </p:cxnSp>
+      <p:cxnSp>
+        <p:nvCxnSpPr>
+          <p:cNvPr id="31" name="Straight Connector 30"/>
+          <p:cNvCxnSpPr>
+            <a:stCxn id="18" idx="2"/>
+            <a:endCxn id="22" idx="0"/>
+          </p:cNvCxnSpPr>
+          <p:nvPr/>
+        </p:nvCxnSpPr>
+        <p:spPr>
+          <a:xfrm flipH="1">
+            <a:off x="8733995" y="3562159"/>
+            <a:ext cx="2157767" cy="395973"/>
+          </a:xfrm>
+          <a:prstGeom prst="line">
+            <a:avLst/>
+          </a:prstGeom>
+        </p:spPr>
+        <p:style>
+          <a:lnRef idx="1">
+            <a:schemeClr val="accent1"/>
+          </a:lnRef>
+          <a:fillRef idx="0">
+            <a:schemeClr val="accent1"/>
+          </a:fillRef>
+          <a:effectRef idx="0">
+            <a:schemeClr val="accent1"/>
+          </a:effectRef>
+          <a:fontRef idx="minor">
+            <a:schemeClr val="tx1"/>
+          </a:fontRef>
+        </p:style>
+      </p:cxnSp>
+      <p:cxnSp>
+        <p:nvCxnSpPr>
+          <p:cNvPr id="36" name="Straight Connector 35"/>
+          <p:cNvCxnSpPr/>
+          <p:nvPr/>
+        </p:nvCxnSpPr>
+        <p:spPr>
+          <a:xfrm>
+            <a:off x="8733995" y="5049671"/>
+            <a:ext cx="2151794" cy="0"/>
+          </a:xfrm>
+          <a:prstGeom prst="line">
+            <a:avLst/>
+          </a:prstGeom>
+          <a:ln w="57150">
+            <a:prstDash val="sysDash"/>
+          </a:ln>
+        </p:spPr>
+        <p:style>
+          <a:lnRef idx="1">
+            <a:schemeClr val="accent1"/>
+          </a:lnRef>
+          <a:fillRef idx="0">
+            <a:schemeClr val="accent1"/>
+          </a:fillRef>
+          <a:effectRef idx="0">
+            <a:schemeClr val="accent1"/>
+          </a:effectRef>
+          <a:fontRef idx="minor">
+            <a:schemeClr val="tx1"/>
+          </a:fontRef>
+        </p:style>
+      </p:cxnSp>
+      <p:sp>
+        <p:nvSpPr>
+          <p:cNvPr id="38" name="Down Arrow 37"/>
+          <p:cNvSpPr/>
+          <p:nvPr/>
+        </p:nvSpPr>
+        <p:spPr>
+          <a:xfrm>
+            <a:off x="8599790" y="5483176"/>
+            <a:ext cx="294564" cy="791381"/>
+          </a:xfrm>
+          <a:prstGeom prst="downArrow">
+            <a:avLst/>
+          </a:prstGeom>
+        </p:spPr>
+        <p:style>
+          <a:lnRef idx="2">
+            <a:schemeClr val="accent1">
+              <a:shade val="50000"/>
+            </a:schemeClr>
+          </a:lnRef>
+          <a:fillRef idx="1">
+            <a:schemeClr val="accent1"/>
+          </a:fillRef>
+          <a:effectRef idx="0">
+            <a:schemeClr val="accent1"/>
+          </a:effectRef>
+          <a:fontRef idx="minor">
+            <a:schemeClr val="lt1"/>
+          </a:fontRef>
+        </p:style>
+        <p:txBody>
+          <a:bodyPr rtlCol="0" anchor="ctr"/>
+          <a:lstStyle/>
+          <a:p>
+            <a:pPr algn="ctr"/>
+            <a:endParaRPr lang="en-US"/>
+          </a:p>
+        </p:txBody>
+      </p:sp>
+      <p:sp>
+        <p:nvSpPr>
+          <p:cNvPr id="39" name="Down Arrow 38"/>
+          <p:cNvSpPr/>
+          <p:nvPr/>
+        </p:nvSpPr>
+        <p:spPr>
+          <a:xfrm>
+            <a:off x="9336769" y="5483176"/>
+            <a:ext cx="294564" cy="791381"/>
+          </a:xfrm>
+          <a:prstGeom prst="downArrow">
+            <a:avLst/>
+          </a:prstGeom>
+        </p:spPr>
+        <p:style>
+          <a:lnRef idx="2">
+            <a:schemeClr val="accent1">
+              <a:shade val="50000"/>
+            </a:schemeClr>
+          </a:lnRef>
+          <a:fillRef idx="1">
+            <a:schemeClr val="accent1"/>
+          </a:fillRef>
+          <a:effectRef idx="0">
+            <a:schemeClr val="accent1"/>
+          </a:effectRef>
+          <a:fontRef idx="minor">
+            <a:schemeClr val="lt1"/>
+          </a:fontRef>
+        </p:style>
+        <p:txBody>
+          <a:bodyPr rtlCol="0" anchor="ctr"/>
+          <a:lstStyle/>
+          <a:p>
+            <a:pPr algn="ctr"/>
+            <a:endParaRPr lang="en-US"/>
+          </a:p>
+        </p:txBody>
+      </p:sp>
+      <p:sp>
+        <p:nvSpPr>
+          <p:cNvPr id="40" name="Down Arrow 39"/>
+          <p:cNvSpPr/>
+          <p:nvPr/>
+        </p:nvSpPr>
+        <p:spPr>
+          <a:xfrm>
+            <a:off x="10062943" y="5483176"/>
+            <a:ext cx="294564" cy="791381"/>
+          </a:xfrm>
+          <a:prstGeom prst="downArrow">
+            <a:avLst/>
+          </a:prstGeom>
+        </p:spPr>
+        <p:style>
+          <a:lnRef idx="2">
+            <a:schemeClr val="accent1">
+              <a:shade val="50000"/>
+            </a:schemeClr>
+          </a:lnRef>
+          <a:fillRef idx="1">
+            <a:schemeClr val="accent1"/>
+          </a:fillRef>
+          <a:effectRef idx="0">
+            <a:schemeClr val="accent1"/>
+          </a:effectRef>
+          <a:fontRef idx="minor">
+            <a:schemeClr val="lt1"/>
+          </a:fontRef>
+        </p:style>
+        <p:txBody>
+          <a:bodyPr rtlCol="0" anchor="ctr"/>
+          <a:lstStyle/>
+          <a:p>
+            <a:pPr algn="ctr"/>
+            <a:endParaRPr lang="en-US"/>
+          </a:p>
+        </p:txBody>
+      </p:sp>
+      <p:sp>
+        <p:nvSpPr>
+          <p:cNvPr id="41" name="Down Arrow 40"/>
+          <p:cNvSpPr/>
+          <p:nvPr/>
+        </p:nvSpPr>
+        <p:spPr>
+          <a:xfrm>
+            <a:off x="10753859" y="5483176"/>
+            <a:ext cx="294564" cy="791381"/>
+          </a:xfrm>
+          <a:prstGeom prst="downArrow">
+            <a:avLst/>
+          </a:prstGeom>
+        </p:spPr>
+        <p:style>
+          <a:lnRef idx="2">
+            <a:schemeClr val="accent1">
+              <a:shade val="50000"/>
+            </a:schemeClr>
+          </a:lnRef>
+          <a:fillRef idx="1">
+            <a:schemeClr val="accent1"/>
+          </a:fillRef>
+          <a:effectRef idx="0">
+            <a:schemeClr val="accent1"/>
+          </a:effectRef>
+          <a:fontRef idx="minor">
+            <a:schemeClr val="lt1"/>
+          </a:fontRef>
+        </p:style>
+        <p:txBody>
+          <a:bodyPr rtlCol="0" anchor="ctr"/>
+          <a:lstStyle/>
+          <a:p>
+            <a:pPr algn="ctr"/>
+            <a:endParaRPr lang="en-US"/>
+          </a:p>
+        </p:txBody>
+      </p:sp>
+      <p:cxnSp>
+        <p:nvCxnSpPr>
+          <p:cNvPr id="42" name="Straight Connector 41"/>
+          <p:cNvCxnSpPr>
+            <a:stCxn id="38" idx="2"/>
+            <a:endCxn id="39" idx="0"/>
+          </p:cNvCxnSpPr>
+          <p:nvPr/>
+        </p:nvCxnSpPr>
+        <p:spPr>
+          <a:xfrm flipV="1">
+            <a:off x="8747072" y="5483176"/>
+            <a:ext cx="736979" cy="791381"/>
+          </a:xfrm>
+          <a:prstGeom prst="line">
+            <a:avLst/>
+          </a:prstGeom>
+        </p:spPr>
+        <p:style>
+          <a:lnRef idx="1">
+            <a:schemeClr val="accent1"/>
+          </a:lnRef>
+          <a:fillRef idx="0">
+            <a:schemeClr val="accent1"/>
+          </a:fillRef>
+          <a:effectRef idx="0">
+            <a:schemeClr val="accent1"/>
+          </a:effectRef>
+          <a:fontRef idx="minor">
+            <a:schemeClr val="tx1"/>
+          </a:fontRef>
+        </p:style>
+      </p:cxnSp>
+      <p:cxnSp>
+        <p:nvCxnSpPr>
+          <p:cNvPr id="43" name="Straight Connector 42"/>
+          <p:cNvCxnSpPr/>
+          <p:nvPr/>
+        </p:nvCxnSpPr>
+        <p:spPr>
+          <a:xfrm flipV="1">
+            <a:off x="9480353" y="5455975"/>
+            <a:ext cx="736979" cy="791381"/>
+          </a:xfrm>
+          <a:prstGeom prst="line">
+            <a:avLst/>
+          </a:prstGeom>
+        </p:spPr>
+        <p:style>
+          <a:lnRef idx="1">
+            <a:schemeClr val="accent1"/>
+          </a:lnRef>
+          <a:fillRef idx="0">
+            <a:schemeClr val="accent1"/>
+          </a:fillRef>
+          <a:effectRef idx="0">
+            <a:schemeClr val="accent1"/>
+          </a:effectRef>
+          <a:fontRef idx="minor">
+            <a:schemeClr val="tx1"/>
+          </a:fontRef>
+        </p:style>
+      </p:cxnSp>
+      <p:cxnSp>
+        <p:nvCxnSpPr>
+          <p:cNvPr id="44" name="Straight Connector 43"/>
+          <p:cNvCxnSpPr/>
+          <p:nvPr/>
+        </p:nvCxnSpPr>
+        <p:spPr>
+          <a:xfrm flipV="1">
+            <a:off x="10161887" y="5483176"/>
+            <a:ext cx="736979" cy="791381"/>
+          </a:xfrm>
+          <a:prstGeom prst="line">
+            <a:avLst/>
+          </a:prstGeom>
+        </p:spPr>
+        <p:style>
+          <a:lnRef idx="1">
+            <a:schemeClr val="accent1"/>
+          </a:lnRef>
+          <a:fillRef idx="0">
+            <a:schemeClr val="accent1"/>
+          </a:fillRef>
+          <a:effectRef idx="0">
+            <a:schemeClr val="accent1"/>
+          </a:effectRef>
+          <a:fontRef idx="minor">
+            <a:schemeClr val="tx1"/>
+          </a:fontRef>
+        </p:style>
+      </p:cxnSp>
+      <p:cxnSp>
+        <p:nvCxnSpPr>
+          <p:cNvPr id="45" name="Straight Connector 44"/>
+          <p:cNvCxnSpPr/>
+          <p:nvPr/>
+        </p:nvCxnSpPr>
+        <p:spPr>
+          <a:xfrm flipH="1">
+            <a:off x="8728022" y="5091084"/>
+            <a:ext cx="2157767" cy="395973"/>
+          </a:xfrm>
+          <a:prstGeom prst="line">
+            <a:avLst/>
+          </a:prstGeom>
+        </p:spPr>
+        <p:style>
+          <a:lnRef idx="1">
+            <a:schemeClr val="accent1"/>
+          </a:lnRef>
+          <a:fillRef idx="0">
+            <a:schemeClr val="accent1"/>
+          </a:fillRef>
+          <a:effectRef idx="0">
+            <a:schemeClr val="accent1"/>
+          </a:effectRef>
+          <a:fontRef idx="minor">
+            <a:schemeClr val="tx1"/>
+          </a:fontRef>
+        </p:style>
+      </p:cxnSp>
+      <p:sp>
+        <p:nvSpPr>
+          <p:cNvPr id="46" name="TextBox 45"/>
+          <p:cNvSpPr txBox="1"/>
+          <p:nvPr/>
+        </p:nvSpPr>
+        <p:spPr>
+          <a:xfrm>
+            <a:off x="8599790" y="1231900"/>
+            <a:ext cx="2435556" cy="369332"/>
+          </a:xfrm>
+          <a:prstGeom prst="rect">
+            <a:avLst/>
+          </a:prstGeom>
+          <a:noFill/>
+        </p:spPr>
+        <p:txBody>
+          <a:bodyPr wrap="square" rtlCol="0">
+            <a:spAutoFit/>
+          </a:bodyPr>
+          <a:lstStyle/>
+          <a:p>
+            <a:r>
+              <a:rPr lang="en-US" b="1" dirty="0" smtClean="0"/>
+              <a:t>1           2            3           4</a:t>
+            </a:r>
+            <a:endParaRPr lang="en-US" b="1" dirty="0"/>
+          </a:p>
+        </p:txBody>
+      </p:sp>
+      <p:sp>
+        <p:nvSpPr>
+          <p:cNvPr id="47" name="TextBox 46"/>
+          <p:cNvSpPr txBox="1"/>
+          <p:nvPr/>
+        </p:nvSpPr>
+        <p:spPr>
+          <a:xfrm>
+            <a:off x="11178930" y="2041302"/>
+            <a:ext cx="999132" cy="369332"/>
+          </a:xfrm>
+          <a:prstGeom prst="rect">
+            <a:avLst/>
+          </a:prstGeom>
+          <a:noFill/>
+        </p:spPr>
+        <p:txBody>
+          <a:bodyPr wrap="square" rtlCol="0">
+            <a:spAutoFit/>
+          </a:bodyPr>
+          <a:lstStyle/>
+          <a:p>
+            <a:r>
+              <a:rPr lang="en-US" b="1" dirty="0" smtClean="0"/>
+              <a:t>Step 1</a:t>
+            </a:r>
+            <a:endParaRPr lang="en-US" b="1" dirty="0"/>
+          </a:p>
+        </p:txBody>
+      </p:sp>
+      <p:sp>
+        <p:nvSpPr>
+          <p:cNvPr id="48" name="TextBox 47"/>
+          <p:cNvSpPr txBox="1"/>
+          <p:nvPr/>
+        </p:nvSpPr>
+        <p:spPr>
+          <a:xfrm>
+            <a:off x="11192868" y="3112066"/>
+            <a:ext cx="999132" cy="369332"/>
+          </a:xfrm>
+          <a:prstGeom prst="rect">
+            <a:avLst/>
+          </a:prstGeom>
+          <a:noFill/>
+        </p:spPr>
+        <p:txBody>
+          <a:bodyPr wrap="square" rtlCol="0">
+            <a:spAutoFit/>
+          </a:bodyPr>
+          <a:lstStyle/>
+          <a:p>
+            <a:r>
+              <a:rPr lang="en-US" b="1" dirty="0" smtClean="0"/>
+              <a:t>Step 2</a:t>
+            </a:r>
+            <a:endParaRPr lang="en-US" b="1" dirty="0"/>
+          </a:p>
+        </p:txBody>
+      </p:sp>
+      <p:sp>
+        <p:nvSpPr>
+          <p:cNvPr id="49" name="TextBox 48"/>
+          <p:cNvSpPr txBox="1"/>
+          <p:nvPr/>
+        </p:nvSpPr>
+        <p:spPr>
+          <a:xfrm>
+            <a:off x="11178930" y="4380181"/>
+            <a:ext cx="999132" cy="369332"/>
+          </a:xfrm>
+          <a:prstGeom prst="rect">
+            <a:avLst/>
+          </a:prstGeom>
+          <a:noFill/>
+        </p:spPr>
+        <p:txBody>
+          <a:bodyPr wrap="square" rtlCol="0">
+            <a:spAutoFit/>
+          </a:bodyPr>
+          <a:lstStyle/>
+          <a:p>
+            <a:r>
+              <a:rPr lang="en-US" b="1" dirty="0" smtClean="0"/>
+              <a:t>Step 3</a:t>
+            </a:r>
+            <a:endParaRPr lang="en-US" b="1" dirty="0"/>
+          </a:p>
+        </p:txBody>
+      </p:sp>
+      <p:sp>
+        <p:nvSpPr>
+          <p:cNvPr id="50" name="TextBox 49"/>
+          <p:cNvSpPr txBox="1"/>
+          <p:nvPr/>
+        </p:nvSpPr>
+        <p:spPr>
+          <a:xfrm>
+            <a:off x="11192868" y="5878024"/>
+            <a:ext cx="999132" cy="369332"/>
+          </a:xfrm>
+          <a:prstGeom prst="rect">
+            <a:avLst/>
+          </a:prstGeom>
+          <a:noFill/>
+        </p:spPr>
+        <p:txBody>
+          <a:bodyPr wrap="square" rtlCol="0">
+            <a:spAutoFit/>
+          </a:bodyPr>
+          <a:lstStyle/>
+          <a:p>
+            <a:r>
+              <a:rPr lang="en-US" b="1" dirty="0" smtClean="0"/>
+              <a:t>Step N</a:t>
+            </a:r>
+            <a:endParaRPr lang="en-US" b="1" dirty="0"/>
+          </a:p>
+        </p:txBody>
+      </p:sp>
+      <p:sp>
+        <p:nvSpPr>
+          <p:cNvPr id="52" name="TextBox 51"/>
+          <p:cNvSpPr txBox="1"/>
+          <p:nvPr/>
+        </p:nvSpPr>
+        <p:spPr>
+          <a:xfrm>
+            <a:off x="7697337" y="1218020"/>
+            <a:ext cx="1203274" cy="369332"/>
+          </a:xfrm>
+          <a:prstGeom prst="rect">
+            <a:avLst/>
+          </a:prstGeom>
+          <a:noFill/>
+        </p:spPr>
+        <p:txBody>
+          <a:bodyPr wrap="square" rtlCol="0">
+            <a:spAutoFit/>
+          </a:bodyPr>
+          <a:lstStyle/>
+          <a:p>
+            <a:r>
+              <a:rPr lang="en-US" b="1" dirty="0" smtClean="0"/>
+              <a:t>Variable</a:t>
+            </a:r>
+            <a:endParaRPr lang="en-US" b="1" dirty="0"/>
+          </a:p>
+        </p:txBody>
+      </p:sp>
+    </p:spTree>
+    <p:extLst>
+      <p:ext uri="{BB962C8B-B14F-4D97-AF65-F5344CB8AC3E}">
+        <p14:creationId xmlns:p14="http://schemas.microsoft.com/office/powerpoint/2010/main" val="3461462293"/>
+      </p:ext>
+    </p:extLst>
+  </p:cSld>
+  <p:clrMapOvr>
+    <a:masterClrMapping/>
+  </p:clrMapOvr>
+  <p:timing>
+    <p:tnLst>
+      <p:par>
+        <p:cTn id="1" dur="indefinite" restart="never" nodeType="tmRoot"/>
+      </p:par>
+    </p:tnLst>
+  </p:timing>
+</p:sld>
+</file>
+
+<file path=ppt/slides/slide15.xml><?xml version="1.0" encoding="utf-8"?>
+<p:sld xmlns:a="http://schemas.openxmlformats.org/drawingml/2006/main" xmlns:r="http://schemas.openxmlformats.org/officeDocument/2006/relationships" xmlns:p="http://schemas.openxmlformats.org/presentationml/2006/main">
+  <p:cSld>
+    <p:spTree>
+      <p:nvGrpSpPr>
+        <p:cNvPr id="1" name=""/>
+        <p:cNvGrpSpPr/>
+        <p:nvPr/>
+      </p:nvGrpSpPr>
+      <p:grpSpPr>
+        <a:xfrm>
+          <a:off x="0" y="0"/>
+          <a:ext cx="0" cy="0"/>
+          <a:chOff x="0" y="0"/>
+          <a:chExt cx="0" cy="0"/>
+        </a:xfrm>
+      </p:grpSpPr>
+      <p:sp>
+        <p:nvSpPr>
+          <p:cNvPr id="4" name="Date Placeholder 3"/>
+          <p:cNvSpPr>
+            <a:spLocks noGrp="1"/>
+          </p:cNvSpPr>
+          <p:nvPr>
+            <p:ph type="dt" sz="half" idx="10"/>
+          </p:nvPr>
+        </p:nvSpPr>
+        <p:spPr/>
+        <p:txBody>
+          <a:bodyPr/>
+          <a:lstStyle/>
+          <a:p>
+            <a:fld id="{B1E02016-1A59-4FAC-B290-A8B2EEE0AE67}" type="datetime1">
+              <a:rPr lang="en-US" smtClean="0"/>
+              <a:t>4/27/2015</a:t>
+            </a:fld>
+            <a:endParaRPr lang="en-US"/>
+          </a:p>
+        </p:txBody>
+      </p:sp>
+      <p:sp>
+        <p:nvSpPr>
+          <p:cNvPr id="5" name="Footer Placeholder 4"/>
+          <p:cNvSpPr>
+            <a:spLocks noGrp="1"/>
+          </p:cNvSpPr>
+          <p:nvPr>
+            <p:ph type="ftr" sz="quarter" idx="11"/>
+          </p:nvPr>
+        </p:nvSpPr>
+        <p:spPr/>
+        <p:txBody>
+          <a:bodyPr/>
+          <a:lstStyle/>
+          <a:p>
+            <a:r>
+              <a:rPr lang="en-US" smtClean="0"/>
+              <a:t>ECEN 5060 – Final Project – Spring 2015</a:t>
+            </a:r>
+            <a:endParaRPr lang="en-US" dirty="0"/>
+          </a:p>
+        </p:txBody>
+      </p:sp>
+      <p:sp>
+        <p:nvSpPr>
+          <p:cNvPr id="6" name="Slide Number Placeholder 5"/>
+          <p:cNvSpPr>
+            <a:spLocks noGrp="1"/>
+          </p:cNvSpPr>
+          <p:nvPr>
+            <p:ph type="sldNum" sz="quarter" idx="12"/>
+          </p:nvPr>
+        </p:nvSpPr>
+        <p:spPr/>
+        <p:txBody>
+          <a:bodyPr/>
+          <a:lstStyle/>
+          <a:p>
+            <a:fld id="{66A79FD7-B063-4613-98C2-47CB42CF0D44}" type="slidenum">
+              <a:rPr lang="en-US" smtClean="0"/>
+              <a:pPr/>
+              <a:t>15</a:t>
+            </a:fld>
+            <a:endParaRPr lang="en-US" dirty="0"/>
+          </a:p>
+        </p:txBody>
+      </p:sp>
+      <p:pic>
+        <p:nvPicPr>
+          <p:cNvPr id="34" name="Picture 33"/>
+          <p:cNvPicPr>
+            <a:picLocks noChangeAspect="1"/>
+          </p:cNvPicPr>
+          <p:nvPr/>
+        </p:nvPicPr>
+        <p:blipFill>
+          <a:blip r:embed="rId2"/>
+          <a:stretch>
+            <a:fillRect/>
+          </a:stretch>
+        </p:blipFill>
+        <p:spPr>
+          <a:xfrm>
+            <a:off x="2527007" y="133113"/>
+            <a:ext cx="7217493" cy="6223237"/>
+          </a:xfrm>
+          <a:prstGeom prst="rect">
+            <a:avLst/>
+          </a:prstGeom>
+        </p:spPr>
+      </p:pic>
+    </p:spTree>
+    <p:extLst>
+      <p:ext uri="{BB962C8B-B14F-4D97-AF65-F5344CB8AC3E}">
+        <p14:creationId xmlns:p14="http://schemas.microsoft.com/office/powerpoint/2010/main" val="1703699355"/>
+      </p:ext>
+    </p:extLst>
+  </p:cSld>
+  <p:clrMapOvr>
+    <a:masterClrMapping/>
+  </p:clrMapOvr>
+  <p:timing>
+    <p:tnLst>
+      <p:par>
+        <p:cTn id="1" dur="indefinite" restart="never" nodeType="tmRoot"/>
+      </p:par>
+    </p:tnLst>
+  </p:timing>
+</p:sld>
+</file>
+
+<file path=ppt/slides/slide16.xml><?xml version="1.0" encoding="utf-8"?>
+<p:sld xmlns:a="http://schemas.openxmlformats.org/drawingml/2006/main" xmlns:r="http://schemas.openxmlformats.org/officeDocument/2006/relationships" xmlns:p="http://schemas.openxmlformats.org/presentationml/2006/main">
+  <p:cSld>
+    <p:spTree>
+      <p:nvGrpSpPr>
+        <p:cNvPr id="1" name=""/>
+        <p:cNvGrpSpPr/>
+        <p:nvPr/>
+      </p:nvGrpSpPr>
+      <p:grpSpPr>
+        <a:xfrm>
+          <a:off x="0" y="0"/>
+          <a:ext cx="0" cy="0"/>
+          <a:chOff x="0" y="0"/>
+          <a:chExt cx="0" cy="0"/>
+        </a:xfrm>
+      </p:grpSpPr>
+      <p:sp>
+        <p:nvSpPr>
+          <p:cNvPr id="2" name="Title 1"/>
+          <p:cNvSpPr>
+            <a:spLocks noGrp="1"/>
+          </p:cNvSpPr>
+          <p:nvPr>
+            <p:ph type="title"/>
+          </p:nvPr>
+        </p:nvSpPr>
+        <p:spPr/>
+        <p:txBody>
+          <a:bodyPr/>
+          <a:lstStyle/>
+          <a:p>
+            <a:r>
+              <a:rPr lang="en-US" dirty="0"/>
+              <a:t>Parallelizing MCMC using MPI</a:t>
+            </a:r>
+          </a:p>
+        </p:txBody>
+      </p:sp>
+      <p:sp>
+        <p:nvSpPr>
+          <p:cNvPr id="3" name="Content Placeholder 2"/>
+          <p:cNvSpPr>
+            <a:spLocks noGrp="1"/>
+          </p:cNvSpPr>
+          <p:nvPr>
+            <p:ph idx="1"/>
+          </p:nvPr>
+        </p:nvSpPr>
+        <p:spPr/>
+        <p:txBody>
+          <a:bodyPr/>
+          <a:lstStyle/>
+          <a:p>
+            <a:r>
+              <a:rPr lang="en-US" dirty="0" smtClean="0"/>
+              <a:t>Even more parallelism:</a:t>
+            </a:r>
+          </a:p>
+          <a:p>
+            <a:endParaRPr lang="en-US" dirty="0" smtClean="0"/>
+          </a:p>
+          <a:p>
+            <a:pPr lvl="1"/>
+            <a:endParaRPr lang="en-US" dirty="0" smtClean="0"/>
+          </a:p>
+          <a:p>
+            <a:pPr lvl="1"/>
+            <a:endParaRPr lang="en-US" dirty="0" smtClean="0"/>
+          </a:p>
+          <a:p>
+            <a:pPr lvl="1"/>
+            <a:endParaRPr lang="en-US" dirty="0"/>
+          </a:p>
+        </p:txBody>
+      </p:sp>
+      <p:sp>
+        <p:nvSpPr>
+          <p:cNvPr id="4" name="Date Placeholder 3"/>
+          <p:cNvSpPr>
+            <a:spLocks noGrp="1"/>
+          </p:cNvSpPr>
+          <p:nvPr>
+            <p:ph type="dt" sz="half" idx="10"/>
+          </p:nvPr>
+        </p:nvSpPr>
+        <p:spPr/>
+        <p:txBody>
+          <a:bodyPr/>
+          <a:lstStyle/>
+          <a:p>
+            <a:fld id="{1DE46D94-8227-4D2B-8507-54722BD25324}" type="datetime1">
+              <a:rPr lang="en-US" smtClean="0"/>
+              <a:t>4/27/2015</a:t>
+            </a:fld>
+            <a:endParaRPr lang="en-US" dirty="0"/>
+          </a:p>
+        </p:txBody>
+      </p:sp>
+      <p:sp>
+        <p:nvSpPr>
+          <p:cNvPr id="5" name="Footer Placeholder 4"/>
+          <p:cNvSpPr>
+            <a:spLocks noGrp="1"/>
+          </p:cNvSpPr>
+          <p:nvPr>
+            <p:ph type="ftr" sz="quarter" idx="11"/>
+          </p:nvPr>
+        </p:nvSpPr>
+        <p:spPr/>
+        <p:txBody>
+          <a:bodyPr/>
+          <a:lstStyle/>
+          <a:p>
+            <a:r>
+              <a:rPr lang="en-US" smtClean="0"/>
+              <a:t>ECEN 5060 – Final Project – Spring 2015</a:t>
+            </a:r>
+            <a:endParaRPr lang="en-US" dirty="0"/>
+          </a:p>
+        </p:txBody>
+      </p:sp>
+      <p:sp>
+        <p:nvSpPr>
+          <p:cNvPr id="6" name="Slide Number Placeholder 5"/>
+          <p:cNvSpPr>
+            <a:spLocks noGrp="1"/>
+          </p:cNvSpPr>
+          <p:nvPr>
+            <p:ph type="sldNum" sz="quarter" idx="12"/>
+          </p:nvPr>
+        </p:nvSpPr>
+        <p:spPr/>
+        <p:txBody>
+          <a:bodyPr/>
+          <a:lstStyle/>
+          <a:p>
+            <a:fld id="{66A79FD7-B063-4613-98C2-47CB42CF0D44}" type="slidenum">
+              <a:rPr lang="en-US" smtClean="0"/>
+              <a:pPr/>
+              <a:t>16</a:t>
+            </a:fld>
+            <a:endParaRPr lang="en-US" dirty="0"/>
+          </a:p>
+        </p:txBody>
+      </p:sp>
+      <p:pic>
+        <p:nvPicPr>
+          <p:cNvPr id="9" name="Picture 8"/>
+          <p:cNvPicPr>
+            <a:picLocks noChangeAspect="1"/>
+          </p:cNvPicPr>
+          <p:nvPr/>
+        </p:nvPicPr>
+        <p:blipFill>
+          <a:blip r:embed="rId2"/>
+          <a:stretch>
+            <a:fillRect/>
+          </a:stretch>
+        </p:blipFill>
+        <p:spPr>
+          <a:xfrm>
+            <a:off x="2496108" y="2217803"/>
+            <a:ext cx="7616882" cy="3514257"/>
+          </a:xfrm>
+          <a:prstGeom prst="rect">
+            <a:avLst/>
+          </a:prstGeom>
+        </p:spPr>
+      </p:pic>
+    </p:spTree>
+    <p:extLst>
+      <p:ext uri="{BB962C8B-B14F-4D97-AF65-F5344CB8AC3E}">
+        <p14:creationId xmlns:p14="http://schemas.microsoft.com/office/powerpoint/2010/main" val="3328761109"/>
+      </p:ext>
+    </p:extLst>
+  </p:cSld>
+  <p:clrMapOvr>
+    <a:masterClrMapping/>
+  </p:clrMapOvr>
+  <p:timing>
+    <p:tnLst>
+      <p:par>
+        <p:cTn id="1" dur="indefinite" restart="never" nodeType="tmRoot"/>
+      </p:par>
+    </p:tnLst>
+  </p:timing>
+</p:sld>
+</file>
+
+<file path=ppt/slides/slide17.xml><?xml version="1.0" encoding="utf-8"?>
+<p:sld xmlns:a="http://schemas.openxmlformats.org/drawingml/2006/main" xmlns:r="http://schemas.openxmlformats.org/officeDocument/2006/relationships" xmlns:p="http://schemas.openxmlformats.org/presentationml/2006/main">
+  <p:cSld>
+    <p:spTree>
+      <p:nvGrpSpPr>
+        <p:cNvPr id="1" name=""/>
+        <p:cNvGrpSpPr/>
+        <p:nvPr/>
+      </p:nvGrpSpPr>
+      <p:grpSpPr>
+        <a:xfrm>
+          <a:off x="0" y="0"/>
+          <a:ext cx="0" cy="0"/>
+          <a:chOff x="0" y="0"/>
+          <a:chExt cx="0" cy="0"/>
+        </a:xfrm>
+      </p:grpSpPr>
+      <p:sp>
+        <p:nvSpPr>
+          <p:cNvPr id="2" name="Title 1"/>
+          <p:cNvSpPr>
+            <a:spLocks noGrp="1"/>
+          </p:cNvSpPr>
+          <p:nvPr>
+            <p:ph type="title"/>
+          </p:nvPr>
+        </p:nvSpPr>
+        <p:spPr/>
+        <p:txBody>
+          <a:bodyPr/>
+          <a:lstStyle/>
+          <a:p>
+            <a:r>
+              <a:rPr lang="en-US" dirty="0" smtClean="0"/>
+              <a:t>Experimental Results</a:t>
+            </a:r>
+            <a:endParaRPr lang="en-US" dirty="0"/>
+          </a:p>
+        </p:txBody>
+      </p:sp>
+      <p:sp>
+        <p:nvSpPr>
+          <p:cNvPr id="4" name="Date Placeholder 3"/>
+          <p:cNvSpPr>
+            <a:spLocks noGrp="1"/>
+          </p:cNvSpPr>
+          <p:nvPr>
+            <p:ph type="dt" sz="half" idx="10"/>
+          </p:nvPr>
+        </p:nvSpPr>
+        <p:spPr/>
+        <p:txBody>
+          <a:bodyPr/>
+          <a:lstStyle/>
+          <a:p>
+            <a:fld id="{1DE46D94-8227-4D2B-8507-54722BD25324}" type="datetime1">
+              <a:rPr lang="en-US" smtClean="0"/>
+              <a:t>4/27/2015</a:t>
+            </a:fld>
+            <a:endParaRPr lang="en-US" dirty="0"/>
+          </a:p>
+        </p:txBody>
+      </p:sp>
+      <p:sp>
+        <p:nvSpPr>
+          <p:cNvPr id="5" name="Footer Placeholder 4"/>
+          <p:cNvSpPr>
+            <a:spLocks noGrp="1"/>
+          </p:cNvSpPr>
+          <p:nvPr>
+            <p:ph type="ftr" sz="quarter" idx="11"/>
+          </p:nvPr>
+        </p:nvSpPr>
+        <p:spPr/>
+        <p:txBody>
+          <a:bodyPr/>
+          <a:lstStyle/>
+          <a:p>
+            <a:r>
+              <a:rPr lang="en-US" smtClean="0"/>
+              <a:t>ECEN 5060 – Final Project – Spring 2015</a:t>
+            </a:r>
+            <a:endParaRPr lang="en-US" dirty="0"/>
+          </a:p>
+        </p:txBody>
+      </p:sp>
+      <p:sp>
+        <p:nvSpPr>
+          <p:cNvPr id="6" name="Slide Number Placeholder 5"/>
+          <p:cNvSpPr>
+            <a:spLocks noGrp="1"/>
+          </p:cNvSpPr>
+          <p:nvPr>
+            <p:ph type="sldNum" sz="quarter" idx="12"/>
+          </p:nvPr>
+        </p:nvSpPr>
+        <p:spPr/>
+        <p:txBody>
+          <a:bodyPr/>
+          <a:lstStyle/>
+          <a:p>
+            <a:fld id="{66A79FD7-B063-4613-98C2-47CB42CF0D44}" type="slidenum">
+              <a:rPr lang="en-US" smtClean="0"/>
+              <a:pPr/>
+              <a:t>17</a:t>
+            </a:fld>
+            <a:endParaRPr lang="en-US" dirty="0"/>
+          </a:p>
+        </p:txBody>
+      </p:sp>
+      <p:sp>
+        <p:nvSpPr>
+          <p:cNvPr id="8" name="Content Placeholder 7"/>
+          <p:cNvSpPr>
+            <a:spLocks noGrp="1"/>
+          </p:cNvSpPr>
+          <p:nvPr>
+            <p:ph idx="1"/>
+          </p:nvPr>
+        </p:nvSpPr>
+        <p:spPr/>
+        <p:txBody>
+          <a:bodyPr/>
+          <a:lstStyle/>
+          <a:p>
+            <a:endParaRPr lang="en-US"/>
+          </a:p>
+        </p:txBody>
+      </p:sp>
+    </p:spTree>
+    <p:extLst>
+      <p:ext uri="{BB962C8B-B14F-4D97-AF65-F5344CB8AC3E}">
+        <p14:creationId xmlns:p14="http://schemas.microsoft.com/office/powerpoint/2010/main" val="100170840"/>
+      </p:ext>
+    </p:extLst>
+  </p:cSld>
+  <p:clrMapOvr>
+    <a:masterClrMapping/>
+  </p:clrMapOvr>
+  <p:timing>
+    <p:tnLst>
+      <p:par>
+        <p:cTn id="1" dur="indefinite" restart="never" nodeType="tmRoot"/>
+      </p:par>
+    </p:tnLst>
+  </p:timing>
+</p:sld>
+</file>
+
+<file path=ppt/slides/slide18.xml><?xml version="1.0" encoding="utf-8"?>
+<p:sld xmlns:a="http://schemas.openxmlformats.org/drawingml/2006/main" xmlns:r="http://schemas.openxmlformats.org/officeDocument/2006/relationships" xmlns:p="http://schemas.openxmlformats.org/presentationml/2006/main">
+  <p:cSld>
+    <p:spTree>
+      <p:nvGrpSpPr>
+        <p:cNvPr id="1" name=""/>
+        <p:cNvGrpSpPr/>
+        <p:nvPr/>
+      </p:nvGrpSpPr>
+      <p:grpSpPr>
+        <a:xfrm>
+          <a:off x="0" y="0"/>
+          <a:ext cx="0" cy="0"/>
+          <a:chOff x="0" y="0"/>
+          <a:chExt cx="0" cy="0"/>
+        </a:xfrm>
+      </p:grpSpPr>
+      <p:sp>
+        <p:nvSpPr>
+          <p:cNvPr id="2" name="Title 1"/>
+          <p:cNvSpPr>
+            <a:spLocks noGrp="1"/>
+          </p:cNvSpPr>
+          <p:nvPr>
+            <p:ph type="title"/>
+          </p:nvPr>
+        </p:nvSpPr>
+        <p:spPr/>
+        <p:txBody>
+          <a:bodyPr/>
+          <a:lstStyle/>
+          <a:p>
+            <a:r>
+              <a:rPr lang="en-US" dirty="0" smtClean="0"/>
+              <a:t>Conclusion</a:t>
+            </a:r>
+            <a:endParaRPr lang="en-US" dirty="0"/>
+          </a:p>
+        </p:txBody>
+      </p:sp>
+      <p:sp>
+        <p:nvSpPr>
+          <p:cNvPr id="3" name="Content Placeholder 2"/>
+          <p:cNvSpPr>
+            <a:spLocks noGrp="1"/>
+          </p:cNvSpPr>
+          <p:nvPr>
+            <p:ph idx="1"/>
+          </p:nvPr>
+        </p:nvSpPr>
+        <p:spPr/>
+        <p:txBody>
+          <a:bodyPr/>
+          <a:lstStyle/>
+          <a:p>
+            <a:r>
+              <a:rPr lang="en-US" dirty="0" smtClean="0"/>
+              <a:t>Overview of MCMC and an application in Object Detection</a:t>
+            </a:r>
+          </a:p>
+          <a:p>
+            <a:r>
+              <a:rPr lang="en-US" dirty="0" smtClean="0"/>
+              <a:t>Ported serial MCMC </a:t>
+            </a:r>
+            <a:r>
+              <a:rPr lang="en-US" dirty="0" err="1" smtClean="0"/>
+              <a:t>Matlab</a:t>
+            </a:r>
+            <a:r>
+              <a:rPr lang="en-US" dirty="0" smtClean="0"/>
+              <a:t> code to C++ </a:t>
+            </a:r>
+          </a:p>
+          <a:p>
+            <a:r>
+              <a:rPr lang="en-US" dirty="0" smtClean="0"/>
+              <a:t>Design parallel MCMC using MPI</a:t>
+            </a:r>
+          </a:p>
+          <a:p>
+            <a:pPr lvl="1"/>
+            <a:r>
+              <a:rPr lang="en-US" dirty="0" smtClean="0"/>
+              <a:t>Parallelize MCMC for one image</a:t>
+            </a:r>
+          </a:p>
+          <a:p>
+            <a:pPr lvl="1"/>
+            <a:r>
+              <a:rPr lang="en-US" dirty="0" smtClean="0"/>
+              <a:t>Parallelize MCMC for several image</a:t>
+            </a:r>
+          </a:p>
+          <a:p>
+            <a:r>
+              <a:rPr lang="en-US" dirty="0" smtClean="0"/>
+              <a:t>Implemented on HPC Server</a:t>
+            </a:r>
+          </a:p>
+          <a:p>
+            <a:r>
+              <a:rPr lang="en-US" dirty="0" smtClean="0"/>
+              <a:t>Comparison between serial MCMC and parallel MCMC</a:t>
+            </a:r>
+          </a:p>
+          <a:p>
+            <a:endParaRPr lang="en-US" dirty="0"/>
+          </a:p>
+        </p:txBody>
+      </p:sp>
+      <p:sp>
+        <p:nvSpPr>
+          <p:cNvPr id="4" name="Date Placeholder 3"/>
+          <p:cNvSpPr>
+            <a:spLocks noGrp="1"/>
+          </p:cNvSpPr>
+          <p:nvPr>
+            <p:ph type="dt" sz="half" idx="10"/>
+          </p:nvPr>
+        </p:nvSpPr>
+        <p:spPr/>
+        <p:txBody>
+          <a:bodyPr/>
+          <a:lstStyle/>
+          <a:p>
+            <a:fld id="{1DE46D94-8227-4D2B-8507-54722BD25324}" type="datetime1">
+              <a:rPr lang="en-US" smtClean="0"/>
+              <a:t>4/27/2015</a:t>
+            </a:fld>
+            <a:endParaRPr lang="en-US" dirty="0"/>
+          </a:p>
+        </p:txBody>
+      </p:sp>
+      <p:sp>
+        <p:nvSpPr>
+          <p:cNvPr id="5" name="Footer Placeholder 4"/>
+          <p:cNvSpPr>
+            <a:spLocks noGrp="1"/>
+          </p:cNvSpPr>
+          <p:nvPr>
+            <p:ph type="ftr" sz="quarter" idx="11"/>
+          </p:nvPr>
+        </p:nvSpPr>
+        <p:spPr/>
+        <p:txBody>
+          <a:bodyPr/>
+          <a:lstStyle/>
+          <a:p>
+            <a:r>
+              <a:rPr lang="en-US" smtClean="0"/>
+              <a:t>ECEN 5060 – Final Project – Spring 2015</a:t>
+            </a:r>
+            <a:endParaRPr lang="en-US" dirty="0"/>
+          </a:p>
+        </p:txBody>
+      </p:sp>
+      <p:sp>
+        <p:nvSpPr>
+          <p:cNvPr id="6" name="Slide Number Placeholder 5"/>
+          <p:cNvSpPr>
+            <a:spLocks noGrp="1"/>
+          </p:cNvSpPr>
+          <p:nvPr>
+            <p:ph type="sldNum" sz="quarter" idx="12"/>
+          </p:nvPr>
+        </p:nvSpPr>
+        <p:spPr/>
+        <p:txBody>
+          <a:bodyPr/>
+          <a:lstStyle/>
+          <a:p>
+            <a:fld id="{66A79FD7-B063-4613-98C2-47CB42CF0D44}" type="slidenum">
+              <a:rPr lang="en-US" smtClean="0"/>
+              <a:pPr/>
+              <a:t>18</a:t>
+            </a:fld>
+            <a:endParaRPr lang="en-US" dirty="0"/>
+          </a:p>
+        </p:txBody>
+      </p:sp>
+    </p:spTree>
+    <p:extLst>
+      <p:ext uri="{BB962C8B-B14F-4D97-AF65-F5344CB8AC3E}">
+        <p14:creationId xmlns:p14="http://schemas.microsoft.com/office/powerpoint/2010/main" val="1945666882"/>
+      </p:ext>
+    </p:extLst>
+  </p:cSld>
+  <p:clrMapOvr>
+    <a:masterClrMapping/>
+  </p:clrMapOvr>
+  <p:timing>
+    <p:tnLst>
+      <p:par>
+        <p:cTn id="1" dur="indefinite" restart="never" nodeType="tmRoot"/>
+      </p:par>
+    </p:tnLst>
+  </p:timing>
+</p:sld>
+</file>
+
+<file path=ppt/slides/slide19.xml><?xml version="1.0" encoding="utf-8"?>
+<p:sld xmlns:a="http://schemas.openxmlformats.org/drawingml/2006/main" xmlns:r="http://schemas.openxmlformats.org/officeDocument/2006/relationships" xmlns:p="http://schemas.openxmlformats.org/presentationml/2006/main">
+  <p:cSld>
+    <p:spTree>
+      <p:nvGrpSpPr>
+        <p:cNvPr id="1" name=""/>
+        <p:cNvGrpSpPr/>
+        <p:nvPr/>
+      </p:nvGrpSpPr>
+      <p:grpSpPr>
+        <a:xfrm>
+          <a:off x="0" y="0"/>
+          <a:ext cx="0" cy="0"/>
+          <a:chOff x="0" y="0"/>
+          <a:chExt cx="0" cy="0"/>
+        </a:xfrm>
+      </p:grpSpPr>
+      <p:sp>
+        <p:nvSpPr>
+          <p:cNvPr id="4" name="Date Placeholder 3"/>
+          <p:cNvSpPr>
+            <a:spLocks noGrp="1"/>
+          </p:cNvSpPr>
+          <p:nvPr>
+            <p:ph type="dt" sz="half" idx="10"/>
+          </p:nvPr>
+        </p:nvSpPr>
+        <p:spPr/>
+        <p:txBody>
+          <a:bodyPr/>
+          <a:lstStyle/>
+          <a:p>
+            <a:fld id="{1DE46D94-8227-4D2B-8507-54722BD25324}" type="datetime1">
+              <a:rPr lang="en-US" smtClean="0"/>
+              <a:t>4/27/2015</a:t>
+            </a:fld>
+            <a:endParaRPr lang="en-US" dirty="0"/>
+          </a:p>
+        </p:txBody>
+      </p:sp>
+      <p:sp>
+        <p:nvSpPr>
+          <p:cNvPr id="5" name="Footer Placeholder 4"/>
+          <p:cNvSpPr>
+            <a:spLocks noGrp="1"/>
+          </p:cNvSpPr>
+          <p:nvPr>
+            <p:ph type="ftr" sz="quarter" idx="11"/>
+          </p:nvPr>
+        </p:nvSpPr>
+        <p:spPr/>
+        <p:txBody>
+          <a:bodyPr/>
+          <a:lstStyle/>
+          <a:p>
+            <a:r>
+              <a:rPr lang="en-US" smtClean="0"/>
+              <a:t>ECEN 5060 – Final Project – Spring 2015</a:t>
+            </a:r>
+            <a:endParaRPr lang="en-US" dirty="0"/>
+          </a:p>
+        </p:txBody>
+      </p:sp>
+      <p:sp>
+        <p:nvSpPr>
+          <p:cNvPr id="6" name="Slide Number Placeholder 5"/>
+          <p:cNvSpPr>
+            <a:spLocks noGrp="1"/>
+          </p:cNvSpPr>
+          <p:nvPr>
+            <p:ph type="sldNum" sz="quarter" idx="12"/>
+          </p:nvPr>
+        </p:nvSpPr>
+        <p:spPr/>
+        <p:txBody>
+          <a:bodyPr/>
+          <a:lstStyle/>
+          <a:p>
+            <a:fld id="{66A79FD7-B063-4613-98C2-47CB42CF0D44}" type="slidenum">
+              <a:rPr lang="en-US" smtClean="0"/>
+              <a:pPr/>
+              <a:t>19</a:t>
+            </a:fld>
+            <a:endParaRPr lang="en-US" dirty="0"/>
+          </a:p>
+        </p:txBody>
+      </p:sp>
+      <p:sp>
+        <p:nvSpPr>
+          <p:cNvPr id="10" name="Rectangle 9"/>
+          <p:cNvSpPr/>
+          <p:nvPr/>
+        </p:nvSpPr>
+        <p:spPr>
+          <a:xfrm>
+            <a:off x="4045342" y="2476015"/>
+            <a:ext cx="4101316" cy="1107996"/>
+          </a:xfrm>
+          <a:prstGeom prst="rect">
+            <a:avLst/>
+          </a:prstGeom>
+          <a:noFill/>
+        </p:spPr>
+        <p:txBody>
+          <a:bodyPr wrap="none" lIns="91440" tIns="45720" rIns="91440" bIns="45720">
+            <a:spAutoFit/>
+          </a:bodyPr>
+          <a:lstStyle/>
+          <a:p>
+            <a:pPr algn="ctr"/>
+            <a:r>
+              <a:rPr lang="en-US" sz="6600" b="1" cap="none" spc="0" dirty="0" smtClean="0">
+                <a:ln w="6600">
+                  <a:solidFill>
+                    <a:schemeClr val="accent2"/>
+                  </a:solidFill>
+                  <a:prstDash val="solid"/>
+                </a:ln>
+                <a:solidFill>
+                  <a:srgbClr val="FFFFFF"/>
+                </a:solidFill>
+                <a:effectLst>
+                  <a:outerShdw dist="38100" dir="2700000" algn="tl" rotWithShape="0">
+                    <a:schemeClr val="accent2"/>
+                  </a:outerShdw>
+                </a:effectLst>
+              </a:rPr>
+              <a:t>Thank you</a:t>
+            </a:r>
+            <a:r>
+              <a:rPr lang="en-US" sz="6600" b="1" dirty="0" smtClean="0">
+                <a:ln w="22225">
+                  <a:solidFill>
+                    <a:schemeClr val="accent2"/>
+                  </a:solidFill>
+                  <a:prstDash val="solid"/>
+                </a:ln>
+                <a:solidFill>
+                  <a:schemeClr val="accent2">
+                    <a:lumMod val="40000"/>
+                    <a:lumOff val="60000"/>
+                  </a:schemeClr>
+                </a:solidFill>
+              </a:rPr>
+              <a:t>!</a:t>
+            </a:r>
+            <a:endParaRPr lang="en-US" sz="6600" b="1" cap="none" spc="0" dirty="0">
+              <a:ln w="6600">
+                <a:solidFill>
+                  <a:schemeClr val="accent2"/>
+                </a:solidFill>
+                <a:prstDash val="solid"/>
+              </a:ln>
+              <a:solidFill>
+                <a:srgbClr val="FFFFFF"/>
+              </a:solidFill>
+              <a:effectLst>
+                <a:outerShdw dist="38100" dir="2700000" algn="tl" rotWithShape="0">
+                  <a:schemeClr val="accent2"/>
+                </a:outerShdw>
+              </a:effectLst>
+            </a:endParaRPr>
+          </a:p>
+        </p:txBody>
+      </p:sp>
+    </p:spTree>
+    <p:extLst>
+      <p:ext uri="{BB962C8B-B14F-4D97-AF65-F5344CB8AC3E}">
+        <p14:creationId xmlns:p14="http://schemas.microsoft.com/office/powerpoint/2010/main" val="3337340620"/>
       </p:ext>
     </p:extLst>
   </p:cSld>
@@ -3684,25 +8703,51 @@
           <a:p>
             <a:r>
               <a:rPr lang="en-US" dirty="0" smtClean="0"/>
-              <a:t>Overview of JD-MCMC algorithm</a:t>
-            </a:r>
-          </a:p>
-          <a:p>
+              <a:t>Introduction </a:t>
+            </a:r>
+          </a:p>
+          <a:p>
+            <a:pPr lvl="1"/>
             <a:r>
               <a:rPr lang="en-US" dirty="0" smtClean="0"/>
-              <a:t>Problems</a:t>
-            </a:r>
-          </a:p>
-          <a:p>
+              <a:t>Markov Chain Monte Carlo (MCMC)</a:t>
+            </a:r>
+          </a:p>
+          <a:p>
+            <a:pPr lvl="1"/>
             <a:r>
               <a:rPr lang="en-US" dirty="0" smtClean="0"/>
-              <a:t>Parallel MCMC using MPI</a:t>
-            </a:r>
-          </a:p>
-          <a:p>
+              <a:t>Object Detection</a:t>
+            </a:r>
             <a:r>
               <a:rPr lang="en-US" dirty="0" smtClean="0"/>
-              <a:t>Experimental Results</a:t>
+              <a:t> </a:t>
+            </a:r>
+          </a:p>
+          <a:p>
+            <a:r>
+              <a:rPr lang="en-US" dirty="0" smtClean="0"/>
+              <a:t>Motivations/Challenges </a:t>
+            </a:r>
+          </a:p>
+          <a:p>
+            <a:r>
+              <a:rPr lang="en-US" dirty="0" smtClean="0"/>
+              <a:t>Parallelizing </a:t>
+            </a:r>
+            <a:r>
+              <a:rPr lang="en-US" dirty="0" smtClean="0"/>
+              <a:t>MCMC using </a:t>
+            </a:r>
+            <a:r>
+              <a:rPr lang="en-US" dirty="0" smtClean="0"/>
+              <a:t>Message Passing Interface (MPI) </a:t>
+            </a:r>
+          </a:p>
+          <a:p>
+            <a:r>
+              <a:rPr lang="en-US" dirty="0" smtClean="0"/>
+              <a:t>Experimental Results </a:t>
             </a:r>
           </a:p>
           <a:p>
@@ -3710,10 +8755,17 @@
               <a:rPr lang="en-US" dirty="0" smtClean="0"/>
               <a:t>Conclusion</a:t>
             </a:r>
-          </a:p>
-          <a:p>
             <a:endParaRPr lang="en-US" dirty="0"/>
           </a:p>
+          <a:p>
+            <a:pPr marL="0" indent="0">
+              <a:buNone/>
+            </a:pPr>
+            <a:endParaRPr lang="en-US" dirty="0" smtClean="0"/>
+          </a:p>
+          <a:p>
+            <a:endParaRPr lang="en-US" dirty="0"/>
+          </a:p>
         </p:txBody>
       </p:sp>
       <p:sp>
@@ -3731,9 +8783,9 @@
           <a:bodyPr/>
           <a:lstStyle/>
           <a:p>
-            <a:fld id="{DEA03095-F520-4C26-8B60-AFE53ECA853C}" type="datetime1">
-              <a:rPr lang="en-US" smtClean="0"/>
-              <a:t>4/25/2015</a:t>
+            <a:fld id="{79B24D4A-BFAE-46AC-99C2-35FC4450274C}" type="datetime1">
+              <a:rPr lang="en-US" smtClean="0"/>
+              <a:t>4/27/2015</a:t>
             </a:fld>
             <a:endParaRPr lang="en-US"/>
           </a:p>
@@ -3756,7 +8808,7 @@
           <a:p>
             <a:r>
               <a:rPr lang="en-US" smtClean="0"/>
-              <a:t>Final Project – Spring 2015</a:t>
+              <a:t>ECEN 5060 – Final Project – Spring 2015</a:t>
             </a:r>
             <a:endParaRPr lang="en-US" dirty="0"/>
           </a:p>
@@ -3840,7 +8892,7 @@
           <a:p>
             <a:r>
               <a:rPr lang="en-US" dirty="0" smtClean="0"/>
-              <a:t>An overview of JD-MCMC</a:t>
+              <a:t>Introduction</a:t>
             </a:r>
             <a:endParaRPr lang="en-US" dirty="0"/>
           </a:p>
@@ -3848,7 +8900,7 @@
       </p:sp>
       <p:sp>
         <p:nvSpPr>
-          <p:cNvPr id="3" name="Content Placeholder 2"/>
+          <p:cNvPr id="12" name="Content Placeholder 11"/>
           <p:cNvSpPr>
             <a:spLocks noGrp="1"/>
           </p:cNvSpPr>
@@ -3861,7 +8913,28 @@
           <a:bodyPr/>
           <a:lstStyle/>
           <a:p>
-            <a:endParaRPr lang="en-US"/>
+            <a:r>
+              <a:rPr lang="en-US" dirty="0" smtClean="0"/>
+              <a:t>Monte Carlo method</a:t>
+            </a:r>
+          </a:p>
+          <a:p>
+            <a:r>
+              <a:rPr lang="en-US" dirty="0" smtClean="0"/>
+              <a:t>Markov Chain Monte Carlo</a:t>
+            </a:r>
+          </a:p>
+          <a:p>
+            <a:r>
+              <a:rPr lang="en-US" dirty="0" smtClean="0"/>
+              <a:t>MCMC for Object Detection</a:t>
+            </a:r>
+          </a:p>
+          <a:p>
+            <a:endParaRPr lang="en-US" dirty="0" smtClean="0"/>
+          </a:p>
+          <a:p>
+            <a:endParaRPr lang="en-US" dirty="0"/>
           </a:p>
         </p:txBody>
       </p:sp>
@@ -3880,9 +8953,9 @@
           <a:bodyPr/>
           <a:lstStyle/>
           <a:p>
-            <a:fld id="{F35D29F9-C117-4838-BA3A-22814F2FBD2D}" type="datetime1">
-              <a:rPr lang="en-US" smtClean="0"/>
-              <a:t>4/25/2015</a:t>
+            <a:fld id="{19AD9094-236C-4B85-8F07-27565B43B069}" type="datetime1">
+              <a:rPr lang="en-US" smtClean="0"/>
+              <a:t>4/27/2015</a:t>
             </a:fld>
             <a:endParaRPr lang="en-US"/>
           </a:p>
@@ -3905,7 +8978,7 @@
           <a:p>
             <a:r>
               <a:rPr lang="en-US" smtClean="0"/>
-              <a:t>Final Project – Spring 2015</a:t>
+              <a:t>ECEN 5060 – Final Project – Spring 2015</a:t>
             </a:r>
             <a:endParaRPr lang="en-US" dirty="0"/>
           </a:p>
@@ -3939,6 +9012,1680 @@
     <p:extLst>
       <p:ext uri="{BB962C8B-B14F-4D97-AF65-F5344CB8AC3E}">
         <p14:creationId xmlns:p14="http://schemas.microsoft.com/office/powerpoint/2010/main" val="4244841535"/>
+      </p:ext>
+    </p:extLst>
+  </p:cSld>
+  <p:clrMapOvr>
+    <a:masterClrMapping/>
+  </p:clrMapOvr>
+  <p:timing>
+    <p:tnLst>
+      <p:par>
+        <p:cTn id="1" dur="indefinite" restart="never" nodeType="tmRoot"/>
+      </p:par>
+    </p:tnLst>
+  </p:timing>
+</p:sld>
+</file>
+
+<file path=ppt/slides/slide4.xml><?xml version="1.0" encoding="utf-8"?>
+<p:sld xmlns:a="http://schemas.openxmlformats.org/drawingml/2006/main" xmlns:r="http://schemas.openxmlformats.org/officeDocument/2006/relationships" xmlns:p="http://schemas.openxmlformats.org/presentationml/2006/main">
+  <p:cSld>
+    <p:spTree>
+      <p:nvGrpSpPr>
+        <p:cNvPr id="1" name=""/>
+        <p:cNvGrpSpPr/>
+        <p:nvPr/>
+      </p:nvGrpSpPr>
+      <p:grpSpPr>
+        <a:xfrm>
+          <a:off x="0" y="0"/>
+          <a:ext cx="0" cy="0"/>
+          <a:chOff x="0" y="0"/>
+          <a:chExt cx="0" cy="0"/>
+        </a:xfrm>
+      </p:grpSpPr>
+      <p:sp>
+        <p:nvSpPr>
+          <p:cNvPr id="2" name="Title 1"/>
+          <p:cNvSpPr>
+            <a:spLocks noGrp="1"/>
+          </p:cNvSpPr>
+          <p:nvPr>
+            <p:ph type="title"/>
+          </p:nvPr>
+        </p:nvSpPr>
+        <p:spPr/>
+        <p:txBody>
+          <a:bodyPr/>
+          <a:lstStyle/>
+          <a:p>
+            <a:r>
+              <a:rPr lang="en-US" dirty="0" smtClean="0"/>
+              <a:t>Quiz for fun</a:t>
+            </a:r>
+            <a:endParaRPr lang="en-US" dirty="0"/>
+          </a:p>
+        </p:txBody>
+      </p:sp>
+      <p:sp>
+        <p:nvSpPr>
+          <p:cNvPr id="12" name="Content Placeholder 11"/>
+          <p:cNvSpPr>
+            <a:spLocks noGrp="1"/>
+          </p:cNvSpPr>
+          <p:nvPr>
+            <p:ph idx="1"/>
+          </p:nvPr>
+        </p:nvSpPr>
+        <p:spPr/>
+        <p:txBody>
+          <a:bodyPr/>
+          <a:lstStyle/>
+          <a:p>
+            <a:r>
+              <a:rPr lang="en-US" dirty="0" smtClean="0"/>
+              <a:t>Monte Carlo is:</a:t>
+            </a:r>
+          </a:p>
+          <a:p>
+            <a:pPr marL="971550" lvl="1" indent="-514350">
+              <a:buFont typeface="+mj-lt"/>
+              <a:buAutoNum type="alphaLcParenR"/>
+            </a:pPr>
+            <a:r>
+              <a:rPr lang="en-US" dirty="0" smtClean="0"/>
+              <a:t>A random name</a:t>
+            </a:r>
+          </a:p>
+          <a:p>
+            <a:pPr marL="971550" lvl="1" indent="-514350">
+              <a:buFont typeface="+mj-lt"/>
+              <a:buAutoNum type="alphaLcParenR"/>
+            </a:pPr>
+            <a:r>
+              <a:rPr lang="en-US" dirty="0"/>
+              <a:t>Name of a scientist</a:t>
+            </a:r>
+          </a:p>
+          <a:p>
+            <a:pPr marL="971550" lvl="1" indent="-514350">
+              <a:buFont typeface="+mj-lt"/>
+              <a:buAutoNum type="alphaLcParenR"/>
+            </a:pPr>
+            <a:r>
+              <a:rPr lang="en-US" dirty="0"/>
+              <a:t>Name of a </a:t>
+            </a:r>
+            <a:r>
+              <a:rPr lang="en-US" dirty="0" smtClean="0"/>
+              <a:t>casino</a:t>
+            </a:r>
+          </a:p>
+          <a:p>
+            <a:pPr marL="971550" lvl="1" indent="-514350">
+              <a:buFont typeface="+mj-lt"/>
+              <a:buAutoNum type="alphaLcParenR"/>
+            </a:pPr>
+            <a:r>
+              <a:rPr lang="en-US" dirty="0" smtClean="0"/>
+              <a:t>Name of a city</a:t>
+            </a:r>
+            <a:endParaRPr lang="en-US" dirty="0"/>
+          </a:p>
+          <a:p>
+            <a:pPr marL="971550" lvl="1" indent="-514350">
+              <a:buFont typeface="+mj-lt"/>
+              <a:buAutoNum type="alphaLcParenR"/>
+            </a:pPr>
+            <a:r>
+              <a:rPr lang="en-US" dirty="0"/>
+              <a:t>Name of a famous </a:t>
+            </a:r>
+            <a:r>
+              <a:rPr lang="en-US" dirty="0" smtClean="0"/>
+              <a:t>person</a:t>
+            </a:r>
+          </a:p>
+          <a:p>
+            <a:pPr marL="971550" lvl="1" indent="-514350">
+              <a:buFont typeface="+mj-lt"/>
+              <a:buAutoNum type="alphaLcParenR"/>
+            </a:pPr>
+            <a:r>
+              <a:rPr lang="en-US" dirty="0" smtClean="0"/>
+              <a:t>Other</a:t>
+            </a:r>
+            <a:endParaRPr lang="en-US" dirty="0"/>
+          </a:p>
+          <a:p>
+            <a:endParaRPr lang="en-US" dirty="0" smtClean="0"/>
+          </a:p>
+          <a:p>
+            <a:endParaRPr lang="en-US" dirty="0"/>
+          </a:p>
+        </p:txBody>
+      </p:sp>
+      <p:sp>
+        <p:nvSpPr>
+          <p:cNvPr id="4" name="Date Placeholder 3"/>
+          <p:cNvSpPr>
+            <a:spLocks noGrp="1"/>
+          </p:cNvSpPr>
+          <p:nvPr>
+            <p:ph type="dt" sz="half" idx="10"/>
+          </p:nvPr>
+        </p:nvSpPr>
+        <p:spPr/>
+        <p:txBody>
+          <a:bodyPr/>
+          <a:lstStyle/>
+          <a:p>
+            <a:fld id="{CBF80A93-E212-4AD0-A203-956193124729}" type="datetime1">
+              <a:rPr lang="en-US" smtClean="0"/>
+              <a:t>4/27/2015</a:t>
+            </a:fld>
+            <a:endParaRPr lang="en-US"/>
+          </a:p>
+        </p:txBody>
+      </p:sp>
+      <p:sp>
+        <p:nvSpPr>
+          <p:cNvPr id="5" name="Footer Placeholder 4"/>
+          <p:cNvSpPr>
+            <a:spLocks noGrp="1"/>
+          </p:cNvSpPr>
+          <p:nvPr>
+            <p:ph type="ftr" sz="quarter" idx="11"/>
+          </p:nvPr>
+        </p:nvSpPr>
+        <p:spPr/>
+        <p:txBody>
+          <a:bodyPr/>
+          <a:lstStyle/>
+          <a:p>
+            <a:r>
+              <a:rPr lang="en-US" smtClean="0"/>
+              <a:t>ECEN 5060 – Final Project – Spring 2015</a:t>
+            </a:r>
+            <a:endParaRPr lang="en-US" dirty="0"/>
+          </a:p>
+        </p:txBody>
+      </p:sp>
+      <p:sp>
+        <p:nvSpPr>
+          <p:cNvPr id="6" name="Slide Number Placeholder 5"/>
+          <p:cNvSpPr>
+            <a:spLocks noGrp="1"/>
+          </p:cNvSpPr>
+          <p:nvPr>
+            <p:ph type="sldNum" sz="quarter" idx="12"/>
+          </p:nvPr>
+        </p:nvSpPr>
+        <p:spPr/>
+        <p:txBody>
+          <a:bodyPr/>
+          <a:lstStyle/>
+          <a:p>
+            <a:fld id="{66A79FD7-B063-4613-98C2-47CB42CF0D44}" type="slidenum">
+              <a:rPr lang="en-US" smtClean="0"/>
+              <a:pPr/>
+              <a:t>4</a:t>
+            </a:fld>
+            <a:endParaRPr lang="en-US" dirty="0"/>
+          </a:p>
+        </p:txBody>
+      </p:sp>
+      <p:pic>
+        <p:nvPicPr>
+          <p:cNvPr id="2052" name="Picture 4" descr="http://ts1.mm.bing.net/th?&amp;id=JN.Uf4hSQNyCmkFJStw9HZRBw&amp;w=300&amp;h=300&amp;c=0&amp;pid=1.9&amp;rs=0&amp;p=0&amp;r=0"/>
+          <p:cNvPicPr>
+            <a:picLocks noChangeAspect="1" noChangeArrowheads="1"/>
+          </p:cNvPicPr>
+          <p:nvPr/>
+        </p:nvPicPr>
+        <p:blipFill>
+          <a:blip r:embed="rId3">
+            <a:extLst>
+              <a:ext uri="{28A0092B-C50C-407E-A947-70E740481C1C}">
+                <a14:useLocalDpi xmlns:a14="http://schemas.microsoft.com/office/drawing/2010/main" val="0"/>
+              </a:ext>
+            </a:extLst>
+          </a:blip>
+          <a:srcRect/>
+          <a:stretch>
+            <a:fillRect/>
+          </a:stretch>
+        </p:blipFill>
+        <p:spPr bwMode="auto">
+          <a:xfrm>
+            <a:off x="6972300" y="2637631"/>
+            <a:ext cx="2362200" cy="2362200"/>
+          </a:xfrm>
+          <a:prstGeom prst="rect">
+            <a:avLst/>
+          </a:prstGeom>
+          <a:noFill/>
+          <a:extLst>
+            <a:ext uri="{909E8E84-426E-40DD-AFC4-6F175D3DCCD1}">
+              <a14:hiddenFill xmlns:a14="http://schemas.microsoft.com/office/drawing/2010/main">
+                <a:solidFill>
+                  <a:srgbClr val="FFFFFF"/>
+                </a:solidFill>
+              </a14:hiddenFill>
+            </a:ext>
+          </a:extLst>
+        </p:spPr>
+      </p:pic>
+    </p:spTree>
+    <p:extLst>
+      <p:ext uri="{BB962C8B-B14F-4D97-AF65-F5344CB8AC3E}">
+        <p14:creationId xmlns:p14="http://schemas.microsoft.com/office/powerpoint/2010/main" val="2766460271"/>
+      </p:ext>
+    </p:extLst>
+  </p:cSld>
+  <p:clrMapOvr>
+    <a:masterClrMapping/>
+  </p:clrMapOvr>
+  <p:timing>
+    <p:tnLst>
+      <p:par>
+        <p:cTn id="1" dur="indefinite" restart="never" nodeType="tmRoot"/>
+      </p:par>
+    </p:tnLst>
+  </p:timing>
+</p:sld>
+</file>
+
+<file path=ppt/slides/slide5.xml><?xml version="1.0" encoding="utf-8"?>
+<p:sld xmlns:a="http://schemas.openxmlformats.org/drawingml/2006/main" xmlns:r="http://schemas.openxmlformats.org/officeDocument/2006/relationships" xmlns:p="http://schemas.openxmlformats.org/presentationml/2006/main">
+  <p:cSld>
+    <p:spTree>
+      <p:nvGrpSpPr>
+        <p:cNvPr id="1" name=""/>
+        <p:cNvGrpSpPr/>
+        <p:nvPr/>
+      </p:nvGrpSpPr>
+      <p:grpSpPr>
+        <a:xfrm>
+          <a:off x="0" y="0"/>
+          <a:ext cx="0" cy="0"/>
+          <a:chOff x="0" y="0"/>
+          <a:chExt cx="0" cy="0"/>
+        </a:xfrm>
+      </p:grpSpPr>
+      <p:sp>
+        <p:nvSpPr>
+          <p:cNvPr id="2" name="Title 1"/>
+          <p:cNvSpPr>
+            <a:spLocks noGrp="1"/>
+          </p:cNvSpPr>
+          <p:nvPr>
+            <p:ph type="title"/>
+          </p:nvPr>
+        </p:nvSpPr>
+        <p:spPr/>
+        <p:txBody>
+          <a:bodyPr/>
+          <a:lstStyle/>
+          <a:p>
+            <a:r>
+              <a:rPr lang="en-US" dirty="0" smtClean="0"/>
+              <a:t>Monte Carlo</a:t>
+            </a:r>
+            <a:endParaRPr lang="en-US" dirty="0"/>
+          </a:p>
+        </p:txBody>
+      </p:sp>
+      <p:sp>
+        <p:nvSpPr>
+          <p:cNvPr id="3" name="Content Placeholder 2"/>
+          <p:cNvSpPr>
+            <a:spLocks noGrp="1"/>
+          </p:cNvSpPr>
+          <p:nvPr>
+            <p:ph idx="1"/>
+          </p:nvPr>
+        </p:nvSpPr>
+        <p:spPr>
+          <a:xfrm>
+            <a:off x="838200" y="1460500"/>
+            <a:ext cx="6749955" cy="4716463"/>
+          </a:xfrm>
+        </p:spPr>
+        <p:txBody>
+          <a:bodyPr/>
+          <a:lstStyle/>
+          <a:p>
+            <a:r>
+              <a:rPr lang="en-US" dirty="0" smtClean="0"/>
+              <a:t>Monte Carlo is a casino in Monaco, Italy</a:t>
+            </a:r>
+          </a:p>
+          <a:p>
+            <a:r>
+              <a:rPr lang="en-US" dirty="0" smtClean="0"/>
+              <a:t>Picked by Nicholas Metropolis at Los Alamos Lab (USA) as the code name for their method:</a:t>
+            </a:r>
+          </a:p>
+          <a:p>
+            <a:pPr lvl="1"/>
+            <a:r>
+              <a:rPr lang="en-US" dirty="0" smtClean="0"/>
+              <a:t>Their idea related to solitaire game</a:t>
+            </a:r>
+          </a:p>
+          <a:p>
+            <a:pPr lvl="1"/>
+            <a:r>
+              <a:rPr lang="en-US" dirty="0" smtClean="0"/>
+              <a:t>Uncle of a member in team, often borrow money from relatives to gambles there </a:t>
+            </a:r>
+            <a:r>
+              <a:rPr lang="en-US" dirty="0" smtClean="0">
+                <a:sym typeface="Wingdings" panose="05000000000000000000" pitchFamily="2" charset="2"/>
+              </a:rPr>
+              <a:t></a:t>
+            </a:r>
+            <a:endParaRPr lang="en-US" dirty="0"/>
+          </a:p>
+        </p:txBody>
+      </p:sp>
+      <p:sp>
+        <p:nvSpPr>
+          <p:cNvPr id="4" name="Date Placeholder 3"/>
+          <p:cNvSpPr>
+            <a:spLocks noGrp="1"/>
+          </p:cNvSpPr>
+          <p:nvPr>
+            <p:ph type="dt" sz="half" idx="10"/>
+          </p:nvPr>
+        </p:nvSpPr>
+        <p:spPr/>
+        <p:txBody>
+          <a:bodyPr/>
+          <a:lstStyle/>
+          <a:p>
+            <a:fld id="{23EC16F0-9136-48C0-9A66-BE733232B5F3}" type="datetime1">
+              <a:rPr lang="en-US" smtClean="0"/>
+              <a:t>4/27/2015</a:t>
+            </a:fld>
+            <a:endParaRPr lang="en-US"/>
+          </a:p>
+        </p:txBody>
+      </p:sp>
+      <p:sp>
+        <p:nvSpPr>
+          <p:cNvPr id="5" name="Footer Placeholder 4"/>
+          <p:cNvSpPr>
+            <a:spLocks noGrp="1"/>
+          </p:cNvSpPr>
+          <p:nvPr>
+            <p:ph type="ftr" sz="quarter" idx="11"/>
+          </p:nvPr>
+        </p:nvSpPr>
+        <p:spPr/>
+        <p:txBody>
+          <a:bodyPr/>
+          <a:lstStyle/>
+          <a:p>
+            <a:r>
+              <a:rPr lang="en-US" smtClean="0"/>
+              <a:t>ECEN 5060 – Final Project – Spring 2015</a:t>
+            </a:r>
+            <a:endParaRPr lang="en-US" dirty="0"/>
+          </a:p>
+        </p:txBody>
+      </p:sp>
+      <p:sp>
+        <p:nvSpPr>
+          <p:cNvPr id="6" name="Slide Number Placeholder 5"/>
+          <p:cNvSpPr>
+            <a:spLocks noGrp="1"/>
+          </p:cNvSpPr>
+          <p:nvPr>
+            <p:ph type="sldNum" sz="quarter" idx="12"/>
+          </p:nvPr>
+        </p:nvSpPr>
+        <p:spPr/>
+        <p:txBody>
+          <a:bodyPr/>
+          <a:lstStyle/>
+          <a:p>
+            <a:fld id="{66A79FD7-B063-4613-98C2-47CB42CF0D44}" type="slidenum">
+              <a:rPr lang="en-US" smtClean="0"/>
+              <a:pPr/>
+              <a:t>5</a:t>
+            </a:fld>
+            <a:endParaRPr lang="en-US" dirty="0"/>
+          </a:p>
+        </p:txBody>
+      </p:sp>
+      <p:pic>
+        <p:nvPicPr>
+          <p:cNvPr id="3074" name="Picture 2" descr="http://upload.wikimedia.org/wikipedia/commons/thumb/8/8c/Monte_Carlo_Casino.jpg/210px-Monte_Carlo_Casino.jpg"/>
+          <p:cNvPicPr>
+            <a:picLocks noChangeAspect="1" noChangeArrowheads="1"/>
+          </p:cNvPicPr>
+          <p:nvPr/>
+        </p:nvPicPr>
+        <p:blipFill>
+          <a:blip r:embed="rId2">
+            <a:extLst>
+              <a:ext uri="{28A0092B-C50C-407E-A947-70E740481C1C}">
+                <a14:useLocalDpi xmlns:a14="http://schemas.microsoft.com/office/drawing/2010/main" val="0"/>
+              </a:ext>
+            </a:extLst>
+          </a:blip>
+          <a:srcRect/>
+          <a:stretch>
+            <a:fillRect/>
+          </a:stretch>
+        </p:blipFill>
+        <p:spPr bwMode="auto">
+          <a:xfrm>
+            <a:off x="7588155" y="1231900"/>
+            <a:ext cx="3765645" cy="4525584"/>
+          </a:xfrm>
+          <a:prstGeom prst="rect">
+            <a:avLst/>
+          </a:prstGeom>
+          <a:noFill/>
+          <a:extLst>
+            <a:ext uri="{909E8E84-426E-40DD-AFC4-6F175D3DCCD1}">
+              <a14:hiddenFill xmlns:a14="http://schemas.microsoft.com/office/drawing/2010/main">
+                <a:solidFill>
+                  <a:srgbClr val="FFFFFF"/>
+                </a:solidFill>
+              </a14:hiddenFill>
+            </a:ext>
+          </a:extLst>
+        </p:spPr>
+      </p:pic>
+      <p:sp>
+        <p:nvSpPr>
+          <p:cNvPr id="9" name="TextBox 8"/>
+          <p:cNvSpPr txBox="1"/>
+          <p:nvPr/>
+        </p:nvSpPr>
+        <p:spPr>
+          <a:xfrm>
+            <a:off x="7867365" y="5872251"/>
+            <a:ext cx="3207224" cy="369332"/>
+          </a:xfrm>
+          <a:prstGeom prst="rect">
+            <a:avLst/>
+          </a:prstGeom>
+          <a:noFill/>
+        </p:spPr>
+        <p:txBody>
+          <a:bodyPr wrap="square" rtlCol="0">
+            <a:spAutoFit/>
+          </a:bodyPr>
+          <a:lstStyle/>
+          <a:p>
+            <a:pPr algn="ctr"/>
+            <a:r>
+              <a:rPr lang="en-US" dirty="0" smtClean="0">
+                <a:hlinkClick r:id="rId3"/>
+              </a:rPr>
+              <a:t>Wikipedia</a:t>
+            </a:r>
+            <a:endParaRPr lang="en-US" dirty="0"/>
+          </a:p>
+        </p:txBody>
+      </p:sp>
+    </p:spTree>
+    <p:extLst>
+      <p:ext uri="{BB962C8B-B14F-4D97-AF65-F5344CB8AC3E}">
+        <p14:creationId xmlns:p14="http://schemas.microsoft.com/office/powerpoint/2010/main" val="1004451512"/>
+      </p:ext>
+    </p:extLst>
+  </p:cSld>
+  <p:clrMapOvr>
+    <a:masterClrMapping/>
+  </p:clrMapOvr>
+  <p:timing>
+    <p:tnLst>
+      <p:par>
+        <p:cTn id="1" dur="indefinite" restart="never" nodeType="tmRoot"/>
+      </p:par>
+    </p:tnLst>
+  </p:timing>
+</p:sld>
+</file>
+
+<file path=ppt/slides/slide6.xml><?xml version="1.0" encoding="utf-8"?>
+<p:sld xmlns:a="http://schemas.openxmlformats.org/drawingml/2006/main" xmlns:r="http://schemas.openxmlformats.org/officeDocument/2006/relationships" xmlns:p="http://schemas.openxmlformats.org/presentationml/2006/main">
+  <p:cSld>
+    <p:spTree>
+      <p:nvGrpSpPr>
+        <p:cNvPr id="1" name=""/>
+        <p:cNvGrpSpPr/>
+        <p:nvPr/>
+      </p:nvGrpSpPr>
+      <p:grpSpPr>
+        <a:xfrm>
+          <a:off x="0" y="0"/>
+          <a:ext cx="0" cy="0"/>
+          <a:chOff x="0" y="0"/>
+          <a:chExt cx="0" cy="0"/>
+        </a:xfrm>
+      </p:grpSpPr>
+      <p:sp>
+        <p:nvSpPr>
+          <p:cNvPr id="2" name="Title 1"/>
+          <p:cNvSpPr>
+            <a:spLocks noGrp="1"/>
+          </p:cNvSpPr>
+          <p:nvPr>
+            <p:ph type="title"/>
+          </p:nvPr>
+        </p:nvSpPr>
+        <p:spPr/>
+        <p:txBody>
+          <a:bodyPr/>
+          <a:lstStyle/>
+          <a:p>
+            <a:r>
+              <a:rPr lang="en-US" dirty="0" smtClean="0"/>
+              <a:t>Monte Carlo principle</a:t>
+            </a:r>
+            <a:endParaRPr lang="en-US" dirty="0"/>
+          </a:p>
+        </p:txBody>
+      </p:sp>
+      <p:sp>
+        <p:nvSpPr>
+          <p:cNvPr id="4" name="Date Placeholder 3"/>
+          <p:cNvSpPr>
+            <a:spLocks noGrp="1"/>
+          </p:cNvSpPr>
+          <p:nvPr>
+            <p:ph type="dt" sz="half" idx="10"/>
+          </p:nvPr>
+        </p:nvSpPr>
+        <p:spPr/>
+        <p:txBody>
+          <a:bodyPr/>
+          <a:lstStyle/>
+          <a:p>
+            <a:fld id="{795A6F9B-5C4D-4072-9E8A-C60F25E2A58C}" type="datetime1">
+              <a:rPr lang="en-US" smtClean="0"/>
+              <a:t>4/27/2015</a:t>
+            </a:fld>
+            <a:endParaRPr lang="en-US" dirty="0"/>
+          </a:p>
+        </p:txBody>
+      </p:sp>
+      <p:sp>
+        <p:nvSpPr>
+          <p:cNvPr id="5" name="Footer Placeholder 4"/>
+          <p:cNvSpPr>
+            <a:spLocks noGrp="1"/>
+          </p:cNvSpPr>
+          <p:nvPr>
+            <p:ph type="ftr" sz="quarter" idx="11"/>
+          </p:nvPr>
+        </p:nvSpPr>
+        <p:spPr/>
+        <p:txBody>
+          <a:bodyPr/>
+          <a:lstStyle/>
+          <a:p>
+            <a:r>
+              <a:rPr lang="en-US" smtClean="0"/>
+              <a:t>ECEN 5060 – Final Project – Spring 2015</a:t>
+            </a:r>
+            <a:endParaRPr lang="en-US" dirty="0"/>
+          </a:p>
+        </p:txBody>
+      </p:sp>
+      <p:sp>
+        <p:nvSpPr>
+          <p:cNvPr id="6" name="Slide Number Placeholder 5"/>
+          <p:cNvSpPr>
+            <a:spLocks noGrp="1"/>
+          </p:cNvSpPr>
+          <p:nvPr>
+            <p:ph type="sldNum" sz="quarter" idx="12"/>
+          </p:nvPr>
+        </p:nvSpPr>
+        <p:spPr/>
+        <p:txBody>
+          <a:bodyPr/>
+          <a:lstStyle/>
+          <a:p>
+            <a:fld id="{66A79FD7-B063-4613-98C2-47CB42CF0D44}" type="slidenum">
+              <a:rPr lang="en-US" smtClean="0"/>
+              <a:pPr/>
+              <a:t>6</a:t>
+            </a:fld>
+            <a:endParaRPr lang="en-US" dirty="0"/>
+          </a:p>
+        </p:txBody>
+      </p:sp>
+      <p:sp>
+        <p:nvSpPr>
+          <p:cNvPr id="9" name="Content Placeholder 8"/>
+          <p:cNvSpPr>
+            <a:spLocks noGrp="1"/>
+          </p:cNvSpPr>
+          <p:nvPr>
+            <p:ph idx="1"/>
+          </p:nvPr>
+        </p:nvSpPr>
+        <p:spPr>
+          <a:xfrm>
+            <a:off x="838199" y="1460500"/>
+            <a:ext cx="6517943" cy="4716463"/>
+          </a:xfrm>
+        </p:spPr>
+        <p:txBody>
+          <a:bodyPr/>
+          <a:lstStyle/>
+          <a:p>
+            <a:r>
+              <a:rPr lang="en-US" altLang="zh-CN" dirty="0"/>
+              <a:t>Given a very large set </a:t>
+            </a:r>
+            <a:r>
+              <a:rPr lang="en-US" altLang="zh-CN" i="1" dirty="0">
+                <a:sym typeface="Math1" pitchFamily="2" charset="2"/>
+              </a:rPr>
+              <a:t>X</a:t>
+            </a:r>
+            <a:r>
+              <a:rPr lang="en-US" altLang="zh-CN" dirty="0">
+                <a:sym typeface="Math1" pitchFamily="2" charset="2"/>
+              </a:rPr>
+              <a:t> and </a:t>
+            </a:r>
+            <a:r>
+              <a:rPr lang="en-US" altLang="zh-CN" dirty="0" smtClean="0">
+                <a:sym typeface="Math1" pitchFamily="2" charset="2"/>
+              </a:rPr>
+              <a:t>a unknown distribution </a:t>
+            </a:r>
+            <a:r>
+              <a:rPr lang="en-US" altLang="zh-CN" i="1" dirty="0">
+                <a:sym typeface="Math1" pitchFamily="2" charset="2"/>
+              </a:rPr>
+              <a:t>p</a:t>
+            </a:r>
+            <a:r>
+              <a:rPr lang="en-US" altLang="zh-CN" dirty="0">
+                <a:sym typeface="Math1" pitchFamily="2" charset="2"/>
+              </a:rPr>
+              <a:t>(</a:t>
+            </a:r>
+            <a:r>
+              <a:rPr lang="en-US" altLang="zh-CN" i="1" dirty="0">
+                <a:sym typeface="Math1" pitchFamily="2" charset="2"/>
+              </a:rPr>
+              <a:t>x</a:t>
+            </a:r>
+            <a:r>
+              <a:rPr lang="en-US" altLang="zh-CN" dirty="0">
+                <a:sym typeface="Math1" pitchFamily="2" charset="2"/>
+              </a:rPr>
+              <a:t>) over it</a:t>
+            </a:r>
+          </a:p>
+          <a:p>
+            <a:r>
+              <a:rPr lang="en-US" altLang="zh-CN" dirty="0">
+                <a:sym typeface="Math1" pitchFamily="2" charset="2"/>
+              </a:rPr>
+              <a:t>We draw </a:t>
+            </a:r>
+            <a:r>
+              <a:rPr lang="en-US" altLang="zh-CN" dirty="0" err="1" smtClean="0">
+                <a:sym typeface="Math1" pitchFamily="2" charset="2"/>
+              </a:rPr>
+              <a:t>i.i.d</a:t>
+            </a:r>
+            <a:r>
+              <a:rPr lang="en-US" altLang="zh-CN" dirty="0" smtClean="0">
+                <a:sym typeface="Math1" pitchFamily="2" charset="2"/>
+              </a:rPr>
+              <a:t>. </a:t>
+            </a:r>
+            <a:r>
+              <a:rPr lang="en-US" altLang="zh-CN" dirty="0">
+                <a:sym typeface="Math1" pitchFamily="2" charset="2"/>
+              </a:rPr>
+              <a:t>a set of </a:t>
+            </a:r>
+            <a:r>
+              <a:rPr lang="en-US" altLang="zh-CN" i="1" dirty="0">
+                <a:sym typeface="Math1" pitchFamily="2" charset="2"/>
+              </a:rPr>
+              <a:t>N</a:t>
+            </a:r>
+            <a:r>
+              <a:rPr lang="en-US" altLang="zh-CN" dirty="0">
+                <a:sym typeface="Math1" pitchFamily="2" charset="2"/>
+              </a:rPr>
+              <a:t> samples </a:t>
+            </a:r>
+          </a:p>
+          <a:p>
+            <a:r>
+              <a:rPr lang="en-US" altLang="zh-CN" dirty="0">
+                <a:sym typeface="Math1" pitchFamily="2" charset="2"/>
+              </a:rPr>
+              <a:t>We can then approximate the distribution using these samples</a:t>
+            </a:r>
+          </a:p>
+          <a:p>
+            <a:endParaRPr lang="en-US" dirty="0"/>
+          </a:p>
+        </p:txBody>
+      </p:sp>
+      <p:pic>
+        <p:nvPicPr>
+          <p:cNvPr id="10" name="Content Placeholder 6"/>
+          <p:cNvPicPr>
+            <a:picLocks noChangeAspect="1"/>
+          </p:cNvPicPr>
+          <p:nvPr/>
+        </p:nvPicPr>
+        <p:blipFill>
+          <a:blip r:embed="rId2">
+            <a:extLst>
+              <a:ext uri="{28A0092B-C50C-407E-A947-70E740481C1C}">
+                <a14:useLocalDpi xmlns:a14="http://schemas.microsoft.com/office/drawing/2010/main" val="0"/>
+              </a:ext>
+            </a:extLst>
+          </a:blip>
+          <a:stretch>
+            <a:fillRect/>
+          </a:stretch>
+        </p:blipFill>
+        <p:spPr>
+          <a:xfrm>
+            <a:off x="6888683" y="1411287"/>
+            <a:ext cx="4561789" cy="4160412"/>
+          </a:xfrm>
+          <a:prstGeom prst="rect">
+            <a:avLst/>
+          </a:prstGeom>
+        </p:spPr>
+      </p:pic>
+      <p:pic>
+        <p:nvPicPr>
+          <p:cNvPr id="11" name="Picture 7" descr="Equation2"/>
+          <p:cNvPicPr>
+            <a:picLocks noChangeAspect="1" noChangeArrowheads="1"/>
+          </p:cNvPicPr>
+          <p:nvPr/>
+        </p:nvPicPr>
+        <p:blipFill>
+          <a:blip r:embed="rId3" cstate="print"/>
+          <a:srcRect/>
+          <a:stretch>
+            <a:fillRect/>
+          </a:stretch>
+        </p:blipFill>
+        <p:spPr bwMode="auto">
+          <a:xfrm>
+            <a:off x="1533952" y="4271963"/>
+            <a:ext cx="4381500" cy="1905000"/>
+          </a:xfrm>
+          <a:prstGeom prst="rect">
+            <a:avLst/>
+          </a:prstGeom>
+          <a:noFill/>
+          <a:ln w="9525">
+            <a:noFill/>
+            <a:miter lim="800000"/>
+            <a:headEnd/>
+            <a:tailEnd/>
+          </a:ln>
+        </p:spPr>
+      </p:pic>
+      <p:sp>
+        <p:nvSpPr>
+          <p:cNvPr id="12" name="TextBox 11"/>
+          <p:cNvSpPr txBox="1"/>
+          <p:nvPr/>
+        </p:nvSpPr>
+        <p:spPr>
+          <a:xfrm>
+            <a:off x="8051895" y="5813946"/>
+            <a:ext cx="2688893" cy="369332"/>
+          </a:xfrm>
+          <a:prstGeom prst="rect">
+            <a:avLst/>
+          </a:prstGeom>
+          <a:noFill/>
+        </p:spPr>
+        <p:txBody>
+          <a:bodyPr wrap="square" rtlCol="0">
+            <a:spAutoFit/>
+          </a:bodyPr>
+          <a:lstStyle/>
+          <a:p>
+            <a:pPr algn="ctr"/>
+            <a:r>
+              <a:rPr lang="en-US" dirty="0" smtClean="0">
+                <a:hlinkClick r:id="rId4"/>
+              </a:rPr>
+              <a:t>Wikipedia</a:t>
+            </a:r>
+            <a:endParaRPr lang="en-US" dirty="0"/>
+          </a:p>
+        </p:txBody>
+      </p:sp>
+    </p:spTree>
+    <p:extLst>
+      <p:ext uri="{BB962C8B-B14F-4D97-AF65-F5344CB8AC3E}">
+        <p14:creationId xmlns:p14="http://schemas.microsoft.com/office/powerpoint/2010/main" val="1197162326"/>
+      </p:ext>
+    </p:extLst>
+  </p:cSld>
+  <p:clrMapOvr>
+    <a:masterClrMapping/>
+  </p:clrMapOvr>
+  <p:timing>
+    <p:tnLst>
+      <p:par>
+        <p:cTn id="1" dur="indefinite" restart="never" nodeType="tmRoot"/>
+      </p:par>
+    </p:tnLst>
+  </p:timing>
+</p:sld>
+</file>
+
+<file path=ppt/slides/slide7.xml><?xml version="1.0" encoding="utf-8"?>
+<p:sld xmlns:a="http://schemas.openxmlformats.org/drawingml/2006/main" xmlns:r="http://schemas.openxmlformats.org/officeDocument/2006/relationships" xmlns:p="http://schemas.openxmlformats.org/presentationml/2006/main">
+  <p:cSld>
+    <p:spTree>
+      <p:nvGrpSpPr>
+        <p:cNvPr id="1" name=""/>
+        <p:cNvGrpSpPr/>
+        <p:nvPr/>
+      </p:nvGrpSpPr>
+      <p:grpSpPr>
+        <a:xfrm>
+          <a:off x="0" y="0"/>
+          <a:ext cx="0" cy="0"/>
+          <a:chOff x="0" y="0"/>
+          <a:chExt cx="0" cy="0"/>
+        </a:xfrm>
+      </p:grpSpPr>
+      <p:sp>
+        <p:nvSpPr>
+          <p:cNvPr id="2" name="Title 1"/>
+          <p:cNvSpPr>
+            <a:spLocks noGrp="1"/>
+          </p:cNvSpPr>
+          <p:nvPr>
+            <p:ph type="title"/>
+          </p:nvPr>
+        </p:nvSpPr>
+        <p:spPr/>
+        <p:txBody>
+          <a:bodyPr/>
+          <a:lstStyle/>
+          <a:p>
+            <a:r>
+              <a:rPr lang="en-US" dirty="0" smtClean="0"/>
+              <a:t>Markov Chain Monte Carlo</a:t>
+            </a:r>
+            <a:endParaRPr lang="en-US" dirty="0"/>
+          </a:p>
+        </p:txBody>
+      </p:sp>
+      <p:sp>
+        <p:nvSpPr>
+          <p:cNvPr id="3" name="Content Placeholder 2"/>
+          <p:cNvSpPr>
+            <a:spLocks noGrp="1"/>
+          </p:cNvSpPr>
+          <p:nvPr>
+            <p:ph idx="1"/>
+          </p:nvPr>
+        </p:nvSpPr>
+        <p:spPr>
+          <a:xfrm>
+            <a:off x="891085" y="1355037"/>
+            <a:ext cx="5795466" cy="4716463"/>
+          </a:xfrm>
+        </p:spPr>
+        <p:txBody>
+          <a:bodyPr>
+            <a:normAutofit/>
+          </a:bodyPr>
+          <a:lstStyle/>
+          <a:p>
+            <a:r>
+              <a:rPr lang="en-US" altLang="zh-CN" dirty="0" smtClean="0"/>
+              <a:t>Use </a:t>
+            </a:r>
+            <a:r>
+              <a:rPr lang="en-US" altLang="zh-CN" dirty="0"/>
+              <a:t>a </a:t>
+            </a:r>
+            <a:r>
+              <a:rPr lang="en-US" altLang="zh-CN" b="1" i="1" dirty="0">
+                <a:latin typeface="Lucida Sans" pitchFamily="34" charset="0"/>
+              </a:rPr>
+              <a:t>“</a:t>
+            </a:r>
+            <a:r>
+              <a:rPr lang="en-US" altLang="zh-CN" b="1" i="1" dirty="0"/>
+              <a:t>random walk</a:t>
+            </a:r>
+            <a:r>
+              <a:rPr lang="en-US" altLang="zh-CN" b="1" i="1" dirty="0">
+                <a:latin typeface="Lucida Sans" pitchFamily="34" charset="0"/>
+              </a:rPr>
+              <a:t>”</a:t>
+            </a:r>
+            <a:r>
+              <a:rPr lang="en-US" altLang="zh-CN" b="1" i="1" dirty="0"/>
+              <a:t> </a:t>
+            </a:r>
+            <a:r>
+              <a:rPr lang="en-US" altLang="zh-CN" dirty="0"/>
+              <a:t>to </a:t>
+            </a:r>
+            <a:r>
+              <a:rPr lang="en-US" altLang="zh-CN" dirty="0" smtClean="0"/>
+              <a:t>draw </a:t>
+            </a:r>
+            <a:r>
+              <a:rPr lang="en-US" altLang="zh-CN" dirty="0"/>
+              <a:t>random samples from p(</a:t>
+            </a:r>
+            <a:r>
+              <a:rPr lang="en-US" altLang="zh-CN" i="1" dirty="0"/>
+              <a:t>x</a:t>
+            </a:r>
+            <a:r>
+              <a:rPr lang="en-US" altLang="zh-CN" dirty="0"/>
+              <a:t>) </a:t>
+            </a:r>
+          </a:p>
+          <a:p>
+            <a:r>
+              <a:rPr lang="en-US" altLang="zh-CN" dirty="0" smtClean="0"/>
+              <a:t>A </a:t>
+            </a:r>
+            <a:r>
+              <a:rPr lang="en-US" altLang="zh-CN" b="1" i="1" dirty="0" smtClean="0"/>
+              <a:t>proposal </a:t>
+            </a:r>
+            <a:r>
+              <a:rPr lang="en-US" altLang="zh-CN" b="1" i="1" dirty="0"/>
+              <a:t>function </a:t>
+            </a:r>
+            <a:r>
+              <a:rPr lang="en-US" altLang="zh-CN" dirty="0"/>
+              <a:t>that allows us to move locally based on the previous </a:t>
+            </a:r>
+            <a:r>
+              <a:rPr lang="en-US" altLang="zh-CN" dirty="0" smtClean="0"/>
+              <a:t>sample (state)</a:t>
+            </a:r>
+            <a:endParaRPr lang="en-US" altLang="zh-CN" dirty="0"/>
+          </a:p>
+          <a:p>
+            <a:r>
+              <a:rPr lang="en-US" altLang="zh-CN" dirty="0" smtClean="0"/>
+              <a:t>Samples (moves) </a:t>
+            </a:r>
+            <a:r>
+              <a:rPr lang="en-US" altLang="zh-CN" dirty="0"/>
+              <a:t>are </a:t>
+            </a:r>
+            <a:r>
+              <a:rPr lang="en-US" altLang="zh-CN" b="1" i="1" dirty="0"/>
+              <a:t>accepted or rejected </a:t>
+            </a:r>
+            <a:r>
+              <a:rPr lang="en-US" altLang="zh-CN" dirty="0"/>
+              <a:t>according to the evaluation result.</a:t>
+            </a:r>
+            <a:endParaRPr lang="en-US" dirty="0"/>
+          </a:p>
+        </p:txBody>
+      </p:sp>
+      <p:sp>
+        <p:nvSpPr>
+          <p:cNvPr id="4" name="Date Placeholder 3"/>
+          <p:cNvSpPr>
+            <a:spLocks noGrp="1"/>
+          </p:cNvSpPr>
+          <p:nvPr>
+            <p:ph type="dt" sz="half" idx="10"/>
+          </p:nvPr>
+        </p:nvSpPr>
+        <p:spPr/>
+        <p:txBody>
+          <a:bodyPr/>
+          <a:lstStyle/>
+          <a:p>
+            <a:fld id="{1A4072F9-442D-4FE4-AD98-DD5F20A18586}" type="datetime1">
+              <a:rPr lang="en-US" smtClean="0"/>
+              <a:t>4/27/2015</a:t>
+            </a:fld>
+            <a:endParaRPr lang="en-US"/>
+          </a:p>
+        </p:txBody>
+      </p:sp>
+      <p:sp>
+        <p:nvSpPr>
+          <p:cNvPr id="5" name="Footer Placeholder 4"/>
+          <p:cNvSpPr>
+            <a:spLocks noGrp="1"/>
+          </p:cNvSpPr>
+          <p:nvPr>
+            <p:ph type="ftr" sz="quarter" idx="11"/>
+          </p:nvPr>
+        </p:nvSpPr>
+        <p:spPr/>
+        <p:txBody>
+          <a:bodyPr/>
+          <a:lstStyle/>
+          <a:p>
+            <a:r>
+              <a:rPr lang="en-US" smtClean="0"/>
+              <a:t>ECEN 5060 – Final Project – Spring 2015</a:t>
+            </a:r>
+            <a:endParaRPr lang="en-US" dirty="0"/>
+          </a:p>
+        </p:txBody>
+      </p:sp>
+      <p:sp>
+        <p:nvSpPr>
+          <p:cNvPr id="6" name="Slide Number Placeholder 5"/>
+          <p:cNvSpPr>
+            <a:spLocks noGrp="1"/>
+          </p:cNvSpPr>
+          <p:nvPr>
+            <p:ph type="sldNum" sz="quarter" idx="12"/>
+          </p:nvPr>
+        </p:nvSpPr>
+        <p:spPr/>
+        <p:txBody>
+          <a:bodyPr/>
+          <a:lstStyle/>
+          <a:p>
+            <a:fld id="{66A79FD7-B063-4613-98C2-47CB42CF0D44}" type="slidenum">
+              <a:rPr lang="en-US" smtClean="0"/>
+              <a:pPr/>
+              <a:t>7</a:t>
+            </a:fld>
+            <a:endParaRPr lang="en-US" dirty="0"/>
+          </a:p>
+        </p:txBody>
+      </p:sp>
+      <p:pic>
+        <p:nvPicPr>
+          <p:cNvPr id="8" name="Picture 7"/>
+          <p:cNvPicPr>
+            <a:picLocks noChangeAspect="1"/>
+          </p:cNvPicPr>
+          <p:nvPr/>
+        </p:nvPicPr>
+        <p:blipFill>
+          <a:blip r:embed="rId2"/>
+          <a:stretch>
+            <a:fillRect/>
+          </a:stretch>
+        </p:blipFill>
+        <p:spPr>
+          <a:xfrm>
+            <a:off x="6686550" y="1514898"/>
+            <a:ext cx="5505450" cy="3425589"/>
+          </a:xfrm>
+          <a:prstGeom prst="rect">
+            <a:avLst/>
+          </a:prstGeom>
+        </p:spPr>
+      </p:pic>
+      <p:sp>
+        <p:nvSpPr>
+          <p:cNvPr id="9" name="TextBox 8"/>
+          <p:cNvSpPr txBox="1"/>
+          <p:nvPr/>
+        </p:nvSpPr>
+        <p:spPr>
+          <a:xfrm>
+            <a:off x="9526137" y="5295331"/>
+            <a:ext cx="2470245" cy="382138"/>
+          </a:xfrm>
+          <a:prstGeom prst="rect">
+            <a:avLst/>
+          </a:prstGeom>
+          <a:noFill/>
+        </p:spPr>
+        <p:txBody>
+          <a:bodyPr wrap="square" rtlCol="0">
+            <a:spAutoFit/>
+          </a:bodyPr>
+          <a:lstStyle/>
+          <a:p>
+            <a:pPr algn="ctr"/>
+            <a:r>
+              <a:rPr lang="en-US" dirty="0" smtClean="0"/>
+              <a:t>[M. Bishop]</a:t>
+            </a:r>
+            <a:endParaRPr lang="en-US" dirty="0"/>
+          </a:p>
+        </p:txBody>
+      </p:sp>
+    </p:spTree>
+    <p:extLst>
+      <p:ext uri="{BB962C8B-B14F-4D97-AF65-F5344CB8AC3E}">
+        <p14:creationId xmlns:p14="http://schemas.microsoft.com/office/powerpoint/2010/main" val="496153229"/>
+      </p:ext>
+    </p:extLst>
+  </p:cSld>
+  <p:clrMapOvr>
+    <a:masterClrMapping/>
+  </p:clrMapOvr>
+  <p:timing>
+    <p:tnLst>
+      <p:par>
+        <p:cTn id="1" dur="indefinite" restart="never" nodeType="tmRoot"/>
+      </p:par>
+    </p:tnLst>
+  </p:timing>
+</p:sld>
+</file>
+
+<file path=ppt/slides/slide8.xml><?xml version="1.0" encoding="utf-8"?>
+<p:sld xmlns:a="http://schemas.openxmlformats.org/drawingml/2006/main" xmlns:r="http://schemas.openxmlformats.org/officeDocument/2006/relationships" xmlns:p="http://schemas.openxmlformats.org/presentationml/2006/main">
+  <p:cSld>
+    <p:spTree>
+      <p:nvGrpSpPr>
+        <p:cNvPr id="1" name=""/>
+        <p:cNvGrpSpPr/>
+        <p:nvPr/>
+      </p:nvGrpSpPr>
+      <p:grpSpPr>
+        <a:xfrm>
+          <a:off x="0" y="0"/>
+          <a:ext cx="0" cy="0"/>
+          <a:chOff x="0" y="0"/>
+          <a:chExt cx="0" cy="0"/>
+        </a:xfrm>
+      </p:grpSpPr>
+      <p:sp>
+        <p:nvSpPr>
+          <p:cNvPr id="2" name="Title 1"/>
+          <p:cNvSpPr>
+            <a:spLocks noGrp="1"/>
+          </p:cNvSpPr>
+          <p:nvPr>
+            <p:ph type="title"/>
+          </p:nvPr>
+        </p:nvSpPr>
+        <p:spPr/>
+        <p:txBody>
+          <a:bodyPr/>
+          <a:lstStyle/>
+          <a:p>
+            <a:r>
+              <a:rPr lang="en-US" dirty="0" smtClean="0"/>
+              <a:t>Metropolis Sampling (a MCMC)</a:t>
+            </a:r>
+            <a:endParaRPr lang="en-US" dirty="0"/>
+          </a:p>
+        </p:txBody>
+      </p:sp>
+      <p:sp>
+        <p:nvSpPr>
+          <p:cNvPr id="3" name="Content Placeholder 2"/>
+          <p:cNvSpPr>
+            <a:spLocks noGrp="1"/>
+          </p:cNvSpPr>
+          <p:nvPr>
+            <p:ph idx="1"/>
+          </p:nvPr>
+        </p:nvSpPr>
+        <p:spPr>
+          <a:xfrm>
+            <a:off x="838200" y="1460500"/>
+            <a:ext cx="7929350" cy="4716463"/>
+          </a:xfrm>
+        </p:spPr>
+        <p:txBody>
+          <a:bodyPr>
+            <a:normAutofit/>
+          </a:bodyPr>
+          <a:lstStyle/>
+          <a:p>
+            <a:r>
+              <a:rPr lang="en-US" dirty="0"/>
+              <a:t>A common choice of the proposal is a Gaussian </a:t>
+            </a:r>
+            <a:r>
+              <a:rPr lang="en-US" dirty="0">
+                <a:solidFill>
+                  <a:srgbClr val="7030A0"/>
+                </a:solidFill>
+              </a:rPr>
+              <a:t>centered on the current </a:t>
+            </a:r>
+            <a:r>
+              <a:rPr lang="en-US" dirty="0" smtClean="0">
+                <a:solidFill>
+                  <a:srgbClr val="7030A0"/>
+                </a:solidFill>
+              </a:rPr>
+              <a:t>state</a:t>
+            </a:r>
+          </a:p>
+          <a:p>
+            <a:r>
+              <a:rPr lang="en-US" dirty="0" smtClean="0"/>
+              <a:t>An </a:t>
+            </a:r>
+            <a:r>
+              <a:rPr lang="en-US" dirty="0"/>
+              <a:t>important trade-off in determining the variance parameter of this distribution.</a:t>
+            </a:r>
+          </a:p>
+          <a:p>
+            <a:pPr lvl="1"/>
+            <a:r>
+              <a:rPr lang="en-US" dirty="0" smtClean="0"/>
+              <a:t>Too small</a:t>
+            </a:r>
+          </a:p>
+          <a:p>
+            <a:pPr lvl="2"/>
+            <a:r>
+              <a:rPr lang="en-US" dirty="0" smtClean="0"/>
+              <a:t>Proportion </a:t>
+            </a:r>
+            <a:r>
+              <a:rPr lang="en-US" dirty="0"/>
+              <a:t>of accepted transitions with be high</a:t>
+            </a:r>
+            <a:r>
+              <a:rPr lang="en-US" dirty="0" smtClean="0"/>
+              <a:t>,</a:t>
+            </a:r>
+          </a:p>
+          <a:p>
+            <a:pPr lvl="2"/>
+            <a:r>
+              <a:rPr lang="en-US" dirty="0" smtClean="0"/>
+              <a:t>Progress </a:t>
+            </a:r>
+            <a:r>
+              <a:rPr lang="en-US" dirty="0"/>
+              <a:t>through the state space takes the form of slow random walk leading to long correlation times.</a:t>
+            </a:r>
+          </a:p>
+          <a:p>
+            <a:pPr lvl="1"/>
+            <a:r>
+              <a:rPr lang="en-US" dirty="0" smtClean="0"/>
+              <a:t>Too large</a:t>
+            </a:r>
+            <a:r>
+              <a:rPr lang="en-US" dirty="0"/>
+              <a:t>, then the rejection rate will be high, leading to an inefficient sampling process. </a:t>
+            </a:r>
+          </a:p>
+          <a:p>
+            <a:endParaRPr lang="en-US" dirty="0"/>
+          </a:p>
+        </p:txBody>
+      </p:sp>
+      <p:sp>
+        <p:nvSpPr>
+          <p:cNvPr id="4" name="Date Placeholder 3"/>
+          <p:cNvSpPr>
+            <a:spLocks noGrp="1"/>
+          </p:cNvSpPr>
+          <p:nvPr>
+            <p:ph type="dt" sz="half" idx="10"/>
+          </p:nvPr>
+        </p:nvSpPr>
+        <p:spPr/>
+        <p:txBody>
+          <a:bodyPr/>
+          <a:lstStyle/>
+          <a:p>
+            <a:fld id="{8FCFD582-559D-4CA2-924E-06EA81118F1C}" type="datetime1">
+              <a:rPr lang="en-US" smtClean="0"/>
+              <a:t>4/27/2015</a:t>
+            </a:fld>
+            <a:endParaRPr lang="en-US"/>
+          </a:p>
+        </p:txBody>
+      </p:sp>
+      <p:sp>
+        <p:nvSpPr>
+          <p:cNvPr id="5" name="Footer Placeholder 4"/>
+          <p:cNvSpPr>
+            <a:spLocks noGrp="1"/>
+          </p:cNvSpPr>
+          <p:nvPr>
+            <p:ph type="ftr" sz="quarter" idx="11"/>
+          </p:nvPr>
+        </p:nvSpPr>
+        <p:spPr/>
+        <p:txBody>
+          <a:bodyPr/>
+          <a:lstStyle/>
+          <a:p>
+            <a:r>
+              <a:rPr lang="en-US" smtClean="0"/>
+              <a:t>ECEN 5060 – Final Project – Spring 2015</a:t>
+            </a:r>
+            <a:endParaRPr lang="en-US" dirty="0"/>
+          </a:p>
+        </p:txBody>
+      </p:sp>
+      <p:sp>
+        <p:nvSpPr>
+          <p:cNvPr id="6" name="Slide Number Placeholder 5"/>
+          <p:cNvSpPr>
+            <a:spLocks noGrp="1"/>
+          </p:cNvSpPr>
+          <p:nvPr>
+            <p:ph type="sldNum" sz="quarter" idx="12"/>
+          </p:nvPr>
+        </p:nvSpPr>
+        <p:spPr/>
+        <p:txBody>
+          <a:bodyPr/>
+          <a:lstStyle/>
+          <a:p>
+            <a:fld id="{66A79FD7-B063-4613-98C2-47CB42CF0D44}" type="slidenum">
+              <a:rPr lang="en-US" smtClean="0"/>
+              <a:pPr/>
+              <a:t>8</a:t>
+            </a:fld>
+            <a:endParaRPr lang="en-US" dirty="0"/>
+          </a:p>
+        </p:txBody>
+      </p:sp>
+      <p:pic>
+        <p:nvPicPr>
+          <p:cNvPr id="7" name="Picture 2"/>
+          <p:cNvPicPr>
+            <a:picLocks noChangeAspect="1" noChangeArrowheads="1"/>
+          </p:cNvPicPr>
+          <p:nvPr/>
+        </p:nvPicPr>
+        <p:blipFill>
+          <a:blip r:embed="rId3" cstate="print"/>
+          <a:srcRect/>
+          <a:stretch>
+            <a:fillRect/>
+          </a:stretch>
+        </p:blipFill>
+        <p:spPr bwMode="auto">
+          <a:xfrm>
+            <a:off x="8924500" y="1231900"/>
+            <a:ext cx="2717040" cy="2365731"/>
+          </a:xfrm>
+          <a:prstGeom prst="rect">
+            <a:avLst/>
+          </a:prstGeom>
+          <a:noFill/>
+          <a:ln w="9525">
+            <a:noFill/>
+            <a:miter lim="800000"/>
+            <a:headEnd/>
+            <a:tailEnd/>
+          </a:ln>
+        </p:spPr>
+      </p:pic>
+      <p:pic>
+        <p:nvPicPr>
+          <p:cNvPr id="9" name="Picture 8"/>
+          <p:cNvPicPr>
+            <a:picLocks noChangeAspect="1"/>
+          </p:cNvPicPr>
+          <p:nvPr/>
+        </p:nvPicPr>
+        <p:blipFill>
+          <a:blip r:embed="rId4"/>
+          <a:stretch>
+            <a:fillRect/>
+          </a:stretch>
+        </p:blipFill>
+        <p:spPr>
+          <a:xfrm>
+            <a:off x="8767550" y="3409334"/>
+            <a:ext cx="3143250" cy="3086100"/>
+          </a:xfrm>
+          <a:prstGeom prst="rect">
+            <a:avLst/>
+          </a:prstGeom>
+        </p:spPr>
+      </p:pic>
+    </p:spTree>
+    <p:extLst>
+      <p:ext uri="{BB962C8B-B14F-4D97-AF65-F5344CB8AC3E}">
+        <p14:creationId xmlns:p14="http://schemas.microsoft.com/office/powerpoint/2010/main" val="809834974"/>
+      </p:ext>
+    </p:extLst>
+  </p:cSld>
+  <p:clrMapOvr>
+    <a:masterClrMapping/>
+  </p:clrMapOvr>
+  <p:timing>
+    <p:tnLst>
+      <p:par>
+        <p:cTn id="1" dur="indefinite" restart="never" nodeType="tmRoot"/>
+      </p:par>
+    </p:tnLst>
+  </p:timing>
+</p:sld>
+</file>
+
+<file path=ppt/slides/slide9.xml><?xml version="1.0" encoding="utf-8"?>
+<p:sld xmlns:a="http://schemas.openxmlformats.org/drawingml/2006/main" xmlns:r="http://schemas.openxmlformats.org/officeDocument/2006/relationships" xmlns:p="http://schemas.openxmlformats.org/presentationml/2006/main">
+  <p:cSld>
+    <p:spTree>
+      <p:nvGrpSpPr>
+        <p:cNvPr id="1" name=""/>
+        <p:cNvGrpSpPr/>
+        <p:nvPr/>
+      </p:nvGrpSpPr>
+      <p:grpSpPr>
+        <a:xfrm>
+          <a:off x="0" y="0"/>
+          <a:ext cx="0" cy="0"/>
+          <a:chOff x="0" y="0"/>
+          <a:chExt cx="0" cy="0"/>
+        </a:xfrm>
+      </p:grpSpPr>
+      <p:sp>
+        <p:nvSpPr>
+          <p:cNvPr id="2" name="Title 1"/>
+          <p:cNvSpPr>
+            <a:spLocks noGrp="1"/>
+          </p:cNvSpPr>
+          <p:nvPr>
+            <p:ph type="title"/>
+          </p:nvPr>
+        </p:nvSpPr>
+        <p:spPr/>
+        <p:txBody>
+          <a:bodyPr/>
+          <a:lstStyle/>
+          <a:p>
+            <a:r>
+              <a:rPr lang="en-US" dirty="0" smtClean="0"/>
+              <a:t>Gibbs Sampling (another MCMC)</a:t>
+            </a:r>
+            <a:endParaRPr lang="en-US" dirty="0"/>
+          </a:p>
+        </p:txBody>
+      </p:sp>
+      <p:sp>
+        <p:nvSpPr>
+          <p:cNvPr id="3" name="Content Placeholder 2"/>
+          <p:cNvSpPr>
+            <a:spLocks noGrp="1"/>
+          </p:cNvSpPr>
+          <p:nvPr>
+            <p:ph idx="1"/>
+          </p:nvPr>
+        </p:nvSpPr>
+        <p:spPr>
+          <a:xfrm>
+            <a:off x="838200" y="1460500"/>
+            <a:ext cx="5958385" cy="4716463"/>
+          </a:xfrm>
+        </p:spPr>
+        <p:txBody>
+          <a:bodyPr/>
+          <a:lstStyle/>
+          <a:p>
+            <a:r>
+              <a:rPr lang="en-US" altLang="zh-CN" sz="2800" dirty="0"/>
+              <a:t>What is Gibbs sampling?</a:t>
+            </a:r>
+          </a:p>
+          <a:p>
+            <a:pPr lvl="1"/>
+            <a:r>
+              <a:rPr lang="en-US" altLang="zh-CN" sz="2400" dirty="0"/>
+              <a:t>It is an algorithm to generate a sequence of samples from the joint probability distribution of two or more random variables. </a:t>
+            </a:r>
+          </a:p>
+          <a:p>
+            <a:endParaRPr lang="en-US" altLang="zh-CN" sz="2800" dirty="0"/>
+          </a:p>
+          <a:p>
+            <a:r>
+              <a:rPr lang="en-US" altLang="zh-CN" sz="2800" dirty="0"/>
+              <a:t>Why do we need Gibbs sampling?</a:t>
+            </a:r>
+          </a:p>
+          <a:p>
+            <a:pPr lvl="1"/>
+            <a:r>
+              <a:rPr lang="en-US" altLang="zh-CN" sz="2400" dirty="0"/>
+              <a:t>The purpose is to approximate the joint distribution of multiple variables by sampling each variable individually and sequentially.  </a:t>
+            </a:r>
+            <a:endParaRPr lang="zh-CN" altLang="en-US" sz="2400" dirty="0"/>
+          </a:p>
+          <a:p>
+            <a:endParaRPr lang="en-US" dirty="0"/>
+          </a:p>
+        </p:txBody>
+      </p:sp>
+      <p:sp>
+        <p:nvSpPr>
+          <p:cNvPr id="4" name="Date Placeholder 3"/>
+          <p:cNvSpPr>
+            <a:spLocks noGrp="1"/>
+          </p:cNvSpPr>
+          <p:nvPr>
+            <p:ph type="dt" sz="half" idx="10"/>
+          </p:nvPr>
+        </p:nvSpPr>
+        <p:spPr/>
+        <p:txBody>
+          <a:bodyPr/>
+          <a:lstStyle/>
+          <a:p>
+            <a:fld id="{C2F7BBD6-E8DC-4BC6-A86A-F8100531DDD0}" type="datetime1">
+              <a:rPr lang="en-US" smtClean="0"/>
+              <a:t>4/27/2015</a:t>
+            </a:fld>
+            <a:endParaRPr lang="en-US"/>
+          </a:p>
+        </p:txBody>
+      </p:sp>
+      <p:sp>
+        <p:nvSpPr>
+          <p:cNvPr id="5" name="Footer Placeholder 4"/>
+          <p:cNvSpPr>
+            <a:spLocks noGrp="1"/>
+          </p:cNvSpPr>
+          <p:nvPr>
+            <p:ph type="ftr" sz="quarter" idx="11"/>
+          </p:nvPr>
+        </p:nvSpPr>
+        <p:spPr/>
+        <p:txBody>
+          <a:bodyPr/>
+          <a:lstStyle/>
+          <a:p>
+            <a:r>
+              <a:rPr lang="en-US" smtClean="0"/>
+              <a:t>ECEN 5060 – Final Project – Spring 2015</a:t>
+            </a:r>
+            <a:endParaRPr lang="en-US" dirty="0"/>
+          </a:p>
+        </p:txBody>
+      </p:sp>
+      <p:sp>
+        <p:nvSpPr>
+          <p:cNvPr id="6" name="Slide Number Placeholder 5"/>
+          <p:cNvSpPr>
+            <a:spLocks noGrp="1"/>
+          </p:cNvSpPr>
+          <p:nvPr>
+            <p:ph type="sldNum" sz="quarter" idx="12"/>
+          </p:nvPr>
+        </p:nvSpPr>
+        <p:spPr/>
+        <p:txBody>
+          <a:bodyPr/>
+          <a:lstStyle/>
+          <a:p>
+            <a:fld id="{66A79FD7-B063-4613-98C2-47CB42CF0D44}" type="slidenum">
+              <a:rPr lang="en-US" smtClean="0"/>
+              <a:pPr/>
+              <a:t>9</a:t>
+            </a:fld>
+            <a:endParaRPr lang="en-US" dirty="0"/>
+          </a:p>
+        </p:txBody>
+      </p:sp>
+      <p:pic>
+        <p:nvPicPr>
+          <p:cNvPr id="7" name="Picture 4"/>
+          <p:cNvPicPr>
+            <a:picLocks noChangeAspect="1" noChangeArrowheads="1"/>
+          </p:cNvPicPr>
+          <p:nvPr/>
+        </p:nvPicPr>
+        <p:blipFill>
+          <a:blip r:embed="rId2" cstate="print"/>
+          <a:srcRect/>
+          <a:stretch>
+            <a:fillRect/>
+          </a:stretch>
+        </p:blipFill>
+        <p:spPr bwMode="auto">
+          <a:xfrm>
+            <a:off x="6796585" y="1460500"/>
+            <a:ext cx="4943901" cy="4716463"/>
+          </a:xfrm>
+          <a:prstGeom prst="rect">
+            <a:avLst/>
+          </a:prstGeom>
+          <a:noFill/>
+          <a:ln w="9525" algn="ctr">
+            <a:noFill/>
+            <a:miter lim="800000"/>
+            <a:headEnd/>
+            <a:tailEnd/>
+          </a:ln>
+        </p:spPr>
+      </p:pic>
+    </p:spTree>
+    <p:extLst>
+      <p:ext uri="{BB962C8B-B14F-4D97-AF65-F5344CB8AC3E}">
+        <p14:creationId xmlns:p14="http://schemas.microsoft.com/office/powerpoint/2010/main" val="105212099"/>
       </p:ext>
     </p:extLst>
   </p:cSld>

--- a/report/Parallel MCMC.pptx
+++ b/report/Parallel MCMC.pptx
@@ -5,7 +5,7 @@
     <p:sldMasterId id="2147483732" r:id="rId1"/>
   </p:sldMasterIdLst>
   <p:notesMasterIdLst>
-    <p:notesMasterId r:id="rId36"/>
+    <p:notesMasterId r:id="rId37"/>
   </p:notesMasterIdLst>
   <p:sldIdLst>
     <p:sldId id="256" r:id="rId2"/>
@@ -40,8 +40,9 @@
     <p:sldId id="287" r:id="rId31"/>
     <p:sldId id="289" r:id="rId32"/>
     <p:sldId id="293" r:id="rId33"/>
-    <p:sldId id="274" r:id="rId34"/>
-    <p:sldId id="275" r:id="rId35"/>
+    <p:sldId id="294" r:id="rId34"/>
+    <p:sldId id="274" r:id="rId35"/>
+    <p:sldId id="275" r:id="rId36"/>
   </p:sldIdLst>
   <p:sldSz cx="12192000" cy="6858000"/>
   <p:notesSz cx="6858000" cy="9144000"/>
@@ -580,11 +581,11 @@
         </c:dLbls>
         <c:gapWidth val="219"/>
         <c:overlap val="-27"/>
-        <c:axId val="878241952"/>
-        <c:axId val="878242496"/>
+        <c:axId val="945900288"/>
+        <c:axId val="884736784"/>
       </c:barChart>
       <c:catAx>
-        <c:axId val="878241952"/>
+        <c:axId val="945900288"/>
         <c:scaling>
           <c:orientation val="minMax"/>
         </c:scaling>
@@ -683,7 +684,7 @@
             <a:endParaRPr lang="en-US"/>
           </a:p>
         </c:txPr>
-        <c:crossAx val="878242496"/>
+        <c:crossAx val="884736784"/>
         <c:crosses val="autoZero"/>
         <c:auto val="1"/>
         <c:lblAlgn val="ctr"/>
@@ -691,7 +692,7 @@
         <c:noMultiLvlLbl val="0"/>
       </c:catAx>
       <c:valAx>
-        <c:axId val="878242496"/>
+        <c:axId val="884736784"/>
         <c:scaling>
           <c:orientation val="minMax"/>
         </c:scaling>
@@ -798,7 +799,7 @@
             <a:endParaRPr lang="en-US"/>
           </a:p>
         </c:txPr>
-        <c:crossAx val="878241952"/>
+        <c:crossAx val="945900288"/>
         <c:crosses val="autoZero"/>
         <c:crossBetween val="between"/>
       </c:valAx>
@@ -810,6 +811,672 @@
         <a:effectLst/>
       </c:spPr>
     </c:plotArea>
+    <c:plotVisOnly val="1"/>
+    <c:dispBlanksAs val="gap"/>
+    <c:showDLblsOverMax val="0"/>
+  </c:chart>
+  <c:spPr>
+    <a:noFill/>
+    <a:ln>
+      <a:noFill/>
+    </a:ln>
+    <a:effectLst/>
+  </c:spPr>
+  <c:txPr>
+    <a:bodyPr/>
+    <a:lstStyle/>
+    <a:p>
+      <a:pPr>
+        <a:defRPr sz="2000"/>
+      </a:pPr>
+      <a:endParaRPr lang="en-US"/>
+    </a:p>
+  </c:txPr>
+  <c:externalData r:id="rId3">
+    <c:autoUpdate val="0"/>
+  </c:externalData>
+</c:chartSpace>
+</file>
+
+<file path=ppt/charts/chart10.xml><?xml version="1.0" encoding="utf-8"?>
+<c:chartSpace xmlns:c="http://schemas.openxmlformats.org/drawingml/2006/chart" xmlns:a="http://schemas.openxmlformats.org/drawingml/2006/main" xmlns:r="http://schemas.openxmlformats.org/officeDocument/2006/relationships">
+  <c:date1904 val="0"/>
+  <c:lang val="en-US"/>
+  <c:roundedCorners val="0"/>
+  <mc:AlternateContent xmlns:mc="http://schemas.openxmlformats.org/markup-compatibility/2006">
+    <mc:Choice xmlns:c14="http://schemas.microsoft.com/office/drawing/2007/8/2/chart" Requires="c14">
+      <c14:style val="102"/>
+    </mc:Choice>
+    <mc:Fallback>
+      <c:style val="2"/>
+    </mc:Fallback>
+  </mc:AlternateContent>
+  <c:chart>
+    <c:title>
+      <c:tx>
+        <c:rich>
+          <a:bodyPr rot="0" spcFirstLastPara="1" vertOverflow="ellipsis" vert="horz" wrap="square" anchor="ctr" anchorCtr="1"/>
+          <a:lstStyle/>
+          <a:p>
+            <a:pPr>
+              <a:defRPr sz="2400" b="0" i="0" u="none" strike="noStrike" kern="1200" spc="0" baseline="0">
+                <a:solidFill>
+                  <a:schemeClr val="tx1">
+                    <a:lumMod val="65000"/>
+                    <a:lumOff val="35000"/>
+                  </a:schemeClr>
+                </a:solidFill>
+                <a:latin typeface="+mn-lt"/>
+                <a:ea typeface="+mn-ea"/>
+                <a:cs typeface="+mn-cs"/>
+              </a:defRPr>
+            </a:pPr>
+            <a:r>
+              <a:rPr lang="en-US" dirty="0"/>
+              <a:t>Speedup w.r.t. Average (</a:t>
+            </a:r>
+            <a:r>
+              <a:rPr lang="en-US" dirty="0" smtClean="0"/>
+              <a:t>e=1E-30)</a:t>
+            </a:r>
+            <a:endParaRPr lang="en-US" dirty="0"/>
+          </a:p>
+        </c:rich>
+      </c:tx>
+      <c:layout/>
+      <c:overlay val="0"/>
+      <c:spPr>
+        <a:noFill/>
+        <a:ln>
+          <a:noFill/>
+        </a:ln>
+        <a:effectLst/>
+      </c:spPr>
+      <c:txPr>
+        <a:bodyPr rot="0" spcFirstLastPara="1" vertOverflow="ellipsis" vert="horz" wrap="square" anchor="ctr" anchorCtr="1"/>
+        <a:lstStyle/>
+        <a:p>
+          <a:pPr>
+            <a:defRPr sz="2400" b="0" i="0" u="none" strike="noStrike" kern="1200" spc="0" baseline="0">
+              <a:solidFill>
+                <a:schemeClr val="tx1">
+                  <a:lumMod val="65000"/>
+                  <a:lumOff val="35000"/>
+                </a:schemeClr>
+              </a:solidFill>
+              <a:latin typeface="+mn-lt"/>
+              <a:ea typeface="+mn-ea"/>
+              <a:cs typeface="+mn-cs"/>
+            </a:defRPr>
+          </a:pPr>
+          <a:endParaRPr lang="en-US"/>
+        </a:p>
+      </c:txPr>
+    </c:title>
+    <c:autoTitleDeleted val="0"/>
+    <c:plotArea>
+      <c:layout/>
+      <c:lineChart>
+        <c:grouping val="standard"/>
+        <c:varyColors val="0"/>
+        <c:ser>
+          <c:idx val="0"/>
+          <c:order val="0"/>
+          <c:tx>
+            <c:v>Speedup</c:v>
+          </c:tx>
+          <c:spPr>
+            <a:ln w="28575" cap="rnd">
+              <a:solidFill>
+                <a:schemeClr val="accent1"/>
+              </a:solidFill>
+              <a:round/>
+            </a:ln>
+            <a:effectLst/>
+          </c:spPr>
+          <c:marker>
+            <c:symbol val="square"/>
+            <c:size val="5"/>
+            <c:spPr>
+              <a:solidFill>
+                <a:schemeClr val="accent1">
+                  <a:lumMod val="75000"/>
+                </a:schemeClr>
+              </a:solidFill>
+              <a:ln w="9525">
+                <a:solidFill>
+                  <a:schemeClr val="accent1"/>
+                </a:solidFill>
+              </a:ln>
+              <a:effectLst/>
+            </c:spPr>
+          </c:marker>
+          <c:cat>
+            <c:numRef>
+              <c:f>Sheet2!$C$6:$G$6</c:f>
+              <c:numCache>
+                <c:formatCode>General</c:formatCode>
+                <c:ptCount val="5"/>
+                <c:pt idx="0">
+                  <c:v>3</c:v>
+                </c:pt>
+                <c:pt idx="1">
+                  <c:v>6</c:v>
+                </c:pt>
+                <c:pt idx="2">
+                  <c:v>12</c:v>
+                </c:pt>
+                <c:pt idx="3">
+                  <c:v>24</c:v>
+                </c:pt>
+                <c:pt idx="4">
+                  <c:v>36</c:v>
+                </c:pt>
+              </c:numCache>
+            </c:numRef>
+          </c:cat>
+          <c:val>
+            <c:numRef>
+              <c:f>Sheet2!$B$33:$G$33</c:f>
+              <c:numCache>
+                <c:formatCode>0.00</c:formatCode>
+                <c:ptCount val="6"/>
+                <c:pt idx="0">
+                  <c:v>1</c:v>
+                </c:pt>
+                <c:pt idx="1">
+                  <c:v>13.927306862401046</c:v>
+                </c:pt>
+                <c:pt idx="2">
+                  <c:v>30.893501710107792</c:v>
+                </c:pt>
+                <c:pt idx="3">
+                  <c:v>34.932999797405131</c:v>
+                </c:pt>
+                <c:pt idx="4">
+                  <c:v>57.114680782035286</c:v>
+                </c:pt>
+                <c:pt idx="5">
+                  <c:v>47.706338549933854</c:v>
+                </c:pt>
+              </c:numCache>
+            </c:numRef>
+          </c:val>
+          <c:smooth val="0"/>
+        </c:ser>
+        <c:dLbls>
+          <c:showLegendKey val="0"/>
+          <c:showVal val="0"/>
+          <c:showCatName val="0"/>
+          <c:showSerName val="0"/>
+          <c:showPercent val="0"/>
+          <c:showBubbleSize val="0"/>
+        </c:dLbls>
+        <c:marker val="1"/>
+        <c:smooth val="0"/>
+        <c:axId val="940978976"/>
+        <c:axId val="940979520"/>
+      </c:lineChart>
+      <c:lineChart>
+        <c:grouping val="standard"/>
+        <c:varyColors val="0"/>
+        <c:ser>
+          <c:idx val="1"/>
+          <c:order val="1"/>
+          <c:tx>
+            <c:v>Speedup/NP</c:v>
+          </c:tx>
+          <c:spPr>
+            <a:ln w="28575" cap="rnd">
+              <a:solidFill>
+                <a:schemeClr val="accent2"/>
+              </a:solidFill>
+              <a:round/>
+            </a:ln>
+            <a:effectLst/>
+          </c:spPr>
+          <c:marker>
+            <c:symbol val="circle"/>
+            <c:size val="5"/>
+            <c:spPr>
+              <a:solidFill>
+                <a:schemeClr val="accent2"/>
+              </a:solidFill>
+              <a:ln w="9525">
+                <a:solidFill>
+                  <a:schemeClr val="accent2"/>
+                </a:solidFill>
+              </a:ln>
+              <a:effectLst/>
+            </c:spPr>
+          </c:marker>
+          <c:val>
+            <c:numRef>
+              <c:f>Sheet2!$B$34:$G$34</c:f>
+              <c:numCache>
+                <c:formatCode>0.00</c:formatCode>
+                <c:ptCount val="6"/>
+                <c:pt idx="0">
+                  <c:v>1</c:v>
+                </c:pt>
+                <c:pt idx="1">
+                  <c:v>6.9636534312005232</c:v>
+                </c:pt>
+                <c:pt idx="2">
+                  <c:v>10.297833903369265</c:v>
+                </c:pt>
+                <c:pt idx="3">
+                  <c:v>5.8221666329008555</c:v>
+                </c:pt>
+                <c:pt idx="4">
+                  <c:v>4.7595567318362741</c:v>
+                </c:pt>
+                <c:pt idx="5">
+                  <c:v>1.3251760708314959</c:v>
+                </c:pt>
+              </c:numCache>
+            </c:numRef>
+          </c:val>
+          <c:smooth val="0"/>
+        </c:ser>
+        <c:dLbls>
+          <c:showLegendKey val="0"/>
+          <c:showVal val="0"/>
+          <c:showCatName val="0"/>
+          <c:showSerName val="0"/>
+          <c:showPercent val="0"/>
+          <c:showBubbleSize val="0"/>
+        </c:dLbls>
+        <c:marker val="1"/>
+        <c:smooth val="0"/>
+        <c:axId val="940980608"/>
+        <c:axId val="940980064"/>
+      </c:lineChart>
+      <c:catAx>
+        <c:axId val="940978976"/>
+        <c:scaling>
+          <c:orientation val="minMax"/>
+        </c:scaling>
+        <c:delete val="0"/>
+        <c:axPos val="b"/>
+        <c:title>
+          <c:tx>
+            <c:rich>
+              <a:bodyPr rot="0" spcFirstLastPara="1" vertOverflow="ellipsis" vert="horz" wrap="square" anchor="ctr" anchorCtr="1"/>
+              <a:lstStyle/>
+              <a:p>
+                <a:pPr>
+                  <a:defRPr sz="2000" b="0" i="0" u="none" strike="noStrike" kern="1200" baseline="0">
+                    <a:solidFill>
+                      <a:schemeClr val="tx1">
+                        <a:lumMod val="65000"/>
+                        <a:lumOff val="35000"/>
+                      </a:schemeClr>
+                    </a:solidFill>
+                    <a:latin typeface="+mn-lt"/>
+                    <a:ea typeface="+mn-ea"/>
+                    <a:cs typeface="+mn-cs"/>
+                  </a:defRPr>
+                </a:pPr>
+                <a:r>
+                  <a:rPr lang="en-US"/>
+                  <a:t>Number of MPI Processes</a:t>
+                </a:r>
+              </a:p>
+            </c:rich>
+          </c:tx>
+          <c:layout/>
+          <c:overlay val="0"/>
+          <c:spPr>
+            <a:noFill/>
+            <a:ln>
+              <a:noFill/>
+            </a:ln>
+            <a:effectLst/>
+          </c:spPr>
+          <c:txPr>
+            <a:bodyPr rot="0" spcFirstLastPara="1" vertOverflow="ellipsis" vert="horz" wrap="square" anchor="ctr" anchorCtr="1"/>
+            <a:lstStyle/>
+            <a:p>
+              <a:pPr>
+                <a:defRPr sz="2000" b="0" i="0" u="none" strike="noStrike" kern="1200" baseline="0">
+                  <a:solidFill>
+                    <a:schemeClr val="tx1">
+                      <a:lumMod val="65000"/>
+                      <a:lumOff val="35000"/>
+                    </a:schemeClr>
+                  </a:solidFill>
+                  <a:latin typeface="+mn-lt"/>
+                  <a:ea typeface="+mn-ea"/>
+                  <a:cs typeface="+mn-cs"/>
+                </a:defRPr>
+              </a:pPr>
+              <a:endParaRPr lang="en-US"/>
+            </a:p>
+          </c:txPr>
+        </c:title>
+        <c:numFmt formatCode="General" sourceLinked="1"/>
+        <c:majorTickMark val="none"/>
+        <c:minorTickMark val="none"/>
+        <c:tickLblPos val="nextTo"/>
+        <c:spPr>
+          <a:noFill/>
+          <a:ln w="9525" cap="flat" cmpd="sng" algn="ctr">
+            <a:solidFill>
+              <a:schemeClr val="tx1">
+                <a:lumMod val="15000"/>
+                <a:lumOff val="85000"/>
+              </a:schemeClr>
+            </a:solidFill>
+            <a:round/>
+          </a:ln>
+          <a:effectLst/>
+        </c:spPr>
+        <c:txPr>
+          <a:bodyPr rot="-60000000" spcFirstLastPara="1" vertOverflow="ellipsis" vert="horz" wrap="square" anchor="ctr" anchorCtr="1"/>
+          <a:lstStyle/>
+          <a:p>
+            <a:pPr>
+              <a:defRPr sz="2000" b="0" i="0" u="none" strike="noStrike" kern="1200" baseline="0">
+                <a:solidFill>
+                  <a:schemeClr val="tx1">
+                    <a:lumMod val="65000"/>
+                    <a:lumOff val="35000"/>
+                  </a:schemeClr>
+                </a:solidFill>
+                <a:latin typeface="+mn-lt"/>
+                <a:ea typeface="+mn-ea"/>
+                <a:cs typeface="+mn-cs"/>
+              </a:defRPr>
+            </a:pPr>
+            <a:endParaRPr lang="en-US"/>
+          </a:p>
+        </c:txPr>
+        <c:crossAx val="940979520"/>
+        <c:crosses val="autoZero"/>
+        <c:auto val="1"/>
+        <c:lblAlgn val="ctr"/>
+        <c:lblOffset val="100"/>
+        <c:noMultiLvlLbl val="0"/>
+      </c:catAx>
+      <c:valAx>
+        <c:axId val="940979520"/>
+        <c:scaling>
+          <c:orientation val="minMax"/>
+        </c:scaling>
+        <c:delete val="0"/>
+        <c:axPos val="l"/>
+        <c:majorGridlines>
+          <c:spPr>
+            <a:ln w="9525" cap="flat" cmpd="sng" algn="ctr">
+              <a:solidFill>
+                <a:schemeClr val="tx1">
+                  <a:lumMod val="15000"/>
+                  <a:lumOff val="85000"/>
+                </a:schemeClr>
+              </a:solidFill>
+              <a:round/>
+            </a:ln>
+            <a:effectLst/>
+          </c:spPr>
+        </c:majorGridlines>
+        <c:title>
+          <c:tx>
+            <c:rich>
+              <a:bodyPr rot="-5400000" spcFirstLastPara="1" vertOverflow="ellipsis" vert="horz" wrap="square" anchor="ctr" anchorCtr="1"/>
+              <a:lstStyle/>
+              <a:p>
+                <a:pPr>
+                  <a:defRPr sz="2000" b="0" i="0" u="none" strike="noStrike" kern="1200" baseline="0">
+                    <a:solidFill>
+                      <a:schemeClr val="tx1">
+                        <a:lumMod val="65000"/>
+                        <a:lumOff val="35000"/>
+                      </a:schemeClr>
+                    </a:solidFill>
+                    <a:latin typeface="+mn-lt"/>
+                    <a:ea typeface="+mn-ea"/>
+                    <a:cs typeface="+mn-cs"/>
+                  </a:defRPr>
+                </a:pPr>
+                <a:r>
+                  <a:rPr lang="en-US"/>
+                  <a:t>Multiplier relative to NP=1</a:t>
+                </a:r>
+              </a:p>
+            </c:rich>
+          </c:tx>
+          <c:layout/>
+          <c:overlay val="0"/>
+          <c:spPr>
+            <a:noFill/>
+            <a:ln>
+              <a:noFill/>
+            </a:ln>
+            <a:effectLst/>
+          </c:spPr>
+          <c:txPr>
+            <a:bodyPr rot="-5400000" spcFirstLastPara="1" vertOverflow="ellipsis" vert="horz" wrap="square" anchor="ctr" anchorCtr="1"/>
+            <a:lstStyle/>
+            <a:p>
+              <a:pPr>
+                <a:defRPr sz="2000" b="0" i="0" u="none" strike="noStrike" kern="1200" baseline="0">
+                  <a:solidFill>
+                    <a:schemeClr val="tx1">
+                      <a:lumMod val="65000"/>
+                      <a:lumOff val="35000"/>
+                    </a:schemeClr>
+                  </a:solidFill>
+                  <a:latin typeface="+mn-lt"/>
+                  <a:ea typeface="+mn-ea"/>
+                  <a:cs typeface="+mn-cs"/>
+                </a:defRPr>
+              </a:pPr>
+              <a:endParaRPr lang="en-US"/>
+            </a:p>
+          </c:txPr>
+        </c:title>
+        <c:numFmt formatCode="0.00" sourceLinked="1"/>
+        <c:majorTickMark val="none"/>
+        <c:minorTickMark val="none"/>
+        <c:tickLblPos val="nextTo"/>
+        <c:spPr>
+          <a:noFill/>
+          <a:ln>
+            <a:noFill/>
+          </a:ln>
+          <a:effectLst/>
+        </c:spPr>
+        <c:txPr>
+          <a:bodyPr rot="-60000000" spcFirstLastPara="1" vertOverflow="ellipsis" vert="horz" wrap="square" anchor="ctr" anchorCtr="1"/>
+          <a:lstStyle/>
+          <a:p>
+            <a:pPr>
+              <a:defRPr sz="2000" b="0" i="0" u="none" strike="noStrike" kern="1200" baseline="0">
+                <a:solidFill>
+                  <a:schemeClr val="tx1">
+                    <a:lumMod val="65000"/>
+                    <a:lumOff val="35000"/>
+                  </a:schemeClr>
+                </a:solidFill>
+                <a:latin typeface="+mn-lt"/>
+                <a:ea typeface="+mn-ea"/>
+                <a:cs typeface="+mn-cs"/>
+              </a:defRPr>
+            </a:pPr>
+            <a:endParaRPr lang="en-US"/>
+          </a:p>
+        </c:txPr>
+        <c:crossAx val="940978976"/>
+        <c:crosses val="autoZero"/>
+        <c:crossBetween val="between"/>
+      </c:valAx>
+      <c:valAx>
+        <c:axId val="940980064"/>
+        <c:scaling>
+          <c:orientation val="minMax"/>
+        </c:scaling>
+        <c:delete val="0"/>
+        <c:axPos val="r"/>
+        <c:title>
+          <c:tx>
+            <c:rich>
+              <a:bodyPr rot="-5400000" spcFirstLastPara="1" vertOverflow="ellipsis" vert="horz" wrap="square" anchor="ctr" anchorCtr="1"/>
+              <a:lstStyle/>
+              <a:p>
+                <a:pPr>
+                  <a:defRPr sz="2000" b="0" i="0" u="none" strike="noStrike" kern="1200" baseline="0">
+                    <a:solidFill>
+                      <a:schemeClr val="tx1">
+                        <a:lumMod val="65000"/>
+                        <a:lumOff val="35000"/>
+                      </a:schemeClr>
+                    </a:solidFill>
+                    <a:latin typeface="+mn-lt"/>
+                    <a:ea typeface="+mn-ea"/>
+                    <a:cs typeface="+mn-cs"/>
+                  </a:defRPr>
+                </a:pPr>
+                <a:r>
+                  <a:rPr lang="en-US"/>
+                  <a:t>Multiplier / NP</a:t>
+                </a:r>
+              </a:p>
+            </c:rich>
+          </c:tx>
+          <c:layout/>
+          <c:overlay val="0"/>
+          <c:spPr>
+            <a:noFill/>
+            <a:ln>
+              <a:noFill/>
+            </a:ln>
+            <a:effectLst/>
+          </c:spPr>
+          <c:txPr>
+            <a:bodyPr rot="-5400000" spcFirstLastPara="1" vertOverflow="ellipsis" vert="horz" wrap="square" anchor="ctr" anchorCtr="1"/>
+            <a:lstStyle/>
+            <a:p>
+              <a:pPr>
+                <a:defRPr sz="2000" b="0" i="0" u="none" strike="noStrike" kern="1200" baseline="0">
+                  <a:solidFill>
+                    <a:schemeClr val="tx1">
+                      <a:lumMod val="65000"/>
+                      <a:lumOff val="35000"/>
+                    </a:schemeClr>
+                  </a:solidFill>
+                  <a:latin typeface="+mn-lt"/>
+                  <a:ea typeface="+mn-ea"/>
+                  <a:cs typeface="+mn-cs"/>
+                </a:defRPr>
+              </a:pPr>
+              <a:endParaRPr lang="en-US"/>
+            </a:p>
+          </c:txPr>
+        </c:title>
+        <c:numFmt formatCode="0.00" sourceLinked="1"/>
+        <c:majorTickMark val="out"/>
+        <c:minorTickMark val="none"/>
+        <c:tickLblPos val="nextTo"/>
+        <c:spPr>
+          <a:noFill/>
+          <a:ln>
+            <a:noFill/>
+          </a:ln>
+          <a:effectLst/>
+        </c:spPr>
+        <c:txPr>
+          <a:bodyPr rot="-60000000" spcFirstLastPara="1" vertOverflow="ellipsis" vert="horz" wrap="square" anchor="ctr" anchorCtr="1"/>
+          <a:lstStyle/>
+          <a:p>
+            <a:pPr>
+              <a:defRPr sz="2000" b="0" i="0" u="none" strike="noStrike" kern="1200" baseline="0">
+                <a:solidFill>
+                  <a:schemeClr val="tx1">
+                    <a:lumMod val="65000"/>
+                    <a:lumOff val="35000"/>
+                  </a:schemeClr>
+                </a:solidFill>
+                <a:latin typeface="+mn-lt"/>
+                <a:ea typeface="+mn-ea"/>
+                <a:cs typeface="+mn-cs"/>
+              </a:defRPr>
+            </a:pPr>
+            <a:endParaRPr lang="en-US"/>
+          </a:p>
+        </c:txPr>
+        <c:crossAx val="940980608"/>
+        <c:crosses val="max"/>
+        <c:crossBetween val="between"/>
+      </c:valAx>
+      <c:catAx>
+        <c:axId val="940980608"/>
+        <c:scaling>
+          <c:orientation val="minMax"/>
+        </c:scaling>
+        <c:delete val="1"/>
+        <c:axPos val="b"/>
+        <c:majorTickMark val="out"/>
+        <c:minorTickMark val="none"/>
+        <c:tickLblPos val="nextTo"/>
+        <c:crossAx val="940980064"/>
+        <c:crosses val="autoZero"/>
+        <c:auto val="1"/>
+        <c:lblAlgn val="ctr"/>
+        <c:lblOffset val="100"/>
+        <c:noMultiLvlLbl val="0"/>
+      </c:catAx>
+      <c:spPr>
+        <a:noFill/>
+        <a:ln>
+          <a:noFill/>
+        </a:ln>
+        <a:effectLst/>
+      </c:spPr>
+    </c:plotArea>
+    <c:legend>
+      <c:legendPos val="r"/>
+      <c:layout>
+        <c:manualLayout>
+          <c:xMode val="edge"/>
+          <c:yMode val="edge"/>
+          <c:x val="0.1148626148293963"/>
+          <c:y val="0.1011644253973181"/>
+          <c:w val="0.23973274602008182"/>
+          <c:h val="0.15625109361329836"/>
+        </c:manualLayout>
+      </c:layout>
+      <c:overlay val="1"/>
+      <c:spPr>
+        <a:solidFill>
+          <a:schemeClr val="bg1"/>
+        </a:solidFill>
+        <a:ln>
+          <a:noFill/>
+        </a:ln>
+        <a:effectLst/>
+      </c:spPr>
+      <c:txPr>
+        <a:bodyPr rot="0" spcFirstLastPara="1" vertOverflow="ellipsis" vert="horz" wrap="square" anchor="ctr" anchorCtr="1"/>
+        <a:lstStyle/>
+        <a:p>
+          <a:pPr>
+            <a:defRPr sz="2000" b="0" i="0" u="none" strike="noStrike" kern="1200" baseline="0">
+              <a:solidFill>
+                <a:schemeClr val="tx1">
+                  <a:lumMod val="65000"/>
+                  <a:lumOff val="35000"/>
+                </a:schemeClr>
+              </a:solidFill>
+              <a:latin typeface="+mn-lt"/>
+              <a:ea typeface="+mn-ea"/>
+              <a:cs typeface="+mn-cs"/>
+            </a:defRPr>
+          </a:pPr>
+          <a:endParaRPr lang="en-US"/>
+        </a:p>
+      </c:txPr>
+    </c:legend>
     <c:plotVisOnly val="1"/>
     <c:dispBlanksAs val="gap"/>
     <c:showDLblsOverMax val="0"/>
@@ -1220,11 +1887,11 @@
             <a:effectLst/>
           </c:spPr>
         </c:hiLowLines>
-        <c:axId val="938108112"/>
-        <c:axId val="944300096"/>
+        <c:axId val="875485680"/>
+        <c:axId val="875482960"/>
       </c:stockChart>
       <c:catAx>
-        <c:axId val="938108112"/>
+        <c:axId val="875485680"/>
         <c:scaling>
           <c:orientation val="minMax"/>
         </c:scaling>
@@ -1323,7 +1990,7 @@
             <a:endParaRPr lang="en-US"/>
           </a:p>
         </c:txPr>
-        <c:crossAx val="944300096"/>
+        <c:crossAx val="875482960"/>
         <c:crosses val="autoZero"/>
         <c:auto val="1"/>
         <c:lblAlgn val="ctr"/>
@@ -1331,7 +1998,7 @@
         <c:noMultiLvlLbl val="0"/>
       </c:catAx>
       <c:valAx>
-        <c:axId val="944300096"/>
+        <c:axId val="875482960"/>
         <c:scaling>
           <c:orientation val="minMax"/>
         </c:scaling>
@@ -1452,7 +2119,7 @@
             <a:endParaRPr lang="en-US"/>
           </a:p>
         </c:txPr>
-        <c:crossAx val="938108112"/>
+        <c:crossAx val="875485680"/>
         <c:crosses val="autoZero"/>
         <c:crossBetween val="between"/>
       </c:valAx>
@@ -1997,11 +2664,11 @@
         </c:dLbls>
         <c:gapWidth val="219"/>
         <c:overlap val="-27"/>
-        <c:axId val="944289760"/>
-        <c:axId val="944291936"/>
+        <c:axId val="875481872"/>
+        <c:axId val="875480240"/>
       </c:barChart>
       <c:catAx>
-        <c:axId val="944289760"/>
+        <c:axId val="875481872"/>
         <c:scaling>
           <c:orientation val="minMax"/>
         </c:scaling>
@@ -2100,7 +2767,7 @@
             <a:endParaRPr lang="en-US"/>
           </a:p>
         </c:txPr>
-        <c:crossAx val="944291936"/>
+        <c:crossAx val="875480240"/>
         <c:crosses val="autoZero"/>
         <c:auto val="1"/>
         <c:lblAlgn val="ctr"/>
@@ -2108,7 +2775,7 @@
         <c:noMultiLvlLbl val="0"/>
       </c:catAx>
       <c:valAx>
-        <c:axId val="944291936"/>
+        <c:axId val="875480240"/>
         <c:scaling>
           <c:orientation val="minMax"/>
         </c:scaling>
@@ -2215,7 +2882,7 @@
             <a:endParaRPr lang="en-US"/>
           </a:p>
         </c:txPr>
-        <c:crossAx val="944289760"/>
+        <c:crossAx val="875481872"/>
         <c:crosses val="autoZero"/>
         <c:crossBetween val="between"/>
       </c:valAx>
@@ -2370,14 +3037,7 @@
           </c:marker>
           <c:cat>
             <c:numRef>
-              <c:extLst>
-                <c:ext xmlns:c15="http://schemas.microsoft.com/office/drawing/2012/chart" uri="{02D57815-91ED-43cb-92C2-25804820EDAC}">
-                  <c15:fullRef>
-                    <c15:sqref>Sheet2!$B$6:$G$6</c15:sqref>
-                  </c15:fullRef>
-                </c:ext>
-              </c:extLst>
-              <c:f>Sheet2!$C$6:$G$6</c:f>
+              <c:f>Sheet2!$B$6:$G$6</c:f>
               <c:numCache>
                 <c:formatCode>General</c:formatCode>
                 <c:ptCount val="5"/>
@@ -2397,18 +3057,12 @@
                   <c:v>36</c:v>
                 </c:pt>
               </c:numCache>
+              <c:extLst/>
             </c:numRef>
           </c:cat>
           <c:val>
             <c:numRef>
-              <c:extLst>
-                <c:ext xmlns:c15="http://schemas.microsoft.com/office/drawing/2012/chart" uri="{02D57815-91ED-43cb-92C2-25804820EDAC}">
-                  <c15:fullRef>
-                    <c15:sqref>Sheet2!$B$29:$G$29</c15:sqref>
-                  </c15:fullRef>
-                </c:ext>
-              </c:extLst>
-              <c:f>Sheet2!$C$29:$G$29</c:f>
+              <c:f>Sheet2!$B$29:$G$29</c:f>
               <c:numCache>
                 <c:formatCode>0.00</c:formatCode>
                 <c:ptCount val="5"/>
@@ -2428,6 +3082,7 @@
                   <c:v>2.1013191560000002</c:v>
                 </c:pt>
               </c:numCache>
+              <c:extLst/>
             </c:numRef>
           </c:val>
           <c:smooth val="0"/>
@@ -2468,14 +3123,7 @@
           </c:marker>
           <c:cat>
             <c:numRef>
-              <c:extLst>
-                <c:ext xmlns:c15="http://schemas.microsoft.com/office/drawing/2012/chart" uri="{02D57815-91ED-43cb-92C2-25804820EDAC}">
-                  <c15:fullRef>
-                    <c15:sqref>Sheet2!$B$6:$G$6</c15:sqref>
-                  </c15:fullRef>
-                </c:ext>
-              </c:extLst>
-              <c:f>Sheet2!$C$6:$G$6</c:f>
+              <c:f>Sheet2!$B$6:$G$6</c:f>
               <c:numCache>
                 <c:formatCode>General</c:formatCode>
                 <c:ptCount val="5"/>
@@ -2495,18 +3143,12 @@
                   <c:v>36</c:v>
                 </c:pt>
               </c:numCache>
+              <c:extLst/>
             </c:numRef>
           </c:cat>
           <c:val>
             <c:numRef>
-              <c:extLst>
-                <c:ext xmlns:c15="http://schemas.microsoft.com/office/drawing/2012/chart" uri="{02D57815-91ED-43cb-92C2-25804820EDAC}">
-                  <c15:fullRef>
-                    <c15:sqref>Sheet2!$B$30:$G$30</c15:sqref>
-                  </c15:fullRef>
-                </c:ext>
-              </c:extLst>
-              <c:f>Sheet2!$C$30:$G$30</c:f>
+              <c:f>Sheet2!$B$30:$G$30</c:f>
               <c:numCache>
                 <c:formatCode>0.00</c:formatCode>
                 <c:ptCount val="5"/>
@@ -2526,6 +3168,7 @@
                   <c:v>1.1488294400000001</c:v>
                 </c:pt>
               </c:numCache>
+              <c:extLst/>
             </c:numRef>
           </c:val>
           <c:smooth val="0"/>
@@ -2576,14 +3219,7 @@
           </c:marker>
           <c:cat>
             <c:numRef>
-              <c:extLst>
-                <c:ext xmlns:c15="http://schemas.microsoft.com/office/drawing/2012/chart" uri="{02D57815-91ED-43cb-92C2-25804820EDAC}">
-                  <c15:fullRef>
-                    <c15:sqref>Sheet2!$B$6:$G$6</c15:sqref>
-                  </c15:fullRef>
-                </c:ext>
-              </c:extLst>
-              <c:f>Sheet2!$C$6:$G$6</c:f>
+              <c:f>Sheet2!$B$6:$G$6</c:f>
               <c:numCache>
                 <c:formatCode>General</c:formatCode>
                 <c:ptCount val="5"/>
@@ -2603,18 +3239,12 @@
                   <c:v>36</c:v>
                 </c:pt>
               </c:numCache>
+              <c:extLst/>
             </c:numRef>
           </c:cat>
           <c:val>
             <c:numRef>
-              <c:extLst>
-                <c:ext xmlns:c15="http://schemas.microsoft.com/office/drawing/2012/chart" uri="{02D57815-91ED-43cb-92C2-25804820EDAC}">
-                  <c15:fullRef>
-                    <c15:sqref>Sheet2!$B$31:$G$31</c15:sqref>
-                  </c15:fullRef>
-                </c:ext>
-              </c:extLst>
-              <c:f>Sheet2!$C$31:$G$31</c:f>
+              <c:f>Sheet2!$B$31:$G$31</c:f>
               <c:numCache>
                 <c:formatCode>0.00</c:formatCode>
                 <c:ptCount val="5"/>
@@ -2634,6 +3264,7 @@
                   <c:v>1.4143017904000001</c:v>
                 </c:pt>
               </c:numCache>
+              <c:extLst/>
             </c:numRef>
           </c:val>
           <c:smooth val="0"/>
@@ -2662,11 +3293,11 @@
             <a:effectLst/>
           </c:spPr>
         </c:hiLowLines>
-        <c:axId val="686709808"/>
-        <c:axId val="686708176"/>
+        <c:axId val="875483504"/>
+        <c:axId val="875484048"/>
       </c:stockChart>
       <c:catAx>
-        <c:axId val="686709808"/>
+        <c:axId val="875483504"/>
         <c:scaling>
           <c:orientation val="minMax"/>
         </c:scaling>
@@ -2765,7 +3396,7 @@
             <a:endParaRPr lang="en-US"/>
           </a:p>
         </c:txPr>
-        <c:crossAx val="686708176"/>
+        <c:crossAx val="875484048"/>
         <c:crosses val="autoZero"/>
         <c:auto val="1"/>
         <c:lblAlgn val="ctr"/>
@@ -2773,7 +3404,7 @@
         <c:noMultiLvlLbl val="0"/>
       </c:catAx>
       <c:valAx>
-        <c:axId val="686708176"/>
+        <c:axId val="875484048"/>
         <c:scaling>
           <c:orientation val="minMax"/>
         </c:scaling>
@@ -2894,7 +3525,7 @@
             <a:endParaRPr lang="en-US"/>
           </a:p>
         </c:txPr>
-        <c:crossAx val="686709808"/>
+        <c:crossAx val="875483504"/>
         <c:crosses val="autoZero"/>
         <c:crossBetween val="between"/>
       </c:valAx>
@@ -3753,11 +4384,11 @@
         </c:dLbls>
         <c:gapWidth val="219"/>
         <c:overlap val="-27"/>
-        <c:axId val="940977888"/>
-        <c:axId val="940976256"/>
+        <c:axId val="875479152"/>
+        <c:axId val="875479696"/>
       </c:barChart>
       <c:catAx>
-        <c:axId val="940977888"/>
+        <c:axId val="875479152"/>
         <c:scaling>
           <c:orientation val="minMax"/>
         </c:scaling>
@@ -3856,7 +4487,7 @@
             <a:endParaRPr lang="en-US"/>
           </a:p>
         </c:txPr>
-        <c:crossAx val="940976256"/>
+        <c:crossAx val="875479696"/>
         <c:crosses val="autoZero"/>
         <c:auto val="1"/>
         <c:lblAlgn val="ctr"/>
@@ -3864,7 +4495,7 @@
         <c:noMultiLvlLbl val="0"/>
       </c:catAx>
       <c:valAx>
-        <c:axId val="940976256"/>
+        <c:axId val="875479696"/>
         <c:scaling>
           <c:orientation val="minMax"/>
           <c:max val="180"/>
@@ -3972,7 +4603,7 @@
             <a:endParaRPr lang="en-US"/>
           </a:p>
         </c:txPr>
-        <c:crossAx val="940977888"/>
+        <c:crossAx val="875479152"/>
         <c:crosses val="autoZero"/>
         <c:crossBetween val="between"/>
       </c:valAx>
@@ -4569,11 +5200,11 @@
             <a:effectLst/>
           </c:spPr>
         </c:hiLowLines>
-        <c:axId val="937461152"/>
-        <c:axId val="937463328"/>
+        <c:axId val="941754816"/>
+        <c:axId val="941755360"/>
       </c:stockChart>
       <c:catAx>
-        <c:axId val="937461152"/>
+        <c:axId val="941754816"/>
         <c:scaling>
           <c:orientation val="minMax"/>
         </c:scaling>
@@ -4672,7 +5303,7 @@
             <a:endParaRPr lang="en-US"/>
           </a:p>
         </c:txPr>
-        <c:crossAx val="937463328"/>
+        <c:crossAx val="941755360"/>
         <c:crosses val="autoZero"/>
         <c:auto val="1"/>
         <c:lblAlgn val="ctr"/>
@@ -4680,7 +5311,7 @@
         <c:noMultiLvlLbl val="0"/>
       </c:catAx>
       <c:valAx>
-        <c:axId val="937463328"/>
+        <c:axId val="941755360"/>
         <c:scaling>
           <c:orientation val="minMax"/>
         </c:scaling>
@@ -4801,7 +5432,7 @@
             <a:endParaRPr lang="en-US"/>
           </a:p>
         </c:txPr>
-        <c:crossAx val="937461152"/>
+        <c:crossAx val="941754816"/>
         <c:crosses val="autoZero"/>
         <c:crossBetween val="between"/>
       </c:valAx>
@@ -4975,14 +5606,7 @@
           <c:invertIfNegative val="0"/>
           <c:cat>
             <c:numRef>
-              <c:extLst>
-                <c:ext xmlns:c15="http://schemas.microsoft.com/office/drawing/2012/chart" uri="{02D57815-91ED-43cb-92C2-25804820EDAC}">
-                  <c15:fullRef>
-                    <c15:sqref>Sheet2!$B$6:$G$6</c15:sqref>
-                  </c15:fullRef>
-                </c:ext>
-              </c:extLst>
-              <c:f>Sheet2!$D$6:$G$6</c:f>
+              <c:f>Sheet2!$B$6:$G$6</c:f>
               <c:numCache>
                 <c:formatCode>General</c:formatCode>
                 <c:ptCount val="4"/>
@@ -4999,18 +5623,12 @@
                   <c:v>36</c:v>
                 </c:pt>
               </c:numCache>
+              <c:extLst/>
             </c:numRef>
           </c:cat>
           <c:val>
             <c:numRef>
-              <c:extLst>
-                <c:ext xmlns:c15="http://schemas.microsoft.com/office/drawing/2012/chart" uri="{02D57815-91ED-43cb-92C2-25804820EDAC}">
-                  <c15:fullRef>
-                    <c15:sqref>Sheet2!$B$7:$G$7</c15:sqref>
-                  </c15:fullRef>
-                </c:ext>
-              </c:extLst>
-              <c:f>Sheet2!$D$7:$G$7</c:f>
+              <c:f>Sheet2!$B$7:$G$7</c:f>
               <c:numCache>
                 <c:formatCode>0.000</c:formatCode>
                 <c:ptCount val="4"/>
@@ -5027,6 +5645,7 @@
                   <c:v>4.6399999999999997</c:v>
                 </c:pt>
               </c:numCache>
+              <c:extLst/>
             </c:numRef>
           </c:val>
         </c:ser>
@@ -5045,14 +5664,7 @@
           <c:invertIfNegative val="0"/>
           <c:cat>
             <c:numRef>
-              <c:extLst>
-                <c:ext xmlns:c15="http://schemas.microsoft.com/office/drawing/2012/chart" uri="{02D57815-91ED-43cb-92C2-25804820EDAC}">
-                  <c15:fullRef>
-                    <c15:sqref>Sheet2!$B$6:$G$6</c15:sqref>
-                  </c15:fullRef>
-                </c:ext>
-              </c:extLst>
-              <c:f>Sheet2!$D$6:$G$6</c:f>
+              <c:f>Sheet2!$B$6:$G$6</c:f>
               <c:numCache>
                 <c:formatCode>General</c:formatCode>
                 <c:ptCount val="4"/>
@@ -5069,18 +5681,12 @@
                   <c:v>36</c:v>
                 </c:pt>
               </c:numCache>
+              <c:extLst/>
             </c:numRef>
           </c:cat>
           <c:val>
             <c:numRef>
-              <c:extLst>
-                <c:ext xmlns:c15="http://schemas.microsoft.com/office/drawing/2012/chart" uri="{02D57815-91ED-43cb-92C2-25804820EDAC}">
-                  <c15:fullRef>
-                    <c15:sqref>Sheet2!$B$8:$G$8</c15:sqref>
-                  </c15:fullRef>
-                </c:ext>
-              </c:extLst>
-              <c:f>Sheet2!$D$8:$G$8</c:f>
+              <c:f>Sheet2!$B$8:$G$8</c:f>
               <c:numCache>
                 <c:formatCode>0.000</c:formatCode>
                 <c:ptCount val="4"/>
@@ -5097,6 +5703,7 @@
                   <c:v>3.5609999999999999</c:v>
                 </c:pt>
               </c:numCache>
+              <c:extLst/>
             </c:numRef>
           </c:val>
         </c:ser>
@@ -5115,14 +5722,7 @@
           <c:invertIfNegative val="0"/>
           <c:cat>
             <c:numRef>
-              <c:extLst>
-                <c:ext xmlns:c15="http://schemas.microsoft.com/office/drawing/2012/chart" uri="{02D57815-91ED-43cb-92C2-25804820EDAC}">
-                  <c15:fullRef>
-                    <c15:sqref>Sheet2!$B$6:$G$6</c15:sqref>
-                  </c15:fullRef>
-                </c:ext>
-              </c:extLst>
-              <c:f>Sheet2!$D$6:$G$6</c:f>
+              <c:f>Sheet2!$B$6:$G$6</c:f>
               <c:numCache>
                 <c:formatCode>General</c:formatCode>
                 <c:ptCount val="4"/>
@@ -5139,18 +5739,12 @@
                   <c:v>36</c:v>
                 </c:pt>
               </c:numCache>
+              <c:extLst/>
             </c:numRef>
           </c:cat>
           <c:val>
             <c:numRef>
-              <c:extLst>
-                <c:ext xmlns:c15="http://schemas.microsoft.com/office/drawing/2012/chart" uri="{02D57815-91ED-43cb-92C2-25804820EDAC}">
-                  <c15:fullRef>
-                    <c15:sqref>Sheet2!$B$9:$G$9</c15:sqref>
-                  </c15:fullRef>
-                </c:ext>
-              </c:extLst>
-              <c:f>Sheet2!$D$9:$G$9</c:f>
+              <c:f>Sheet2!$B$9:$G$9</c:f>
               <c:numCache>
                 <c:formatCode>0.000</c:formatCode>
                 <c:ptCount val="4"/>
@@ -5167,6 +5761,7 @@
                   <c:v>5.0629999999999997</c:v>
                 </c:pt>
               </c:numCache>
+              <c:extLst/>
             </c:numRef>
           </c:val>
         </c:ser>
@@ -5185,14 +5780,7 @@
           <c:invertIfNegative val="0"/>
           <c:cat>
             <c:numRef>
-              <c:extLst>
-                <c:ext xmlns:c15="http://schemas.microsoft.com/office/drawing/2012/chart" uri="{02D57815-91ED-43cb-92C2-25804820EDAC}">
-                  <c15:fullRef>
-                    <c15:sqref>Sheet2!$B$6:$G$6</c15:sqref>
-                  </c15:fullRef>
-                </c:ext>
-              </c:extLst>
-              <c:f>Sheet2!$D$6:$G$6</c:f>
+              <c:f>Sheet2!$B$6:$G$6</c:f>
               <c:numCache>
                 <c:formatCode>General</c:formatCode>
                 <c:ptCount val="4"/>
@@ -5209,18 +5797,12 @@
                   <c:v>36</c:v>
                 </c:pt>
               </c:numCache>
+              <c:extLst/>
             </c:numRef>
           </c:cat>
           <c:val>
             <c:numRef>
-              <c:extLst>
-                <c:ext xmlns:c15="http://schemas.microsoft.com/office/drawing/2012/chart" uri="{02D57815-91ED-43cb-92C2-25804820EDAC}">
-                  <c15:fullRef>
-                    <c15:sqref>Sheet2!$B$10:$G$10</c15:sqref>
-                  </c15:fullRef>
-                </c:ext>
-              </c:extLst>
-              <c:f>Sheet2!$D$10:$G$10</c:f>
+              <c:f>Sheet2!$B$10:$G$10</c:f>
               <c:numCache>
                 <c:formatCode>0.000</c:formatCode>
                 <c:ptCount val="4"/>
@@ -5237,6 +5819,7 @@
                   <c:v>4.7789999999999999</c:v>
                 </c:pt>
               </c:numCache>
+              <c:extLst/>
             </c:numRef>
           </c:val>
         </c:ser>
@@ -5255,14 +5838,7 @@
           <c:invertIfNegative val="0"/>
           <c:cat>
             <c:numRef>
-              <c:extLst>
-                <c:ext xmlns:c15="http://schemas.microsoft.com/office/drawing/2012/chart" uri="{02D57815-91ED-43cb-92C2-25804820EDAC}">
-                  <c15:fullRef>
-                    <c15:sqref>Sheet2!$B$6:$G$6</c15:sqref>
-                  </c15:fullRef>
-                </c:ext>
-              </c:extLst>
-              <c:f>Sheet2!$D$6:$G$6</c:f>
+              <c:f>Sheet2!$B$6:$G$6</c:f>
               <c:numCache>
                 <c:formatCode>General</c:formatCode>
                 <c:ptCount val="4"/>
@@ -5279,18 +5855,12 @@
                   <c:v>36</c:v>
                 </c:pt>
               </c:numCache>
+              <c:extLst/>
             </c:numRef>
           </c:cat>
           <c:val>
             <c:numRef>
-              <c:extLst>
-                <c:ext xmlns:c15="http://schemas.microsoft.com/office/drawing/2012/chart" uri="{02D57815-91ED-43cb-92C2-25804820EDAC}">
-                  <c15:fullRef>
-                    <c15:sqref>Sheet2!$B$11:$G$11</c15:sqref>
-                  </c15:fullRef>
-                </c:ext>
-              </c:extLst>
-              <c:f>Sheet2!$D$11:$G$11</c:f>
+              <c:f>Sheet2!$B$11:$G$11</c:f>
               <c:numCache>
                 <c:formatCode>0.000</c:formatCode>
                 <c:ptCount val="4"/>
@@ -5307,6 +5877,7 @@
                   <c:v>4.9119999999999999</c:v>
                 </c:pt>
               </c:numCache>
+              <c:extLst/>
             </c:numRef>
           </c:val>
         </c:ser>
@@ -5327,14 +5898,7 @@
           <c:invertIfNegative val="0"/>
           <c:cat>
             <c:numRef>
-              <c:extLst>
-                <c:ext xmlns:c15="http://schemas.microsoft.com/office/drawing/2012/chart" uri="{02D57815-91ED-43cb-92C2-25804820EDAC}">
-                  <c15:fullRef>
-                    <c15:sqref>Sheet2!$B$6:$G$6</c15:sqref>
-                  </c15:fullRef>
-                </c:ext>
-              </c:extLst>
-              <c:f>Sheet2!$D$6:$G$6</c:f>
+              <c:f>Sheet2!$B$6:$G$6</c:f>
               <c:numCache>
                 <c:formatCode>General</c:formatCode>
                 <c:ptCount val="4"/>
@@ -5351,18 +5915,12 @@
                   <c:v>36</c:v>
                 </c:pt>
               </c:numCache>
+              <c:extLst/>
             </c:numRef>
           </c:cat>
           <c:val>
             <c:numRef>
-              <c:extLst>
-                <c:ext xmlns:c15="http://schemas.microsoft.com/office/drawing/2012/chart" uri="{02D57815-91ED-43cb-92C2-25804820EDAC}">
-                  <c15:fullRef>
-                    <c15:sqref>Sheet2!$B$12:$G$12</c15:sqref>
-                  </c15:fullRef>
-                </c:ext>
-              </c:extLst>
-              <c:f>Sheet2!$D$12:$G$12</c:f>
+              <c:f>Sheet2!$B$12:$G$12</c:f>
               <c:numCache>
                 <c:formatCode>0.000</c:formatCode>
                 <c:ptCount val="4"/>
@@ -5379,6 +5937,7 @@
                   <c:v>4.0041322089999998</c:v>
                 </c:pt>
               </c:numCache>
+              <c:extLst/>
             </c:numRef>
           </c:val>
         </c:ser>
@@ -5399,14 +5958,7 @@
           <c:invertIfNegative val="0"/>
           <c:cat>
             <c:numRef>
-              <c:extLst>
-                <c:ext xmlns:c15="http://schemas.microsoft.com/office/drawing/2012/chart" uri="{02D57815-91ED-43cb-92C2-25804820EDAC}">
-                  <c15:fullRef>
-                    <c15:sqref>Sheet2!$B$6:$G$6</c15:sqref>
-                  </c15:fullRef>
-                </c:ext>
-              </c:extLst>
-              <c:f>Sheet2!$D$6:$G$6</c:f>
+              <c:f>Sheet2!$B$6:$G$6</c:f>
               <c:numCache>
                 <c:formatCode>General</c:formatCode>
                 <c:ptCount val="4"/>
@@ -5423,18 +5975,12 @@
                   <c:v>36</c:v>
                 </c:pt>
               </c:numCache>
+              <c:extLst/>
             </c:numRef>
           </c:cat>
           <c:val>
             <c:numRef>
-              <c:extLst>
-                <c:ext xmlns:c15="http://schemas.microsoft.com/office/drawing/2012/chart" uri="{02D57815-91ED-43cb-92C2-25804820EDAC}">
-                  <c15:fullRef>
-                    <c15:sqref>Sheet2!$B$13:$G$13</c15:sqref>
-                  </c15:fullRef>
-                </c:ext>
-              </c:extLst>
-              <c:f>Sheet2!$D$13:$G$13</c:f>
+              <c:f>Sheet2!$B$13:$G$13</c:f>
               <c:numCache>
                 <c:formatCode>0.000</c:formatCode>
                 <c:ptCount val="4"/>
@@ -5451,6 +5997,7 @@
                   <c:v>2.887754809</c:v>
                 </c:pt>
               </c:numCache>
+              <c:extLst/>
             </c:numRef>
           </c:val>
         </c:ser>
@@ -5471,14 +6018,7 @@
           <c:invertIfNegative val="0"/>
           <c:cat>
             <c:numRef>
-              <c:extLst>
-                <c:ext xmlns:c15="http://schemas.microsoft.com/office/drawing/2012/chart" uri="{02D57815-91ED-43cb-92C2-25804820EDAC}">
-                  <c15:fullRef>
-                    <c15:sqref>Sheet2!$B$6:$G$6</c15:sqref>
-                  </c15:fullRef>
-                </c:ext>
-              </c:extLst>
-              <c:f>Sheet2!$D$6:$G$6</c:f>
+              <c:f>Sheet2!$B$6:$G$6</c:f>
               <c:numCache>
                 <c:formatCode>General</c:formatCode>
                 <c:ptCount val="4"/>
@@ -5495,18 +6035,12 @@
                   <c:v>36</c:v>
                 </c:pt>
               </c:numCache>
+              <c:extLst/>
             </c:numRef>
           </c:cat>
           <c:val>
             <c:numRef>
-              <c:extLst>
-                <c:ext xmlns:c15="http://schemas.microsoft.com/office/drawing/2012/chart" uri="{02D57815-91ED-43cb-92C2-25804820EDAC}">
-                  <c15:fullRef>
-                    <c15:sqref>Sheet2!$B$14:$G$14</c15:sqref>
-                  </c15:fullRef>
-                </c:ext>
-              </c:extLst>
-              <c:f>Sheet2!$D$14:$G$14</c:f>
+              <c:f>Sheet2!$B$14:$G$14</c:f>
               <c:numCache>
                 <c:formatCode>0.000</c:formatCode>
                 <c:ptCount val="4"/>
@@ -5523,6 +6057,7 @@
                   <c:v>5.517762694</c:v>
                 </c:pt>
               </c:numCache>
+              <c:extLst/>
             </c:numRef>
           </c:val>
         </c:ser>
@@ -5543,14 +6078,7 @@
           <c:invertIfNegative val="0"/>
           <c:cat>
             <c:numRef>
-              <c:extLst>
-                <c:ext xmlns:c15="http://schemas.microsoft.com/office/drawing/2012/chart" uri="{02D57815-91ED-43cb-92C2-25804820EDAC}">
-                  <c15:fullRef>
-                    <c15:sqref>Sheet2!$B$6:$G$6</c15:sqref>
-                  </c15:fullRef>
-                </c:ext>
-              </c:extLst>
-              <c:f>Sheet2!$D$6:$G$6</c:f>
+              <c:f>Sheet2!$B$6:$G$6</c:f>
               <c:numCache>
                 <c:formatCode>General</c:formatCode>
                 <c:ptCount val="4"/>
@@ -5567,18 +6095,12 @@
                   <c:v>36</c:v>
                 </c:pt>
               </c:numCache>
+              <c:extLst/>
             </c:numRef>
           </c:cat>
           <c:val>
             <c:numRef>
-              <c:extLst>
-                <c:ext xmlns:c15="http://schemas.microsoft.com/office/drawing/2012/chart" uri="{02D57815-91ED-43cb-92C2-25804820EDAC}">
-                  <c15:fullRef>
-                    <c15:sqref>Sheet2!$B$15:$G$15</c15:sqref>
-                  </c15:fullRef>
-                </c:ext>
-              </c:extLst>
-              <c:f>Sheet2!$D$15:$G$15</c:f>
+              <c:f>Sheet2!$B$15:$G$15</c:f>
               <c:numCache>
                 <c:formatCode>0.000</c:formatCode>
                 <c:ptCount val="4"/>
@@ -5595,6 +6117,7 @@
                   <c:v>4.5798256039999998</c:v>
                 </c:pt>
               </c:numCache>
+              <c:extLst/>
             </c:numRef>
           </c:val>
         </c:ser>
@@ -5615,14 +6138,7 @@
           <c:invertIfNegative val="0"/>
           <c:cat>
             <c:numRef>
-              <c:extLst>
-                <c:ext xmlns:c15="http://schemas.microsoft.com/office/drawing/2012/chart" uri="{02D57815-91ED-43cb-92C2-25804820EDAC}">
-                  <c15:fullRef>
-                    <c15:sqref>Sheet2!$B$6:$G$6</c15:sqref>
-                  </c15:fullRef>
-                </c:ext>
-              </c:extLst>
-              <c:f>Sheet2!$D$6:$G$6</c:f>
+              <c:f>Sheet2!$B$6:$G$6</c:f>
               <c:numCache>
                 <c:formatCode>General</c:formatCode>
                 <c:ptCount val="4"/>
@@ -5639,18 +6155,12 @@
                   <c:v>36</c:v>
                 </c:pt>
               </c:numCache>
+              <c:extLst/>
             </c:numRef>
           </c:cat>
           <c:val>
             <c:numRef>
-              <c:extLst>
-                <c:ext xmlns:c15="http://schemas.microsoft.com/office/drawing/2012/chart" uri="{02D57815-91ED-43cb-92C2-25804820EDAC}">
-                  <c15:fullRef>
-                    <c15:sqref>Sheet2!$B$16:$G$16</c15:sqref>
-                  </c15:fullRef>
-                </c:ext>
-              </c:extLst>
-              <c:f>Sheet2!$D$16:$G$16</c:f>
+              <c:f>Sheet2!$B$16:$G$16</c:f>
               <c:numCache>
                 <c:formatCode>0.000</c:formatCode>
                 <c:ptCount val="4"/>
@@ -5667,6 +6177,7 @@
                   <c:v>3.6095407260000001</c:v>
                 </c:pt>
               </c:numCache>
+              <c:extLst/>
             </c:numRef>
           </c:val>
         </c:ser>
@@ -5680,11 +6191,11 @@
         </c:dLbls>
         <c:gapWidth val="219"/>
         <c:overlap val="-27"/>
-        <c:axId val="937463872"/>
-        <c:axId val="937467136"/>
+        <c:axId val="941756448"/>
+        <c:axId val="941750464"/>
       </c:barChart>
       <c:catAx>
-        <c:axId val="937463872"/>
+        <c:axId val="941756448"/>
         <c:scaling>
           <c:orientation val="minMax"/>
         </c:scaling>
@@ -5783,7 +6294,7 @@
             <a:endParaRPr lang="en-US"/>
           </a:p>
         </c:txPr>
-        <c:crossAx val="937467136"/>
+        <c:crossAx val="941750464"/>
         <c:crosses val="autoZero"/>
         <c:auto val="1"/>
         <c:lblAlgn val="ctr"/>
@@ -5791,7 +6302,7 @@
         <c:noMultiLvlLbl val="0"/>
       </c:catAx>
       <c:valAx>
-        <c:axId val="937467136"/>
+        <c:axId val="941750464"/>
         <c:scaling>
           <c:orientation val="minMax"/>
           <c:max val="45"/>
@@ -5899,7 +6410,7 @@
             <a:endParaRPr lang="en-US"/>
           </a:p>
         </c:txPr>
-        <c:crossAx val="937463872"/>
+        <c:crossAx val="941756448"/>
         <c:crosses val="autoZero"/>
         <c:crossBetween val="between"/>
       </c:valAx>
@@ -6129,14 +6640,7 @@
           </c:dLbls>
           <c:cat>
             <c:numRef>
-              <c:extLst>
-                <c:ext xmlns:c15="http://schemas.microsoft.com/office/drawing/2012/chart" uri="{02D57815-91ED-43cb-92C2-25804820EDAC}">
-                  <c15:fullRef>
-                    <c15:sqref>Sheet2!$B$6:$G$6</c15:sqref>
-                  </c15:fullRef>
-                </c:ext>
-              </c:extLst>
-              <c:f>Sheet2!$D$6:$G$6</c:f>
+              <c:f>Sheet2!$B$6:$G$6</c:f>
               <c:numCache>
                 <c:formatCode>General</c:formatCode>
                 <c:ptCount val="4"/>
@@ -6153,18 +6657,12 @@
                   <c:v>36</c:v>
                 </c:pt>
               </c:numCache>
+              <c:extLst/>
             </c:numRef>
           </c:cat>
           <c:val>
             <c:numRef>
-              <c:extLst>
-                <c:ext xmlns:c15="http://schemas.microsoft.com/office/drawing/2012/chart" uri="{02D57815-91ED-43cb-92C2-25804820EDAC}">
-                  <c15:fullRef>
-                    <c15:sqref>Sheet2!$B$17:$G$17</c15:sqref>
-                  </c15:fullRef>
-                </c:ext>
-              </c:extLst>
-              <c:f>Sheet2!$D$17:$G$17</c:f>
+              <c:f>Sheet2!$B$17:$G$17</c:f>
               <c:numCache>
                 <c:formatCode>0.00</c:formatCode>
                 <c:ptCount val="4"/>
@@ -6181,36 +6679,11 @@
                   <c:v>5.517762694</c:v>
                 </c:pt>
               </c:numCache>
+              <c:extLst/>
             </c:numRef>
           </c:val>
           <c:smooth val="0"/>
-          <c:extLst>
-            <c:ext xmlns:c15="http://schemas.microsoft.com/office/drawing/2012/chart" uri="{02D57815-91ED-43cb-92C2-25804820EDAC}">
-              <c15:categoryFilterExceptions>
-                <c15:categoryFilterException>
-                  <c15:sqref>Sheet2!$B$17</c15:sqref>
-                  <c15:dLbl>
-                    <c:idx val="-1"/>
-                    <c:layout>
-                      <c:manualLayout>
-                        <c:x val="-2.5462668816039986E-17"/>
-                        <c:y val="-9.0277777777777776E-2"/>
-                      </c:manualLayout>
-                    </c:layout>
-                    <c:showLegendKey val="0"/>
-                    <c:showVal val="1"/>
-                    <c:showCatName val="0"/>
-                    <c:showSerName val="0"/>
-                    <c:showPercent val="0"/>
-                    <c:showBubbleSize val="0"/>
-                    <c:extLst>
-                      <c:ext uri="{CE6537A1-D6FC-4f65-9D91-7224C49458BB}"/>
-                    </c:extLst>
-                  </c15:dLbl>
-                </c15:categoryFilterException>
-              </c15:categoryFilterExceptions>
-            </c:ext>
-          </c:extLst>
+          <c:extLst/>
         </c:ser>
         <c:ser>
           <c:idx val="1"/>
@@ -6304,14 +6777,7 @@
           </c:dLbls>
           <c:cat>
             <c:numRef>
-              <c:extLst>
-                <c:ext xmlns:c15="http://schemas.microsoft.com/office/drawing/2012/chart" uri="{02D57815-91ED-43cb-92C2-25804820EDAC}">
-                  <c15:fullRef>
-                    <c15:sqref>Sheet2!$B$6:$G$6</c15:sqref>
-                  </c15:fullRef>
-                </c:ext>
-              </c:extLst>
-              <c:f>Sheet2!$D$6:$G$6</c:f>
+              <c:f>Sheet2!$B$6:$G$6</c:f>
               <c:numCache>
                 <c:formatCode>General</c:formatCode>
                 <c:ptCount val="4"/>
@@ -6328,18 +6794,12 @@
                   <c:v>36</c:v>
                 </c:pt>
               </c:numCache>
+              <c:extLst/>
             </c:numRef>
           </c:cat>
           <c:val>
             <c:numRef>
-              <c:extLst>
-                <c:ext xmlns:c15="http://schemas.microsoft.com/office/drawing/2012/chart" uri="{02D57815-91ED-43cb-92C2-25804820EDAC}">
-                  <c15:fullRef>
-                    <c15:sqref>Sheet2!$B$18:$G$18</c15:sqref>
-                  </c15:fullRef>
-                </c:ext>
-              </c:extLst>
-              <c:f>Sheet2!$D$18:$G$18</c:f>
+              <c:f>Sheet2!$B$18:$G$18</c:f>
               <c:numCache>
                 <c:formatCode>0.00</c:formatCode>
                 <c:ptCount val="4"/>
@@ -6356,36 +6816,11 @@
                   <c:v>2.887754809</c:v>
                 </c:pt>
               </c:numCache>
+              <c:extLst/>
             </c:numRef>
           </c:val>
           <c:smooth val="0"/>
-          <c:extLst>
-            <c:ext xmlns:c15="http://schemas.microsoft.com/office/drawing/2012/chart" uri="{02D57815-91ED-43cb-92C2-25804820EDAC}">
-              <c15:categoryFilterExceptions>
-                <c15:categoryFilterException>
-                  <c15:sqref>Sheet2!$B$18</c15:sqref>
-                  <c15:dLbl>
-                    <c:idx val="-1"/>
-                    <c:layout>
-                      <c:manualLayout>
-                        <c:x val="2.7777777777777523E-3"/>
-                        <c:y val="8.7962962962962882E-2"/>
-                      </c:manualLayout>
-                    </c:layout>
-                    <c:showLegendKey val="0"/>
-                    <c:showVal val="1"/>
-                    <c:showCatName val="0"/>
-                    <c:showSerName val="0"/>
-                    <c:showPercent val="0"/>
-                    <c:showBubbleSize val="0"/>
-                    <c:extLst>
-                      <c:ext uri="{CE6537A1-D6FC-4f65-9D91-7224C49458BB}"/>
-                    </c:extLst>
-                  </c15:dLbl>
-                </c15:categoryFilterException>
-              </c15:categoryFilterExceptions>
-            </c:ext>
-          </c:extLst>
+          <c:extLst/>
         </c:ser>
         <c:ser>
           <c:idx val="2"/>
@@ -6568,14 +7003,7 @@
           </c:dLbls>
           <c:cat>
             <c:numRef>
-              <c:extLst>
-                <c:ext xmlns:c15="http://schemas.microsoft.com/office/drawing/2012/chart" uri="{02D57815-91ED-43cb-92C2-25804820EDAC}">
-                  <c15:fullRef>
-                    <c15:sqref>Sheet2!$B$6:$G$6</c15:sqref>
-                  </c15:fullRef>
-                </c:ext>
-              </c:extLst>
-              <c:f>Sheet2!$D$6:$G$6</c:f>
+              <c:f>Sheet2!$B$6:$G$6</c:f>
               <c:numCache>
                 <c:formatCode>General</c:formatCode>
                 <c:ptCount val="4"/>
@@ -6592,18 +7020,12 @@
                   <c:v>36</c:v>
                 </c:pt>
               </c:numCache>
+              <c:extLst/>
             </c:numRef>
           </c:cat>
           <c:val>
             <c:numRef>
-              <c:extLst>
-                <c:ext xmlns:c15="http://schemas.microsoft.com/office/drawing/2012/chart" uri="{02D57815-91ED-43cb-92C2-25804820EDAC}">
-                  <c15:fullRef>
-                    <c15:sqref>Sheet2!$B$19:$G$19</c15:sqref>
-                  </c15:fullRef>
-                </c:ext>
-              </c:extLst>
-              <c:f>Sheet2!$D$19:$G$19</c:f>
+              <c:f>Sheet2!$B$19:$G$19</c:f>
               <c:numCache>
                 <c:formatCode>0.00</c:formatCode>
                 <c:ptCount val="4"/>
@@ -6620,57 +7042,11 @@
                   <c:v>4.355401604199999</c:v>
                 </c:pt>
               </c:numCache>
+              <c:extLst/>
             </c:numRef>
           </c:val>
           <c:smooth val="0"/>
-          <c:extLst>
-            <c:ext xmlns:c15="http://schemas.microsoft.com/office/drawing/2012/chart" uri="{02D57815-91ED-43cb-92C2-25804820EDAC}">
-              <c15:categoryFilterExceptions>
-                <c15:categoryFilterException>
-                  <c15:sqref>Sheet2!$B$19</c15:sqref>
-                  <c15:dLbl>
-                    <c:idx val="-1"/>
-                    <c:layout>
-                      <c:manualLayout>
-                        <c:x val="-2.551062119542614E-17"/>
-                        <c:y val="-1.3897491229260456E-2"/>
-                      </c:manualLayout>
-                    </c:layout>
-                    <c:showLegendKey val="0"/>
-                    <c:showVal val="1"/>
-                    <c:showCatName val="0"/>
-                    <c:showSerName val="0"/>
-                    <c:showPercent val="0"/>
-                    <c:showBubbleSize val="0"/>
-                    <c:extLst>
-                      <c:ext uri="{CE6537A1-D6FC-4f65-9D91-7224C49458BB}"/>
-                    </c:extLst>
-                  </c15:dLbl>
-                </c15:categoryFilterException>
-                <c15:categoryFilterException>
-                  <c15:sqref>Sheet2!$C$19</c15:sqref>
-                  <c15:dLbl>
-                    <c:idx val="-1"/>
-                    <c:layout>
-                      <c:manualLayout>
-                        <c:x val="0"/>
-                        <c:y val="-3.705997661136122E-2"/>
-                      </c:manualLayout>
-                    </c:layout>
-                    <c:showLegendKey val="0"/>
-                    <c:showVal val="1"/>
-                    <c:showCatName val="0"/>
-                    <c:showSerName val="0"/>
-                    <c:showPercent val="0"/>
-                    <c:showBubbleSize val="0"/>
-                    <c:extLst>
-                      <c:ext uri="{CE6537A1-D6FC-4f65-9D91-7224C49458BB}"/>
-                    </c:extLst>
-                  </c15:dLbl>
-                </c15:categoryFilterException>
-              </c15:categoryFilterExceptions>
-            </c:ext>
-          </c:extLst>
+          <c:extLst/>
         </c:ser>
         <c:dLbls>
           <c:showLegendKey val="0"/>
@@ -6696,11 +7072,11 @@
             <a:effectLst/>
           </c:spPr>
         </c:hiLowLines>
-        <c:axId val="884735696"/>
-        <c:axId val="884737328"/>
+        <c:axId val="941756992"/>
+        <c:axId val="941757536"/>
       </c:stockChart>
       <c:catAx>
-        <c:axId val="884735696"/>
+        <c:axId val="941756992"/>
         <c:scaling>
           <c:orientation val="minMax"/>
         </c:scaling>
@@ -6799,7 +7175,7 @@
             <a:endParaRPr lang="en-US"/>
           </a:p>
         </c:txPr>
-        <c:crossAx val="884737328"/>
+        <c:crossAx val="941757536"/>
         <c:crosses val="autoZero"/>
         <c:auto val="1"/>
         <c:lblAlgn val="ctr"/>
@@ -6807,7 +7183,7 @@
         <c:noMultiLvlLbl val="0"/>
       </c:catAx>
       <c:valAx>
-        <c:axId val="884737328"/>
+        <c:axId val="941757536"/>
         <c:scaling>
           <c:orientation val="minMax"/>
         </c:scaling>
@@ -6928,7 +7304,7 @@
             <a:endParaRPr lang="en-US"/>
           </a:p>
         </c:txPr>
-        <c:crossAx val="884735696"/>
+        <c:crossAx val="941756992"/>
         <c:crosses val="autoZero"/>
         <c:crossBetween val="between"/>
       </c:valAx>
@@ -7173,8 +7549,8 @@
         </c:dLbls>
         <c:marker val="1"/>
         <c:smooth val="0"/>
-        <c:axId val="884735152"/>
-        <c:axId val="884738416"/>
+        <c:axId val="885123024"/>
+        <c:axId val="885125200"/>
       </c:lineChart>
       <c:lineChart>
         <c:grouping val="standard"/>
@@ -7245,11 +7621,11 @@
         </c:dLbls>
         <c:marker val="1"/>
         <c:smooth val="0"/>
-        <c:axId val="884734064"/>
-        <c:axId val="884741136"/>
+        <c:axId val="885119216"/>
+        <c:axId val="885126288"/>
       </c:lineChart>
       <c:catAx>
-        <c:axId val="884735152"/>
+        <c:axId val="885123024"/>
         <c:scaling>
           <c:orientation val="minMax"/>
         </c:scaling>
@@ -7348,7 +7724,7 @@
             <a:endParaRPr lang="en-US"/>
           </a:p>
         </c:txPr>
-        <c:crossAx val="884738416"/>
+        <c:crossAx val="885125200"/>
         <c:crosses val="autoZero"/>
         <c:auto val="1"/>
         <c:lblAlgn val="ctr"/>
@@ -7356,7 +7732,7 @@
         <c:noMultiLvlLbl val="0"/>
       </c:catAx>
       <c:valAx>
-        <c:axId val="884738416"/>
+        <c:axId val="885125200"/>
         <c:scaling>
           <c:orientation val="minMax"/>
           <c:max val="15"/>
@@ -7465,12 +7841,12 @@
             <a:endParaRPr lang="en-US"/>
           </a:p>
         </c:txPr>
-        <c:crossAx val="884735152"/>
+        <c:crossAx val="885123024"/>
         <c:crosses val="autoZero"/>
         <c:crossBetween val="between"/>
       </c:valAx>
       <c:valAx>
-        <c:axId val="884741136"/>
+        <c:axId val="885126288"/>
         <c:scaling>
           <c:orientation val="minMax"/>
           <c:min val="1"/>
@@ -7564,12 +7940,12 @@
             <a:endParaRPr lang="en-US"/>
           </a:p>
         </c:txPr>
-        <c:crossAx val="884734064"/>
+        <c:crossAx val="885119216"/>
         <c:crosses val="max"/>
         <c:crossBetween val="between"/>
       </c:valAx>
       <c:catAx>
-        <c:axId val="884734064"/>
+        <c:axId val="885119216"/>
         <c:scaling>
           <c:orientation val="minMax"/>
         </c:scaling>
@@ -7578,7 +7954,7 @@
         <c:majorTickMark val="out"/>
         <c:minorTickMark val="none"/>
         <c:tickLblPos val="nextTo"/>
-        <c:crossAx val="884741136"/>
+        <c:crossAx val="885126288"/>
         <c:crosses val="autoZero"/>
         <c:auto val="1"/>
         <c:lblAlgn val="ctr"/>
@@ -7664,6 +8040,46 @@
 </file>
 
 <file path=ppt/charts/colors1.xml><?xml version="1.0" encoding="utf-8"?>
+<cs:colorStyle xmlns:cs="http://schemas.microsoft.com/office/drawing/2012/chartStyle" xmlns:a="http://schemas.openxmlformats.org/drawingml/2006/main" meth="cycle" id="10">
+  <a:schemeClr val="accent1"/>
+  <a:schemeClr val="accent2"/>
+  <a:schemeClr val="accent3"/>
+  <a:schemeClr val="accent4"/>
+  <a:schemeClr val="accent5"/>
+  <a:schemeClr val="accent6"/>
+  <cs:variation/>
+  <cs:variation>
+    <a:lumMod val="60000"/>
+  </cs:variation>
+  <cs:variation>
+    <a:lumMod val="80000"/>
+    <a:lumOff val="20000"/>
+  </cs:variation>
+  <cs:variation>
+    <a:lumMod val="80000"/>
+  </cs:variation>
+  <cs:variation>
+    <a:lumMod val="60000"/>
+    <a:lumOff val="40000"/>
+  </cs:variation>
+  <cs:variation>
+    <a:lumMod val="50000"/>
+  </cs:variation>
+  <cs:variation>
+    <a:lumMod val="70000"/>
+    <a:lumOff val="30000"/>
+  </cs:variation>
+  <cs:variation>
+    <a:lumMod val="70000"/>
+  </cs:variation>
+  <cs:variation>
+    <a:lumMod val="50000"/>
+    <a:lumOff val="50000"/>
+  </cs:variation>
+</cs:colorStyle>
+</file>
+
+<file path=ppt/charts/colors10.xml><?xml version="1.0" encoding="utf-8"?>
 <cs:colorStyle xmlns:cs="http://schemas.microsoft.com/office/drawing/2012/chartStyle" xmlns:a="http://schemas.openxmlformats.org/drawingml/2006/main" meth="cycle" id="10">
   <a:schemeClr val="accent1"/>
   <a:schemeClr val="accent2"/>
@@ -8526,6 +8942,522 @@
 </cs:chartStyle>
 </file>
 
+<file path=ppt/charts/style10.xml><?xml version="1.0" encoding="utf-8"?>
+<cs:chartStyle xmlns:cs="http://schemas.microsoft.com/office/drawing/2012/chartStyle" xmlns:a="http://schemas.openxmlformats.org/drawingml/2006/main" id="227">
+  <cs:axisTitle>
+    <cs:lnRef idx="0"/>
+    <cs:fillRef idx="0"/>
+    <cs:effectRef idx="0"/>
+    <cs:fontRef idx="minor">
+      <a:schemeClr val="tx1">
+        <a:lumMod val="65000"/>
+        <a:lumOff val="35000"/>
+      </a:schemeClr>
+    </cs:fontRef>
+    <cs:defRPr sz="1000" kern="1200"/>
+  </cs:axisTitle>
+  <cs:categoryAxis>
+    <cs:lnRef idx="0"/>
+    <cs:fillRef idx="0"/>
+    <cs:effectRef idx="0"/>
+    <cs:fontRef idx="minor">
+      <a:schemeClr val="tx1">
+        <a:lumMod val="65000"/>
+        <a:lumOff val="35000"/>
+      </a:schemeClr>
+    </cs:fontRef>
+    <cs:spPr>
+      <a:ln w="9525" cap="flat" cmpd="sng" algn="ctr">
+        <a:solidFill>
+          <a:schemeClr val="tx1">
+            <a:lumMod val="15000"/>
+            <a:lumOff val="85000"/>
+          </a:schemeClr>
+        </a:solidFill>
+        <a:round/>
+      </a:ln>
+    </cs:spPr>
+    <cs:defRPr sz="900" kern="1200"/>
+  </cs:categoryAxis>
+  <cs:chartArea mods="allowNoFillOverride allowNoLineOverride">
+    <cs:lnRef idx="0"/>
+    <cs:fillRef idx="0"/>
+    <cs:effectRef idx="0"/>
+    <cs:fontRef idx="minor">
+      <a:schemeClr val="tx1"/>
+    </cs:fontRef>
+    <cs:spPr>
+      <a:solidFill>
+        <a:schemeClr val="bg1"/>
+      </a:solidFill>
+      <a:ln w="9525" cap="flat" cmpd="sng" algn="ctr">
+        <a:solidFill>
+          <a:schemeClr val="tx1">
+            <a:lumMod val="15000"/>
+            <a:lumOff val="85000"/>
+          </a:schemeClr>
+        </a:solidFill>
+        <a:round/>
+      </a:ln>
+    </cs:spPr>
+    <cs:defRPr sz="1000" kern="1200"/>
+  </cs:chartArea>
+  <cs:dataLabel>
+    <cs:lnRef idx="0"/>
+    <cs:fillRef idx="0"/>
+    <cs:effectRef idx="0"/>
+    <cs:fontRef idx="minor">
+      <a:schemeClr val="tx1">
+        <a:lumMod val="75000"/>
+        <a:lumOff val="25000"/>
+      </a:schemeClr>
+    </cs:fontRef>
+    <cs:defRPr sz="900" kern="1200"/>
+  </cs:dataLabel>
+  <cs:dataLabelCallout>
+    <cs:lnRef idx="0"/>
+    <cs:fillRef idx="0"/>
+    <cs:effectRef idx="0"/>
+    <cs:fontRef idx="minor">
+      <a:schemeClr val="dk1">
+        <a:lumMod val="65000"/>
+        <a:lumOff val="35000"/>
+      </a:schemeClr>
+    </cs:fontRef>
+    <cs:spPr>
+      <a:solidFill>
+        <a:schemeClr val="lt1"/>
+      </a:solidFill>
+      <a:ln>
+        <a:solidFill>
+          <a:schemeClr val="dk1">
+            <a:lumMod val="25000"/>
+            <a:lumOff val="75000"/>
+          </a:schemeClr>
+        </a:solidFill>
+      </a:ln>
+    </cs:spPr>
+    <cs:defRPr sz="900" kern="1200"/>
+    <cs:bodyPr rot="0" spcFirstLastPara="1" vertOverflow="clip" horzOverflow="clip" vert="horz" wrap="square" lIns="36576" tIns="18288" rIns="36576" bIns="18288" anchor="ctr" anchorCtr="1">
+      <a:spAutoFit/>
+    </cs:bodyPr>
+  </cs:dataLabelCallout>
+  <cs:dataPoint>
+    <cs:lnRef idx="0"/>
+    <cs:fillRef idx="1">
+      <cs:styleClr val="auto"/>
+    </cs:fillRef>
+    <cs:effectRef idx="0"/>
+    <cs:fontRef idx="minor">
+      <a:schemeClr val="tx1"/>
+    </cs:fontRef>
+    <cs:spPr>
+      <a:solidFill>
+        <a:schemeClr val="phClr"/>
+      </a:solidFill>
+    </cs:spPr>
+  </cs:dataPoint>
+  <cs:dataPoint3D>
+    <cs:lnRef idx="0"/>
+    <cs:fillRef idx="1">
+      <cs:styleClr val="auto"/>
+    </cs:fillRef>
+    <cs:effectRef idx="0"/>
+    <cs:fontRef idx="minor">
+      <a:schemeClr val="tx1"/>
+    </cs:fontRef>
+    <cs:spPr>
+      <a:solidFill>
+        <a:schemeClr val="phClr"/>
+      </a:solidFill>
+    </cs:spPr>
+  </cs:dataPoint3D>
+  <cs:dataPointLine>
+    <cs:lnRef idx="0">
+      <cs:styleClr val="auto"/>
+    </cs:lnRef>
+    <cs:fillRef idx="1"/>
+    <cs:effectRef idx="0"/>
+    <cs:fontRef idx="minor">
+      <a:schemeClr val="tx1"/>
+    </cs:fontRef>
+    <cs:spPr>
+      <a:ln w="28575" cap="rnd">
+        <a:solidFill>
+          <a:schemeClr val="phClr"/>
+        </a:solidFill>
+        <a:round/>
+      </a:ln>
+    </cs:spPr>
+  </cs:dataPointLine>
+  <cs:dataPointMarker>
+    <cs:lnRef idx="0">
+      <cs:styleClr val="auto"/>
+    </cs:lnRef>
+    <cs:fillRef idx="1">
+      <cs:styleClr val="auto"/>
+    </cs:fillRef>
+    <cs:effectRef idx="0"/>
+    <cs:fontRef idx="minor">
+      <a:schemeClr val="tx1"/>
+    </cs:fontRef>
+    <cs:spPr>
+      <a:solidFill>
+        <a:schemeClr val="phClr"/>
+      </a:solidFill>
+      <a:ln w="9525">
+        <a:solidFill>
+          <a:schemeClr val="phClr"/>
+        </a:solidFill>
+      </a:ln>
+    </cs:spPr>
+  </cs:dataPointMarker>
+  <cs:dataPointMarkerLayout symbol="circle" size="5"/>
+  <cs:dataPointWireframe>
+    <cs:lnRef idx="0">
+      <cs:styleClr val="auto"/>
+    </cs:lnRef>
+    <cs:fillRef idx="1"/>
+    <cs:effectRef idx="0"/>
+    <cs:fontRef idx="minor">
+      <a:schemeClr val="tx1"/>
+    </cs:fontRef>
+    <cs:spPr>
+      <a:ln w="9525" cap="rnd">
+        <a:solidFill>
+          <a:schemeClr val="phClr"/>
+        </a:solidFill>
+        <a:round/>
+      </a:ln>
+    </cs:spPr>
+  </cs:dataPointWireframe>
+  <cs:dataTable>
+    <cs:lnRef idx="0"/>
+    <cs:fillRef idx="0"/>
+    <cs:effectRef idx="0"/>
+    <cs:fontRef idx="minor">
+      <a:schemeClr val="tx1">
+        <a:lumMod val="65000"/>
+        <a:lumOff val="35000"/>
+      </a:schemeClr>
+    </cs:fontRef>
+    <cs:spPr>
+      <a:noFill/>
+      <a:ln w="9525" cap="flat" cmpd="sng" algn="ctr">
+        <a:solidFill>
+          <a:schemeClr val="tx1">
+            <a:lumMod val="15000"/>
+            <a:lumOff val="85000"/>
+          </a:schemeClr>
+        </a:solidFill>
+        <a:round/>
+      </a:ln>
+    </cs:spPr>
+    <cs:defRPr sz="900" kern="1200"/>
+  </cs:dataTable>
+  <cs:downBar>
+    <cs:lnRef idx="0"/>
+    <cs:fillRef idx="0"/>
+    <cs:effectRef idx="0"/>
+    <cs:fontRef idx="minor">
+      <a:schemeClr val="dk1"/>
+    </cs:fontRef>
+    <cs:spPr>
+      <a:solidFill>
+        <a:schemeClr val="dk1">
+          <a:lumMod val="65000"/>
+          <a:lumOff val="35000"/>
+        </a:schemeClr>
+      </a:solidFill>
+      <a:ln w="9525">
+        <a:solidFill>
+          <a:schemeClr val="tx1">
+            <a:lumMod val="65000"/>
+            <a:lumOff val="35000"/>
+          </a:schemeClr>
+        </a:solidFill>
+      </a:ln>
+    </cs:spPr>
+  </cs:downBar>
+  <cs:dropLine>
+    <cs:lnRef idx="0"/>
+    <cs:fillRef idx="0"/>
+    <cs:effectRef idx="0"/>
+    <cs:fontRef idx="minor">
+      <a:schemeClr val="tx1"/>
+    </cs:fontRef>
+    <cs:spPr>
+      <a:ln w="9525" cap="flat" cmpd="sng" algn="ctr">
+        <a:solidFill>
+          <a:schemeClr val="tx1">
+            <a:lumMod val="35000"/>
+            <a:lumOff val="65000"/>
+          </a:schemeClr>
+        </a:solidFill>
+        <a:round/>
+      </a:ln>
+    </cs:spPr>
+  </cs:dropLine>
+  <cs:errorBar>
+    <cs:lnRef idx="0"/>
+    <cs:fillRef idx="0"/>
+    <cs:effectRef idx="0"/>
+    <cs:fontRef idx="minor">
+      <a:schemeClr val="tx1"/>
+    </cs:fontRef>
+    <cs:spPr>
+      <a:ln w="9525" cap="flat" cmpd="sng" algn="ctr">
+        <a:solidFill>
+          <a:schemeClr val="tx1">
+            <a:lumMod val="65000"/>
+            <a:lumOff val="35000"/>
+          </a:schemeClr>
+        </a:solidFill>
+        <a:round/>
+      </a:ln>
+    </cs:spPr>
+  </cs:errorBar>
+  <cs:floor>
+    <cs:lnRef idx="0"/>
+    <cs:fillRef idx="0"/>
+    <cs:effectRef idx="0"/>
+    <cs:fontRef idx="minor">
+      <a:schemeClr val="tx1"/>
+    </cs:fontRef>
+    <cs:spPr>
+      <a:noFill/>
+      <a:ln>
+        <a:noFill/>
+      </a:ln>
+    </cs:spPr>
+  </cs:floor>
+  <cs:gridlineMajor>
+    <cs:lnRef idx="0"/>
+    <cs:fillRef idx="0"/>
+    <cs:effectRef idx="0"/>
+    <cs:fontRef idx="minor">
+      <a:schemeClr val="tx1"/>
+    </cs:fontRef>
+    <cs:spPr>
+      <a:ln w="9525" cap="flat" cmpd="sng" algn="ctr">
+        <a:solidFill>
+          <a:schemeClr val="tx1">
+            <a:lumMod val="15000"/>
+            <a:lumOff val="85000"/>
+          </a:schemeClr>
+        </a:solidFill>
+        <a:round/>
+      </a:ln>
+    </cs:spPr>
+  </cs:gridlineMajor>
+  <cs:gridlineMinor>
+    <cs:lnRef idx="0"/>
+    <cs:fillRef idx="0"/>
+    <cs:effectRef idx="0"/>
+    <cs:fontRef idx="minor">
+      <a:schemeClr val="tx1"/>
+    </cs:fontRef>
+    <cs:spPr>
+      <a:ln w="9525" cap="flat" cmpd="sng" algn="ctr">
+        <a:solidFill>
+          <a:schemeClr val="tx1">
+            <a:lumMod val="5000"/>
+            <a:lumOff val="95000"/>
+          </a:schemeClr>
+        </a:solidFill>
+        <a:round/>
+      </a:ln>
+    </cs:spPr>
+  </cs:gridlineMinor>
+  <cs:hiLoLine>
+    <cs:lnRef idx="0"/>
+    <cs:fillRef idx="0"/>
+    <cs:effectRef idx="0"/>
+    <cs:fontRef idx="minor">
+      <a:schemeClr val="tx1"/>
+    </cs:fontRef>
+    <cs:spPr>
+      <a:ln w="9525" cap="flat" cmpd="sng" algn="ctr">
+        <a:solidFill>
+          <a:schemeClr val="tx1">
+            <a:lumMod val="75000"/>
+            <a:lumOff val="25000"/>
+          </a:schemeClr>
+        </a:solidFill>
+        <a:round/>
+      </a:ln>
+    </cs:spPr>
+  </cs:hiLoLine>
+  <cs:leaderLine>
+    <cs:lnRef idx="0"/>
+    <cs:fillRef idx="0"/>
+    <cs:effectRef idx="0"/>
+    <cs:fontRef idx="minor">
+      <a:schemeClr val="tx1"/>
+    </cs:fontRef>
+    <cs:spPr>
+      <a:ln w="9525" cap="flat" cmpd="sng" algn="ctr">
+        <a:solidFill>
+          <a:schemeClr val="tx1">
+            <a:lumMod val="35000"/>
+            <a:lumOff val="65000"/>
+          </a:schemeClr>
+        </a:solidFill>
+        <a:round/>
+      </a:ln>
+    </cs:spPr>
+  </cs:leaderLine>
+  <cs:legend>
+    <cs:lnRef idx="0"/>
+    <cs:fillRef idx="0"/>
+    <cs:effectRef idx="0"/>
+    <cs:fontRef idx="minor">
+      <a:schemeClr val="tx1">
+        <a:lumMod val="65000"/>
+        <a:lumOff val="35000"/>
+      </a:schemeClr>
+    </cs:fontRef>
+    <cs:defRPr sz="900" kern="1200"/>
+  </cs:legend>
+  <cs:plotArea mods="allowNoFillOverride allowNoLineOverride">
+    <cs:lnRef idx="0"/>
+    <cs:fillRef idx="0"/>
+    <cs:effectRef idx="0"/>
+    <cs:fontRef idx="minor">
+      <a:schemeClr val="tx1"/>
+    </cs:fontRef>
+  </cs:plotArea>
+  <cs:plotArea3D mods="allowNoFillOverride allowNoLineOverride">
+    <cs:lnRef idx="0"/>
+    <cs:fillRef idx="0"/>
+    <cs:effectRef idx="0"/>
+    <cs:fontRef idx="minor">
+      <a:schemeClr val="tx1"/>
+    </cs:fontRef>
+  </cs:plotArea3D>
+  <cs:seriesAxis>
+    <cs:lnRef idx="0"/>
+    <cs:fillRef idx="0"/>
+    <cs:effectRef idx="0"/>
+    <cs:fontRef idx="minor">
+      <a:schemeClr val="tx1">
+        <a:lumMod val="65000"/>
+        <a:lumOff val="35000"/>
+      </a:schemeClr>
+    </cs:fontRef>
+    <cs:defRPr sz="900" kern="1200"/>
+  </cs:seriesAxis>
+  <cs:seriesLine>
+    <cs:lnRef idx="0"/>
+    <cs:fillRef idx="0"/>
+    <cs:effectRef idx="0"/>
+    <cs:fontRef idx="minor">
+      <a:schemeClr val="tx1"/>
+    </cs:fontRef>
+    <cs:spPr>
+      <a:ln w="9525" cap="flat" cmpd="sng" algn="ctr">
+        <a:solidFill>
+          <a:schemeClr val="tx1">
+            <a:lumMod val="35000"/>
+            <a:lumOff val="65000"/>
+          </a:schemeClr>
+        </a:solidFill>
+        <a:round/>
+      </a:ln>
+    </cs:spPr>
+  </cs:seriesLine>
+  <cs:title>
+    <cs:lnRef idx="0"/>
+    <cs:fillRef idx="0"/>
+    <cs:effectRef idx="0"/>
+    <cs:fontRef idx="minor">
+      <a:schemeClr val="tx1">
+        <a:lumMod val="65000"/>
+        <a:lumOff val="35000"/>
+      </a:schemeClr>
+    </cs:fontRef>
+    <cs:defRPr sz="1400" b="0" kern="1200" spc="0" baseline="0"/>
+  </cs:title>
+  <cs:trendline>
+    <cs:lnRef idx="0">
+      <cs:styleClr val="auto"/>
+    </cs:lnRef>
+    <cs:fillRef idx="0"/>
+    <cs:effectRef idx="0"/>
+    <cs:fontRef idx="minor">
+      <a:schemeClr val="tx1"/>
+    </cs:fontRef>
+    <cs:spPr>
+      <a:ln w="19050" cap="rnd">
+        <a:solidFill>
+          <a:schemeClr val="phClr"/>
+        </a:solidFill>
+        <a:prstDash val="sysDot"/>
+      </a:ln>
+    </cs:spPr>
+  </cs:trendline>
+  <cs:trendlineLabel>
+    <cs:lnRef idx="0"/>
+    <cs:fillRef idx="0"/>
+    <cs:effectRef idx="0"/>
+    <cs:fontRef idx="minor">
+      <a:schemeClr val="tx1">
+        <a:lumMod val="65000"/>
+        <a:lumOff val="35000"/>
+      </a:schemeClr>
+    </cs:fontRef>
+    <cs:defRPr sz="900" kern="1200"/>
+  </cs:trendlineLabel>
+  <cs:upBar>
+    <cs:lnRef idx="0"/>
+    <cs:fillRef idx="0"/>
+    <cs:effectRef idx="0"/>
+    <cs:fontRef idx="minor">
+      <a:schemeClr val="dk1"/>
+    </cs:fontRef>
+    <cs:spPr>
+      <a:solidFill>
+        <a:schemeClr val="lt1"/>
+      </a:solidFill>
+      <a:ln w="9525">
+        <a:solidFill>
+          <a:schemeClr val="tx1">
+            <a:lumMod val="15000"/>
+            <a:lumOff val="85000"/>
+          </a:schemeClr>
+        </a:solidFill>
+      </a:ln>
+    </cs:spPr>
+  </cs:upBar>
+  <cs:valueAxis>
+    <cs:lnRef idx="0"/>
+    <cs:fillRef idx="0"/>
+    <cs:effectRef idx="0"/>
+    <cs:fontRef idx="minor">
+      <a:schemeClr val="tx1">
+        <a:lumMod val="65000"/>
+        <a:lumOff val="35000"/>
+      </a:schemeClr>
+    </cs:fontRef>
+    <cs:defRPr sz="900" kern="1200"/>
+  </cs:valueAxis>
+  <cs:wall>
+    <cs:lnRef idx="0"/>
+    <cs:fillRef idx="0"/>
+    <cs:effectRef idx="0"/>
+    <cs:fontRef idx="minor">
+      <a:schemeClr val="tx1"/>
+    </cs:fontRef>
+    <cs:spPr>
+      <a:noFill/>
+      <a:ln>
+        <a:noFill/>
+      </a:ln>
+    </cs:spPr>
+  </cs:wall>
+</cs:chartStyle>
+</file>
+
 <file path=ppt/charts/style2.xml><?xml version="1.0" encoding="utf-8"?>
 <cs:chartStyle xmlns:cs="http://schemas.microsoft.com/office/drawing/2012/chartStyle" xmlns:a="http://schemas.openxmlformats.org/drawingml/2006/main" id="331">
   <cs:axisTitle>
@@ -12948,7 +13880,7 @@
           <a:p>
             <a:fld id="{3FFA90F4-2B65-4967-9FF1-6013301D826E}" type="datetimeFigureOut">
               <a:rPr lang="en-US" smtClean="0"/>
-              <a:t>4/27/2015</a:t>
+              <a:t>4/28/2015</a:t>
             </a:fld>
             <a:endParaRPr lang="en-US" dirty="0"/>
           </a:p>
@@ -13724,6 +14656,90 @@
 </p:notes>
 </file>
 
+<file path=ppt/notesSlides/notesSlide15.xml><?xml version="1.0" encoding="utf-8"?>
+<p:notes xmlns:a="http://schemas.openxmlformats.org/drawingml/2006/main" xmlns:r="http://schemas.openxmlformats.org/officeDocument/2006/relationships" xmlns:p="http://schemas.openxmlformats.org/presentationml/2006/main">
+  <p:cSld>
+    <p:spTree>
+      <p:nvGrpSpPr>
+        <p:cNvPr id="1" name=""/>
+        <p:cNvGrpSpPr/>
+        <p:nvPr/>
+      </p:nvGrpSpPr>
+      <p:grpSpPr>
+        <a:xfrm>
+          <a:off x="0" y="0"/>
+          <a:ext cx="0" cy="0"/>
+          <a:chOff x="0" y="0"/>
+          <a:chExt cx="0" cy="0"/>
+        </a:xfrm>
+      </p:grpSpPr>
+      <p:sp>
+        <p:nvSpPr>
+          <p:cNvPr id="2" name="Slide Image Placeholder 1"/>
+          <p:cNvSpPr>
+            <a:spLocks noGrp="1" noRot="1" noChangeAspect="1"/>
+          </p:cNvSpPr>
+          <p:nvPr>
+            <p:ph type="sldImg"/>
+          </p:nvPr>
+        </p:nvSpPr>
+        <p:spPr/>
+      </p:sp>
+      <p:sp>
+        <p:nvSpPr>
+          <p:cNvPr id="3" name="Notes Placeholder 2"/>
+          <p:cNvSpPr>
+            <a:spLocks noGrp="1"/>
+          </p:cNvSpPr>
+          <p:nvPr>
+            <p:ph type="body" idx="1"/>
+          </p:nvPr>
+        </p:nvSpPr>
+        <p:spPr/>
+        <p:txBody>
+          <a:bodyPr/>
+          <a:lstStyle/>
+          <a:p>
+            <a:endParaRPr lang="en-US" dirty="0"/>
+          </a:p>
+        </p:txBody>
+      </p:sp>
+      <p:sp>
+        <p:nvSpPr>
+          <p:cNvPr id="4" name="Slide Number Placeholder 3"/>
+          <p:cNvSpPr>
+            <a:spLocks noGrp="1"/>
+          </p:cNvSpPr>
+          <p:nvPr>
+            <p:ph type="sldNum" sz="quarter" idx="10"/>
+          </p:nvPr>
+        </p:nvSpPr>
+        <p:spPr/>
+        <p:txBody>
+          <a:bodyPr/>
+          <a:lstStyle/>
+          <a:p>
+            <a:fld id="{074FBC58-C3C6-4BB5-B0D0-D44EA5771774}" type="slidenum">
+              <a:rPr lang="en-US" smtClean="0"/>
+              <a:t>33</a:t>
+            </a:fld>
+            <a:endParaRPr lang="en-US"/>
+          </a:p>
+        </p:txBody>
+      </p:sp>
+    </p:spTree>
+    <p:extLst>
+      <p:ext uri="{BB962C8B-B14F-4D97-AF65-F5344CB8AC3E}">
+        <p14:creationId xmlns:p14="http://schemas.microsoft.com/office/powerpoint/2010/main" val="529309254"/>
+      </p:ext>
+    </p:extLst>
+  </p:cSld>
+  <p:clrMapOvr>
+    <a:masterClrMapping/>
+  </p:clrMapOvr>
+</p:notes>
+</file>
+
 <file path=ppt/notesSlides/notesSlide2.xml><?xml version="1.0" encoding="utf-8"?>
 <p:notes xmlns:a="http://schemas.openxmlformats.org/drawingml/2006/main" xmlns:r="http://schemas.openxmlformats.org/officeDocument/2006/relationships" xmlns:p="http://schemas.openxmlformats.org/presentationml/2006/main">
   <p:cSld>
@@ -14543,7 +15559,7 @@
           <a:p>
             <a:fld id="{C471D1CD-2B41-4CD1-991A-D829C0CC7433}" type="datetime1">
               <a:rPr lang="en-US" smtClean="0"/>
-              <a:t>4/27/2015</a:t>
+              <a:t>4/28/2015</a:t>
             </a:fld>
             <a:endParaRPr lang="en-US" dirty="0"/>
           </a:p>
@@ -14724,7 +15740,7 @@
           <a:p>
             <a:fld id="{0C31AF9D-F438-4E0D-BA77-9E21EAACB660}" type="datetime1">
               <a:rPr lang="en-US" smtClean="0"/>
-              <a:t>4/27/2015</a:t>
+              <a:t>4/28/2015</a:t>
             </a:fld>
             <a:endParaRPr lang="en-US" dirty="0"/>
           </a:p>
@@ -14908,7 +15924,7 @@
           <a:p>
             <a:fld id="{E94C13B0-BDDA-4FE8-972B-D8DB06A9589A}" type="datetime1">
               <a:rPr lang="en-US" smtClean="0"/>
-              <a:t>4/27/2015</a:t>
+              <a:t>4/28/2015</a:t>
             </a:fld>
             <a:endParaRPr lang="en-US" dirty="0"/>
           </a:p>
@@ -15116,7 +16132,7 @@
           <a:p>
             <a:fld id="{1DE46D94-8227-4D2B-8507-54722BD25324}" type="datetime1">
               <a:rPr lang="en-US" smtClean="0"/>
-              <a:t>4/27/2015</a:t>
+              <a:t>4/28/2015</a:t>
             </a:fld>
             <a:endParaRPr lang="en-US" dirty="0"/>
           </a:p>
@@ -15434,7 +16450,7 @@
           <a:p>
             <a:fld id="{CAAC6671-78AE-4647-B439-B89417A2972A}" type="datetime1">
               <a:rPr lang="en-US" smtClean="0"/>
-              <a:t>4/27/2015</a:t>
+              <a:t>4/28/2015</a:t>
             </a:fld>
             <a:endParaRPr lang="en-US" dirty="0"/>
           </a:p>
@@ -15677,7 +16693,7 @@
           <a:p>
             <a:fld id="{9A890633-ECD5-4F28-8302-C230E58CB29F}" type="datetime1">
               <a:rPr lang="en-US" smtClean="0"/>
-              <a:t>4/27/2015</a:t>
+              <a:t>4/28/2015</a:t>
             </a:fld>
             <a:endParaRPr lang="en-US" dirty="0"/>
           </a:p>
@@ -16055,7 +17071,7 @@
           <a:p>
             <a:fld id="{5675A7C9-3BDE-4846-9977-871D18F87E41}" type="datetime1">
               <a:rPr lang="en-US" smtClean="0"/>
-              <a:t>4/27/2015</a:t>
+              <a:t>4/28/2015</a:t>
             </a:fld>
             <a:endParaRPr lang="en-US" dirty="0"/>
           </a:p>
@@ -16184,7 +17200,7 @@
           <a:p>
             <a:fld id="{EBECF4C8-2F4C-4639-B0A9-383DBFA0E7F1}" type="datetime1">
               <a:rPr lang="en-US" smtClean="0"/>
-              <a:t>4/27/2015</a:t>
+              <a:t>4/28/2015</a:t>
             </a:fld>
             <a:endParaRPr lang="en-US" dirty="0"/>
           </a:p>
@@ -16290,7 +17306,7 @@
           <a:p>
             <a:fld id="{D66FE7D3-C2C3-4EEA-B064-7AAC12CFE6B9}" type="datetime1">
               <a:rPr lang="en-US" smtClean="0"/>
-              <a:t>4/27/2015</a:t>
+              <a:t>4/28/2015</a:t>
             </a:fld>
             <a:endParaRPr lang="en-US" dirty="0"/>
           </a:p>
@@ -16578,7 +17594,7 @@
           <a:p>
             <a:fld id="{DA8A8FF5-6E6F-4BE4-AB6D-04763182041D}" type="datetime1">
               <a:rPr lang="en-US" smtClean="0"/>
-              <a:t>4/27/2015</a:t>
+              <a:t>4/28/2015</a:t>
             </a:fld>
             <a:endParaRPr lang="en-US" dirty="0"/>
           </a:p>
@@ -16835,7 +17851,7 @@
           <a:p>
             <a:fld id="{1AAEBF6A-56A6-4EEE-B0B6-176B8261AF28}" type="datetime1">
               <a:rPr lang="en-US" smtClean="0"/>
-              <a:t>4/27/2015</a:t>
+              <a:t>4/28/2015</a:t>
             </a:fld>
             <a:endParaRPr lang="en-US" dirty="0"/>
           </a:p>
@@ -17054,7 +18070,7 @@
             <a:fld id="{F187A1D5-C51B-4F33-90D3-948FE2CE378B}" type="datetime1">
               <a:rPr lang="en-US" smtClean="0"/>
               <a:pPr/>
-              <a:t>4/27/2015</a:t>
+              <a:t>4/28/2015</a:t>
             </a:fld>
             <a:endParaRPr lang="en-US" dirty="0"/>
           </a:p>
@@ -17692,7 +18708,7 @@
           <a:p>
             <a:fld id="{81A00DAA-9CDF-4800-926A-2A96BD332ED2}" type="datetime1">
               <a:rPr lang="en-US" smtClean="0"/>
-              <a:t>4/27/2015</a:t>
+              <a:t>4/28/2015</a:t>
             </a:fld>
             <a:endParaRPr lang="en-US" dirty="0"/>
           </a:p>
@@ -17831,31 +18847,8 @@
           <a:p>
             <a:fld id="{ABA13371-AF71-4354-86E6-C911B62ABD12}" type="datetime1">
               <a:rPr lang="en-US" smtClean="0"/>
-              <a:t>4/27/2015</a:t>
+              <a:t>4/28/2015</a:t>
             </a:fld>
-            <a:endParaRPr lang="en-US" dirty="0"/>
-          </a:p>
-        </p:txBody>
-      </p:sp>
-      <p:sp>
-        <p:nvSpPr>
-          <p:cNvPr id="5" name="Footer Placeholder 4"/>
-          <p:cNvSpPr>
-            <a:spLocks noGrp="1"/>
-          </p:cNvSpPr>
-          <p:nvPr>
-            <p:ph type="ftr" sz="quarter" idx="11"/>
-          </p:nvPr>
-        </p:nvSpPr>
-        <p:spPr/>
-        <p:txBody>
-          <a:bodyPr/>
-          <a:lstStyle/>
-          <a:p>
-            <a:r>
-              <a:rPr lang="en-US" dirty="0" smtClean="0"/>
-              <a:t>ECEN 5060 – Final Project – Spring 2015</a:t>
-            </a:r>
             <a:endParaRPr lang="en-US" dirty="0"/>
           </a:p>
         </p:txBody>
@@ -18133,7 +19126,7 @@
           <a:p>
             <a:fld id="{C8FA8323-24EA-414E-8974-8108BA5764B2}" type="datetime1">
               <a:rPr lang="en-US" smtClean="0"/>
-              <a:t>4/27/2015</a:t>
+              <a:t>4/28/2015</a:t>
             </a:fld>
             <a:endParaRPr lang="en-US" dirty="0"/>
           </a:p>
@@ -18186,1327 +19179,1342 @@
           </a:p>
         </p:txBody>
       </p:sp>
-      <p:sp>
-        <p:nvSpPr>
-          <p:cNvPr id="7" name="Down Arrow 6"/>
-          <p:cNvSpPr/>
+      <p:grpSp>
+        <p:nvGrpSpPr>
+          <p:cNvPr id="55" name="Group 54"/>
+          <p:cNvGrpSpPr/>
           <p:nvPr/>
-        </p:nvSpPr>
-        <p:spPr>
+        </p:nvGrpSpPr>
+        <p:grpSpPr>
           <a:xfrm>
-            <a:off x="8590411" y="1610625"/>
-            <a:ext cx="294564" cy="791381"/>
+            <a:off x="7450115" y="1218020"/>
+            <a:ext cx="4741885" cy="5056537"/>
+            <a:chOff x="7450115" y="1218020"/>
+            <a:chExt cx="4741885" cy="5056537"/>
           </a:xfrm>
-          <a:prstGeom prst="downArrow">
-            <a:avLst/>
-          </a:prstGeom>
-        </p:spPr>
-        <p:style>
-          <a:lnRef idx="2">
-            <a:schemeClr val="accent1">
-              <a:shade val="50000"/>
-            </a:schemeClr>
-          </a:lnRef>
-          <a:fillRef idx="1">
-            <a:schemeClr val="accent1"/>
-          </a:fillRef>
-          <a:effectRef idx="0">
-            <a:schemeClr val="accent1"/>
-          </a:effectRef>
-          <a:fontRef idx="minor">
-            <a:schemeClr val="lt1"/>
-          </a:fontRef>
-        </p:style>
-        <p:txBody>
-          <a:bodyPr rtlCol="0" anchor="ctr"/>
-          <a:lstStyle/>
-          <a:p>
-            <a:pPr algn="ctr"/>
-            <a:endParaRPr lang="en-US" dirty="0"/>
-          </a:p>
-        </p:txBody>
-      </p:sp>
-      <p:sp>
-        <p:nvSpPr>
-          <p:cNvPr id="8" name="Down Arrow 7"/>
-          <p:cNvSpPr/>
-          <p:nvPr/>
-        </p:nvSpPr>
-        <p:spPr>
-          <a:xfrm>
-            <a:off x="9327390" y="1610625"/>
-            <a:ext cx="294564" cy="791381"/>
-          </a:xfrm>
-          <a:prstGeom prst="downArrow">
-            <a:avLst/>
-          </a:prstGeom>
-        </p:spPr>
-        <p:style>
-          <a:lnRef idx="2">
-            <a:schemeClr val="accent1">
-              <a:shade val="50000"/>
-            </a:schemeClr>
-          </a:lnRef>
-          <a:fillRef idx="1">
-            <a:schemeClr val="accent1"/>
-          </a:fillRef>
-          <a:effectRef idx="0">
-            <a:schemeClr val="accent1"/>
-          </a:effectRef>
-          <a:fontRef idx="minor">
-            <a:schemeClr val="lt1"/>
-          </a:fontRef>
-        </p:style>
-        <p:txBody>
-          <a:bodyPr rtlCol="0" anchor="ctr"/>
-          <a:lstStyle/>
-          <a:p>
-            <a:pPr algn="ctr"/>
-            <a:endParaRPr lang="en-US" dirty="0"/>
-          </a:p>
-        </p:txBody>
-      </p:sp>
-      <p:sp>
-        <p:nvSpPr>
-          <p:cNvPr id="9" name="Down Arrow 8"/>
-          <p:cNvSpPr/>
-          <p:nvPr/>
-        </p:nvSpPr>
-        <p:spPr>
-          <a:xfrm>
-            <a:off x="10053564" y="1610625"/>
-            <a:ext cx="294564" cy="791381"/>
-          </a:xfrm>
-          <a:prstGeom prst="downArrow">
-            <a:avLst/>
-          </a:prstGeom>
-        </p:spPr>
-        <p:style>
-          <a:lnRef idx="2">
-            <a:schemeClr val="accent1">
-              <a:shade val="50000"/>
-            </a:schemeClr>
-          </a:lnRef>
-          <a:fillRef idx="1">
-            <a:schemeClr val="accent1"/>
-          </a:fillRef>
-          <a:effectRef idx="0">
-            <a:schemeClr val="accent1"/>
-          </a:effectRef>
-          <a:fontRef idx="minor">
-            <a:schemeClr val="lt1"/>
-          </a:fontRef>
-        </p:style>
-        <p:txBody>
-          <a:bodyPr rtlCol="0" anchor="ctr"/>
-          <a:lstStyle/>
-          <a:p>
-            <a:pPr algn="ctr"/>
-            <a:endParaRPr lang="en-US" dirty="0"/>
-          </a:p>
-        </p:txBody>
-      </p:sp>
-      <p:sp>
-        <p:nvSpPr>
-          <p:cNvPr id="10" name="Down Arrow 9"/>
-          <p:cNvSpPr/>
-          <p:nvPr/>
-        </p:nvSpPr>
-        <p:spPr>
-          <a:xfrm>
-            <a:off x="10744480" y="1610625"/>
-            <a:ext cx="294564" cy="791381"/>
-          </a:xfrm>
-          <a:prstGeom prst="downArrow">
-            <a:avLst/>
-          </a:prstGeom>
-        </p:spPr>
-        <p:style>
-          <a:lnRef idx="2">
-            <a:schemeClr val="accent1">
-              <a:shade val="50000"/>
-            </a:schemeClr>
-          </a:lnRef>
-          <a:fillRef idx="1">
-            <a:schemeClr val="accent1"/>
-          </a:fillRef>
-          <a:effectRef idx="0">
-            <a:schemeClr val="accent1"/>
-          </a:effectRef>
-          <a:fontRef idx="minor">
-            <a:schemeClr val="lt1"/>
-          </a:fontRef>
-        </p:style>
-        <p:txBody>
-          <a:bodyPr rtlCol="0" anchor="ctr"/>
-          <a:lstStyle/>
-          <a:p>
-            <a:pPr algn="ctr"/>
-            <a:endParaRPr lang="en-US" dirty="0"/>
-          </a:p>
-        </p:txBody>
-      </p:sp>
-      <p:cxnSp>
-        <p:nvCxnSpPr>
-          <p:cNvPr id="12" name="Straight Connector 11"/>
-          <p:cNvCxnSpPr>
-            <a:stCxn id="7" idx="2"/>
-            <a:endCxn id="8" idx="0"/>
-          </p:cNvCxnSpPr>
-          <p:nvPr/>
-        </p:nvCxnSpPr>
-        <p:spPr>
-          <a:xfrm flipV="1">
-            <a:off x="8737693" y="1610625"/>
-            <a:ext cx="736979" cy="791381"/>
-          </a:xfrm>
-          <a:prstGeom prst="line">
-            <a:avLst/>
-          </a:prstGeom>
-        </p:spPr>
-        <p:style>
-          <a:lnRef idx="1">
-            <a:schemeClr val="accent1"/>
-          </a:lnRef>
-          <a:fillRef idx="0">
-            <a:schemeClr val="accent1"/>
-          </a:fillRef>
-          <a:effectRef idx="0">
-            <a:schemeClr val="accent1"/>
-          </a:effectRef>
-          <a:fontRef idx="minor">
-            <a:schemeClr val="tx1"/>
-          </a:fontRef>
-        </p:style>
-      </p:cxnSp>
-      <p:cxnSp>
-        <p:nvCxnSpPr>
-          <p:cNvPr id="13" name="Straight Connector 12"/>
-          <p:cNvCxnSpPr/>
-          <p:nvPr/>
-        </p:nvCxnSpPr>
-        <p:spPr>
-          <a:xfrm flipV="1">
-            <a:off x="9470974" y="1583424"/>
-            <a:ext cx="736979" cy="791381"/>
-          </a:xfrm>
-          <a:prstGeom prst="line">
-            <a:avLst/>
-          </a:prstGeom>
-        </p:spPr>
-        <p:style>
-          <a:lnRef idx="1">
-            <a:schemeClr val="accent1"/>
-          </a:lnRef>
-          <a:fillRef idx="0">
-            <a:schemeClr val="accent1"/>
-          </a:fillRef>
-          <a:effectRef idx="0">
-            <a:schemeClr val="accent1"/>
-          </a:effectRef>
-          <a:fontRef idx="minor">
-            <a:schemeClr val="tx1"/>
-          </a:fontRef>
-        </p:style>
-      </p:cxnSp>
-      <p:cxnSp>
-        <p:nvCxnSpPr>
-          <p:cNvPr id="14" name="Straight Connector 13"/>
-          <p:cNvCxnSpPr/>
-          <p:nvPr/>
-        </p:nvCxnSpPr>
-        <p:spPr>
-          <a:xfrm flipV="1">
-            <a:off x="10152508" y="1610625"/>
-            <a:ext cx="736979" cy="791381"/>
-          </a:xfrm>
-          <a:prstGeom prst="line">
-            <a:avLst/>
-          </a:prstGeom>
-        </p:spPr>
-        <p:style>
-          <a:lnRef idx="1">
-            <a:schemeClr val="accent1"/>
-          </a:lnRef>
-          <a:fillRef idx="0">
-            <a:schemeClr val="accent1"/>
-          </a:fillRef>
-          <a:effectRef idx="0">
-            <a:schemeClr val="accent1"/>
-          </a:effectRef>
-          <a:fontRef idx="minor">
-            <a:schemeClr val="tx1"/>
-          </a:fontRef>
-        </p:style>
-      </p:cxnSp>
-      <p:sp>
-        <p:nvSpPr>
-          <p:cNvPr id="15" name="Down Arrow 14"/>
-          <p:cNvSpPr/>
-          <p:nvPr/>
-        </p:nvSpPr>
-        <p:spPr>
-          <a:xfrm>
-            <a:off x="8590411" y="2770778"/>
-            <a:ext cx="294564" cy="791381"/>
-          </a:xfrm>
-          <a:prstGeom prst="downArrow">
-            <a:avLst/>
-          </a:prstGeom>
-        </p:spPr>
-        <p:style>
-          <a:lnRef idx="2">
-            <a:schemeClr val="accent1">
-              <a:shade val="50000"/>
-            </a:schemeClr>
-          </a:lnRef>
-          <a:fillRef idx="1">
-            <a:schemeClr val="accent1"/>
-          </a:fillRef>
-          <a:effectRef idx="0">
-            <a:schemeClr val="accent1"/>
-          </a:effectRef>
-          <a:fontRef idx="minor">
-            <a:schemeClr val="lt1"/>
-          </a:fontRef>
-        </p:style>
-        <p:txBody>
-          <a:bodyPr rtlCol="0" anchor="ctr"/>
-          <a:lstStyle/>
-          <a:p>
-            <a:pPr algn="ctr"/>
-            <a:endParaRPr lang="en-US" dirty="0"/>
-          </a:p>
-        </p:txBody>
-      </p:sp>
-      <p:sp>
-        <p:nvSpPr>
-          <p:cNvPr id="16" name="Down Arrow 15"/>
-          <p:cNvSpPr/>
-          <p:nvPr/>
-        </p:nvSpPr>
-        <p:spPr>
-          <a:xfrm>
-            <a:off x="9327390" y="2770778"/>
-            <a:ext cx="294564" cy="791381"/>
-          </a:xfrm>
-          <a:prstGeom prst="downArrow">
-            <a:avLst/>
-          </a:prstGeom>
-        </p:spPr>
-        <p:style>
-          <a:lnRef idx="2">
-            <a:schemeClr val="accent1">
-              <a:shade val="50000"/>
-            </a:schemeClr>
-          </a:lnRef>
-          <a:fillRef idx="1">
-            <a:schemeClr val="accent1"/>
-          </a:fillRef>
-          <a:effectRef idx="0">
-            <a:schemeClr val="accent1"/>
-          </a:effectRef>
-          <a:fontRef idx="minor">
-            <a:schemeClr val="lt1"/>
-          </a:fontRef>
-        </p:style>
-        <p:txBody>
-          <a:bodyPr rtlCol="0" anchor="ctr"/>
-          <a:lstStyle/>
-          <a:p>
-            <a:pPr algn="ctr"/>
-            <a:endParaRPr lang="en-US" dirty="0"/>
-          </a:p>
-        </p:txBody>
-      </p:sp>
-      <p:sp>
-        <p:nvSpPr>
-          <p:cNvPr id="17" name="Down Arrow 16"/>
-          <p:cNvSpPr/>
-          <p:nvPr/>
-        </p:nvSpPr>
-        <p:spPr>
-          <a:xfrm>
-            <a:off x="10053564" y="2770778"/>
-            <a:ext cx="294564" cy="791381"/>
-          </a:xfrm>
-          <a:prstGeom prst="downArrow">
-            <a:avLst/>
-          </a:prstGeom>
-        </p:spPr>
-        <p:style>
-          <a:lnRef idx="2">
-            <a:schemeClr val="accent1">
-              <a:shade val="50000"/>
-            </a:schemeClr>
-          </a:lnRef>
-          <a:fillRef idx="1">
-            <a:schemeClr val="accent1"/>
-          </a:fillRef>
-          <a:effectRef idx="0">
-            <a:schemeClr val="accent1"/>
-          </a:effectRef>
-          <a:fontRef idx="minor">
-            <a:schemeClr val="lt1"/>
-          </a:fontRef>
-        </p:style>
-        <p:txBody>
-          <a:bodyPr rtlCol="0" anchor="ctr"/>
-          <a:lstStyle/>
-          <a:p>
-            <a:pPr algn="ctr"/>
-            <a:endParaRPr lang="en-US" dirty="0"/>
-          </a:p>
-        </p:txBody>
-      </p:sp>
-      <p:sp>
-        <p:nvSpPr>
-          <p:cNvPr id="18" name="Down Arrow 17"/>
-          <p:cNvSpPr/>
-          <p:nvPr/>
-        </p:nvSpPr>
-        <p:spPr>
-          <a:xfrm>
-            <a:off x="10744480" y="2770778"/>
-            <a:ext cx="294564" cy="791381"/>
-          </a:xfrm>
-          <a:prstGeom prst="downArrow">
-            <a:avLst/>
-          </a:prstGeom>
-        </p:spPr>
-        <p:style>
-          <a:lnRef idx="2">
-            <a:schemeClr val="accent1">
-              <a:shade val="50000"/>
-            </a:schemeClr>
-          </a:lnRef>
-          <a:fillRef idx="1">
-            <a:schemeClr val="accent1"/>
-          </a:fillRef>
-          <a:effectRef idx="0">
-            <a:schemeClr val="accent1"/>
-          </a:effectRef>
-          <a:fontRef idx="minor">
-            <a:schemeClr val="lt1"/>
-          </a:fontRef>
-        </p:style>
-        <p:txBody>
-          <a:bodyPr rtlCol="0" anchor="ctr"/>
-          <a:lstStyle/>
-          <a:p>
-            <a:pPr algn="ctr"/>
-            <a:endParaRPr lang="en-US" dirty="0"/>
-          </a:p>
-        </p:txBody>
-      </p:sp>
-      <p:cxnSp>
-        <p:nvCxnSpPr>
-          <p:cNvPr id="19" name="Straight Connector 18"/>
-          <p:cNvCxnSpPr>
-            <a:stCxn id="15" idx="2"/>
-            <a:endCxn id="16" idx="0"/>
-          </p:cNvCxnSpPr>
-          <p:nvPr/>
-        </p:nvCxnSpPr>
-        <p:spPr>
-          <a:xfrm flipV="1">
-            <a:off x="8737693" y="2770778"/>
-            <a:ext cx="736979" cy="791381"/>
-          </a:xfrm>
-          <a:prstGeom prst="line">
-            <a:avLst/>
-          </a:prstGeom>
-        </p:spPr>
-        <p:style>
-          <a:lnRef idx="1">
-            <a:schemeClr val="accent1"/>
-          </a:lnRef>
-          <a:fillRef idx="0">
-            <a:schemeClr val="accent1"/>
-          </a:fillRef>
-          <a:effectRef idx="0">
-            <a:schemeClr val="accent1"/>
-          </a:effectRef>
-          <a:fontRef idx="minor">
-            <a:schemeClr val="tx1"/>
-          </a:fontRef>
-        </p:style>
-      </p:cxnSp>
-      <p:cxnSp>
-        <p:nvCxnSpPr>
-          <p:cNvPr id="20" name="Straight Connector 19"/>
-          <p:cNvCxnSpPr/>
-          <p:nvPr/>
-        </p:nvCxnSpPr>
-        <p:spPr>
-          <a:xfrm flipV="1">
-            <a:off x="9470974" y="2743577"/>
-            <a:ext cx="736979" cy="791381"/>
-          </a:xfrm>
-          <a:prstGeom prst="line">
-            <a:avLst/>
-          </a:prstGeom>
-        </p:spPr>
-        <p:style>
-          <a:lnRef idx="1">
-            <a:schemeClr val="accent1"/>
-          </a:lnRef>
-          <a:fillRef idx="0">
-            <a:schemeClr val="accent1"/>
-          </a:fillRef>
-          <a:effectRef idx="0">
-            <a:schemeClr val="accent1"/>
-          </a:effectRef>
-          <a:fontRef idx="minor">
-            <a:schemeClr val="tx1"/>
-          </a:fontRef>
-        </p:style>
-      </p:cxnSp>
-      <p:cxnSp>
-        <p:nvCxnSpPr>
-          <p:cNvPr id="21" name="Straight Connector 20"/>
-          <p:cNvCxnSpPr/>
-          <p:nvPr/>
-        </p:nvCxnSpPr>
-        <p:spPr>
-          <a:xfrm flipV="1">
-            <a:off x="10152508" y="2770778"/>
-            <a:ext cx="736979" cy="791381"/>
-          </a:xfrm>
-          <a:prstGeom prst="line">
-            <a:avLst/>
-          </a:prstGeom>
-        </p:spPr>
-        <p:style>
-          <a:lnRef idx="1">
-            <a:schemeClr val="accent1"/>
-          </a:lnRef>
-          <a:fillRef idx="0">
-            <a:schemeClr val="accent1"/>
-          </a:fillRef>
-          <a:effectRef idx="0">
-            <a:schemeClr val="accent1"/>
-          </a:effectRef>
-          <a:fontRef idx="minor">
-            <a:schemeClr val="tx1"/>
-          </a:fontRef>
-        </p:style>
-      </p:cxnSp>
-      <p:sp>
-        <p:nvSpPr>
-          <p:cNvPr id="22" name="Down Arrow 21"/>
-          <p:cNvSpPr/>
-          <p:nvPr/>
-        </p:nvSpPr>
-        <p:spPr>
-          <a:xfrm>
-            <a:off x="8586713" y="3958132"/>
-            <a:ext cx="294564" cy="791381"/>
-          </a:xfrm>
-          <a:prstGeom prst="downArrow">
-            <a:avLst/>
-          </a:prstGeom>
-        </p:spPr>
-        <p:style>
-          <a:lnRef idx="2">
-            <a:schemeClr val="accent1">
-              <a:shade val="50000"/>
-            </a:schemeClr>
-          </a:lnRef>
-          <a:fillRef idx="1">
-            <a:schemeClr val="accent1"/>
-          </a:fillRef>
-          <a:effectRef idx="0">
-            <a:schemeClr val="accent1"/>
-          </a:effectRef>
-          <a:fontRef idx="minor">
-            <a:schemeClr val="lt1"/>
-          </a:fontRef>
-        </p:style>
-        <p:txBody>
-          <a:bodyPr rtlCol="0" anchor="ctr"/>
-          <a:lstStyle/>
-          <a:p>
-            <a:pPr algn="ctr"/>
-            <a:endParaRPr lang="en-US" dirty="0"/>
-          </a:p>
-        </p:txBody>
-      </p:sp>
-      <p:sp>
-        <p:nvSpPr>
-          <p:cNvPr id="23" name="Down Arrow 22"/>
-          <p:cNvSpPr/>
-          <p:nvPr/>
-        </p:nvSpPr>
-        <p:spPr>
-          <a:xfrm>
-            <a:off x="9323692" y="3958132"/>
-            <a:ext cx="294564" cy="791381"/>
-          </a:xfrm>
-          <a:prstGeom prst="downArrow">
-            <a:avLst/>
-          </a:prstGeom>
-        </p:spPr>
-        <p:style>
-          <a:lnRef idx="2">
-            <a:schemeClr val="accent1">
-              <a:shade val="50000"/>
-            </a:schemeClr>
-          </a:lnRef>
-          <a:fillRef idx="1">
-            <a:schemeClr val="accent1"/>
-          </a:fillRef>
-          <a:effectRef idx="0">
-            <a:schemeClr val="accent1"/>
-          </a:effectRef>
-          <a:fontRef idx="minor">
-            <a:schemeClr val="lt1"/>
-          </a:fontRef>
-        </p:style>
-        <p:txBody>
-          <a:bodyPr rtlCol="0" anchor="ctr"/>
-          <a:lstStyle/>
-          <a:p>
-            <a:pPr algn="ctr"/>
-            <a:endParaRPr lang="en-US" dirty="0"/>
-          </a:p>
-        </p:txBody>
-      </p:sp>
-      <p:sp>
-        <p:nvSpPr>
-          <p:cNvPr id="24" name="Down Arrow 23"/>
-          <p:cNvSpPr/>
-          <p:nvPr/>
-        </p:nvSpPr>
-        <p:spPr>
-          <a:xfrm>
-            <a:off x="10049866" y="3958132"/>
-            <a:ext cx="294564" cy="791381"/>
-          </a:xfrm>
-          <a:prstGeom prst="downArrow">
-            <a:avLst/>
-          </a:prstGeom>
-        </p:spPr>
-        <p:style>
-          <a:lnRef idx="2">
-            <a:schemeClr val="accent1">
-              <a:shade val="50000"/>
-            </a:schemeClr>
-          </a:lnRef>
-          <a:fillRef idx="1">
-            <a:schemeClr val="accent1"/>
-          </a:fillRef>
-          <a:effectRef idx="0">
-            <a:schemeClr val="accent1"/>
-          </a:effectRef>
-          <a:fontRef idx="minor">
-            <a:schemeClr val="lt1"/>
-          </a:fontRef>
-        </p:style>
-        <p:txBody>
-          <a:bodyPr rtlCol="0" anchor="ctr"/>
-          <a:lstStyle/>
-          <a:p>
-            <a:pPr algn="ctr"/>
-            <a:endParaRPr lang="en-US" dirty="0"/>
-          </a:p>
-        </p:txBody>
-      </p:sp>
-      <p:sp>
-        <p:nvSpPr>
-          <p:cNvPr id="25" name="Down Arrow 24"/>
-          <p:cNvSpPr/>
-          <p:nvPr/>
-        </p:nvSpPr>
-        <p:spPr>
-          <a:xfrm>
-            <a:off x="10740782" y="3958132"/>
-            <a:ext cx="294564" cy="791381"/>
-          </a:xfrm>
-          <a:prstGeom prst="downArrow">
-            <a:avLst/>
-          </a:prstGeom>
-        </p:spPr>
-        <p:style>
-          <a:lnRef idx="2">
-            <a:schemeClr val="accent1">
-              <a:shade val="50000"/>
-            </a:schemeClr>
-          </a:lnRef>
-          <a:fillRef idx="1">
-            <a:schemeClr val="accent1"/>
-          </a:fillRef>
-          <a:effectRef idx="0">
-            <a:schemeClr val="accent1"/>
-          </a:effectRef>
-          <a:fontRef idx="minor">
-            <a:schemeClr val="lt1"/>
-          </a:fontRef>
-        </p:style>
-        <p:txBody>
-          <a:bodyPr rtlCol="0" anchor="ctr"/>
-          <a:lstStyle/>
-          <a:p>
-            <a:pPr algn="ctr"/>
-            <a:endParaRPr lang="en-US" dirty="0"/>
-          </a:p>
-        </p:txBody>
-      </p:sp>
-      <p:cxnSp>
-        <p:nvCxnSpPr>
-          <p:cNvPr id="26" name="Straight Connector 25"/>
-          <p:cNvCxnSpPr>
-            <a:stCxn id="22" idx="2"/>
-            <a:endCxn id="23" idx="0"/>
-          </p:cNvCxnSpPr>
-          <p:nvPr/>
-        </p:nvCxnSpPr>
-        <p:spPr>
-          <a:xfrm flipV="1">
-            <a:off x="8733995" y="3958132"/>
-            <a:ext cx="736979" cy="791381"/>
-          </a:xfrm>
-          <a:prstGeom prst="line">
-            <a:avLst/>
-          </a:prstGeom>
-        </p:spPr>
-        <p:style>
-          <a:lnRef idx="1">
-            <a:schemeClr val="accent1"/>
-          </a:lnRef>
-          <a:fillRef idx="0">
-            <a:schemeClr val="accent1"/>
-          </a:fillRef>
-          <a:effectRef idx="0">
-            <a:schemeClr val="accent1"/>
-          </a:effectRef>
-          <a:fontRef idx="minor">
-            <a:schemeClr val="tx1"/>
-          </a:fontRef>
-        </p:style>
-      </p:cxnSp>
-      <p:cxnSp>
-        <p:nvCxnSpPr>
-          <p:cNvPr id="27" name="Straight Connector 26"/>
-          <p:cNvCxnSpPr/>
-          <p:nvPr/>
-        </p:nvCxnSpPr>
-        <p:spPr>
-          <a:xfrm flipV="1">
-            <a:off x="9467276" y="3930931"/>
-            <a:ext cx="736979" cy="791381"/>
-          </a:xfrm>
-          <a:prstGeom prst="line">
-            <a:avLst/>
-          </a:prstGeom>
-        </p:spPr>
-        <p:style>
-          <a:lnRef idx="1">
-            <a:schemeClr val="accent1"/>
-          </a:lnRef>
-          <a:fillRef idx="0">
-            <a:schemeClr val="accent1"/>
-          </a:fillRef>
-          <a:effectRef idx="0">
-            <a:schemeClr val="accent1"/>
-          </a:effectRef>
-          <a:fontRef idx="minor">
-            <a:schemeClr val="tx1"/>
-          </a:fontRef>
-        </p:style>
-      </p:cxnSp>
-      <p:cxnSp>
-        <p:nvCxnSpPr>
-          <p:cNvPr id="28" name="Straight Connector 27"/>
-          <p:cNvCxnSpPr/>
-          <p:nvPr/>
-        </p:nvCxnSpPr>
-        <p:spPr>
-          <a:xfrm flipV="1">
-            <a:off x="10148810" y="3958132"/>
-            <a:ext cx="736979" cy="791381"/>
-          </a:xfrm>
-          <a:prstGeom prst="line">
-            <a:avLst/>
-          </a:prstGeom>
-        </p:spPr>
-        <p:style>
-          <a:lnRef idx="1">
-            <a:schemeClr val="accent1"/>
-          </a:lnRef>
-          <a:fillRef idx="0">
-            <a:schemeClr val="accent1"/>
-          </a:fillRef>
-          <a:effectRef idx="0">
-            <a:schemeClr val="accent1"/>
-          </a:effectRef>
-          <a:fontRef idx="minor">
-            <a:schemeClr val="tx1"/>
-          </a:fontRef>
-        </p:style>
-      </p:cxnSp>
-      <p:cxnSp>
-        <p:nvCxnSpPr>
-          <p:cNvPr id="30" name="Straight Connector 29"/>
-          <p:cNvCxnSpPr>
-            <a:stCxn id="10" idx="2"/>
-            <a:endCxn id="15" idx="0"/>
-          </p:cNvCxnSpPr>
-          <p:nvPr/>
-        </p:nvCxnSpPr>
-        <p:spPr>
-          <a:xfrm flipH="1">
-            <a:off x="8737693" y="2402006"/>
-            <a:ext cx="2154069" cy="368772"/>
-          </a:xfrm>
-          <a:prstGeom prst="line">
-            <a:avLst/>
-          </a:prstGeom>
-        </p:spPr>
-        <p:style>
-          <a:lnRef idx="1">
-            <a:schemeClr val="accent1"/>
-          </a:lnRef>
-          <a:fillRef idx="0">
-            <a:schemeClr val="accent1"/>
-          </a:fillRef>
-          <a:effectRef idx="0">
-            <a:schemeClr val="accent1"/>
-          </a:effectRef>
-          <a:fontRef idx="minor">
-            <a:schemeClr val="tx1"/>
-          </a:fontRef>
-        </p:style>
-      </p:cxnSp>
-      <p:cxnSp>
-        <p:nvCxnSpPr>
-          <p:cNvPr id="31" name="Straight Connector 30"/>
-          <p:cNvCxnSpPr>
-            <a:stCxn id="18" idx="2"/>
-            <a:endCxn id="22" idx="0"/>
-          </p:cNvCxnSpPr>
-          <p:nvPr/>
-        </p:nvCxnSpPr>
-        <p:spPr>
-          <a:xfrm flipH="1">
-            <a:off x="8733995" y="3562159"/>
-            <a:ext cx="2157767" cy="395973"/>
-          </a:xfrm>
-          <a:prstGeom prst="line">
-            <a:avLst/>
-          </a:prstGeom>
-        </p:spPr>
-        <p:style>
-          <a:lnRef idx="1">
-            <a:schemeClr val="accent1"/>
-          </a:lnRef>
-          <a:fillRef idx="0">
-            <a:schemeClr val="accent1"/>
-          </a:fillRef>
-          <a:effectRef idx="0">
-            <a:schemeClr val="accent1"/>
-          </a:effectRef>
-          <a:fontRef idx="minor">
-            <a:schemeClr val="tx1"/>
-          </a:fontRef>
-        </p:style>
-      </p:cxnSp>
-      <p:cxnSp>
-        <p:nvCxnSpPr>
-          <p:cNvPr id="36" name="Straight Connector 35"/>
-          <p:cNvCxnSpPr/>
-          <p:nvPr/>
-        </p:nvCxnSpPr>
-        <p:spPr>
-          <a:xfrm>
-            <a:off x="8733995" y="5049671"/>
-            <a:ext cx="2151794" cy="0"/>
-          </a:xfrm>
-          <a:prstGeom prst="line">
-            <a:avLst/>
-          </a:prstGeom>
-          <a:ln w="57150">
-            <a:prstDash val="sysDash"/>
-          </a:ln>
-        </p:spPr>
-        <p:style>
-          <a:lnRef idx="1">
-            <a:schemeClr val="accent1"/>
-          </a:lnRef>
-          <a:fillRef idx="0">
-            <a:schemeClr val="accent1"/>
-          </a:fillRef>
-          <a:effectRef idx="0">
-            <a:schemeClr val="accent1"/>
-          </a:effectRef>
-          <a:fontRef idx="minor">
-            <a:schemeClr val="tx1"/>
-          </a:fontRef>
-        </p:style>
-      </p:cxnSp>
-      <p:sp>
-        <p:nvSpPr>
-          <p:cNvPr id="38" name="Down Arrow 37"/>
-          <p:cNvSpPr/>
-          <p:nvPr/>
-        </p:nvSpPr>
-        <p:spPr>
-          <a:xfrm>
-            <a:off x="8599790" y="5483176"/>
-            <a:ext cx="294564" cy="791381"/>
-          </a:xfrm>
-          <a:prstGeom prst="downArrow">
-            <a:avLst/>
-          </a:prstGeom>
-        </p:spPr>
-        <p:style>
-          <a:lnRef idx="2">
-            <a:schemeClr val="accent1">
-              <a:shade val="50000"/>
-            </a:schemeClr>
-          </a:lnRef>
-          <a:fillRef idx="1">
-            <a:schemeClr val="accent1"/>
-          </a:fillRef>
-          <a:effectRef idx="0">
-            <a:schemeClr val="accent1"/>
-          </a:effectRef>
-          <a:fontRef idx="minor">
-            <a:schemeClr val="lt1"/>
-          </a:fontRef>
-        </p:style>
-        <p:txBody>
-          <a:bodyPr rtlCol="0" anchor="ctr"/>
-          <a:lstStyle/>
-          <a:p>
-            <a:pPr algn="ctr"/>
-            <a:endParaRPr lang="en-US" dirty="0"/>
-          </a:p>
-        </p:txBody>
-      </p:sp>
-      <p:sp>
-        <p:nvSpPr>
-          <p:cNvPr id="39" name="Down Arrow 38"/>
-          <p:cNvSpPr/>
-          <p:nvPr/>
-        </p:nvSpPr>
-        <p:spPr>
-          <a:xfrm>
-            <a:off x="9336769" y="5483176"/>
-            <a:ext cx="294564" cy="791381"/>
-          </a:xfrm>
-          <a:prstGeom prst="downArrow">
-            <a:avLst/>
-          </a:prstGeom>
-        </p:spPr>
-        <p:style>
-          <a:lnRef idx="2">
-            <a:schemeClr val="accent1">
-              <a:shade val="50000"/>
-            </a:schemeClr>
-          </a:lnRef>
-          <a:fillRef idx="1">
-            <a:schemeClr val="accent1"/>
-          </a:fillRef>
-          <a:effectRef idx="0">
-            <a:schemeClr val="accent1"/>
-          </a:effectRef>
-          <a:fontRef idx="minor">
-            <a:schemeClr val="lt1"/>
-          </a:fontRef>
-        </p:style>
-        <p:txBody>
-          <a:bodyPr rtlCol="0" anchor="ctr"/>
-          <a:lstStyle/>
-          <a:p>
-            <a:pPr algn="ctr"/>
-            <a:endParaRPr lang="en-US" dirty="0"/>
-          </a:p>
-        </p:txBody>
-      </p:sp>
-      <p:sp>
-        <p:nvSpPr>
-          <p:cNvPr id="40" name="Down Arrow 39"/>
-          <p:cNvSpPr/>
-          <p:nvPr/>
-        </p:nvSpPr>
-        <p:spPr>
-          <a:xfrm>
-            <a:off x="10062943" y="5483176"/>
-            <a:ext cx="294564" cy="791381"/>
-          </a:xfrm>
-          <a:prstGeom prst="downArrow">
-            <a:avLst/>
-          </a:prstGeom>
-        </p:spPr>
-        <p:style>
-          <a:lnRef idx="2">
-            <a:schemeClr val="accent1">
-              <a:shade val="50000"/>
-            </a:schemeClr>
-          </a:lnRef>
-          <a:fillRef idx="1">
-            <a:schemeClr val="accent1"/>
-          </a:fillRef>
-          <a:effectRef idx="0">
-            <a:schemeClr val="accent1"/>
-          </a:effectRef>
-          <a:fontRef idx="minor">
-            <a:schemeClr val="lt1"/>
-          </a:fontRef>
-        </p:style>
-        <p:txBody>
-          <a:bodyPr rtlCol="0" anchor="ctr"/>
-          <a:lstStyle/>
-          <a:p>
-            <a:pPr algn="ctr"/>
-            <a:endParaRPr lang="en-US" dirty="0"/>
-          </a:p>
-        </p:txBody>
-      </p:sp>
-      <p:sp>
-        <p:nvSpPr>
-          <p:cNvPr id="41" name="Down Arrow 40"/>
-          <p:cNvSpPr/>
-          <p:nvPr/>
-        </p:nvSpPr>
-        <p:spPr>
-          <a:xfrm>
-            <a:off x="10753859" y="5483176"/>
-            <a:ext cx="294564" cy="791381"/>
-          </a:xfrm>
-          <a:prstGeom prst="downArrow">
-            <a:avLst/>
-          </a:prstGeom>
-        </p:spPr>
-        <p:style>
-          <a:lnRef idx="2">
-            <a:schemeClr val="accent1">
-              <a:shade val="50000"/>
-            </a:schemeClr>
-          </a:lnRef>
-          <a:fillRef idx="1">
-            <a:schemeClr val="accent1"/>
-          </a:fillRef>
-          <a:effectRef idx="0">
-            <a:schemeClr val="accent1"/>
-          </a:effectRef>
-          <a:fontRef idx="minor">
-            <a:schemeClr val="lt1"/>
-          </a:fontRef>
-        </p:style>
-        <p:txBody>
-          <a:bodyPr rtlCol="0" anchor="ctr"/>
-          <a:lstStyle/>
-          <a:p>
-            <a:pPr algn="ctr"/>
-            <a:endParaRPr lang="en-US" dirty="0"/>
-          </a:p>
-        </p:txBody>
-      </p:sp>
-      <p:cxnSp>
-        <p:nvCxnSpPr>
-          <p:cNvPr id="42" name="Straight Connector 41"/>
-          <p:cNvCxnSpPr>
-            <a:stCxn id="38" idx="2"/>
-            <a:endCxn id="39" idx="0"/>
-          </p:cNvCxnSpPr>
-          <p:nvPr/>
-        </p:nvCxnSpPr>
-        <p:spPr>
-          <a:xfrm flipV="1">
-            <a:off x="8747072" y="5483176"/>
-            <a:ext cx="736979" cy="791381"/>
-          </a:xfrm>
-          <a:prstGeom prst="line">
-            <a:avLst/>
-          </a:prstGeom>
-        </p:spPr>
-        <p:style>
-          <a:lnRef idx="1">
-            <a:schemeClr val="accent1"/>
-          </a:lnRef>
-          <a:fillRef idx="0">
-            <a:schemeClr val="accent1"/>
-          </a:fillRef>
-          <a:effectRef idx="0">
-            <a:schemeClr val="accent1"/>
-          </a:effectRef>
-          <a:fontRef idx="minor">
-            <a:schemeClr val="tx1"/>
-          </a:fontRef>
-        </p:style>
-      </p:cxnSp>
-      <p:cxnSp>
-        <p:nvCxnSpPr>
-          <p:cNvPr id="43" name="Straight Connector 42"/>
-          <p:cNvCxnSpPr/>
-          <p:nvPr/>
-        </p:nvCxnSpPr>
-        <p:spPr>
-          <a:xfrm flipV="1">
-            <a:off x="9480353" y="5455975"/>
-            <a:ext cx="736979" cy="791381"/>
-          </a:xfrm>
-          <a:prstGeom prst="line">
-            <a:avLst/>
-          </a:prstGeom>
-        </p:spPr>
-        <p:style>
-          <a:lnRef idx="1">
-            <a:schemeClr val="accent1"/>
-          </a:lnRef>
-          <a:fillRef idx="0">
-            <a:schemeClr val="accent1"/>
-          </a:fillRef>
-          <a:effectRef idx="0">
-            <a:schemeClr val="accent1"/>
-          </a:effectRef>
-          <a:fontRef idx="minor">
-            <a:schemeClr val="tx1"/>
-          </a:fontRef>
-        </p:style>
-      </p:cxnSp>
-      <p:cxnSp>
-        <p:nvCxnSpPr>
-          <p:cNvPr id="44" name="Straight Connector 43"/>
-          <p:cNvCxnSpPr/>
-          <p:nvPr/>
-        </p:nvCxnSpPr>
-        <p:spPr>
-          <a:xfrm flipV="1">
-            <a:off x="10161887" y="5483176"/>
-            <a:ext cx="736979" cy="791381"/>
-          </a:xfrm>
-          <a:prstGeom prst="line">
-            <a:avLst/>
-          </a:prstGeom>
-        </p:spPr>
-        <p:style>
-          <a:lnRef idx="1">
-            <a:schemeClr val="accent1"/>
-          </a:lnRef>
-          <a:fillRef idx="0">
-            <a:schemeClr val="accent1"/>
-          </a:fillRef>
-          <a:effectRef idx="0">
-            <a:schemeClr val="accent1"/>
-          </a:effectRef>
-          <a:fontRef idx="minor">
-            <a:schemeClr val="tx1"/>
-          </a:fontRef>
-        </p:style>
-      </p:cxnSp>
-      <p:cxnSp>
-        <p:nvCxnSpPr>
-          <p:cNvPr id="45" name="Straight Connector 44"/>
-          <p:cNvCxnSpPr/>
-          <p:nvPr/>
-        </p:nvCxnSpPr>
-        <p:spPr>
-          <a:xfrm flipH="1">
-            <a:off x="8728022" y="5091084"/>
-            <a:ext cx="2157767" cy="395973"/>
-          </a:xfrm>
-          <a:prstGeom prst="line">
-            <a:avLst/>
-          </a:prstGeom>
-        </p:spPr>
-        <p:style>
-          <a:lnRef idx="1">
-            <a:schemeClr val="accent1"/>
-          </a:lnRef>
-          <a:fillRef idx="0">
-            <a:schemeClr val="accent1"/>
-          </a:fillRef>
-          <a:effectRef idx="0">
-            <a:schemeClr val="accent1"/>
-          </a:effectRef>
-          <a:fontRef idx="minor">
-            <a:schemeClr val="tx1"/>
-          </a:fontRef>
-        </p:style>
-      </p:cxnSp>
-      <p:sp>
-        <p:nvSpPr>
-          <p:cNvPr id="46" name="TextBox 45"/>
-          <p:cNvSpPr txBox="1"/>
-          <p:nvPr/>
-        </p:nvSpPr>
-        <p:spPr>
-          <a:xfrm>
-            <a:off x="8599790" y="1231900"/>
-            <a:ext cx="2435556" cy="369332"/>
-          </a:xfrm>
-          <a:prstGeom prst="rect">
-            <a:avLst/>
-          </a:prstGeom>
-          <a:noFill/>
-        </p:spPr>
-        <p:txBody>
-          <a:bodyPr wrap="square" rtlCol="0">
-            <a:spAutoFit/>
-          </a:bodyPr>
-          <a:lstStyle/>
-          <a:p>
-            <a:r>
-              <a:rPr lang="en-US" b="1" dirty="0" smtClean="0"/>
-              <a:t>1           2            3           4</a:t>
-            </a:r>
-            <a:endParaRPr lang="en-US" b="1" dirty="0"/>
-          </a:p>
-        </p:txBody>
-      </p:sp>
-      <p:sp>
-        <p:nvSpPr>
-          <p:cNvPr id="47" name="TextBox 46"/>
-          <p:cNvSpPr txBox="1"/>
-          <p:nvPr/>
-        </p:nvSpPr>
-        <p:spPr>
-          <a:xfrm>
-            <a:off x="11178930" y="2041302"/>
-            <a:ext cx="999132" cy="369332"/>
-          </a:xfrm>
-          <a:prstGeom prst="rect">
-            <a:avLst/>
-          </a:prstGeom>
-          <a:noFill/>
-        </p:spPr>
-        <p:txBody>
-          <a:bodyPr wrap="square" rtlCol="0">
-            <a:spAutoFit/>
-          </a:bodyPr>
-          <a:lstStyle/>
-          <a:p>
-            <a:r>
-              <a:rPr lang="en-US" b="1" dirty="0" smtClean="0"/>
-              <a:t>Step 1</a:t>
-            </a:r>
-            <a:endParaRPr lang="en-US" b="1" dirty="0"/>
-          </a:p>
-        </p:txBody>
-      </p:sp>
-      <p:sp>
-        <p:nvSpPr>
-          <p:cNvPr id="48" name="TextBox 47"/>
-          <p:cNvSpPr txBox="1"/>
-          <p:nvPr/>
-        </p:nvSpPr>
-        <p:spPr>
-          <a:xfrm>
-            <a:off x="11192868" y="3112066"/>
-            <a:ext cx="999132" cy="369332"/>
-          </a:xfrm>
-          <a:prstGeom prst="rect">
-            <a:avLst/>
-          </a:prstGeom>
-          <a:noFill/>
-        </p:spPr>
-        <p:txBody>
-          <a:bodyPr wrap="square" rtlCol="0">
-            <a:spAutoFit/>
-          </a:bodyPr>
-          <a:lstStyle/>
-          <a:p>
-            <a:r>
-              <a:rPr lang="en-US" b="1" dirty="0" smtClean="0"/>
-              <a:t>Step 2</a:t>
-            </a:r>
-            <a:endParaRPr lang="en-US" b="1" dirty="0"/>
-          </a:p>
-        </p:txBody>
-      </p:sp>
-      <p:sp>
-        <p:nvSpPr>
-          <p:cNvPr id="49" name="TextBox 48"/>
-          <p:cNvSpPr txBox="1"/>
-          <p:nvPr/>
-        </p:nvSpPr>
-        <p:spPr>
-          <a:xfrm>
-            <a:off x="11178930" y="4380181"/>
-            <a:ext cx="999132" cy="369332"/>
-          </a:xfrm>
-          <a:prstGeom prst="rect">
-            <a:avLst/>
-          </a:prstGeom>
-          <a:noFill/>
-        </p:spPr>
-        <p:txBody>
-          <a:bodyPr wrap="square" rtlCol="0">
-            <a:spAutoFit/>
-          </a:bodyPr>
-          <a:lstStyle/>
-          <a:p>
-            <a:r>
-              <a:rPr lang="en-US" b="1" dirty="0" smtClean="0"/>
-              <a:t>Step 3</a:t>
-            </a:r>
-            <a:endParaRPr lang="en-US" b="1" dirty="0"/>
-          </a:p>
-        </p:txBody>
-      </p:sp>
-      <p:sp>
-        <p:nvSpPr>
-          <p:cNvPr id="50" name="TextBox 49"/>
-          <p:cNvSpPr txBox="1"/>
-          <p:nvPr/>
-        </p:nvSpPr>
-        <p:spPr>
-          <a:xfrm>
-            <a:off x="11192868" y="5878024"/>
-            <a:ext cx="999132" cy="369332"/>
-          </a:xfrm>
-          <a:prstGeom prst="rect">
-            <a:avLst/>
-          </a:prstGeom>
-          <a:noFill/>
-        </p:spPr>
-        <p:txBody>
-          <a:bodyPr wrap="square" rtlCol="0">
-            <a:spAutoFit/>
-          </a:bodyPr>
-          <a:lstStyle/>
-          <a:p>
-            <a:r>
-              <a:rPr lang="en-US" b="1" dirty="0" smtClean="0"/>
-              <a:t>Step N</a:t>
-            </a:r>
-            <a:endParaRPr lang="en-US" b="1" dirty="0"/>
-          </a:p>
-        </p:txBody>
-      </p:sp>
-      <p:sp>
-        <p:nvSpPr>
-          <p:cNvPr id="53" name="TextBox 52"/>
-          <p:cNvSpPr txBox="1"/>
-          <p:nvPr/>
-        </p:nvSpPr>
-        <p:spPr>
-          <a:xfrm>
-            <a:off x="7697337" y="1218020"/>
-            <a:ext cx="1203274" cy="369332"/>
-          </a:xfrm>
-          <a:prstGeom prst="rect">
-            <a:avLst/>
-          </a:prstGeom>
-          <a:noFill/>
-        </p:spPr>
-        <p:txBody>
-          <a:bodyPr wrap="square" rtlCol="0">
-            <a:spAutoFit/>
-          </a:bodyPr>
-          <a:lstStyle/>
-          <a:p>
-            <a:r>
-              <a:rPr lang="en-US" b="1" dirty="0" smtClean="0"/>
-              <a:t>Variable</a:t>
-            </a:r>
-            <a:endParaRPr lang="en-US" b="1" dirty="0"/>
-          </a:p>
-        </p:txBody>
-      </p:sp>
+        </p:grpSpPr>
+        <p:sp>
+          <p:nvSpPr>
+            <p:cNvPr id="7" name="Down Arrow 6"/>
+            <p:cNvSpPr/>
+            <p:nvPr/>
+          </p:nvSpPr>
+          <p:spPr>
+            <a:xfrm>
+              <a:off x="8590411" y="1610625"/>
+              <a:ext cx="294564" cy="791381"/>
+            </a:xfrm>
+            <a:prstGeom prst="downArrow">
+              <a:avLst/>
+            </a:prstGeom>
+          </p:spPr>
+          <p:style>
+            <a:lnRef idx="2">
+              <a:schemeClr val="accent1">
+                <a:shade val="50000"/>
+              </a:schemeClr>
+            </a:lnRef>
+            <a:fillRef idx="1">
+              <a:schemeClr val="accent1"/>
+            </a:fillRef>
+            <a:effectRef idx="0">
+              <a:schemeClr val="accent1"/>
+            </a:effectRef>
+            <a:fontRef idx="minor">
+              <a:schemeClr val="lt1"/>
+            </a:fontRef>
+          </p:style>
+          <p:txBody>
+            <a:bodyPr rtlCol="0" anchor="ctr"/>
+            <a:lstStyle/>
+            <a:p>
+              <a:pPr algn="ctr"/>
+              <a:endParaRPr lang="en-US" dirty="0"/>
+            </a:p>
+          </p:txBody>
+        </p:sp>
+        <p:sp>
+          <p:nvSpPr>
+            <p:cNvPr id="8" name="Down Arrow 7"/>
+            <p:cNvSpPr/>
+            <p:nvPr/>
+          </p:nvSpPr>
+          <p:spPr>
+            <a:xfrm>
+              <a:off x="9327390" y="1610625"/>
+              <a:ext cx="294564" cy="791381"/>
+            </a:xfrm>
+            <a:prstGeom prst="downArrow">
+              <a:avLst/>
+            </a:prstGeom>
+          </p:spPr>
+          <p:style>
+            <a:lnRef idx="2">
+              <a:schemeClr val="accent1">
+                <a:shade val="50000"/>
+              </a:schemeClr>
+            </a:lnRef>
+            <a:fillRef idx="1">
+              <a:schemeClr val="accent1"/>
+            </a:fillRef>
+            <a:effectRef idx="0">
+              <a:schemeClr val="accent1"/>
+            </a:effectRef>
+            <a:fontRef idx="minor">
+              <a:schemeClr val="lt1"/>
+            </a:fontRef>
+          </p:style>
+          <p:txBody>
+            <a:bodyPr rtlCol="0" anchor="ctr"/>
+            <a:lstStyle/>
+            <a:p>
+              <a:pPr algn="ctr"/>
+              <a:endParaRPr lang="en-US" dirty="0"/>
+            </a:p>
+          </p:txBody>
+        </p:sp>
+        <p:sp>
+          <p:nvSpPr>
+            <p:cNvPr id="9" name="Down Arrow 8"/>
+            <p:cNvSpPr/>
+            <p:nvPr/>
+          </p:nvSpPr>
+          <p:spPr>
+            <a:xfrm>
+              <a:off x="10053564" y="1610625"/>
+              <a:ext cx="294564" cy="791381"/>
+            </a:xfrm>
+            <a:prstGeom prst="downArrow">
+              <a:avLst/>
+            </a:prstGeom>
+          </p:spPr>
+          <p:style>
+            <a:lnRef idx="2">
+              <a:schemeClr val="accent1">
+                <a:shade val="50000"/>
+              </a:schemeClr>
+            </a:lnRef>
+            <a:fillRef idx="1">
+              <a:schemeClr val="accent1"/>
+            </a:fillRef>
+            <a:effectRef idx="0">
+              <a:schemeClr val="accent1"/>
+            </a:effectRef>
+            <a:fontRef idx="minor">
+              <a:schemeClr val="lt1"/>
+            </a:fontRef>
+          </p:style>
+          <p:txBody>
+            <a:bodyPr rtlCol="0" anchor="ctr"/>
+            <a:lstStyle/>
+            <a:p>
+              <a:pPr algn="ctr"/>
+              <a:endParaRPr lang="en-US" dirty="0"/>
+            </a:p>
+          </p:txBody>
+        </p:sp>
+        <p:sp>
+          <p:nvSpPr>
+            <p:cNvPr id="10" name="Down Arrow 9"/>
+            <p:cNvSpPr/>
+            <p:nvPr/>
+          </p:nvSpPr>
+          <p:spPr>
+            <a:xfrm>
+              <a:off x="10744480" y="1610625"/>
+              <a:ext cx="294564" cy="791381"/>
+            </a:xfrm>
+            <a:prstGeom prst="downArrow">
+              <a:avLst/>
+            </a:prstGeom>
+          </p:spPr>
+          <p:style>
+            <a:lnRef idx="2">
+              <a:schemeClr val="accent1">
+                <a:shade val="50000"/>
+              </a:schemeClr>
+            </a:lnRef>
+            <a:fillRef idx="1">
+              <a:schemeClr val="accent1"/>
+            </a:fillRef>
+            <a:effectRef idx="0">
+              <a:schemeClr val="accent1"/>
+            </a:effectRef>
+            <a:fontRef idx="minor">
+              <a:schemeClr val="lt1"/>
+            </a:fontRef>
+          </p:style>
+          <p:txBody>
+            <a:bodyPr rtlCol="0" anchor="ctr"/>
+            <a:lstStyle/>
+            <a:p>
+              <a:pPr algn="ctr"/>
+              <a:endParaRPr lang="en-US" dirty="0"/>
+            </a:p>
+          </p:txBody>
+        </p:sp>
+        <p:cxnSp>
+          <p:nvCxnSpPr>
+            <p:cNvPr id="12" name="Straight Connector 11"/>
+            <p:cNvCxnSpPr>
+              <a:stCxn id="7" idx="2"/>
+              <a:endCxn id="8" idx="0"/>
+            </p:cNvCxnSpPr>
+            <p:nvPr/>
+          </p:nvCxnSpPr>
+          <p:spPr>
+            <a:xfrm flipV="1">
+              <a:off x="8737693" y="1610625"/>
+              <a:ext cx="736979" cy="791381"/>
+            </a:xfrm>
+            <a:prstGeom prst="line">
+              <a:avLst/>
+            </a:prstGeom>
+          </p:spPr>
+          <p:style>
+            <a:lnRef idx="1">
+              <a:schemeClr val="accent1"/>
+            </a:lnRef>
+            <a:fillRef idx="0">
+              <a:schemeClr val="accent1"/>
+            </a:fillRef>
+            <a:effectRef idx="0">
+              <a:schemeClr val="accent1"/>
+            </a:effectRef>
+            <a:fontRef idx="minor">
+              <a:schemeClr val="tx1"/>
+            </a:fontRef>
+          </p:style>
+        </p:cxnSp>
+        <p:cxnSp>
+          <p:nvCxnSpPr>
+            <p:cNvPr id="13" name="Straight Connector 12"/>
+            <p:cNvCxnSpPr/>
+            <p:nvPr/>
+          </p:nvCxnSpPr>
+          <p:spPr>
+            <a:xfrm flipV="1">
+              <a:off x="9470974" y="1583424"/>
+              <a:ext cx="736979" cy="791381"/>
+            </a:xfrm>
+            <a:prstGeom prst="line">
+              <a:avLst/>
+            </a:prstGeom>
+          </p:spPr>
+          <p:style>
+            <a:lnRef idx="1">
+              <a:schemeClr val="accent1"/>
+            </a:lnRef>
+            <a:fillRef idx="0">
+              <a:schemeClr val="accent1"/>
+            </a:fillRef>
+            <a:effectRef idx="0">
+              <a:schemeClr val="accent1"/>
+            </a:effectRef>
+            <a:fontRef idx="minor">
+              <a:schemeClr val="tx1"/>
+            </a:fontRef>
+          </p:style>
+        </p:cxnSp>
+        <p:cxnSp>
+          <p:nvCxnSpPr>
+            <p:cNvPr id="14" name="Straight Connector 13"/>
+            <p:cNvCxnSpPr/>
+            <p:nvPr/>
+          </p:nvCxnSpPr>
+          <p:spPr>
+            <a:xfrm flipV="1">
+              <a:off x="10152508" y="1610625"/>
+              <a:ext cx="736979" cy="791381"/>
+            </a:xfrm>
+            <a:prstGeom prst="line">
+              <a:avLst/>
+            </a:prstGeom>
+          </p:spPr>
+          <p:style>
+            <a:lnRef idx="1">
+              <a:schemeClr val="accent1"/>
+            </a:lnRef>
+            <a:fillRef idx="0">
+              <a:schemeClr val="accent1"/>
+            </a:fillRef>
+            <a:effectRef idx="0">
+              <a:schemeClr val="accent1"/>
+            </a:effectRef>
+            <a:fontRef idx="minor">
+              <a:schemeClr val="tx1"/>
+            </a:fontRef>
+          </p:style>
+        </p:cxnSp>
+        <p:sp>
+          <p:nvSpPr>
+            <p:cNvPr id="15" name="Down Arrow 14"/>
+            <p:cNvSpPr/>
+            <p:nvPr/>
+          </p:nvSpPr>
+          <p:spPr>
+            <a:xfrm>
+              <a:off x="8590411" y="2770778"/>
+              <a:ext cx="294564" cy="791381"/>
+            </a:xfrm>
+            <a:prstGeom prst="downArrow">
+              <a:avLst/>
+            </a:prstGeom>
+          </p:spPr>
+          <p:style>
+            <a:lnRef idx="2">
+              <a:schemeClr val="accent1">
+                <a:shade val="50000"/>
+              </a:schemeClr>
+            </a:lnRef>
+            <a:fillRef idx="1">
+              <a:schemeClr val="accent1"/>
+            </a:fillRef>
+            <a:effectRef idx="0">
+              <a:schemeClr val="accent1"/>
+            </a:effectRef>
+            <a:fontRef idx="minor">
+              <a:schemeClr val="lt1"/>
+            </a:fontRef>
+          </p:style>
+          <p:txBody>
+            <a:bodyPr rtlCol="0" anchor="ctr"/>
+            <a:lstStyle/>
+            <a:p>
+              <a:pPr algn="ctr"/>
+              <a:endParaRPr lang="en-US" dirty="0"/>
+            </a:p>
+          </p:txBody>
+        </p:sp>
+        <p:sp>
+          <p:nvSpPr>
+            <p:cNvPr id="16" name="Down Arrow 15"/>
+            <p:cNvSpPr/>
+            <p:nvPr/>
+          </p:nvSpPr>
+          <p:spPr>
+            <a:xfrm>
+              <a:off x="9327390" y="2770778"/>
+              <a:ext cx="294564" cy="791381"/>
+            </a:xfrm>
+            <a:prstGeom prst="downArrow">
+              <a:avLst/>
+            </a:prstGeom>
+          </p:spPr>
+          <p:style>
+            <a:lnRef idx="2">
+              <a:schemeClr val="accent1">
+                <a:shade val="50000"/>
+              </a:schemeClr>
+            </a:lnRef>
+            <a:fillRef idx="1">
+              <a:schemeClr val="accent1"/>
+            </a:fillRef>
+            <a:effectRef idx="0">
+              <a:schemeClr val="accent1"/>
+            </a:effectRef>
+            <a:fontRef idx="minor">
+              <a:schemeClr val="lt1"/>
+            </a:fontRef>
+          </p:style>
+          <p:txBody>
+            <a:bodyPr rtlCol="0" anchor="ctr"/>
+            <a:lstStyle/>
+            <a:p>
+              <a:pPr algn="ctr"/>
+              <a:endParaRPr lang="en-US" dirty="0"/>
+            </a:p>
+          </p:txBody>
+        </p:sp>
+        <p:sp>
+          <p:nvSpPr>
+            <p:cNvPr id="17" name="Down Arrow 16"/>
+            <p:cNvSpPr/>
+            <p:nvPr/>
+          </p:nvSpPr>
+          <p:spPr>
+            <a:xfrm>
+              <a:off x="10053564" y="2770778"/>
+              <a:ext cx="294564" cy="791381"/>
+            </a:xfrm>
+            <a:prstGeom prst="downArrow">
+              <a:avLst/>
+            </a:prstGeom>
+          </p:spPr>
+          <p:style>
+            <a:lnRef idx="2">
+              <a:schemeClr val="accent1">
+                <a:shade val="50000"/>
+              </a:schemeClr>
+            </a:lnRef>
+            <a:fillRef idx="1">
+              <a:schemeClr val="accent1"/>
+            </a:fillRef>
+            <a:effectRef idx="0">
+              <a:schemeClr val="accent1"/>
+            </a:effectRef>
+            <a:fontRef idx="minor">
+              <a:schemeClr val="lt1"/>
+            </a:fontRef>
+          </p:style>
+          <p:txBody>
+            <a:bodyPr rtlCol="0" anchor="ctr"/>
+            <a:lstStyle/>
+            <a:p>
+              <a:pPr algn="ctr"/>
+              <a:endParaRPr lang="en-US" dirty="0"/>
+            </a:p>
+          </p:txBody>
+        </p:sp>
+        <p:sp>
+          <p:nvSpPr>
+            <p:cNvPr id="18" name="Down Arrow 17"/>
+            <p:cNvSpPr/>
+            <p:nvPr/>
+          </p:nvSpPr>
+          <p:spPr>
+            <a:xfrm>
+              <a:off x="10744480" y="2770778"/>
+              <a:ext cx="294564" cy="791381"/>
+            </a:xfrm>
+            <a:prstGeom prst="downArrow">
+              <a:avLst/>
+            </a:prstGeom>
+          </p:spPr>
+          <p:style>
+            <a:lnRef idx="2">
+              <a:schemeClr val="accent1">
+                <a:shade val="50000"/>
+              </a:schemeClr>
+            </a:lnRef>
+            <a:fillRef idx="1">
+              <a:schemeClr val="accent1"/>
+            </a:fillRef>
+            <a:effectRef idx="0">
+              <a:schemeClr val="accent1"/>
+            </a:effectRef>
+            <a:fontRef idx="minor">
+              <a:schemeClr val="lt1"/>
+            </a:fontRef>
+          </p:style>
+          <p:txBody>
+            <a:bodyPr rtlCol="0" anchor="ctr"/>
+            <a:lstStyle/>
+            <a:p>
+              <a:pPr algn="ctr"/>
+              <a:endParaRPr lang="en-US" dirty="0"/>
+            </a:p>
+          </p:txBody>
+        </p:sp>
+        <p:cxnSp>
+          <p:nvCxnSpPr>
+            <p:cNvPr id="19" name="Straight Connector 18"/>
+            <p:cNvCxnSpPr>
+              <a:stCxn id="15" idx="2"/>
+              <a:endCxn id="16" idx="0"/>
+            </p:cNvCxnSpPr>
+            <p:nvPr/>
+          </p:nvCxnSpPr>
+          <p:spPr>
+            <a:xfrm flipV="1">
+              <a:off x="8737693" y="2770778"/>
+              <a:ext cx="736979" cy="791381"/>
+            </a:xfrm>
+            <a:prstGeom prst="line">
+              <a:avLst/>
+            </a:prstGeom>
+          </p:spPr>
+          <p:style>
+            <a:lnRef idx="1">
+              <a:schemeClr val="accent1"/>
+            </a:lnRef>
+            <a:fillRef idx="0">
+              <a:schemeClr val="accent1"/>
+            </a:fillRef>
+            <a:effectRef idx="0">
+              <a:schemeClr val="accent1"/>
+            </a:effectRef>
+            <a:fontRef idx="minor">
+              <a:schemeClr val="tx1"/>
+            </a:fontRef>
+          </p:style>
+        </p:cxnSp>
+        <p:cxnSp>
+          <p:nvCxnSpPr>
+            <p:cNvPr id="20" name="Straight Connector 19"/>
+            <p:cNvCxnSpPr/>
+            <p:nvPr/>
+          </p:nvCxnSpPr>
+          <p:spPr>
+            <a:xfrm flipV="1">
+              <a:off x="9470974" y="2743577"/>
+              <a:ext cx="736979" cy="791381"/>
+            </a:xfrm>
+            <a:prstGeom prst="line">
+              <a:avLst/>
+            </a:prstGeom>
+          </p:spPr>
+          <p:style>
+            <a:lnRef idx="1">
+              <a:schemeClr val="accent1"/>
+            </a:lnRef>
+            <a:fillRef idx="0">
+              <a:schemeClr val="accent1"/>
+            </a:fillRef>
+            <a:effectRef idx="0">
+              <a:schemeClr val="accent1"/>
+            </a:effectRef>
+            <a:fontRef idx="minor">
+              <a:schemeClr val="tx1"/>
+            </a:fontRef>
+          </p:style>
+        </p:cxnSp>
+        <p:cxnSp>
+          <p:nvCxnSpPr>
+            <p:cNvPr id="21" name="Straight Connector 20"/>
+            <p:cNvCxnSpPr/>
+            <p:nvPr/>
+          </p:nvCxnSpPr>
+          <p:spPr>
+            <a:xfrm flipV="1">
+              <a:off x="10152508" y="2770778"/>
+              <a:ext cx="736979" cy="791381"/>
+            </a:xfrm>
+            <a:prstGeom prst="line">
+              <a:avLst/>
+            </a:prstGeom>
+          </p:spPr>
+          <p:style>
+            <a:lnRef idx="1">
+              <a:schemeClr val="accent1"/>
+            </a:lnRef>
+            <a:fillRef idx="0">
+              <a:schemeClr val="accent1"/>
+            </a:fillRef>
+            <a:effectRef idx="0">
+              <a:schemeClr val="accent1"/>
+            </a:effectRef>
+            <a:fontRef idx="minor">
+              <a:schemeClr val="tx1"/>
+            </a:fontRef>
+          </p:style>
+        </p:cxnSp>
+        <p:sp>
+          <p:nvSpPr>
+            <p:cNvPr id="22" name="Down Arrow 21"/>
+            <p:cNvSpPr/>
+            <p:nvPr/>
+          </p:nvSpPr>
+          <p:spPr>
+            <a:xfrm>
+              <a:off x="8586713" y="3958132"/>
+              <a:ext cx="294564" cy="791381"/>
+            </a:xfrm>
+            <a:prstGeom prst="downArrow">
+              <a:avLst/>
+            </a:prstGeom>
+          </p:spPr>
+          <p:style>
+            <a:lnRef idx="2">
+              <a:schemeClr val="accent1">
+                <a:shade val="50000"/>
+              </a:schemeClr>
+            </a:lnRef>
+            <a:fillRef idx="1">
+              <a:schemeClr val="accent1"/>
+            </a:fillRef>
+            <a:effectRef idx="0">
+              <a:schemeClr val="accent1"/>
+            </a:effectRef>
+            <a:fontRef idx="minor">
+              <a:schemeClr val="lt1"/>
+            </a:fontRef>
+          </p:style>
+          <p:txBody>
+            <a:bodyPr rtlCol="0" anchor="ctr"/>
+            <a:lstStyle/>
+            <a:p>
+              <a:pPr algn="ctr"/>
+              <a:endParaRPr lang="en-US" dirty="0"/>
+            </a:p>
+          </p:txBody>
+        </p:sp>
+        <p:sp>
+          <p:nvSpPr>
+            <p:cNvPr id="23" name="Down Arrow 22"/>
+            <p:cNvSpPr/>
+            <p:nvPr/>
+          </p:nvSpPr>
+          <p:spPr>
+            <a:xfrm>
+              <a:off x="9323692" y="3958132"/>
+              <a:ext cx="294564" cy="791381"/>
+            </a:xfrm>
+            <a:prstGeom prst="downArrow">
+              <a:avLst/>
+            </a:prstGeom>
+          </p:spPr>
+          <p:style>
+            <a:lnRef idx="2">
+              <a:schemeClr val="accent1">
+                <a:shade val="50000"/>
+              </a:schemeClr>
+            </a:lnRef>
+            <a:fillRef idx="1">
+              <a:schemeClr val="accent1"/>
+            </a:fillRef>
+            <a:effectRef idx="0">
+              <a:schemeClr val="accent1"/>
+            </a:effectRef>
+            <a:fontRef idx="minor">
+              <a:schemeClr val="lt1"/>
+            </a:fontRef>
+          </p:style>
+          <p:txBody>
+            <a:bodyPr rtlCol="0" anchor="ctr"/>
+            <a:lstStyle/>
+            <a:p>
+              <a:pPr algn="ctr"/>
+              <a:endParaRPr lang="en-US" dirty="0"/>
+            </a:p>
+          </p:txBody>
+        </p:sp>
+        <p:sp>
+          <p:nvSpPr>
+            <p:cNvPr id="24" name="Down Arrow 23"/>
+            <p:cNvSpPr/>
+            <p:nvPr/>
+          </p:nvSpPr>
+          <p:spPr>
+            <a:xfrm>
+              <a:off x="10049866" y="3958132"/>
+              <a:ext cx="294564" cy="791381"/>
+            </a:xfrm>
+            <a:prstGeom prst="downArrow">
+              <a:avLst/>
+            </a:prstGeom>
+          </p:spPr>
+          <p:style>
+            <a:lnRef idx="2">
+              <a:schemeClr val="accent1">
+                <a:shade val="50000"/>
+              </a:schemeClr>
+            </a:lnRef>
+            <a:fillRef idx="1">
+              <a:schemeClr val="accent1"/>
+            </a:fillRef>
+            <a:effectRef idx="0">
+              <a:schemeClr val="accent1"/>
+            </a:effectRef>
+            <a:fontRef idx="minor">
+              <a:schemeClr val="lt1"/>
+            </a:fontRef>
+          </p:style>
+          <p:txBody>
+            <a:bodyPr rtlCol="0" anchor="ctr"/>
+            <a:lstStyle/>
+            <a:p>
+              <a:pPr algn="ctr"/>
+              <a:endParaRPr lang="en-US" dirty="0"/>
+            </a:p>
+          </p:txBody>
+        </p:sp>
+        <p:sp>
+          <p:nvSpPr>
+            <p:cNvPr id="25" name="Down Arrow 24"/>
+            <p:cNvSpPr/>
+            <p:nvPr/>
+          </p:nvSpPr>
+          <p:spPr>
+            <a:xfrm>
+              <a:off x="10740782" y="3958132"/>
+              <a:ext cx="294564" cy="791381"/>
+            </a:xfrm>
+            <a:prstGeom prst="downArrow">
+              <a:avLst/>
+            </a:prstGeom>
+          </p:spPr>
+          <p:style>
+            <a:lnRef idx="2">
+              <a:schemeClr val="accent1">
+                <a:shade val="50000"/>
+              </a:schemeClr>
+            </a:lnRef>
+            <a:fillRef idx="1">
+              <a:schemeClr val="accent1"/>
+            </a:fillRef>
+            <a:effectRef idx="0">
+              <a:schemeClr val="accent1"/>
+            </a:effectRef>
+            <a:fontRef idx="minor">
+              <a:schemeClr val="lt1"/>
+            </a:fontRef>
+          </p:style>
+          <p:txBody>
+            <a:bodyPr rtlCol="0" anchor="ctr"/>
+            <a:lstStyle/>
+            <a:p>
+              <a:pPr algn="ctr"/>
+              <a:endParaRPr lang="en-US" dirty="0"/>
+            </a:p>
+          </p:txBody>
+        </p:sp>
+        <p:cxnSp>
+          <p:nvCxnSpPr>
+            <p:cNvPr id="26" name="Straight Connector 25"/>
+            <p:cNvCxnSpPr>
+              <a:stCxn id="22" idx="2"/>
+              <a:endCxn id="23" idx="0"/>
+            </p:cNvCxnSpPr>
+            <p:nvPr/>
+          </p:nvCxnSpPr>
+          <p:spPr>
+            <a:xfrm flipV="1">
+              <a:off x="8733995" y="3958132"/>
+              <a:ext cx="736979" cy="791381"/>
+            </a:xfrm>
+            <a:prstGeom prst="line">
+              <a:avLst/>
+            </a:prstGeom>
+          </p:spPr>
+          <p:style>
+            <a:lnRef idx="1">
+              <a:schemeClr val="accent1"/>
+            </a:lnRef>
+            <a:fillRef idx="0">
+              <a:schemeClr val="accent1"/>
+            </a:fillRef>
+            <a:effectRef idx="0">
+              <a:schemeClr val="accent1"/>
+            </a:effectRef>
+            <a:fontRef idx="minor">
+              <a:schemeClr val="tx1"/>
+            </a:fontRef>
+          </p:style>
+        </p:cxnSp>
+        <p:cxnSp>
+          <p:nvCxnSpPr>
+            <p:cNvPr id="27" name="Straight Connector 26"/>
+            <p:cNvCxnSpPr/>
+            <p:nvPr/>
+          </p:nvCxnSpPr>
+          <p:spPr>
+            <a:xfrm flipV="1">
+              <a:off x="9467276" y="3930931"/>
+              <a:ext cx="736979" cy="791381"/>
+            </a:xfrm>
+            <a:prstGeom prst="line">
+              <a:avLst/>
+            </a:prstGeom>
+          </p:spPr>
+          <p:style>
+            <a:lnRef idx="1">
+              <a:schemeClr val="accent1"/>
+            </a:lnRef>
+            <a:fillRef idx="0">
+              <a:schemeClr val="accent1"/>
+            </a:fillRef>
+            <a:effectRef idx="0">
+              <a:schemeClr val="accent1"/>
+            </a:effectRef>
+            <a:fontRef idx="minor">
+              <a:schemeClr val="tx1"/>
+            </a:fontRef>
+          </p:style>
+        </p:cxnSp>
+        <p:cxnSp>
+          <p:nvCxnSpPr>
+            <p:cNvPr id="28" name="Straight Connector 27"/>
+            <p:cNvCxnSpPr/>
+            <p:nvPr/>
+          </p:nvCxnSpPr>
+          <p:spPr>
+            <a:xfrm flipV="1">
+              <a:off x="10148810" y="3958132"/>
+              <a:ext cx="736979" cy="791381"/>
+            </a:xfrm>
+            <a:prstGeom prst="line">
+              <a:avLst/>
+            </a:prstGeom>
+          </p:spPr>
+          <p:style>
+            <a:lnRef idx="1">
+              <a:schemeClr val="accent1"/>
+            </a:lnRef>
+            <a:fillRef idx="0">
+              <a:schemeClr val="accent1"/>
+            </a:fillRef>
+            <a:effectRef idx="0">
+              <a:schemeClr val="accent1"/>
+            </a:effectRef>
+            <a:fontRef idx="minor">
+              <a:schemeClr val="tx1"/>
+            </a:fontRef>
+          </p:style>
+        </p:cxnSp>
+        <p:cxnSp>
+          <p:nvCxnSpPr>
+            <p:cNvPr id="30" name="Straight Connector 29"/>
+            <p:cNvCxnSpPr>
+              <a:stCxn id="10" idx="2"/>
+              <a:endCxn id="15" idx="0"/>
+            </p:cNvCxnSpPr>
+            <p:nvPr/>
+          </p:nvCxnSpPr>
+          <p:spPr>
+            <a:xfrm flipH="1">
+              <a:off x="8737693" y="2402006"/>
+              <a:ext cx="2154069" cy="368772"/>
+            </a:xfrm>
+            <a:prstGeom prst="line">
+              <a:avLst/>
+            </a:prstGeom>
+          </p:spPr>
+          <p:style>
+            <a:lnRef idx="1">
+              <a:schemeClr val="accent1"/>
+            </a:lnRef>
+            <a:fillRef idx="0">
+              <a:schemeClr val="accent1"/>
+            </a:fillRef>
+            <a:effectRef idx="0">
+              <a:schemeClr val="accent1"/>
+            </a:effectRef>
+            <a:fontRef idx="minor">
+              <a:schemeClr val="tx1"/>
+            </a:fontRef>
+          </p:style>
+        </p:cxnSp>
+        <p:cxnSp>
+          <p:nvCxnSpPr>
+            <p:cNvPr id="31" name="Straight Connector 30"/>
+            <p:cNvCxnSpPr>
+              <a:stCxn id="18" idx="2"/>
+              <a:endCxn id="22" idx="0"/>
+            </p:cNvCxnSpPr>
+            <p:nvPr/>
+          </p:nvCxnSpPr>
+          <p:spPr>
+            <a:xfrm flipH="1">
+              <a:off x="8733995" y="3562159"/>
+              <a:ext cx="2157767" cy="395973"/>
+            </a:xfrm>
+            <a:prstGeom prst="line">
+              <a:avLst/>
+            </a:prstGeom>
+          </p:spPr>
+          <p:style>
+            <a:lnRef idx="1">
+              <a:schemeClr val="accent1"/>
+            </a:lnRef>
+            <a:fillRef idx="0">
+              <a:schemeClr val="accent1"/>
+            </a:fillRef>
+            <a:effectRef idx="0">
+              <a:schemeClr val="accent1"/>
+            </a:effectRef>
+            <a:fontRef idx="minor">
+              <a:schemeClr val="tx1"/>
+            </a:fontRef>
+          </p:style>
+        </p:cxnSp>
+        <p:cxnSp>
+          <p:nvCxnSpPr>
+            <p:cNvPr id="36" name="Straight Connector 35"/>
+            <p:cNvCxnSpPr/>
+            <p:nvPr/>
+          </p:nvCxnSpPr>
+          <p:spPr>
+            <a:xfrm>
+              <a:off x="8733995" y="5049671"/>
+              <a:ext cx="2151794" cy="0"/>
+            </a:xfrm>
+            <a:prstGeom prst="line">
+              <a:avLst/>
+            </a:prstGeom>
+            <a:ln w="57150">
+              <a:prstDash val="sysDash"/>
+            </a:ln>
+          </p:spPr>
+          <p:style>
+            <a:lnRef idx="1">
+              <a:schemeClr val="accent1"/>
+            </a:lnRef>
+            <a:fillRef idx="0">
+              <a:schemeClr val="accent1"/>
+            </a:fillRef>
+            <a:effectRef idx="0">
+              <a:schemeClr val="accent1"/>
+            </a:effectRef>
+            <a:fontRef idx="minor">
+              <a:schemeClr val="tx1"/>
+            </a:fontRef>
+          </p:style>
+        </p:cxnSp>
+        <p:sp>
+          <p:nvSpPr>
+            <p:cNvPr id="38" name="Down Arrow 37"/>
+            <p:cNvSpPr/>
+            <p:nvPr/>
+          </p:nvSpPr>
+          <p:spPr>
+            <a:xfrm>
+              <a:off x="8599790" y="5483176"/>
+              <a:ext cx="294564" cy="791381"/>
+            </a:xfrm>
+            <a:prstGeom prst="downArrow">
+              <a:avLst/>
+            </a:prstGeom>
+          </p:spPr>
+          <p:style>
+            <a:lnRef idx="2">
+              <a:schemeClr val="accent1">
+                <a:shade val="50000"/>
+              </a:schemeClr>
+            </a:lnRef>
+            <a:fillRef idx="1">
+              <a:schemeClr val="accent1"/>
+            </a:fillRef>
+            <a:effectRef idx="0">
+              <a:schemeClr val="accent1"/>
+            </a:effectRef>
+            <a:fontRef idx="minor">
+              <a:schemeClr val="lt1"/>
+            </a:fontRef>
+          </p:style>
+          <p:txBody>
+            <a:bodyPr rtlCol="0" anchor="ctr"/>
+            <a:lstStyle/>
+            <a:p>
+              <a:pPr algn="ctr"/>
+              <a:endParaRPr lang="en-US" dirty="0"/>
+            </a:p>
+          </p:txBody>
+        </p:sp>
+        <p:sp>
+          <p:nvSpPr>
+            <p:cNvPr id="39" name="Down Arrow 38"/>
+            <p:cNvSpPr/>
+            <p:nvPr/>
+          </p:nvSpPr>
+          <p:spPr>
+            <a:xfrm>
+              <a:off x="9336769" y="5483176"/>
+              <a:ext cx="294564" cy="791381"/>
+            </a:xfrm>
+            <a:prstGeom prst="downArrow">
+              <a:avLst/>
+            </a:prstGeom>
+          </p:spPr>
+          <p:style>
+            <a:lnRef idx="2">
+              <a:schemeClr val="accent1">
+                <a:shade val="50000"/>
+              </a:schemeClr>
+            </a:lnRef>
+            <a:fillRef idx="1">
+              <a:schemeClr val="accent1"/>
+            </a:fillRef>
+            <a:effectRef idx="0">
+              <a:schemeClr val="accent1"/>
+            </a:effectRef>
+            <a:fontRef idx="minor">
+              <a:schemeClr val="lt1"/>
+            </a:fontRef>
+          </p:style>
+          <p:txBody>
+            <a:bodyPr rtlCol="0" anchor="ctr"/>
+            <a:lstStyle/>
+            <a:p>
+              <a:pPr algn="ctr"/>
+              <a:endParaRPr lang="en-US" dirty="0"/>
+            </a:p>
+          </p:txBody>
+        </p:sp>
+        <p:sp>
+          <p:nvSpPr>
+            <p:cNvPr id="40" name="Down Arrow 39"/>
+            <p:cNvSpPr/>
+            <p:nvPr/>
+          </p:nvSpPr>
+          <p:spPr>
+            <a:xfrm>
+              <a:off x="10062943" y="5483176"/>
+              <a:ext cx="294564" cy="791381"/>
+            </a:xfrm>
+            <a:prstGeom prst="downArrow">
+              <a:avLst/>
+            </a:prstGeom>
+          </p:spPr>
+          <p:style>
+            <a:lnRef idx="2">
+              <a:schemeClr val="accent1">
+                <a:shade val="50000"/>
+              </a:schemeClr>
+            </a:lnRef>
+            <a:fillRef idx="1">
+              <a:schemeClr val="accent1"/>
+            </a:fillRef>
+            <a:effectRef idx="0">
+              <a:schemeClr val="accent1"/>
+            </a:effectRef>
+            <a:fontRef idx="minor">
+              <a:schemeClr val="lt1"/>
+            </a:fontRef>
+          </p:style>
+          <p:txBody>
+            <a:bodyPr rtlCol="0" anchor="ctr"/>
+            <a:lstStyle/>
+            <a:p>
+              <a:pPr algn="ctr"/>
+              <a:endParaRPr lang="en-US" dirty="0"/>
+            </a:p>
+          </p:txBody>
+        </p:sp>
+        <p:sp>
+          <p:nvSpPr>
+            <p:cNvPr id="41" name="Down Arrow 40"/>
+            <p:cNvSpPr/>
+            <p:nvPr/>
+          </p:nvSpPr>
+          <p:spPr>
+            <a:xfrm>
+              <a:off x="10753859" y="5483176"/>
+              <a:ext cx="294564" cy="791381"/>
+            </a:xfrm>
+            <a:prstGeom prst="downArrow">
+              <a:avLst/>
+            </a:prstGeom>
+          </p:spPr>
+          <p:style>
+            <a:lnRef idx="2">
+              <a:schemeClr val="accent1">
+                <a:shade val="50000"/>
+              </a:schemeClr>
+            </a:lnRef>
+            <a:fillRef idx="1">
+              <a:schemeClr val="accent1"/>
+            </a:fillRef>
+            <a:effectRef idx="0">
+              <a:schemeClr val="accent1"/>
+            </a:effectRef>
+            <a:fontRef idx="minor">
+              <a:schemeClr val="lt1"/>
+            </a:fontRef>
+          </p:style>
+          <p:txBody>
+            <a:bodyPr rtlCol="0" anchor="ctr"/>
+            <a:lstStyle/>
+            <a:p>
+              <a:pPr algn="ctr"/>
+              <a:endParaRPr lang="en-US" dirty="0"/>
+            </a:p>
+          </p:txBody>
+        </p:sp>
+        <p:cxnSp>
+          <p:nvCxnSpPr>
+            <p:cNvPr id="42" name="Straight Connector 41"/>
+            <p:cNvCxnSpPr>
+              <a:stCxn id="38" idx="2"/>
+              <a:endCxn id="39" idx="0"/>
+            </p:cNvCxnSpPr>
+            <p:nvPr/>
+          </p:nvCxnSpPr>
+          <p:spPr>
+            <a:xfrm flipV="1">
+              <a:off x="8747072" y="5483176"/>
+              <a:ext cx="736979" cy="791381"/>
+            </a:xfrm>
+            <a:prstGeom prst="line">
+              <a:avLst/>
+            </a:prstGeom>
+          </p:spPr>
+          <p:style>
+            <a:lnRef idx="1">
+              <a:schemeClr val="accent1"/>
+            </a:lnRef>
+            <a:fillRef idx="0">
+              <a:schemeClr val="accent1"/>
+            </a:fillRef>
+            <a:effectRef idx="0">
+              <a:schemeClr val="accent1"/>
+            </a:effectRef>
+            <a:fontRef idx="minor">
+              <a:schemeClr val="tx1"/>
+            </a:fontRef>
+          </p:style>
+        </p:cxnSp>
+        <p:cxnSp>
+          <p:nvCxnSpPr>
+            <p:cNvPr id="43" name="Straight Connector 42"/>
+            <p:cNvCxnSpPr/>
+            <p:nvPr/>
+          </p:nvCxnSpPr>
+          <p:spPr>
+            <a:xfrm flipV="1">
+              <a:off x="9480353" y="5455975"/>
+              <a:ext cx="736979" cy="791381"/>
+            </a:xfrm>
+            <a:prstGeom prst="line">
+              <a:avLst/>
+            </a:prstGeom>
+          </p:spPr>
+          <p:style>
+            <a:lnRef idx="1">
+              <a:schemeClr val="accent1"/>
+            </a:lnRef>
+            <a:fillRef idx="0">
+              <a:schemeClr val="accent1"/>
+            </a:fillRef>
+            <a:effectRef idx="0">
+              <a:schemeClr val="accent1"/>
+            </a:effectRef>
+            <a:fontRef idx="minor">
+              <a:schemeClr val="tx1"/>
+            </a:fontRef>
+          </p:style>
+        </p:cxnSp>
+        <p:cxnSp>
+          <p:nvCxnSpPr>
+            <p:cNvPr id="44" name="Straight Connector 43"/>
+            <p:cNvCxnSpPr/>
+            <p:nvPr/>
+          </p:nvCxnSpPr>
+          <p:spPr>
+            <a:xfrm flipV="1">
+              <a:off x="10161887" y="5483176"/>
+              <a:ext cx="736979" cy="791381"/>
+            </a:xfrm>
+            <a:prstGeom prst="line">
+              <a:avLst/>
+            </a:prstGeom>
+          </p:spPr>
+          <p:style>
+            <a:lnRef idx="1">
+              <a:schemeClr val="accent1"/>
+            </a:lnRef>
+            <a:fillRef idx="0">
+              <a:schemeClr val="accent1"/>
+            </a:fillRef>
+            <a:effectRef idx="0">
+              <a:schemeClr val="accent1"/>
+            </a:effectRef>
+            <a:fontRef idx="minor">
+              <a:schemeClr val="tx1"/>
+            </a:fontRef>
+          </p:style>
+        </p:cxnSp>
+        <p:cxnSp>
+          <p:nvCxnSpPr>
+            <p:cNvPr id="45" name="Straight Connector 44"/>
+            <p:cNvCxnSpPr/>
+            <p:nvPr/>
+          </p:nvCxnSpPr>
+          <p:spPr>
+            <a:xfrm flipH="1">
+              <a:off x="8728022" y="5091084"/>
+              <a:ext cx="2157767" cy="395973"/>
+            </a:xfrm>
+            <a:prstGeom prst="line">
+              <a:avLst/>
+            </a:prstGeom>
+          </p:spPr>
+          <p:style>
+            <a:lnRef idx="1">
+              <a:schemeClr val="accent1"/>
+            </a:lnRef>
+            <a:fillRef idx="0">
+              <a:schemeClr val="accent1"/>
+            </a:fillRef>
+            <a:effectRef idx="0">
+              <a:schemeClr val="accent1"/>
+            </a:effectRef>
+            <a:fontRef idx="minor">
+              <a:schemeClr val="tx1"/>
+            </a:fontRef>
+          </p:style>
+        </p:cxnSp>
+        <p:sp>
+          <p:nvSpPr>
+            <p:cNvPr id="46" name="TextBox 45"/>
+            <p:cNvSpPr txBox="1"/>
+            <p:nvPr/>
+          </p:nvSpPr>
+          <p:spPr>
+            <a:xfrm>
+              <a:off x="8599790" y="1231900"/>
+              <a:ext cx="2435556" cy="369332"/>
+            </a:xfrm>
+            <a:prstGeom prst="rect">
+              <a:avLst/>
+            </a:prstGeom>
+            <a:noFill/>
+          </p:spPr>
+          <p:txBody>
+            <a:bodyPr wrap="square" rtlCol="0">
+              <a:spAutoFit/>
+            </a:bodyPr>
+            <a:lstStyle/>
+            <a:p>
+              <a:r>
+                <a:rPr lang="en-US" b="1" dirty="0" smtClean="0"/>
+                <a:t>1           2            3           4</a:t>
+              </a:r>
+              <a:endParaRPr lang="en-US" b="1" dirty="0"/>
+            </a:p>
+          </p:txBody>
+        </p:sp>
+        <p:sp>
+          <p:nvSpPr>
+            <p:cNvPr id="47" name="TextBox 46"/>
+            <p:cNvSpPr txBox="1"/>
+            <p:nvPr/>
+          </p:nvSpPr>
+          <p:spPr>
+            <a:xfrm>
+              <a:off x="11178930" y="2041302"/>
+              <a:ext cx="999132" cy="369332"/>
+            </a:xfrm>
+            <a:prstGeom prst="rect">
+              <a:avLst/>
+            </a:prstGeom>
+            <a:noFill/>
+          </p:spPr>
+          <p:txBody>
+            <a:bodyPr wrap="square" rtlCol="0">
+              <a:spAutoFit/>
+            </a:bodyPr>
+            <a:lstStyle/>
+            <a:p>
+              <a:r>
+                <a:rPr lang="en-US" b="1" dirty="0" smtClean="0"/>
+                <a:t>Step 1</a:t>
+              </a:r>
+              <a:endParaRPr lang="en-US" b="1" dirty="0"/>
+            </a:p>
+          </p:txBody>
+        </p:sp>
+        <p:sp>
+          <p:nvSpPr>
+            <p:cNvPr id="48" name="TextBox 47"/>
+            <p:cNvSpPr txBox="1"/>
+            <p:nvPr/>
+          </p:nvSpPr>
+          <p:spPr>
+            <a:xfrm>
+              <a:off x="11192868" y="3112066"/>
+              <a:ext cx="999132" cy="369332"/>
+            </a:xfrm>
+            <a:prstGeom prst="rect">
+              <a:avLst/>
+            </a:prstGeom>
+            <a:noFill/>
+          </p:spPr>
+          <p:txBody>
+            <a:bodyPr wrap="square" rtlCol="0">
+              <a:spAutoFit/>
+            </a:bodyPr>
+            <a:lstStyle/>
+            <a:p>
+              <a:r>
+                <a:rPr lang="en-US" b="1" dirty="0" smtClean="0"/>
+                <a:t>Step 2</a:t>
+              </a:r>
+              <a:endParaRPr lang="en-US" b="1" dirty="0"/>
+            </a:p>
+          </p:txBody>
+        </p:sp>
+        <p:sp>
+          <p:nvSpPr>
+            <p:cNvPr id="49" name="TextBox 48"/>
+            <p:cNvSpPr txBox="1"/>
+            <p:nvPr/>
+          </p:nvSpPr>
+          <p:spPr>
+            <a:xfrm>
+              <a:off x="11178930" y="4380181"/>
+              <a:ext cx="999132" cy="369332"/>
+            </a:xfrm>
+            <a:prstGeom prst="rect">
+              <a:avLst/>
+            </a:prstGeom>
+            <a:noFill/>
+          </p:spPr>
+          <p:txBody>
+            <a:bodyPr wrap="square" rtlCol="0">
+              <a:spAutoFit/>
+            </a:bodyPr>
+            <a:lstStyle/>
+            <a:p>
+              <a:r>
+                <a:rPr lang="en-US" b="1" dirty="0" smtClean="0"/>
+                <a:t>Step 3</a:t>
+              </a:r>
+              <a:endParaRPr lang="en-US" b="1" dirty="0"/>
+            </a:p>
+          </p:txBody>
+        </p:sp>
+        <p:sp>
+          <p:nvSpPr>
+            <p:cNvPr id="50" name="TextBox 49"/>
+            <p:cNvSpPr txBox="1"/>
+            <p:nvPr/>
+          </p:nvSpPr>
+          <p:spPr>
+            <a:xfrm>
+              <a:off x="11192868" y="5878024"/>
+              <a:ext cx="999132" cy="369332"/>
+            </a:xfrm>
+            <a:prstGeom prst="rect">
+              <a:avLst/>
+            </a:prstGeom>
+            <a:noFill/>
+          </p:spPr>
+          <p:txBody>
+            <a:bodyPr wrap="square" rtlCol="0">
+              <a:spAutoFit/>
+            </a:bodyPr>
+            <a:lstStyle/>
+            <a:p>
+              <a:r>
+                <a:rPr lang="en-US" b="1" dirty="0" smtClean="0"/>
+                <a:t>Step N</a:t>
+              </a:r>
+              <a:endParaRPr lang="en-US" b="1" dirty="0"/>
+            </a:p>
+          </p:txBody>
+        </p:sp>
+        <p:sp>
+          <p:nvSpPr>
+            <p:cNvPr id="53" name="TextBox 52"/>
+            <p:cNvSpPr txBox="1"/>
+            <p:nvPr/>
+          </p:nvSpPr>
+          <p:spPr>
+            <a:xfrm>
+              <a:off x="7450115" y="1218020"/>
+              <a:ext cx="1203274" cy="369332"/>
+            </a:xfrm>
+            <a:prstGeom prst="rect">
+              <a:avLst/>
+            </a:prstGeom>
+            <a:noFill/>
+          </p:spPr>
+          <p:txBody>
+            <a:bodyPr wrap="square" rtlCol="0">
+              <a:spAutoFit/>
+            </a:bodyPr>
+            <a:lstStyle/>
+            <a:p>
+              <a:r>
+                <a:rPr lang="en-US" b="1" dirty="0" smtClean="0"/>
+                <a:t>Variable</a:t>
+              </a:r>
+              <a:endParaRPr lang="en-US" b="1" dirty="0"/>
+            </a:p>
+          </p:txBody>
+        </p:sp>
+      </p:grpSp>
     </p:spTree>
     <p:extLst>
       <p:ext uri="{BB962C8B-B14F-4D97-AF65-F5344CB8AC3E}">
@@ -19638,7 +20646,7 @@
           <a:p>
             <a:fld id="{BF5355A6-59B9-4F26-8F15-CE7BC9B0A160}" type="datetime1">
               <a:rPr lang="en-US" smtClean="0"/>
-              <a:t>4/27/2015</a:t>
+              <a:t>4/28/2015</a:t>
             </a:fld>
             <a:endParaRPr lang="en-US" dirty="0"/>
           </a:p>
@@ -19797,7 +20805,7 @@
       </p:sp>
       <p:sp>
         <p:nvSpPr>
-          <p:cNvPr id="3" name="Content Placeholder 2"/>
+          <p:cNvPr id="11" name="Content Placeholder 10"/>
           <p:cNvSpPr>
             <a:spLocks noGrp="1"/>
           </p:cNvSpPr>
@@ -19805,12 +20813,7 @@
             <p:ph idx="1"/>
           </p:nvPr>
         </p:nvSpPr>
-        <p:spPr>
-          <a:xfrm>
-            <a:off x="838200" y="1460500"/>
-            <a:ext cx="6872785" cy="4716463"/>
-          </a:xfrm>
-        </p:spPr>
+        <p:spPr/>
         <p:txBody>
           <a:bodyPr>
             <a:normAutofit lnSpcReduction="10000"/>
@@ -19818,72 +20821,58 @@
           <a:lstStyle/>
           <a:p>
             <a:r>
+              <a:rPr lang="en-US" dirty="0"/>
+              <a:t>An important trade-off in determining the variance parameter of this distribution.</a:t>
+            </a:r>
+          </a:p>
+          <a:p>
+            <a:pPr lvl="1"/>
+            <a:r>
+              <a:rPr lang="en-US" dirty="0"/>
+              <a:t>Too small</a:t>
+            </a:r>
+          </a:p>
+          <a:p>
+            <a:pPr lvl="2"/>
+            <a:r>
+              <a:rPr lang="en-US" dirty="0"/>
+              <a:t>Proportion of accepted transitions with be high,</a:t>
+            </a:r>
+          </a:p>
+          <a:p>
+            <a:pPr lvl="2"/>
+            <a:r>
+              <a:rPr lang="en-US" dirty="0"/>
+              <a:t>Progress through the state space takes the form of slow random walk leading to long correlation times.</a:t>
+            </a:r>
+          </a:p>
+          <a:p>
+            <a:pPr lvl="1"/>
+            <a:r>
+              <a:rPr lang="en-US" dirty="0"/>
+              <a:t>Too large, then the rejection rate will be high, leading to an inefficient sampling process. </a:t>
+            </a:r>
+          </a:p>
+          <a:p>
+            <a:r>
               <a:rPr lang="en-US" dirty="0" smtClean="0"/>
-              <a:t>Current set-up in </a:t>
-            </a:r>
+              <a:t>2 kinds of trade-off:</a:t>
+            </a:r>
+          </a:p>
+          <a:p>
+            <a:pPr lvl="1"/>
             <a:r>
               <a:rPr lang="en-US" dirty="0" smtClean="0"/>
-              <a:t>MATLAB code</a:t>
-            </a:r>
+              <a:t>Trade-off (adapt) for each unknown distribution</a:t>
+            </a:r>
+          </a:p>
+          <a:p>
+            <a:pPr lvl="1"/>
             <a:r>
               <a:rPr lang="en-US" dirty="0" smtClean="0"/>
-              <a:t>:</a:t>
-            </a:r>
-          </a:p>
-          <a:p>
-            <a:pPr lvl="1"/>
-            <a:r>
-              <a:rPr lang="en-US" dirty="0" smtClean="0"/>
-              <a:t>Serial MCMC as described</a:t>
-            </a:r>
-          </a:p>
-          <a:p>
-            <a:pPr lvl="1"/>
-            <a:r>
-              <a:rPr lang="en-US" dirty="0" smtClean="0"/>
-              <a:t>Fixed variance (step length) </a:t>
-            </a:r>
-            <a:r>
-              <a:rPr lang="en-US" dirty="0" smtClean="0">
-                <a:sym typeface="Wingdings" panose="05000000000000000000" pitchFamily="2" charset="2"/>
-              </a:rPr>
-              <a:t> No trade-off at all</a:t>
-            </a:r>
-            <a:endParaRPr lang="en-US" dirty="0" smtClean="0"/>
-          </a:p>
-          <a:p>
-            <a:r>
-              <a:rPr lang="en-US" dirty="0" smtClean="0"/>
-              <a:t>Our proposal:</a:t>
-            </a:r>
-          </a:p>
-          <a:p>
-            <a:pPr lvl="1"/>
-            <a:r>
-              <a:rPr lang="en-US" dirty="0" smtClean="0"/>
-              <a:t>Run several random walks simulation at the same time</a:t>
-            </a:r>
-          </a:p>
-          <a:p>
-            <a:pPr lvl="1"/>
-            <a:r>
-              <a:rPr lang="en-US" dirty="0" smtClean="0"/>
-              <a:t>Each core uses a different variance</a:t>
-            </a:r>
-          </a:p>
-          <a:p>
-            <a:pPr lvl="1"/>
-            <a:r>
-              <a:rPr lang="en-US" dirty="0" smtClean="0"/>
-              <a:t>After K iterations, pick the best results, broadcast to all cores</a:t>
-            </a:r>
-          </a:p>
-          <a:p>
-            <a:pPr lvl="1"/>
-            <a:r>
-              <a:rPr lang="en-US" dirty="0" smtClean="0"/>
-              <a:t>Repeat until convergence</a:t>
-            </a:r>
+              <a:t>Trade-off for locations in given distribution </a:t>
+            </a:r>
+            <a:endParaRPr lang="en-US" dirty="0"/>
           </a:p>
         </p:txBody>
       </p:sp>
@@ -19904,7 +20893,7 @@
           <a:p>
             <a:fld id="{B1E02016-1A59-4FAC-B290-A8B2EEE0AE67}" type="datetime1">
               <a:rPr lang="en-US" smtClean="0"/>
-              <a:t>4/27/2015</a:t>
+              <a:t>4/28/2015</a:t>
             </a:fld>
             <a:endParaRPr lang="en-US"/>
           </a:p>
@@ -19957,1327 +20946,62 @@
           </a:p>
         </p:txBody>
       </p:sp>
-      <p:sp>
-        <p:nvSpPr>
-          <p:cNvPr id="7" name="Down Arrow 6"/>
-          <p:cNvSpPr/>
+      <p:pic>
+        <p:nvPicPr>
+          <p:cNvPr id="51" name="Picture 2"/>
+          <p:cNvPicPr>
+            <a:picLocks noChangeAspect="1" noChangeArrowheads="1"/>
+          </p:cNvPicPr>
           <p:nvPr/>
-        </p:nvSpPr>
-        <p:spPr>
+        </p:nvPicPr>
+        <p:blipFill>
+          <a:blip r:embed="rId2" cstate="print"/>
+          <a:srcRect/>
+          <a:stretch>
+            <a:fillRect/>
+          </a:stretch>
+        </p:blipFill>
+        <p:spPr bwMode="auto">
           <a:xfrm>
-            <a:off x="8590411" y="1610625"/>
-            <a:ext cx="294564" cy="791381"/>
-          </a:xfrm>
-          <a:prstGeom prst="downArrow">
-            <a:avLst/>
-          </a:prstGeom>
-        </p:spPr>
-        <p:style>
-          <a:lnRef idx="2">
-            <a:schemeClr val="accent1">
-              <a:shade val="50000"/>
-            </a:schemeClr>
-          </a:lnRef>
-          <a:fillRef idx="1">
-            <a:schemeClr val="accent1"/>
-          </a:fillRef>
-          <a:effectRef idx="0">
-            <a:schemeClr val="accent1"/>
-          </a:effectRef>
-          <a:fontRef idx="minor">
-            <a:schemeClr val="lt1"/>
-          </a:fontRef>
-        </p:style>
-        <p:txBody>
-          <a:bodyPr rtlCol="0" anchor="ctr"/>
-          <a:lstStyle/>
-          <a:p>
-            <a:pPr algn="ctr"/>
-            <a:endParaRPr lang="en-US"/>
-          </a:p>
-        </p:txBody>
-      </p:sp>
-      <p:sp>
-        <p:nvSpPr>
-          <p:cNvPr id="8" name="Down Arrow 7"/>
-          <p:cNvSpPr/>
-          <p:nvPr/>
-        </p:nvSpPr>
-        <p:spPr>
-          <a:xfrm>
-            <a:off x="9327390" y="1610625"/>
-            <a:ext cx="294564" cy="791381"/>
-          </a:xfrm>
-          <a:prstGeom prst="downArrow">
-            <a:avLst/>
-          </a:prstGeom>
-        </p:spPr>
-        <p:style>
-          <a:lnRef idx="2">
-            <a:schemeClr val="accent1">
-              <a:shade val="50000"/>
-            </a:schemeClr>
-          </a:lnRef>
-          <a:fillRef idx="1">
-            <a:schemeClr val="accent1"/>
-          </a:fillRef>
-          <a:effectRef idx="0">
-            <a:schemeClr val="accent1"/>
-          </a:effectRef>
-          <a:fontRef idx="minor">
-            <a:schemeClr val="lt1"/>
-          </a:fontRef>
-        </p:style>
-        <p:txBody>
-          <a:bodyPr rtlCol="0" anchor="ctr"/>
-          <a:lstStyle/>
-          <a:p>
-            <a:pPr algn="ctr"/>
-            <a:endParaRPr lang="en-US"/>
-          </a:p>
-        </p:txBody>
-      </p:sp>
-      <p:sp>
-        <p:nvSpPr>
-          <p:cNvPr id="9" name="Down Arrow 8"/>
-          <p:cNvSpPr/>
-          <p:nvPr/>
-        </p:nvSpPr>
-        <p:spPr>
-          <a:xfrm>
-            <a:off x="10053564" y="1610625"/>
-            <a:ext cx="294564" cy="791381"/>
-          </a:xfrm>
-          <a:prstGeom prst="downArrow">
-            <a:avLst/>
-          </a:prstGeom>
-        </p:spPr>
-        <p:style>
-          <a:lnRef idx="2">
-            <a:schemeClr val="accent1">
-              <a:shade val="50000"/>
-            </a:schemeClr>
-          </a:lnRef>
-          <a:fillRef idx="1">
-            <a:schemeClr val="accent1"/>
-          </a:fillRef>
-          <a:effectRef idx="0">
-            <a:schemeClr val="accent1"/>
-          </a:effectRef>
-          <a:fontRef idx="minor">
-            <a:schemeClr val="lt1"/>
-          </a:fontRef>
-        </p:style>
-        <p:txBody>
-          <a:bodyPr rtlCol="0" anchor="ctr"/>
-          <a:lstStyle/>
-          <a:p>
-            <a:pPr algn="ctr"/>
-            <a:endParaRPr lang="en-US"/>
-          </a:p>
-        </p:txBody>
-      </p:sp>
-      <p:sp>
-        <p:nvSpPr>
-          <p:cNvPr id="10" name="Down Arrow 9"/>
-          <p:cNvSpPr/>
-          <p:nvPr/>
-        </p:nvSpPr>
-        <p:spPr>
-          <a:xfrm>
-            <a:off x="10744480" y="1610625"/>
-            <a:ext cx="294564" cy="791381"/>
-          </a:xfrm>
-          <a:prstGeom prst="downArrow">
-            <a:avLst/>
-          </a:prstGeom>
-        </p:spPr>
-        <p:style>
-          <a:lnRef idx="2">
-            <a:schemeClr val="accent1">
-              <a:shade val="50000"/>
-            </a:schemeClr>
-          </a:lnRef>
-          <a:fillRef idx="1">
-            <a:schemeClr val="accent1"/>
-          </a:fillRef>
-          <a:effectRef idx="0">
-            <a:schemeClr val="accent1"/>
-          </a:effectRef>
-          <a:fontRef idx="minor">
-            <a:schemeClr val="lt1"/>
-          </a:fontRef>
-        </p:style>
-        <p:txBody>
-          <a:bodyPr rtlCol="0" anchor="ctr"/>
-          <a:lstStyle/>
-          <a:p>
-            <a:pPr algn="ctr"/>
-            <a:endParaRPr lang="en-US"/>
-          </a:p>
-        </p:txBody>
-      </p:sp>
-      <p:cxnSp>
-        <p:nvCxnSpPr>
-          <p:cNvPr id="12" name="Straight Connector 11"/>
-          <p:cNvCxnSpPr>
-            <a:stCxn id="7" idx="2"/>
-            <a:endCxn id="8" idx="0"/>
-          </p:cNvCxnSpPr>
-          <p:nvPr/>
-        </p:nvCxnSpPr>
-        <p:spPr>
-          <a:xfrm flipV="1">
-            <a:off x="8737693" y="1610625"/>
-            <a:ext cx="736979" cy="791381"/>
-          </a:xfrm>
-          <a:prstGeom prst="line">
-            <a:avLst/>
-          </a:prstGeom>
-        </p:spPr>
-        <p:style>
-          <a:lnRef idx="1">
-            <a:schemeClr val="accent1"/>
-          </a:lnRef>
-          <a:fillRef idx="0">
-            <a:schemeClr val="accent1"/>
-          </a:fillRef>
-          <a:effectRef idx="0">
-            <a:schemeClr val="accent1"/>
-          </a:effectRef>
-          <a:fontRef idx="minor">
-            <a:schemeClr val="tx1"/>
-          </a:fontRef>
-        </p:style>
-      </p:cxnSp>
-      <p:cxnSp>
-        <p:nvCxnSpPr>
-          <p:cNvPr id="13" name="Straight Connector 12"/>
-          <p:cNvCxnSpPr/>
-          <p:nvPr/>
-        </p:nvCxnSpPr>
-        <p:spPr>
-          <a:xfrm flipV="1">
-            <a:off x="9470974" y="1583424"/>
-            <a:ext cx="736979" cy="791381"/>
-          </a:xfrm>
-          <a:prstGeom prst="line">
-            <a:avLst/>
-          </a:prstGeom>
-        </p:spPr>
-        <p:style>
-          <a:lnRef idx="1">
-            <a:schemeClr val="accent1"/>
-          </a:lnRef>
-          <a:fillRef idx="0">
-            <a:schemeClr val="accent1"/>
-          </a:fillRef>
-          <a:effectRef idx="0">
-            <a:schemeClr val="accent1"/>
-          </a:effectRef>
-          <a:fontRef idx="minor">
-            <a:schemeClr val="tx1"/>
-          </a:fontRef>
-        </p:style>
-      </p:cxnSp>
-      <p:cxnSp>
-        <p:nvCxnSpPr>
-          <p:cNvPr id="14" name="Straight Connector 13"/>
-          <p:cNvCxnSpPr/>
-          <p:nvPr/>
-        </p:nvCxnSpPr>
-        <p:spPr>
-          <a:xfrm flipV="1">
-            <a:off x="10152508" y="1610625"/>
-            <a:ext cx="736979" cy="791381"/>
-          </a:xfrm>
-          <a:prstGeom prst="line">
-            <a:avLst/>
-          </a:prstGeom>
-        </p:spPr>
-        <p:style>
-          <a:lnRef idx="1">
-            <a:schemeClr val="accent1"/>
-          </a:lnRef>
-          <a:fillRef idx="0">
-            <a:schemeClr val="accent1"/>
-          </a:fillRef>
-          <a:effectRef idx="0">
-            <a:schemeClr val="accent1"/>
-          </a:effectRef>
-          <a:fontRef idx="minor">
-            <a:schemeClr val="tx1"/>
-          </a:fontRef>
-        </p:style>
-      </p:cxnSp>
-      <p:sp>
-        <p:nvSpPr>
-          <p:cNvPr id="15" name="Down Arrow 14"/>
-          <p:cNvSpPr/>
-          <p:nvPr/>
-        </p:nvSpPr>
-        <p:spPr>
-          <a:xfrm>
-            <a:off x="8590411" y="2770778"/>
-            <a:ext cx="294564" cy="791381"/>
-          </a:xfrm>
-          <a:prstGeom prst="downArrow">
-            <a:avLst/>
-          </a:prstGeom>
-        </p:spPr>
-        <p:style>
-          <a:lnRef idx="2">
-            <a:schemeClr val="accent1">
-              <a:shade val="50000"/>
-            </a:schemeClr>
-          </a:lnRef>
-          <a:fillRef idx="1">
-            <a:schemeClr val="accent1"/>
-          </a:fillRef>
-          <a:effectRef idx="0">
-            <a:schemeClr val="accent1"/>
-          </a:effectRef>
-          <a:fontRef idx="minor">
-            <a:schemeClr val="lt1"/>
-          </a:fontRef>
-        </p:style>
-        <p:txBody>
-          <a:bodyPr rtlCol="0" anchor="ctr"/>
-          <a:lstStyle/>
-          <a:p>
-            <a:pPr algn="ctr"/>
-            <a:endParaRPr lang="en-US"/>
-          </a:p>
-        </p:txBody>
-      </p:sp>
-      <p:sp>
-        <p:nvSpPr>
-          <p:cNvPr id="16" name="Down Arrow 15"/>
-          <p:cNvSpPr/>
-          <p:nvPr/>
-        </p:nvSpPr>
-        <p:spPr>
-          <a:xfrm>
-            <a:off x="9327390" y="2770778"/>
-            <a:ext cx="294564" cy="791381"/>
-          </a:xfrm>
-          <a:prstGeom prst="downArrow">
-            <a:avLst/>
-          </a:prstGeom>
-        </p:spPr>
-        <p:style>
-          <a:lnRef idx="2">
-            <a:schemeClr val="accent1">
-              <a:shade val="50000"/>
-            </a:schemeClr>
-          </a:lnRef>
-          <a:fillRef idx="1">
-            <a:schemeClr val="accent1"/>
-          </a:fillRef>
-          <a:effectRef idx="0">
-            <a:schemeClr val="accent1"/>
-          </a:effectRef>
-          <a:fontRef idx="minor">
-            <a:schemeClr val="lt1"/>
-          </a:fontRef>
-        </p:style>
-        <p:txBody>
-          <a:bodyPr rtlCol="0" anchor="ctr"/>
-          <a:lstStyle/>
-          <a:p>
-            <a:pPr algn="ctr"/>
-            <a:endParaRPr lang="en-US"/>
-          </a:p>
-        </p:txBody>
-      </p:sp>
-      <p:sp>
-        <p:nvSpPr>
-          <p:cNvPr id="17" name="Down Arrow 16"/>
-          <p:cNvSpPr/>
-          <p:nvPr/>
-        </p:nvSpPr>
-        <p:spPr>
-          <a:xfrm>
-            <a:off x="10053564" y="2770778"/>
-            <a:ext cx="294564" cy="791381"/>
-          </a:xfrm>
-          <a:prstGeom prst="downArrow">
-            <a:avLst/>
-          </a:prstGeom>
-        </p:spPr>
-        <p:style>
-          <a:lnRef idx="2">
-            <a:schemeClr val="accent1">
-              <a:shade val="50000"/>
-            </a:schemeClr>
-          </a:lnRef>
-          <a:fillRef idx="1">
-            <a:schemeClr val="accent1"/>
-          </a:fillRef>
-          <a:effectRef idx="0">
-            <a:schemeClr val="accent1"/>
-          </a:effectRef>
-          <a:fontRef idx="minor">
-            <a:schemeClr val="lt1"/>
-          </a:fontRef>
-        </p:style>
-        <p:txBody>
-          <a:bodyPr rtlCol="0" anchor="ctr"/>
-          <a:lstStyle/>
-          <a:p>
-            <a:pPr algn="ctr"/>
-            <a:endParaRPr lang="en-US"/>
-          </a:p>
-        </p:txBody>
-      </p:sp>
-      <p:sp>
-        <p:nvSpPr>
-          <p:cNvPr id="18" name="Down Arrow 17"/>
-          <p:cNvSpPr/>
-          <p:nvPr/>
-        </p:nvSpPr>
-        <p:spPr>
-          <a:xfrm>
-            <a:off x="10744480" y="2770778"/>
-            <a:ext cx="294564" cy="791381"/>
-          </a:xfrm>
-          <a:prstGeom prst="downArrow">
-            <a:avLst/>
-          </a:prstGeom>
-        </p:spPr>
-        <p:style>
-          <a:lnRef idx="2">
-            <a:schemeClr val="accent1">
-              <a:shade val="50000"/>
-            </a:schemeClr>
-          </a:lnRef>
-          <a:fillRef idx="1">
-            <a:schemeClr val="accent1"/>
-          </a:fillRef>
-          <a:effectRef idx="0">
-            <a:schemeClr val="accent1"/>
-          </a:effectRef>
-          <a:fontRef idx="minor">
-            <a:schemeClr val="lt1"/>
-          </a:fontRef>
-        </p:style>
-        <p:txBody>
-          <a:bodyPr rtlCol="0" anchor="ctr"/>
-          <a:lstStyle/>
-          <a:p>
-            <a:pPr algn="ctr"/>
-            <a:endParaRPr lang="en-US"/>
-          </a:p>
-        </p:txBody>
-      </p:sp>
-      <p:cxnSp>
-        <p:nvCxnSpPr>
-          <p:cNvPr id="19" name="Straight Connector 18"/>
-          <p:cNvCxnSpPr>
-            <a:stCxn id="15" idx="2"/>
-            <a:endCxn id="16" idx="0"/>
-          </p:cNvCxnSpPr>
-          <p:nvPr/>
-        </p:nvCxnSpPr>
-        <p:spPr>
-          <a:xfrm flipV="1">
-            <a:off x="8737693" y="2770778"/>
-            <a:ext cx="736979" cy="791381"/>
-          </a:xfrm>
-          <a:prstGeom prst="line">
-            <a:avLst/>
-          </a:prstGeom>
-        </p:spPr>
-        <p:style>
-          <a:lnRef idx="1">
-            <a:schemeClr val="accent1"/>
-          </a:lnRef>
-          <a:fillRef idx="0">
-            <a:schemeClr val="accent1"/>
-          </a:fillRef>
-          <a:effectRef idx="0">
-            <a:schemeClr val="accent1"/>
-          </a:effectRef>
-          <a:fontRef idx="minor">
-            <a:schemeClr val="tx1"/>
-          </a:fontRef>
-        </p:style>
-      </p:cxnSp>
-      <p:cxnSp>
-        <p:nvCxnSpPr>
-          <p:cNvPr id="20" name="Straight Connector 19"/>
-          <p:cNvCxnSpPr/>
-          <p:nvPr/>
-        </p:nvCxnSpPr>
-        <p:spPr>
-          <a:xfrm flipV="1">
-            <a:off x="9470974" y="2743577"/>
-            <a:ext cx="736979" cy="791381"/>
-          </a:xfrm>
-          <a:prstGeom prst="line">
-            <a:avLst/>
-          </a:prstGeom>
-        </p:spPr>
-        <p:style>
-          <a:lnRef idx="1">
-            <a:schemeClr val="accent1"/>
-          </a:lnRef>
-          <a:fillRef idx="0">
-            <a:schemeClr val="accent1"/>
-          </a:fillRef>
-          <a:effectRef idx="0">
-            <a:schemeClr val="accent1"/>
-          </a:effectRef>
-          <a:fontRef idx="minor">
-            <a:schemeClr val="tx1"/>
-          </a:fontRef>
-        </p:style>
-      </p:cxnSp>
-      <p:cxnSp>
-        <p:nvCxnSpPr>
-          <p:cNvPr id="21" name="Straight Connector 20"/>
-          <p:cNvCxnSpPr/>
-          <p:nvPr/>
-        </p:nvCxnSpPr>
-        <p:spPr>
-          <a:xfrm flipV="1">
-            <a:off x="10152508" y="2770778"/>
-            <a:ext cx="736979" cy="791381"/>
-          </a:xfrm>
-          <a:prstGeom prst="line">
-            <a:avLst/>
-          </a:prstGeom>
-        </p:spPr>
-        <p:style>
-          <a:lnRef idx="1">
-            <a:schemeClr val="accent1"/>
-          </a:lnRef>
-          <a:fillRef idx="0">
-            <a:schemeClr val="accent1"/>
-          </a:fillRef>
-          <a:effectRef idx="0">
-            <a:schemeClr val="accent1"/>
-          </a:effectRef>
-          <a:fontRef idx="minor">
-            <a:schemeClr val="tx1"/>
-          </a:fontRef>
-        </p:style>
-      </p:cxnSp>
-      <p:sp>
-        <p:nvSpPr>
-          <p:cNvPr id="22" name="Down Arrow 21"/>
-          <p:cNvSpPr/>
-          <p:nvPr/>
-        </p:nvSpPr>
-        <p:spPr>
-          <a:xfrm>
-            <a:off x="8586713" y="3958132"/>
-            <a:ext cx="294564" cy="791381"/>
-          </a:xfrm>
-          <a:prstGeom prst="downArrow">
-            <a:avLst/>
-          </a:prstGeom>
-        </p:spPr>
-        <p:style>
-          <a:lnRef idx="2">
-            <a:schemeClr val="accent1">
-              <a:shade val="50000"/>
-            </a:schemeClr>
-          </a:lnRef>
-          <a:fillRef idx="1">
-            <a:schemeClr val="accent1"/>
-          </a:fillRef>
-          <a:effectRef idx="0">
-            <a:schemeClr val="accent1"/>
-          </a:effectRef>
-          <a:fontRef idx="minor">
-            <a:schemeClr val="lt1"/>
-          </a:fontRef>
-        </p:style>
-        <p:txBody>
-          <a:bodyPr rtlCol="0" anchor="ctr"/>
-          <a:lstStyle/>
-          <a:p>
-            <a:pPr algn="ctr"/>
-            <a:endParaRPr lang="en-US"/>
-          </a:p>
-        </p:txBody>
-      </p:sp>
-      <p:sp>
-        <p:nvSpPr>
-          <p:cNvPr id="23" name="Down Arrow 22"/>
-          <p:cNvSpPr/>
-          <p:nvPr/>
-        </p:nvSpPr>
-        <p:spPr>
-          <a:xfrm>
-            <a:off x="9323692" y="3958132"/>
-            <a:ext cx="294564" cy="791381"/>
-          </a:xfrm>
-          <a:prstGeom prst="downArrow">
-            <a:avLst/>
-          </a:prstGeom>
-        </p:spPr>
-        <p:style>
-          <a:lnRef idx="2">
-            <a:schemeClr val="accent1">
-              <a:shade val="50000"/>
-            </a:schemeClr>
-          </a:lnRef>
-          <a:fillRef idx="1">
-            <a:schemeClr val="accent1"/>
-          </a:fillRef>
-          <a:effectRef idx="0">
-            <a:schemeClr val="accent1"/>
-          </a:effectRef>
-          <a:fontRef idx="minor">
-            <a:schemeClr val="lt1"/>
-          </a:fontRef>
-        </p:style>
-        <p:txBody>
-          <a:bodyPr rtlCol="0" anchor="ctr"/>
-          <a:lstStyle/>
-          <a:p>
-            <a:pPr algn="ctr"/>
-            <a:endParaRPr lang="en-US"/>
-          </a:p>
-        </p:txBody>
-      </p:sp>
-      <p:sp>
-        <p:nvSpPr>
-          <p:cNvPr id="24" name="Down Arrow 23"/>
-          <p:cNvSpPr/>
-          <p:nvPr/>
-        </p:nvSpPr>
-        <p:spPr>
-          <a:xfrm>
-            <a:off x="10049866" y="3958132"/>
-            <a:ext cx="294564" cy="791381"/>
-          </a:xfrm>
-          <a:prstGeom prst="downArrow">
-            <a:avLst/>
-          </a:prstGeom>
-        </p:spPr>
-        <p:style>
-          <a:lnRef idx="2">
-            <a:schemeClr val="accent1">
-              <a:shade val="50000"/>
-            </a:schemeClr>
-          </a:lnRef>
-          <a:fillRef idx="1">
-            <a:schemeClr val="accent1"/>
-          </a:fillRef>
-          <a:effectRef idx="0">
-            <a:schemeClr val="accent1"/>
-          </a:effectRef>
-          <a:fontRef idx="minor">
-            <a:schemeClr val="lt1"/>
-          </a:fontRef>
-        </p:style>
-        <p:txBody>
-          <a:bodyPr rtlCol="0" anchor="ctr"/>
-          <a:lstStyle/>
-          <a:p>
-            <a:pPr algn="ctr"/>
-            <a:endParaRPr lang="en-US"/>
-          </a:p>
-        </p:txBody>
-      </p:sp>
-      <p:sp>
-        <p:nvSpPr>
-          <p:cNvPr id="25" name="Down Arrow 24"/>
-          <p:cNvSpPr/>
-          <p:nvPr/>
-        </p:nvSpPr>
-        <p:spPr>
-          <a:xfrm>
-            <a:off x="10740782" y="3958132"/>
-            <a:ext cx="294564" cy="791381"/>
-          </a:xfrm>
-          <a:prstGeom prst="downArrow">
-            <a:avLst/>
-          </a:prstGeom>
-        </p:spPr>
-        <p:style>
-          <a:lnRef idx="2">
-            <a:schemeClr val="accent1">
-              <a:shade val="50000"/>
-            </a:schemeClr>
-          </a:lnRef>
-          <a:fillRef idx="1">
-            <a:schemeClr val="accent1"/>
-          </a:fillRef>
-          <a:effectRef idx="0">
-            <a:schemeClr val="accent1"/>
-          </a:effectRef>
-          <a:fontRef idx="minor">
-            <a:schemeClr val="lt1"/>
-          </a:fontRef>
-        </p:style>
-        <p:txBody>
-          <a:bodyPr rtlCol="0" anchor="ctr"/>
-          <a:lstStyle/>
-          <a:p>
-            <a:pPr algn="ctr"/>
-            <a:endParaRPr lang="en-US"/>
-          </a:p>
-        </p:txBody>
-      </p:sp>
-      <p:cxnSp>
-        <p:nvCxnSpPr>
-          <p:cNvPr id="26" name="Straight Connector 25"/>
-          <p:cNvCxnSpPr>
-            <a:stCxn id="22" idx="2"/>
-            <a:endCxn id="23" idx="0"/>
-          </p:cNvCxnSpPr>
-          <p:nvPr/>
-        </p:nvCxnSpPr>
-        <p:spPr>
-          <a:xfrm flipV="1">
-            <a:off x="8733995" y="3958132"/>
-            <a:ext cx="736979" cy="791381"/>
-          </a:xfrm>
-          <a:prstGeom prst="line">
-            <a:avLst/>
-          </a:prstGeom>
-        </p:spPr>
-        <p:style>
-          <a:lnRef idx="1">
-            <a:schemeClr val="accent1"/>
-          </a:lnRef>
-          <a:fillRef idx="0">
-            <a:schemeClr val="accent1"/>
-          </a:fillRef>
-          <a:effectRef idx="0">
-            <a:schemeClr val="accent1"/>
-          </a:effectRef>
-          <a:fontRef idx="minor">
-            <a:schemeClr val="tx1"/>
-          </a:fontRef>
-        </p:style>
-      </p:cxnSp>
-      <p:cxnSp>
-        <p:nvCxnSpPr>
-          <p:cNvPr id="27" name="Straight Connector 26"/>
-          <p:cNvCxnSpPr/>
-          <p:nvPr/>
-        </p:nvCxnSpPr>
-        <p:spPr>
-          <a:xfrm flipV="1">
-            <a:off x="9467276" y="3930931"/>
-            <a:ext cx="736979" cy="791381"/>
-          </a:xfrm>
-          <a:prstGeom prst="line">
-            <a:avLst/>
-          </a:prstGeom>
-        </p:spPr>
-        <p:style>
-          <a:lnRef idx="1">
-            <a:schemeClr val="accent1"/>
-          </a:lnRef>
-          <a:fillRef idx="0">
-            <a:schemeClr val="accent1"/>
-          </a:fillRef>
-          <a:effectRef idx="0">
-            <a:schemeClr val="accent1"/>
-          </a:effectRef>
-          <a:fontRef idx="minor">
-            <a:schemeClr val="tx1"/>
-          </a:fontRef>
-        </p:style>
-      </p:cxnSp>
-      <p:cxnSp>
-        <p:nvCxnSpPr>
-          <p:cNvPr id="28" name="Straight Connector 27"/>
-          <p:cNvCxnSpPr/>
-          <p:nvPr/>
-        </p:nvCxnSpPr>
-        <p:spPr>
-          <a:xfrm flipV="1">
-            <a:off x="10148810" y="3958132"/>
-            <a:ext cx="736979" cy="791381"/>
-          </a:xfrm>
-          <a:prstGeom prst="line">
-            <a:avLst/>
-          </a:prstGeom>
-        </p:spPr>
-        <p:style>
-          <a:lnRef idx="1">
-            <a:schemeClr val="accent1"/>
-          </a:lnRef>
-          <a:fillRef idx="0">
-            <a:schemeClr val="accent1"/>
-          </a:fillRef>
-          <a:effectRef idx="0">
-            <a:schemeClr val="accent1"/>
-          </a:effectRef>
-          <a:fontRef idx="minor">
-            <a:schemeClr val="tx1"/>
-          </a:fontRef>
-        </p:style>
-      </p:cxnSp>
-      <p:cxnSp>
-        <p:nvCxnSpPr>
-          <p:cNvPr id="30" name="Straight Connector 29"/>
-          <p:cNvCxnSpPr>
-            <a:stCxn id="10" idx="2"/>
-            <a:endCxn id="15" idx="0"/>
-          </p:cNvCxnSpPr>
-          <p:nvPr/>
-        </p:nvCxnSpPr>
-        <p:spPr>
-          <a:xfrm flipH="1">
-            <a:off x="8737693" y="2402006"/>
-            <a:ext cx="2154069" cy="368772"/>
-          </a:xfrm>
-          <a:prstGeom prst="line">
-            <a:avLst/>
-          </a:prstGeom>
-        </p:spPr>
-        <p:style>
-          <a:lnRef idx="1">
-            <a:schemeClr val="accent1"/>
-          </a:lnRef>
-          <a:fillRef idx="0">
-            <a:schemeClr val="accent1"/>
-          </a:fillRef>
-          <a:effectRef idx="0">
-            <a:schemeClr val="accent1"/>
-          </a:effectRef>
-          <a:fontRef idx="minor">
-            <a:schemeClr val="tx1"/>
-          </a:fontRef>
-        </p:style>
-      </p:cxnSp>
-      <p:cxnSp>
-        <p:nvCxnSpPr>
-          <p:cNvPr id="31" name="Straight Connector 30"/>
-          <p:cNvCxnSpPr>
-            <a:stCxn id="18" idx="2"/>
-            <a:endCxn id="22" idx="0"/>
-          </p:cNvCxnSpPr>
-          <p:nvPr/>
-        </p:nvCxnSpPr>
-        <p:spPr>
-          <a:xfrm flipH="1">
-            <a:off x="8733995" y="3562159"/>
-            <a:ext cx="2157767" cy="395973"/>
-          </a:xfrm>
-          <a:prstGeom prst="line">
-            <a:avLst/>
-          </a:prstGeom>
-        </p:spPr>
-        <p:style>
-          <a:lnRef idx="1">
-            <a:schemeClr val="accent1"/>
-          </a:lnRef>
-          <a:fillRef idx="0">
-            <a:schemeClr val="accent1"/>
-          </a:fillRef>
-          <a:effectRef idx="0">
-            <a:schemeClr val="accent1"/>
-          </a:effectRef>
-          <a:fontRef idx="minor">
-            <a:schemeClr val="tx1"/>
-          </a:fontRef>
-        </p:style>
-      </p:cxnSp>
-      <p:cxnSp>
-        <p:nvCxnSpPr>
-          <p:cNvPr id="36" name="Straight Connector 35"/>
-          <p:cNvCxnSpPr/>
-          <p:nvPr/>
-        </p:nvCxnSpPr>
-        <p:spPr>
-          <a:xfrm>
-            <a:off x="8733995" y="5049671"/>
-            <a:ext cx="2151794" cy="0"/>
-          </a:xfrm>
-          <a:prstGeom prst="line">
-            <a:avLst/>
-          </a:prstGeom>
-          <a:ln w="57150">
-            <a:prstDash val="sysDash"/>
-          </a:ln>
-        </p:spPr>
-        <p:style>
-          <a:lnRef idx="1">
-            <a:schemeClr val="accent1"/>
-          </a:lnRef>
-          <a:fillRef idx="0">
-            <a:schemeClr val="accent1"/>
-          </a:fillRef>
-          <a:effectRef idx="0">
-            <a:schemeClr val="accent1"/>
-          </a:effectRef>
-          <a:fontRef idx="minor">
-            <a:schemeClr val="tx1"/>
-          </a:fontRef>
-        </p:style>
-      </p:cxnSp>
-      <p:sp>
-        <p:nvSpPr>
-          <p:cNvPr id="38" name="Down Arrow 37"/>
-          <p:cNvSpPr/>
-          <p:nvPr/>
-        </p:nvSpPr>
-        <p:spPr>
-          <a:xfrm>
-            <a:off x="8599790" y="5483176"/>
-            <a:ext cx="294564" cy="791381"/>
-          </a:xfrm>
-          <a:prstGeom prst="downArrow">
-            <a:avLst/>
-          </a:prstGeom>
-        </p:spPr>
-        <p:style>
-          <a:lnRef idx="2">
-            <a:schemeClr val="accent1">
-              <a:shade val="50000"/>
-            </a:schemeClr>
-          </a:lnRef>
-          <a:fillRef idx="1">
-            <a:schemeClr val="accent1"/>
-          </a:fillRef>
-          <a:effectRef idx="0">
-            <a:schemeClr val="accent1"/>
-          </a:effectRef>
-          <a:fontRef idx="minor">
-            <a:schemeClr val="lt1"/>
-          </a:fontRef>
-        </p:style>
-        <p:txBody>
-          <a:bodyPr rtlCol="0" anchor="ctr"/>
-          <a:lstStyle/>
-          <a:p>
-            <a:pPr algn="ctr"/>
-            <a:endParaRPr lang="en-US"/>
-          </a:p>
-        </p:txBody>
-      </p:sp>
-      <p:sp>
-        <p:nvSpPr>
-          <p:cNvPr id="39" name="Down Arrow 38"/>
-          <p:cNvSpPr/>
-          <p:nvPr/>
-        </p:nvSpPr>
-        <p:spPr>
-          <a:xfrm>
-            <a:off x="9336769" y="5483176"/>
-            <a:ext cx="294564" cy="791381"/>
-          </a:xfrm>
-          <a:prstGeom prst="downArrow">
-            <a:avLst/>
-          </a:prstGeom>
-        </p:spPr>
-        <p:style>
-          <a:lnRef idx="2">
-            <a:schemeClr val="accent1">
-              <a:shade val="50000"/>
-            </a:schemeClr>
-          </a:lnRef>
-          <a:fillRef idx="1">
-            <a:schemeClr val="accent1"/>
-          </a:fillRef>
-          <a:effectRef idx="0">
-            <a:schemeClr val="accent1"/>
-          </a:effectRef>
-          <a:fontRef idx="minor">
-            <a:schemeClr val="lt1"/>
-          </a:fontRef>
-        </p:style>
-        <p:txBody>
-          <a:bodyPr rtlCol="0" anchor="ctr"/>
-          <a:lstStyle/>
-          <a:p>
-            <a:pPr algn="ctr"/>
-            <a:endParaRPr lang="en-US"/>
-          </a:p>
-        </p:txBody>
-      </p:sp>
-      <p:sp>
-        <p:nvSpPr>
-          <p:cNvPr id="40" name="Down Arrow 39"/>
-          <p:cNvSpPr/>
-          <p:nvPr/>
-        </p:nvSpPr>
-        <p:spPr>
-          <a:xfrm>
-            <a:off x="10062943" y="5483176"/>
-            <a:ext cx="294564" cy="791381"/>
-          </a:xfrm>
-          <a:prstGeom prst="downArrow">
-            <a:avLst/>
-          </a:prstGeom>
-        </p:spPr>
-        <p:style>
-          <a:lnRef idx="2">
-            <a:schemeClr val="accent1">
-              <a:shade val="50000"/>
-            </a:schemeClr>
-          </a:lnRef>
-          <a:fillRef idx="1">
-            <a:schemeClr val="accent1"/>
-          </a:fillRef>
-          <a:effectRef idx="0">
-            <a:schemeClr val="accent1"/>
-          </a:effectRef>
-          <a:fontRef idx="minor">
-            <a:schemeClr val="lt1"/>
-          </a:fontRef>
-        </p:style>
-        <p:txBody>
-          <a:bodyPr rtlCol="0" anchor="ctr"/>
-          <a:lstStyle/>
-          <a:p>
-            <a:pPr algn="ctr"/>
-            <a:endParaRPr lang="en-US"/>
-          </a:p>
-        </p:txBody>
-      </p:sp>
-      <p:sp>
-        <p:nvSpPr>
-          <p:cNvPr id="41" name="Down Arrow 40"/>
-          <p:cNvSpPr/>
-          <p:nvPr/>
-        </p:nvSpPr>
-        <p:spPr>
-          <a:xfrm>
-            <a:off x="10753859" y="5483176"/>
-            <a:ext cx="294564" cy="791381"/>
-          </a:xfrm>
-          <a:prstGeom prst="downArrow">
-            <a:avLst/>
-          </a:prstGeom>
-        </p:spPr>
-        <p:style>
-          <a:lnRef idx="2">
-            <a:schemeClr val="accent1">
-              <a:shade val="50000"/>
-            </a:schemeClr>
-          </a:lnRef>
-          <a:fillRef idx="1">
-            <a:schemeClr val="accent1"/>
-          </a:fillRef>
-          <a:effectRef idx="0">
-            <a:schemeClr val="accent1"/>
-          </a:effectRef>
-          <a:fontRef idx="minor">
-            <a:schemeClr val="lt1"/>
-          </a:fontRef>
-        </p:style>
-        <p:txBody>
-          <a:bodyPr rtlCol="0" anchor="ctr"/>
-          <a:lstStyle/>
-          <a:p>
-            <a:pPr algn="ctr"/>
-            <a:endParaRPr lang="en-US"/>
-          </a:p>
-        </p:txBody>
-      </p:sp>
-      <p:cxnSp>
-        <p:nvCxnSpPr>
-          <p:cNvPr id="42" name="Straight Connector 41"/>
-          <p:cNvCxnSpPr>
-            <a:stCxn id="38" idx="2"/>
-            <a:endCxn id="39" idx="0"/>
-          </p:cNvCxnSpPr>
-          <p:nvPr/>
-        </p:nvCxnSpPr>
-        <p:spPr>
-          <a:xfrm flipV="1">
-            <a:off x="8747072" y="5483176"/>
-            <a:ext cx="736979" cy="791381"/>
-          </a:xfrm>
-          <a:prstGeom prst="line">
-            <a:avLst/>
-          </a:prstGeom>
-        </p:spPr>
-        <p:style>
-          <a:lnRef idx="1">
-            <a:schemeClr val="accent1"/>
-          </a:lnRef>
-          <a:fillRef idx="0">
-            <a:schemeClr val="accent1"/>
-          </a:fillRef>
-          <a:effectRef idx="0">
-            <a:schemeClr val="accent1"/>
-          </a:effectRef>
-          <a:fontRef idx="minor">
-            <a:schemeClr val="tx1"/>
-          </a:fontRef>
-        </p:style>
-      </p:cxnSp>
-      <p:cxnSp>
-        <p:nvCxnSpPr>
-          <p:cNvPr id="43" name="Straight Connector 42"/>
-          <p:cNvCxnSpPr/>
-          <p:nvPr/>
-        </p:nvCxnSpPr>
-        <p:spPr>
-          <a:xfrm flipV="1">
-            <a:off x="9480353" y="5455975"/>
-            <a:ext cx="736979" cy="791381"/>
-          </a:xfrm>
-          <a:prstGeom prst="line">
-            <a:avLst/>
-          </a:prstGeom>
-        </p:spPr>
-        <p:style>
-          <a:lnRef idx="1">
-            <a:schemeClr val="accent1"/>
-          </a:lnRef>
-          <a:fillRef idx="0">
-            <a:schemeClr val="accent1"/>
-          </a:fillRef>
-          <a:effectRef idx="0">
-            <a:schemeClr val="accent1"/>
-          </a:effectRef>
-          <a:fontRef idx="minor">
-            <a:schemeClr val="tx1"/>
-          </a:fontRef>
-        </p:style>
-      </p:cxnSp>
-      <p:cxnSp>
-        <p:nvCxnSpPr>
-          <p:cNvPr id="44" name="Straight Connector 43"/>
-          <p:cNvCxnSpPr/>
-          <p:nvPr/>
-        </p:nvCxnSpPr>
-        <p:spPr>
-          <a:xfrm flipV="1">
-            <a:off x="10161887" y="5483176"/>
-            <a:ext cx="736979" cy="791381"/>
-          </a:xfrm>
-          <a:prstGeom prst="line">
-            <a:avLst/>
-          </a:prstGeom>
-        </p:spPr>
-        <p:style>
-          <a:lnRef idx="1">
-            <a:schemeClr val="accent1"/>
-          </a:lnRef>
-          <a:fillRef idx="0">
-            <a:schemeClr val="accent1"/>
-          </a:fillRef>
-          <a:effectRef idx="0">
-            <a:schemeClr val="accent1"/>
-          </a:effectRef>
-          <a:fontRef idx="minor">
-            <a:schemeClr val="tx1"/>
-          </a:fontRef>
-        </p:style>
-      </p:cxnSp>
-      <p:cxnSp>
-        <p:nvCxnSpPr>
-          <p:cNvPr id="45" name="Straight Connector 44"/>
-          <p:cNvCxnSpPr/>
-          <p:nvPr/>
-        </p:nvCxnSpPr>
-        <p:spPr>
-          <a:xfrm flipH="1">
-            <a:off x="8728022" y="5091084"/>
-            <a:ext cx="2157767" cy="395973"/>
-          </a:xfrm>
-          <a:prstGeom prst="line">
-            <a:avLst/>
-          </a:prstGeom>
-        </p:spPr>
-        <p:style>
-          <a:lnRef idx="1">
-            <a:schemeClr val="accent1"/>
-          </a:lnRef>
-          <a:fillRef idx="0">
-            <a:schemeClr val="accent1"/>
-          </a:fillRef>
-          <a:effectRef idx="0">
-            <a:schemeClr val="accent1"/>
-          </a:effectRef>
-          <a:fontRef idx="minor">
-            <a:schemeClr val="tx1"/>
-          </a:fontRef>
-        </p:style>
-      </p:cxnSp>
-      <p:sp>
-        <p:nvSpPr>
-          <p:cNvPr id="46" name="TextBox 45"/>
-          <p:cNvSpPr txBox="1"/>
-          <p:nvPr/>
-        </p:nvSpPr>
-        <p:spPr>
-          <a:xfrm>
-            <a:off x="8599790" y="1231900"/>
-            <a:ext cx="2435556" cy="369332"/>
+            <a:off x="8924500" y="1231900"/>
+            <a:ext cx="2717040" cy="2365731"/>
           </a:xfrm>
           <a:prstGeom prst="rect">
             <a:avLst/>
           </a:prstGeom>
           <a:noFill/>
+          <a:ln w="9525">
+            <a:noFill/>
+            <a:miter lim="800000"/>
+            <a:headEnd/>
+            <a:tailEnd/>
+          </a:ln>
         </p:spPr>
-        <p:txBody>
-          <a:bodyPr wrap="square" rtlCol="0">
-            <a:spAutoFit/>
-          </a:bodyPr>
-          <a:lstStyle/>
-          <a:p>
-            <a:r>
-              <a:rPr lang="en-US" b="1" dirty="0" smtClean="0"/>
-              <a:t>1           2            3           4</a:t>
-            </a:r>
-            <a:endParaRPr lang="en-US" b="1" dirty="0"/>
-          </a:p>
-        </p:txBody>
-      </p:sp>
-      <p:sp>
-        <p:nvSpPr>
-          <p:cNvPr id="47" name="TextBox 46"/>
-          <p:cNvSpPr txBox="1"/>
+      </p:pic>
+      <p:pic>
+        <p:nvPicPr>
+          <p:cNvPr id="53" name="Picture 52"/>
+          <p:cNvPicPr>
+            <a:picLocks noChangeAspect="1"/>
+          </p:cNvPicPr>
           <p:nvPr/>
-        </p:nvSpPr>
+        </p:nvPicPr>
+        <p:blipFill>
+          <a:blip r:embed="rId3"/>
+          <a:stretch>
+            <a:fillRect/>
+          </a:stretch>
+        </p:blipFill>
         <p:spPr>
           <a:xfrm>
-            <a:off x="11178930" y="2041302"/>
-            <a:ext cx="999132" cy="369332"/>
+            <a:off x="8767550" y="3409334"/>
+            <a:ext cx="3143250" cy="3086100"/>
           </a:xfrm>
           <a:prstGeom prst="rect">
             <a:avLst/>
           </a:prstGeom>
-          <a:noFill/>
         </p:spPr>
-        <p:txBody>
-          <a:bodyPr wrap="square" rtlCol="0">
-            <a:spAutoFit/>
-          </a:bodyPr>
-          <a:lstStyle/>
-          <a:p>
-            <a:r>
-              <a:rPr lang="en-US" b="1" dirty="0" smtClean="0"/>
-              <a:t>Step 1</a:t>
-            </a:r>
-            <a:endParaRPr lang="en-US" b="1" dirty="0"/>
-          </a:p>
-        </p:txBody>
-      </p:sp>
-      <p:sp>
-        <p:nvSpPr>
-          <p:cNvPr id="48" name="TextBox 47"/>
-          <p:cNvSpPr txBox="1"/>
-          <p:nvPr/>
-        </p:nvSpPr>
-        <p:spPr>
-          <a:xfrm>
-            <a:off x="11192868" y="3112066"/>
-            <a:ext cx="999132" cy="369332"/>
-          </a:xfrm>
-          <a:prstGeom prst="rect">
-            <a:avLst/>
-          </a:prstGeom>
-          <a:noFill/>
-        </p:spPr>
-        <p:txBody>
-          <a:bodyPr wrap="square" rtlCol="0">
-            <a:spAutoFit/>
-          </a:bodyPr>
-          <a:lstStyle/>
-          <a:p>
-            <a:r>
-              <a:rPr lang="en-US" b="1" dirty="0" smtClean="0"/>
-              <a:t>Step 2</a:t>
-            </a:r>
-            <a:endParaRPr lang="en-US" b="1" dirty="0"/>
-          </a:p>
-        </p:txBody>
-      </p:sp>
-      <p:sp>
-        <p:nvSpPr>
-          <p:cNvPr id="49" name="TextBox 48"/>
-          <p:cNvSpPr txBox="1"/>
-          <p:nvPr/>
-        </p:nvSpPr>
-        <p:spPr>
-          <a:xfrm>
-            <a:off x="11178930" y="4380181"/>
-            <a:ext cx="999132" cy="369332"/>
-          </a:xfrm>
-          <a:prstGeom prst="rect">
-            <a:avLst/>
-          </a:prstGeom>
-          <a:noFill/>
-        </p:spPr>
-        <p:txBody>
-          <a:bodyPr wrap="square" rtlCol="0">
-            <a:spAutoFit/>
-          </a:bodyPr>
-          <a:lstStyle/>
-          <a:p>
-            <a:r>
-              <a:rPr lang="en-US" b="1" dirty="0" smtClean="0"/>
-              <a:t>Step 3</a:t>
-            </a:r>
-            <a:endParaRPr lang="en-US" b="1" dirty="0"/>
-          </a:p>
-        </p:txBody>
-      </p:sp>
-      <p:sp>
-        <p:nvSpPr>
-          <p:cNvPr id="50" name="TextBox 49"/>
-          <p:cNvSpPr txBox="1"/>
-          <p:nvPr/>
-        </p:nvSpPr>
-        <p:spPr>
-          <a:xfrm>
-            <a:off x="11192868" y="5878024"/>
-            <a:ext cx="999132" cy="369332"/>
-          </a:xfrm>
-          <a:prstGeom prst="rect">
-            <a:avLst/>
-          </a:prstGeom>
-          <a:noFill/>
-        </p:spPr>
-        <p:txBody>
-          <a:bodyPr wrap="square" rtlCol="0">
-            <a:spAutoFit/>
-          </a:bodyPr>
-          <a:lstStyle/>
-          <a:p>
-            <a:r>
-              <a:rPr lang="en-US" b="1" dirty="0" smtClean="0"/>
-              <a:t>Step N</a:t>
-            </a:r>
-            <a:endParaRPr lang="en-US" b="1" dirty="0"/>
-          </a:p>
-        </p:txBody>
-      </p:sp>
-      <p:sp>
-        <p:nvSpPr>
-          <p:cNvPr id="52" name="TextBox 51"/>
-          <p:cNvSpPr txBox="1"/>
-          <p:nvPr/>
-        </p:nvSpPr>
-        <p:spPr>
-          <a:xfrm>
-            <a:off x="7697337" y="1218020"/>
-            <a:ext cx="1203274" cy="369332"/>
-          </a:xfrm>
-          <a:prstGeom prst="rect">
-            <a:avLst/>
-          </a:prstGeom>
-          <a:noFill/>
-        </p:spPr>
-        <p:txBody>
-          <a:bodyPr wrap="square" rtlCol="0">
-            <a:spAutoFit/>
-          </a:bodyPr>
-          <a:lstStyle/>
-          <a:p>
-            <a:r>
-              <a:rPr lang="en-US" b="1" dirty="0" smtClean="0"/>
-              <a:t>Variable</a:t>
-            </a:r>
-            <a:endParaRPr lang="en-US" b="1" dirty="0"/>
-          </a:p>
-        </p:txBody>
-      </p:sp>
+      </p:pic>
     </p:spTree>
     <p:extLst>
       <p:ext uri="{BB962C8B-B14F-4D97-AF65-F5344CB8AC3E}">
@@ -21332,7 +21056,7 @@
           <a:p>
             <a:fld id="{B1E02016-1A59-4FAC-B290-A8B2EEE0AE67}" type="datetime1">
               <a:rPr lang="en-US" smtClean="0"/>
-              <a:t>4/27/2015</a:t>
+              <a:t>4/28/2015</a:t>
             </a:fld>
             <a:endParaRPr lang="en-US"/>
           </a:p>
@@ -21401,14 +21125,106 @@
         </p:blipFill>
         <p:spPr>
           <a:xfrm>
-            <a:off x="2527007" y="133113"/>
-            <a:ext cx="7217493" cy="6223237"/>
+            <a:off x="7017792" y="133113"/>
+            <a:ext cx="4951913" cy="6223237"/>
           </a:xfrm>
           <a:prstGeom prst="rect">
             <a:avLst/>
           </a:prstGeom>
         </p:spPr>
       </p:pic>
+      <p:sp>
+        <p:nvSpPr>
+          <p:cNvPr id="7" name="Content Placeholder 2"/>
+          <p:cNvSpPr>
+            <a:spLocks noGrp="1"/>
+          </p:cNvSpPr>
+          <p:nvPr>
+            <p:ph idx="1"/>
+          </p:nvPr>
+        </p:nvSpPr>
+        <p:spPr>
+          <a:xfrm>
+            <a:off x="145007" y="1639887"/>
+            <a:ext cx="6872785" cy="4716463"/>
+          </a:xfrm>
+        </p:spPr>
+        <p:txBody>
+          <a:bodyPr>
+            <a:normAutofit/>
+          </a:bodyPr>
+          <a:lstStyle/>
+          <a:p>
+            <a:r>
+              <a:rPr lang="en-US" dirty="0" smtClean="0"/>
+              <a:t>Our proposal:</a:t>
+            </a:r>
+          </a:p>
+          <a:p>
+            <a:pPr lvl="1"/>
+            <a:r>
+              <a:rPr lang="en-US" dirty="0" smtClean="0"/>
+              <a:t>Run several random walks simulation at the same time</a:t>
+            </a:r>
+          </a:p>
+          <a:p>
+            <a:pPr lvl="1"/>
+            <a:r>
+              <a:rPr lang="en-US" i="1" dirty="0" smtClean="0"/>
+              <a:t>Each core uses a different variance</a:t>
+            </a:r>
+          </a:p>
+          <a:p>
+            <a:pPr lvl="1"/>
+            <a:r>
+              <a:rPr lang="en-US" dirty="0" smtClean="0"/>
+              <a:t>After K iterations, </a:t>
+            </a:r>
+            <a:r>
+              <a:rPr lang="en-US" i="1" dirty="0" smtClean="0"/>
+              <a:t>pick the best results, broadcast to all cores</a:t>
+            </a:r>
+          </a:p>
+          <a:p>
+            <a:pPr lvl="1"/>
+            <a:r>
+              <a:rPr lang="en-US" dirty="0" smtClean="0"/>
+              <a:t>Repeat until convergence</a:t>
+            </a:r>
+          </a:p>
+        </p:txBody>
+      </p:sp>
+      <p:sp>
+        <p:nvSpPr>
+          <p:cNvPr id="8" name="Title 1"/>
+          <p:cNvSpPr>
+            <a:spLocks noGrp="1"/>
+          </p:cNvSpPr>
+          <p:nvPr>
+            <p:ph type="title"/>
+          </p:nvPr>
+        </p:nvSpPr>
+        <p:spPr>
+          <a:xfrm>
+            <a:off x="838200" y="365125"/>
+            <a:ext cx="10515600" cy="866775"/>
+          </a:xfrm>
+        </p:spPr>
+        <p:txBody>
+          <a:bodyPr/>
+          <a:lstStyle/>
+          <a:p>
+            <a:r>
+              <a:rPr lang="en-US" dirty="0" smtClean="0"/>
+              <a:t>Parallelizing </a:t>
+            </a:r>
+            <a:r>
+              <a:rPr lang="en-US" dirty="0"/>
+              <a:t>MCMC using MPI</a:t>
+            </a:r>
+          </a:p>
+        </p:txBody>
+      </p:sp>
     </p:spTree>
     <p:extLst>
       <p:ext uri="{BB962C8B-B14F-4D97-AF65-F5344CB8AC3E}">
@@ -21522,7 +21338,7 @@
           <a:p>
             <a:fld id="{1DE46D94-8227-4D2B-8507-54722BD25324}" type="datetime1">
               <a:rPr lang="en-US" smtClean="0"/>
-              <a:t>4/27/2015</a:t>
+              <a:t>4/28/2015</a:t>
             </a:fld>
             <a:endParaRPr lang="en-US" dirty="0"/>
           </a:p>
@@ -21676,7 +21492,7 @@
           <a:p>
             <a:fld id="{1DE46D94-8227-4D2B-8507-54722BD25324}" type="datetime1">
               <a:rPr lang="en-US" smtClean="0"/>
-              <a:t>4/27/2015</a:t>
+              <a:t>4/28/2015</a:t>
             </a:fld>
             <a:endParaRPr lang="en-US" dirty="0"/>
           </a:p>
@@ -22087,7 +21903,7 @@
           <a:p>
             <a:fld id="{1DE46D94-8227-4D2B-8507-54722BD25324}" type="datetime1">
               <a:rPr lang="en-US" smtClean="0"/>
-              <a:t>4/27/2015</a:t>
+              <a:t>4/28/2015</a:t>
             </a:fld>
             <a:endParaRPr lang="en-US" dirty="0"/>
           </a:p>
@@ -22521,11 +22337,7 @@
           <a:p>
             <a:r>
               <a:rPr lang="en-US" dirty="0" smtClean="0"/>
-              <a:t>Experimental </a:t>
-            </a:r>
-            <a:r>
-              <a:rPr lang="en-US" dirty="0" smtClean="0"/>
-              <a:t>Results - Hardware</a:t>
+              <a:t>Experimental Results - Hardware</a:t>
             </a:r>
             <a:endParaRPr lang="en-US" dirty="0"/>
           </a:p>
@@ -22548,7 +22360,7 @@
           <a:p>
             <a:fld id="{1DE46D94-8227-4D2B-8507-54722BD25324}" type="datetime1">
               <a:rPr lang="en-US" smtClean="0"/>
-              <a:t>4/27/2015</a:t>
+              <a:t>4/28/2015</a:t>
             </a:fld>
             <a:endParaRPr lang="en-US" dirty="0"/>
           </a:p>
@@ -22792,21 +22604,8 @@
           <a:p>
             <a:r>
               <a:rPr lang="en-US" dirty="0" smtClean="0"/>
-              <a:t>Experimental </a:t>
-            </a:r>
-            <a:r>
-              <a:rPr lang="en-US" dirty="0" smtClean="0"/>
-              <a:t>Methodology</a:t>
-            </a:r>
-            <a:r>
-              <a:rPr lang="en-US" dirty="0" smtClean="0"/>
-              <a:t> &amp; </a:t>
-            </a:r>
-            <a:r>
-              <a:rPr lang="en-US" dirty="0" smtClean="0"/>
-              <a:t>Results </a:t>
-            </a:r>
-            <a:endParaRPr lang="en-US" dirty="0" smtClean="0"/>
+              <a:t>Experimental Methodology &amp; Results </a:t>
+            </a:r>
           </a:p>
           <a:p>
             <a:r>
@@ -22843,7 +22642,7 @@
           <a:p>
             <a:fld id="{79B24D4A-BFAE-46AC-99C2-35FC4450274C}" type="datetime1">
               <a:rPr lang="en-US" smtClean="0"/>
-              <a:t>4/27/2015</a:t>
+              <a:t>4/28/2015</a:t>
             </a:fld>
             <a:endParaRPr lang="en-US" dirty="0"/>
           </a:p>
@@ -22950,11 +22749,7 @@
           <a:p>
             <a:r>
               <a:rPr lang="en-US" dirty="0" smtClean="0"/>
-              <a:t>Experimental </a:t>
-            </a:r>
-            <a:r>
-              <a:rPr lang="en-US" dirty="0" smtClean="0"/>
-              <a:t>Results - Software</a:t>
+              <a:t>Experimental Results - Software</a:t>
             </a:r>
             <a:endParaRPr lang="en-US" dirty="0"/>
           </a:p>
@@ -22977,7 +22772,7 @@
           <a:p>
             <a:fld id="{1DE46D94-8227-4D2B-8507-54722BD25324}" type="datetime1">
               <a:rPr lang="en-US" smtClean="0"/>
-              <a:t>4/27/2015</a:t>
+              <a:t>4/28/2015</a:t>
             </a:fld>
             <a:endParaRPr lang="en-US" dirty="0"/>
           </a:p>
@@ -23061,7 +22856,6 @@
               <a:rPr lang="en-US" dirty="0" smtClean="0"/>
               <a:t>4x speedup initially</a:t>
             </a:r>
-            <a:endParaRPr lang="en-US" dirty="0" smtClean="0"/>
           </a:p>
           <a:p>
             <a:r>
@@ -23172,11 +22966,7 @@
           <a:p>
             <a:r>
               <a:rPr lang="en-US" dirty="0" smtClean="0"/>
-              <a:t>Experimental </a:t>
-            </a:r>
-            <a:r>
-              <a:rPr lang="en-US" dirty="0" smtClean="0"/>
-              <a:t>Results - Methodology</a:t>
+              <a:t>Experimental Results - Methodology</a:t>
             </a:r>
             <a:endParaRPr lang="en-US" dirty="0"/>
           </a:p>
@@ -23199,7 +22989,7 @@
           <a:p>
             <a:fld id="{1DE46D94-8227-4D2B-8507-54722BD25324}" type="datetime1">
               <a:rPr lang="en-US" smtClean="0"/>
-              <a:t>4/27/2015</a:t>
+              <a:t>4/28/2015</a:t>
             </a:fld>
             <a:endParaRPr lang="en-US" dirty="0"/>
           </a:p>
@@ -23252,8 +23042,8 @@
           </a:p>
         </p:txBody>
       </p:sp>
-      <mc:AlternateContent xmlns:mc="http://schemas.openxmlformats.org/markup-compatibility/2006">
-        <mc:Choice xmlns:a14="http://schemas.microsoft.com/office/drawing/2010/main" Requires="a14">
+      <mc:AlternateContent xmlns:mc="http://schemas.openxmlformats.org/markup-compatibility/2006" xmlns:a14="http://schemas.microsoft.com/office/drawing/2010/main">
+        <mc:Choice Requires="a14">
           <p:sp>
             <p:nvSpPr>
               <p:cNvPr id="8" name="Content Placeholder 7"/>
@@ -23387,7 +23177,7 @@
             </p:txBody>
           </p:sp>
         </mc:Choice>
-        <mc:Fallback>
+        <mc:Fallback xmlns="">
           <p:sp>
             <p:nvSpPr>
               <p:cNvPr id="8" name="Content Placeholder 7"/>
@@ -23503,11 +23293,7 @@
           <a:p>
             <a:r>
               <a:rPr lang="en-US" dirty="0" smtClean="0"/>
-              <a:t>Experimental </a:t>
-            </a:r>
-            <a:r>
-              <a:rPr lang="en-US" dirty="0" smtClean="0"/>
-              <a:t>Results – Objective Function</a:t>
+              <a:t>Experimental Results – Objective Function</a:t>
             </a:r>
             <a:endParaRPr lang="en-US" dirty="0"/>
           </a:p>
@@ -23636,7 +23422,7 @@
           <a:p>
             <a:fld id="{1DE46D94-8227-4D2B-8507-54722BD25324}" type="datetime1">
               <a:rPr lang="en-US" smtClean="0"/>
-              <a:t>4/27/2015</a:t>
+              <a:t>4/28/2015</a:t>
             </a:fld>
             <a:endParaRPr lang="en-US" dirty="0"/>
           </a:p>
@@ -23743,11 +23529,7 @@
           <a:p>
             <a:r>
               <a:rPr lang="en-US" dirty="0" smtClean="0"/>
-              <a:t>Experimental </a:t>
-            </a:r>
-            <a:r>
-              <a:rPr lang="en-US" dirty="0" smtClean="0"/>
-              <a:t>Results - Methodology</a:t>
+              <a:t>Experimental Results - Methodology</a:t>
             </a:r>
             <a:endParaRPr lang="en-US" dirty="0"/>
           </a:p>
@@ -23770,7 +23552,7 @@
           <a:p>
             <a:fld id="{1DE46D94-8227-4D2B-8507-54722BD25324}" type="datetime1">
               <a:rPr lang="en-US" smtClean="0"/>
-              <a:t>4/27/2015</a:t>
+              <a:t>4/28/2015</a:t>
             </a:fld>
             <a:endParaRPr lang="en-US" dirty="0"/>
           </a:p>
@@ -23971,7 +23753,7 @@
           <a:p>
             <a:fld id="{D66FE7D3-C2C3-4EEA-B064-7AAC12CFE6B9}" type="datetime1">
               <a:rPr lang="en-US" smtClean="0"/>
-              <a:t>4/27/2015</a:t>
+              <a:t>4/28/2015</a:t>
             </a:fld>
             <a:endParaRPr lang="en-US"/>
           </a:p>
@@ -24101,7 +23883,7 @@
           <a:p>
             <a:fld id="{D66FE7D3-C2C3-4EEA-B064-7AAC12CFE6B9}" type="datetime1">
               <a:rPr lang="en-US" smtClean="0"/>
-              <a:t>4/27/2015</a:t>
+              <a:t>4/28/2015</a:t>
             </a:fld>
             <a:endParaRPr lang="en-US"/>
           </a:p>
@@ -24231,7 +24013,7 @@
           <a:p>
             <a:fld id="{D66FE7D3-C2C3-4EEA-B064-7AAC12CFE6B9}" type="datetime1">
               <a:rPr lang="en-US" smtClean="0"/>
-              <a:t>4/27/2015</a:t>
+              <a:t>4/28/2015</a:t>
             </a:fld>
             <a:endParaRPr lang="en-US"/>
           </a:p>
@@ -24361,7 +24143,7 @@
           <a:p>
             <a:fld id="{D66FE7D3-C2C3-4EEA-B064-7AAC12CFE6B9}" type="datetime1">
               <a:rPr lang="en-US" smtClean="0"/>
-              <a:t>4/27/2015</a:t>
+              <a:t>4/28/2015</a:t>
             </a:fld>
             <a:endParaRPr lang="en-US"/>
           </a:p>
@@ -24491,7 +24273,7 @@
           <a:p>
             <a:fld id="{D66FE7D3-C2C3-4EEA-B064-7AAC12CFE6B9}" type="datetime1">
               <a:rPr lang="en-US" smtClean="0"/>
-              <a:t>4/27/2015</a:t>
+              <a:t>4/28/2015</a:t>
             </a:fld>
             <a:endParaRPr lang="en-US"/>
           </a:p>
@@ -24621,7 +24403,7 @@
           <a:p>
             <a:fld id="{D66FE7D3-C2C3-4EEA-B064-7AAC12CFE6B9}" type="datetime1">
               <a:rPr lang="en-US" smtClean="0"/>
-              <a:t>4/27/2015</a:t>
+              <a:t>4/28/2015</a:t>
             </a:fld>
             <a:endParaRPr lang="en-US"/>
           </a:p>
@@ -24814,7 +24596,7 @@
           <a:p>
             <a:fld id="{19AD9094-236C-4B85-8F07-27565B43B069}" type="datetime1">
               <a:rPr lang="en-US" smtClean="0"/>
-              <a:t>4/27/2015</a:t>
+              <a:t>4/28/2015</a:t>
             </a:fld>
             <a:endParaRPr lang="en-US" dirty="0"/>
           </a:p>
@@ -24921,7 +24703,7 @@
           <a:p>
             <a:fld id="{D66FE7D3-C2C3-4EEA-B064-7AAC12CFE6B9}" type="datetime1">
               <a:rPr lang="en-US" smtClean="0"/>
-              <a:t>4/27/2015</a:t>
+              <a:t>4/28/2015</a:t>
             </a:fld>
             <a:endParaRPr lang="en-US"/>
           </a:p>
@@ -25051,7 +24833,7 @@
           <a:p>
             <a:fld id="{D66FE7D3-C2C3-4EEA-B064-7AAC12CFE6B9}" type="datetime1">
               <a:rPr lang="en-US" smtClean="0"/>
-              <a:t>4/27/2015</a:t>
+              <a:t>4/28/2015</a:t>
             </a:fld>
             <a:endParaRPr lang="en-US"/>
           </a:p>
@@ -25181,7 +24963,7 @@
           <a:p>
             <a:fld id="{D66FE7D3-C2C3-4EEA-B064-7AAC12CFE6B9}" type="datetime1">
               <a:rPr lang="en-US" smtClean="0"/>
-              <a:t>4/27/2015</a:t>
+              <a:t>4/28/2015</a:t>
             </a:fld>
             <a:endParaRPr lang="en-US"/>
           </a:p>
@@ -25296,106 +25078,7 @@
       </p:grpSpPr>
       <p:sp>
         <p:nvSpPr>
-          <p:cNvPr id="2" name="Title 1"/>
-          <p:cNvSpPr>
-            <a:spLocks noGrp="1"/>
-          </p:cNvSpPr>
-          <p:nvPr>
-            <p:ph type="title"/>
-          </p:nvPr>
-        </p:nvSpPr>
-        <p:spPr/>
-        <p:txBody>
-          <a:bodyPr/>
-          <a:lstStyle/>
-          <a:p>
-            <a:r>
-              <a:rPr lang="en-US" dirty="0" smtClean="0"/>
-              <a:t>Conclusion</a:t>
-            </a:r>
-            <a:endParaRPr lang="en-US" dirty="0"/>
-          </a:p>
-        </p:txBody>
-      </p:sp>
-      <p:sp>
-        <p:nvSpPr>
-          <p:cNvPr id="3" name="Content Placeholder 2"/>
-          <p:cNvSpPr>
-            <a:spLocks noGrp="1"/>
-          </p:cNvSpPr>
-          <p:nvPr>
-            <p:ph idx="1"/>
-          </p:nvPr>
-        </p:nvSpPr>
-        <p:spPr/>
-        <p:txBody>
-          <a:bodyPr/>
-          <a:lstStyle/>
-          <a:p>
-            <a:r>
-              <a:rPr lang="en-US" dirty="0" smtClean="0"/>
-              <a:t>Overview of MCMC and an application in Object Detection</a:t>
-            </a:r>
-          </a:p>
-          <a:p>
-            <a:r>
-              <a:rPr lang="en-US" dirty="0" smtClean="0"/>
-              <a:t>Ported serial MCMC </a:t>
-            </a:r>
-            <a:r>
-              <a:rPr lang="en-US" dirty="0" smtClean="0"/>
-              <a:t>MATLAB code </a:t>
-            </a:r>
-            <a:r>
-              <a:rPr lang="en-US" dirty="0" smtClean="0"/>
-              <a:t>to C++ </a:t>
-            </a:r>
-          </a:p>
-          <a:p>
-            <a:r>
-              <a:rPr lang="en-US" dirty="0" smtClean="0"/>
-              <a:t>Design parallel MCMC using MPI</a:t>
-            </a:r>
-          </a:p>
-          <a:p>
-            <a:pPr lvl="1"/>
-            <a:r>
-              <a:rPr lang="en-US" dirty="0" smtClean="0"/>
-              <a:t>Parallelize MCMC for one image</a:t>
-            </a:r>
-          </a:p>
-          <a:p>
-            <a:pPr lvl="1"/>
-            <a:r>
-              <a:rPr lang="en-US" dirty="0" smtClean="0"/>
-              <a:t>Parallelize MCMC for several image</a:t>
-            </a:r>
-          </a:p>
-          <a:p>
-            <a:r>
-              <a:rPr lang="en-US" dirty="0" smtClean="0"/>
-              <a:t>Implemented on </a:t>
-            </a:r>
-            <a:r>
-              <a:rPr lang="en-US" dirty="0" smtClean="0"/>
-              <a:t>ECEN Servers</a:t>
-            </a:r>
-            <a:endParaRPr lang="en-US" dirty="0" smtClean="0"/>
-          </a:p>
-          <a:p>
-            <a:r>
-              <a:rPr lang="en-US" dirty="0" smtClean="0"/>
-              <a:t>Comparison between serial MCMC and parallel MCMC</a:t>
-            </a:r>
-          </a:p>
-          <a:p>
-            <a:endParaRPr lang="en-US" dirty="0"/>
-          </a:p>
-        </p:txBody>
-      </p:sp>
-      <p:sp>
-        <p:nvSpPr>
-          <p:cNvPr id="4" name="Date Placeholder 3"/>
+          <p:cNvPr id="2" name="Date Placeholder 1"/>
           <p:cNvSpPr>
             <a:spLocks noGrp="1"/>
           </p:cNvSpPr>
@@ -25408,17 +25091,17 @@
           <a:bodyPr/>
           <a:lstStyle/>
           <a:p>
-            <a:fld id="{1DE46D94-8227-4D2B-8507-54722BD25324}" type="datetime1">
+            <a:fld id="{D66FE7D3-C2C3-4EEA-B064-7AAC12CFE6B9}" type="datetime1">
               <a:rPr lang="en-US" smtClean="0"/>
-              <a:t>4/27/2015</a:t>
+              <a:t>4/28/2015</a:t>
             </a:fld>
-            <a:endParaRPr lang="en-US" dirty="0"/>
+            <a:endParaRPr lang="en-US"/>
           </a:p>
         </p:txBody>
       </p:sp>
       <p:sp>
         <p:nvSpPr>
-          <p:cNvPr id="5" name="Footer Placeholder 4"/>
+          <p:cNvPr id="3" name="Footer Placeholder 2"/>
           <p:cNvSpPr>
             <a:spLocks noGrp="1"/>
           </p:cNvSpPr>
@@ -25432,16 +25115,16 @@
           <a:lstStyle/>
           <a:p>
             <a:r>
-              <a:rPr lang="en-US" dirty="0" smtClean="0"/>
+              <a:rPr lang="en-US" smtClean="0"/>
               <a:t>ECEN 5060 – Final Project – Spring 2015</a:t>
             </a:r>
-            <a:endParaRPr lang="en-US" dirty="0"/>
+            <a:endParaRPr lang="en-US"/>
           </a:p>
         </p:txBody>
       </p:sp>
       <p:sp>
         <p:nvSpPr>
-          <p:cNvPr id="6" name="Slide Number Placeholder 5"/>
+          <p:cNvPr id="4" name="Slide Number Placeholder 3"/>
           <p:cNvSpPr>
             <a:spLocks noGrp="1"/>
           </p:cNvSpPr>
@@ -25456,17 +25139,40 @@
           <a:p>
             <a:fld id="{66A79FD7-B063-4613-98C2-47CB42CF0D44}" type="slidenum">
               <a:rPr lang="en-US" smtClean="0"/>
-              <a:pPr/>
               <a:t>33</a:t>
             </a:fld>
-            <a:endParaRPr lang="en-US" dirty="0"/>
+            <a:endParaRPr lang="en-US"/>
           </a:p>
         </p:txBody>
       </p:sp>
+      <p:graphicFrame>
+        <p:nvGraphicFramePr>
+          <p:cNvPr id="7" name="Chart 6"/>
+          <p:cNvGraphicFramePr>
+            <a:graphicFrameLocks/>
+          </p:cNvGraphicFramePr>
+          <p:nvPr>
+            <p:extLst>
+              <p:ext uri="{D42A27DB-BD31-4B8C-83A1-F6EECF244321}">
+                <p14:modId xmlns:p14="http://schemas.microsoft.com/office/powerpoint/2010/main" val="4078485922"/>
+              </p:ext>
+            </p:extLst>
+          </p:nvPr>
+        </p:nvGraphicFramePr>
+        <p:xfrm>
+          <a:off x="0" y="-1"/>
+          <a:ext cx="12192000" cy="6301563"/>
+        </p:xfrm>
+        <a:graphic>
+          <a:graphicData uri="http://schemas.openxmlformats.org/drawingml/2006/chart">
+            <c:chart xmlns:c="http://schemas.openxmlformats.org/drawingml/2006/chart" xmlns:r="http://schemas.openxmlformats.org/officeDocument/2006/relationships" r:id="rId3"/>
+          </a:graphicData>
+        </a:graphic>
+      </p:graphicFrame>
     </p:spTree>
     <p:extLst>
       <p:ext uri="{BB962C8B-B14F-4D97-AF65-F5344CB8AC3E}">
-        <p14:creationId xmlns:p14="http://schemas.microsoft.com/office/powerpoint/2010/main" val="1945666882"/>
+        <p14:creationId xmlns:p14="http://schemas.microsoft.com/office/powerpoint/2010/main" val="3465200799"/>
       </p:ext>
     </p:extLst>
   </p:cSld>
@@ -25502,6 +25208,92 @@
       </p:grpSpPr>
       <p:sp>
         <p:nvSpPr>
+          <p:cNvPr id="2" name="Title 1"/>
+          <p:cNvSpPr>
+            <a:spLocks noGrp="1"/>
+          </p:cNvSpPr>
+          <p:nvPr>
+            <p:ph type="title"/>
+          </p:nvPr>
+        </p:nvSpPr>
+        <p:spPr/>
+        <p:txBody>
+          <a:bodyPr/>
+          <a:lstStyle/>
+          <a:p>
+            <a:r>
+              <a:rPr lang="en-US" dirty="0" smtClean="0"/>
+              <a:t>Conclusion</a:t>
+            </a:r>
+            <a:endParaRPr lang="en-US" dirty="0"/>
+          </a:p>
+        </p:txBody>
+      </p:sp>
+      <p:sp>
+        <p:nvSpPr>
+          <p:cNvPr id="3" name="Content Placeholder 2"/>
+          <p:cNvSpPr>
+            <a:spLocks noGrp="1"/>
+          </p:cNvSpPr>
+          <p:nvPr>
+            <p:ph idx="1"/>
+          </p:nvPr>
+        </p:nvSpPr>
+        <p:spPr/>
+        <p:txBody>
+          <a:bodyPr/>
+          <a:lstStyle/>
+          <a:p>
+            <a:r>
+              <a:rPr lang="en-US" dirty="0" smtClean="0"/>
+              <a:t>Overview of MCMC and an application in Object Detection</a:t>
+            </a:r>
+          </a:p>
+          <a:p>
+            <a:r>
+              <a:rPr lang="en-US" dirty="0" smtClean="0"/>
+              <a:t>Ported serial MCMC MATLAB code to C++ </a:t>
+            </a:r>
+          </a:p>
+          <a:p>
+            <a:r>
+              <a:rPr lang="en-US" dirty="0" smtClean="0"/>
+              <a:t>Design parallel MCMC using MPI</a:t>
+            </a:r>
+          </a:p>
+          <a:p>
+            <a:pPr lvl="1"/>
+            <a:r>
+              <a:rPr lang="en-US" dirty="0" smtClean="0"/>
+              <a:t>Parallelize MCMC for one image</a:t>
+            </a:r>
+          </a:p>
+          <a:p>
+            <a:pPr lvl="1"/>
+            <a:r>
+              <a:rPr lang="en-US" dirty="0" smtClean="0"/>
+              <a:t>Parallelize MCMC for several image</a:t>
+            </a:r>
+          </a:p>
+          <a:p>
+            <a:r>
+              <a:rPr lang="en-US" dirty="0" smtClean="0"/>
+              <a:t>Implemented on ECEN Servers</a:t>
+            </a:r>
+          </a:p>
+          <a:p>
+            <a:r>
+              <a:rPr lang="en-US" dirty="0" smtClean="0"/>
+              <a:t>Comparison between serial MCMC and parallel MCMC</a:t>
+            </a:r>
+          </a:p>
+          <a:p>
+            <a:endParaRPr lang="en-US" dirty="0"/>
+          </a:p>
+        </p:txBody>
+      </p:sp>
+      <p:sp>
+        <p:nvSpPr>
           <p:cNvPr id="4" name="Date Placeholder 3"/>
           <p:cNvSpPr>
             <a:spLocks noGrp="1"/>
@@ -25517,7 +25309,7 @@
           <a:p>
             <a:fld id="{1DE46D94-8227-4D2B-8507-54722BD25324}" type="datetime1">
               <a:rPr lang="en-US" smtClean="0"/>
-              <a:t>4/27/2015</a:t>
+              <a:t>4/28/2015</a:t>
             </a:fld>
             <a:endParaRPr lang="en-US" dirty="0"/>
           </a:p>
@@ -25565,6 +25357,113 @@
               <a:rPr lang="en-US" smtClean="0"/>
               <a:pPr/>
               <a:t>34</a:t>
+            </a:fld>
+            <a:endParaRPr lang="en-US" dirty="0"/>
+          </a:p>
+        </p:txBody>
+      </p:sp>
+    </p:spTree>
+    <p:extLst>
+      <p:ext uri="{BB962C8B-B14F-4D97-AF65-F5344CB8AC3E}">
+        <p14:creationId xmlns:p14="http://schemas.microsoft.com/office/powerpoint/2010/main" val="1945666882"/>
+      </p:ext>
+    </p:extLst>
+  </p:cSld>
+  <p:clrMapOvr>
+    <a:masterClrMapping/>
+  </p:clrMapOvr>
+  <p:timing>
+    <p:tnLst>
+      <p:par>
+        <p:cTn id="1" dur="indefinite" restart="never" nodeType="tmRoot"/>
+      </p:par>
+    </p:tnLst>
+  </p:timing>
+</p:sld>
+</file>
+
+<file path=ppt/slides/slide35.xml><?xml version="1.0" encoding="utf-8"?>
+<p:sld xmlns:a="http://schemas.openxmlformats.org/drawingml/2006/main" xmlns:r="http://schemas.openxmlformats.org/officeDocument/2006/relationships" xmlns:p="http://schemas.openxmlformats.org/presentationml/2006/main">
+  <p:cSld>
+    <p:spTree>
+      <p:nvGrpSpPr>
+        <p:cNvPr id="1" name=""/>
+        <p:cNvGrpSpPr/>
+        <p:nvPr/>
+      </p:nvGrpSpPr>
+      <p:grpSpPr>
+        <a:xfrm>
+          <a:off x="0" y="0"/>
+          <a:ext cx="0" cy="0"/>
+          <a:chOff x="0" y="0"/>
+          <a:chExt cx="0" cy="0"/>
+        </a:xfrm>
+      </p:grpSpPr>
+      <p:sp>
+        <p:nvSpPr>
+          <p:cNvPr id="4" name="Date Placeholder 3"/>
+          <p:cNvSpPr>
+            <a:spLocks noGrp="1"/>
+          </p:cNvSpPr>
+          <p:nvPr>
+            <p:ph type="dt" sz="half" idx="10"/>
+          </p:nvPr>
+        </p:nvSpPr>
+        <p:spPr/>
+        <p:txBody>
+          <a:bodyPr/>
+          <a:lstStyle/>
+          <a:p>
+            <a:fld id="{1DE46D94-8227-4D2B-8507-54722BD25324}" type="datetime1">
+              <a:rPr lang="en-US" smtClean="0"/>
+              <a:t>4/28/2015</a:t>
+            </a:fld>
+            <a:endParaRPr lang="en-US" dirty="0"/>
+          </a:p>
+        </p:txBody>
+      </p:sp>
+      <p:sp>
+        <p:nvSpPr>
+          <p:cNvPr id="5" name="Footer Placeholder 4"/>
+          <p:cNvSpPr>
+            <a:spLocks noGrp="1"/>
+          </p:cNvSpPr>
+          <p:nvPr>
+            <p:ph type="ftr" sz="quarter" idx="11"/>
+          </p:nvPr>
+        </p:nvSpPr>
+        <p:spPr/>
+        <p:txBody>
+          <a:bodyPr/>
+          <a:lstStyle/>
+          <a:p>
+            <a:r>
+              <a:rPr lang="en-US" dirty="0" smtClean="0"/>
+              <a:t>ECEN 5060 – Final Project – Spring 2015</a:t>
+            </a:r>
+            <a:endParaRPr lang="en-US" dirty="0"/>
+          </a:p>
+        </p:txBody>
+      </p:sp>
+      <p:sp>
+        <p:nvSpPr>
+          <p:cNvPr id="6" name="Slide Number Placeholder 5"/>
+          <p:cNvSpPr>
+            <a:spLocks noGrp="1"/>
+          </p:cNvSpPr>
+          <p:nvPr>
+            <p:ph type="sldNum" sz="quarter" idx="12"/>
+          </p:nvPr>
+        </p:nvSpPr>
+        <p:spPr/>
+        <p:txBody>
+          <a:bodyPr/>
+          <a:lstStyle/>
+          <a:p>
+            <a:fld id="{66A79FD7-B063-4613-98C2-47CB42CF0D44}" type="slidenum">
+              <a:rPr lang="en-US" smtClean="0"/>
+              <a:pPr/>
+              <a:t>35</a:t>
             </a:fld>
             <a:endParaRPr lang="en-US" dirty="0"/>
           </a:p>
@@ -25725,7 +25624,7 @@
           <a:p>
             <a:r>
               <a:rPr lang="en-US" dirty="0" smtClean="0"/>
-              <a:t>Monte Carlo is:</a:t>
+              <a:t>Monte Carlo in Monte Carlo method is:</a:t>
             </a:r>
           </a:p>
           <a:p>
@@ -25823,7 +25722,7 @@
           <a:p>
             <a:fld id="{CBF80A93-E212-4AD0-A203-956193124729}" type="datetime1">
               <a:rPr lang="en-US" smtClean="0"/>
-              <a:t>4/27/2015</a:t>
+              <a:t>4/28/2015</a:t>
             </a:fld>
             <a:endParaRPr lang="en-US" dirty="0"/>
           </a:p>
@@ -25989,8 +25888,8 @@
         </p:nvSpPr>
         <p:spPr>
           <a:xfrm>
-            <a:off x="838200" y="1460500"/>
-            <a:ext cx="6749955" cy="4716463"/>
+            <a:off x="477672" y="1460500"/>
+            <a:ext cx="7110483" cy="4716463"/>
           </a:xfrm>
         </p:spPr>
         <p:txBody>
@@ -26019,7 +25918,23 @@
             <a:pPr lvl="1"/>
             <a:r>
               <a:rPr lang="en-US" dirty="0" smtClean="0"/>
-              <a:t>Uncle of a member in team, often borrow money from relatives to gambles there </a:t>
+              <a:t>Uncle of a member in team, often </a:t>
+            </a:r>
+            <a:r>
+              <a:rPr lang="en-US" dirty="0" smtClean="0"/>
+              <a:t>borrowed </a:t>
+            </a:r>
+            <a:r>
+              <a:rPr lang="en-US" dirty="0" smtClean="0"/>
+              <a:t>money from relatives to </a:t>
+            </a:r>
+            <a:r>
+              <a:rPr lang="en-US" dirty="0" smtClean="0"/>
+              <a:t>gamble </a:t>
+            </a:r>
+            <a:r>
+              <a:rPr lang="en-US" dirty="0" smtClean="0"/>
+              <a:t>there </a:t>
             </a:r>
             <a:r>
               <a:rPr lang="en-US" dirty="0" smtClean="0">
@@ -26048,7 +25963,7 @@
           <a:p>
             <a:fld id="{23EC16F0-9136-48C0-9A66-BE733232B5F3}" type="datetime1">
               <a:rPr lang="en-US" smtClean="0"/>
-              <a:t>4/27/2015</a:t>
+              <a:t>4/28/2015</a:t>
             </a:fld>
             <a:endParaRPr lang="en-US" dirty="0"/>
           </a:p>
@@ -26252,7 +26167,7 @@
           <a:p>
             <a:fld id="{795A6F9B-5C4D-4072-9E8A-C60F25E2A58C}" type="datetime1">
               <a:rPr lang="en-US" smtClean="0"/>
-              <a:t>4/27/2015</a:t>
+              <a:t>4/28/2015</a:t>
             </a:fld>
             <a:endParaRPr lang="en-US" dirty="0"/>
           </a:p>
@@ -26383,13 +26298,7 @@
               <a:rPr lang="en-US" altLang="zh-CN" dirty="0" smtClean="0">
                 <a:sym typeface="Math1" pitchFamily="2" charset="2"/>
               </a:rPr>
-              <a:t>i.i.d</a:t>
-            </a:r>
-            <a:r>
-              <a:rPr lang="en-US" altLang="zh-CN" dirty="0" smtClean="0">
-                <a:sym typeface="Math1" pitchFamily="2" charset="2"/>
-              </a:rPr>
-              <a:t>. </a:t>
+              <a:t>i.i.d. </a:t>
             </a:r>
             <a:r>
               <a:rPr lang="en-US" altLang="zh-CN" dirty="0">
@@ -26710,7 +26619,7 @@
           <a:p>
             <a:fld id="{1A4072F9-442D-4FE4-AD98-DD5F20A18586}" type="datetime1">
               <a:rPr lang="en-US" smtClean="0"/>
-              <a:t>4/27/2015</a:t>
+              <a:t>4/28/2015</a:t>
             </a:fld>
             <a:endParaRPr lang="en-US" dirty="0"/>
           </a:p>
@@ -26997,7 +26906,7 @@
           <a:p>
             <a:fld id="{8FCFD582-559D-4CA2-924E-06EA81118F1C}" type="datetime1">
               <a:rPr lang="en-US" smtClean="0"/>
-              <a:t>4/27/2015</a:t>
+              <a:t>4/28/2015</a:t>
             </a:fld>
             <a:endParaRPr lang="en-US" dirty="0"/>
           </a:p>
@@ -27237,7 +27146,7 @@
           <a:p>
             <a:fld id="{C2F7BBD6-E8DC-4BC6-A86A-F8100531DDD0}" type="datetime1">
               <a:rPr lang="en-US" smtClean="0"/>
-              <a:t>4/27/2015</a:t>
+              <a:t>4/28/2015</a:t>
             </a:fld>
             <a:endParaRPr lang="en-US" dirty="0"/>
           </a:p>
